--- a/units/1/lessons/3/resources/petascale-lesson-1.3-slides.pptx
+++ b/units/1/lessons/3/resources/petascale-lesson-1.3-slides.pptx
@@ -1,22 +1,25 @@
 
 <file path=ppt/presentation.xml><?xml version="1.0" encoding="utf-8"?>
-<p:presentation xmlns:a="http://schemas.openxmlformats.org/drawingml/2006/main" xmlns:r="http://schemas.openxmlformats.org/officeDocument/2006/relationships" xmlns:p="http://schemas.openxmlformats.org/presentationml/2006/main" autoCompressPictures="0">
+<p:presentation xmlns:a="http://schemas.openxmlformats.org/drawingml/2006/main" xmlns:r="http://schemas.openxmlformats.org/officeDocument/2006/relationships" xmlns:p="http://schemas.openxmlformats.org/presentationml/2006/main" saveSubsetFonts="1" autoCompressPictures="0">
   <p:sldMasterIdLst>
     <p:sldMasterId id="2147483648" r:id="rId1"/>
+    <p:sldMasterId id="2147483661" r:id="rId2"/>
   </p:sldMasterIdLst>
   <p:notesMasterIdLst>
-    <p:notesMasterId r:id="rId11"/>
+    <p:notesMasterId r:id="rId14"/>
   </p:notesMasterIdLst>
   <p:sldIdLst>
-    <p:sldId id="256" r:id="rId2"/>
-    <p:sldId id="257" r:id="rId3"/>
-    <p:sldId id="259" r:id="rId4"/>
-    <p:sldId id="258" r:id="rId5"/>
-    <p:sldId id="260" r:id="rId6"/>
-    <p:sldId id="262" r:id="rId7"/>
-    <p:sldId id="263" r:id="rId8"/>
-    <p:sldId id="264" r:id="rId9"/>
-    <p:sldId id="261" r:id="rId10"/>
+    <p:sldId id="265" r:id="rId3"/>
+    <p:sldId id="266" r:id="rId4"/>
+    <p:sldId id="256" r:id="rId5"/>
+    <p:sldId id="257" r:id="rId6"/>
+    <p:sldId id="259" r:id="rId7"/>
+    <p:sldId id="258" r:id="rId8"/>
+    <p:sldId id="260" r:id="rId9"/>
+    <p:sldId id="262" r:id="rId10"/>
+    <p:sldId id="263" r:id="rId11"/>
+    <p:sldId id="264" r:id="rId12"/>
+    <p:sldId id="261" r:id="rId13"/>
   </p:sldIdLst>
   <p:sldSz cx="12192000" cy="6858000"/>
   <p:notesSz cx="6858000" cy="9144000"/>
@@ -115,6 +118,11 @@
       </a:defRPr>
     </a:lvl9pPr>
   </p:defaultTextStyle>
+  <p:extLst>
+    <p:ext uri="{EFAFB233-063F-42B5-8137-9DF3F51BA10A}">
+      <p15:sldGuideLst xmlns:p15="http://schemas.microsoft.com/office/powerpoint/2012/main"/>
+    </p:ext>
+  </p:extLst>
 </p:presentation>
 </file>
 
@@ -200,7 +208,7 @@
           <a:p>
             <a:fld id="{2B504B78-1614-49D9-BD52-41DBB9B24231}" type="datetimeFigureOut">
               <a:rPr lang="en-US" smtClean="0"/>
-              <a:t>7/20/2020</a:t>
+              <a:t>9/12/20</a:t>
             </a:fld>
             <a:endParaRPr lang="en-US"/>
           </a:p>
@@ -9260,7 +9268,7 @@
           <a:p>
             <a:fld id="{6AD6EE87-EBD5-4F12-A48A-63ACA297AC8F}" type="datetimeFigureOut">
               <a:rPr lang="en-US" dirty="0"/>
-              <a:t>7/20/2020</a:t>
+              <a:t>9/12/20</a:t>
             </a:fld>
             <a:endParaRPr lang="en-US" dirty="0"/>
           </a:p>
@@ -9462,7 +9470,7 @@
           <a:p>
             <a:fld id="{4CD73815-2707-4475-8F1A-B873CB631BB4}" type="datetimeFigureOut">
               <a:rPr lang="en-US" dirty="0"/>
-              <a:t>7/20/2020</a:t>
+              <a:t>9/12/20</a:t>
             </a:fld>
             <a:endParaRPr lang="en-US" dirty="0"/>
           </a:p>
@@ -9637,7 +9645,7 @@
           <a:p>
             <a:fld id="{2A4AFB99-0EAB-4182-AFF8-E214C82A68F6}" type="datetimeFigureOut">
               <a:rPr lang="en-US" dirty="0"/>
-              <a:t>7/20/2020</a:t>
+              <a:t>9/12/20</a:t>
             </a:fld>
             <a:endParaRPr lang="en-US" dirty="0"/>
           </a:p>
@@ -9721,6 +9729,1927 @@
         </p:style>
       </p:cxnSp>
     </p:spTree>
+  </p:cSld>
+  <p:clrMapOvr>
+    <a:masterClrMapping/>
+  </p:clrMapOvr>
+</p:sldLayout>
+</file>
+
+<file path=ppt/slideLayouts/slideLayout12.xml><?xml version="1.0" encoding="utf-8"?>
+<p:sldLayout xmlns:a="http://schemas.openxmlformats.org/drawingml/2006/main" xmlns:r="http://schemas.openxmlformats.org/officeDocument/2006/relationships" xmlns:p="http://schemas.openxmlformats.org/presentationml/2006/main" type="title" preserve="1">
+  <p:cSld name="Title Slide">
+    <p:spTree>
+      <p:nvGrpSpPr>
+        <p:cNvPr id="1" name=""/>
+        <p:cNvGrpSpPr/>
+        <p:nvPr/>
+      </p:nvGrpSpPr>
+      <p:grpSpPr>
+        <a:xfrm>
+          <a:off x="0" y="0"/>
+          <a:ext cx="0" cy="0"/>
+          <a:chOff x="0" y="0"/>
+          <a:chExt cx="0" cy="0"/>
+        </a:xfrm>
+      </p:grpSpPr>
+      <p:sp>
+        <p:nvSpPr>
+          <p:cNvPr id="2" name="Title 1"/>
+          <p:cNvSpPr>
+            <a:spLocks noGrp="1"/>
+          </p:cNvSpPr>
+          <p:nvPr>
+            <p:ph type="ctrTitle"/>
+          </p:nvPr>
+        </p:nvSpPr>
+        <p:spPr>
+          <a:xfrm>
+            <a:off x="1524000" y="1122363"/>
+            <a:ext cx="9144000" cy="2387600"/>
+          </a:xfrm>
+        </p:spPr>
+        <p:txBody>
+          <a:bodyPr anchor="b"/>
+          <a:lstStyle>
+            <a:lvl1pPr algn="ctr">
+              <a:defRPr sz="6000"/>
+            </a:lvl1pPr>
+          </a:lstStyle>
+          <a:p>
+            <a:r>
+              <a:rPr lang="en-US" smtClean="0"/>
+              <a:t>Click to edit Master title style</a:t>
+            </a:r>
+            <a:endParaRPr lang="en-US"/>
+          </a:p>
+        </p:txBody>
+      </p:sp>
+      <p:sp>
+        <p:nvSpPr>
+          <p:cNvPr id="3" name="Subtitle 2"/>
+          <p:cNvSpPr>
+            <a:spLocks noGrp="1"/>
+          </p:cNvSpPr>
+          <p:nvPr>
+            <p:ph type="subTitle" idx="1"/>
+          </p:nvPr>
+        </p:nvSpPr>
+        <p:spPr>
+          <a:xfrm>
+            <a:off x="1524000" y="3602038"/>
+            <a:ext cx="9144000" cy="1655762"/>
+          </a:xfrm>
+        </p:spPr>
+        <p:txBody>
+          <a:bodyPr/>
+          <a:lstStyle>
+            <a:lvl1pPr marL="0" indent="0" algn="ctr">
+              <a:buNone/>
+              <a:defRPr sz="2400"/>
+            </a:lvl1pPr>
+            <a:lvl2pPr marL="457200" indent="0" algn="ctr">
+              <a:buNone/>
+              <a:defRPr sz="2000"/>
+            </a:lvl2pPr>
+            <a:lvl3pPr marL="914400" indent="0" algn="ctr">
+              <a:buNone/>
+              <a:defRPr sz="1800"/>
+            </a:lvl3pPr>
+            <a:lvl4pPr marL="1371600" indent="0" algn="ctr">
+              <a:buNone/>
+              <a:defRPr sz="1600"/>
+            </a:lvl4pPr>
+            <a:lvl5pPr marL="1828800" indent="0" algn="ctr">
+              <a:buNone/>
+              <a:defRPr sz="1600"/>
+            </a:lvl5pPr>
+            <a:lvl6pPr marL="2286000" indent="0" algn="ctr">
+              <a:buNone/>
+              <a:defRPr sz="1600"/>
+            </a:lvl6pPr>
+            <a:lvl7pPr marL="2743200" indent="0" algn="ctr">
+              <a:buNone/>
+              <a:defRPr sz="1600"/>
+            </a:lvl7pPr>
+            <a:lvl8pPr marL="3200400" indent="0" algn="ctr">
+              <a:buNone/>
+              <a:defRPr sz="1600"/>
+            </a:lvl8pPr>
+            <a:lvl9pPr marL="3657600" indent="0" algn="ctr">
+              <a:buNone/>
+              <a:defRPr sz="1600"/>
+            </a:lvl9pPr>
+          </a:lstStyle>
+          <a:p>
+            <a:r>
+              <a:rPr lang="en-US" smtClean="0"/>
+              <a:t>Click to edit Master subtitle style</a:t>
+            </a:r>
+            <a:endParaRPr lang="en-US"/>
+          </a:p>
+        </p:txBody>
+      </p:sp>
+      <p:sp>
+        <p:nvSpPr>
+          <p:cNvPr id="4" name="Date Placeholder 3"/>
+          <p:cNvSpPr>
+            <a:spLocks noGrp="1"/>
+          </p:cNvSpPr>
+          <p:nvPr>
+            <p:ph type="dt" sz="half" idx="10"/>
+          </p:nvPr>
+        </p:nvSpPr>
+        <p:spPr/>
+        <p:txBody>
+          <a:bodyPr/>
+          <a:lstStyle/>
+          <a:p>
+            <a:fld id="{92CAA8A4-0ED2-3C42-8F86-06294E9F5717}" type="datetimeFigureOut">
+              <a:rPr lang="en-US" smtClean="0">
+                <a:solidFill>
+                  <a:prstClr val="black">
+                    <a:tint val="75000"/>
+                  </a:prstClr>
+                </a:solidFill>
+              </a:rPr>
+              <a:pPr/>
+              <a:t>9/12/20</a:t>
+            </a:fld>
+            <a:endParaRPr lang="en-US">
+              <a:solidFill>
+                <a:prstClr val="black">
+                  <a:tint val="75000"/>
+                </a:prstClr>
+              </a:solidFill>
+            </a:endParaRPr>
+          </a:p>
+        </p:txBody>
+      </p:sp>
+      <p:sp>
+        <p:nvSpPr>
+          <p:cNvPr id="5" name="Footer Placeholder 4"/>
+          <p:cNvSpPr>
+            <a:spLocks noGrp="1"/>
+          </p:cNvSpPr>
+          <p:nvPr>
+            <p:ph type="ftr" sz="quarter" idx="11"/>
+          </p:nvPr>
+        </p:nvSpPr>
+        <p:spPr/>
+        <p:txBody>
+          <a:bodyPr/>
+          <a:lstStyle/>
+          <a:p>
+            <a:endParaRPr lang="en-US">
+              <a:solidFill>
+                <a:prstClr val="black">
+                  <a:tint val="75000"/>
+                </a:prstClr>
+              </a:solidFill>
+            </a:endParaRPr>
+          </a:p>
+        </p:txBody>
+      </p:sp>
+      <p:sp>
+        <p:nvSpPr>
+          <p:cNvPr id="6" name="Slide Number Placeholder 5"/>
+          <p:cNvSpPr>
+            <a:spLocks noGrp="1"/>
+          </p:cNvSpPr>
+          <p:nvPr>
+            <p:ph type="sldNum" sz="quarter" idx="12"/>
+          </p:nvPr>
+        </p:nvSpPr>
+        <p:spPr/>
+        <p:txBody>
+          <a:bodyPr/>
+          <a:lstStyle/>
+          <a:p>
+            <a:fld id="{ADCF0D4B-B936-754B-BA5E-F482D12E455A}" type="slidenum">
+              <a:rPr lang="en-US" smtClean="0">
+                <a:solidFill>
+                  <a:prstClr val="black">
+                    <a:tint val="75000"/>
+                  </a:prstClr>
+                </a:solidFill>
+              </a:rPr>
+              <a:pPr/>
+              <a:t>‹#›</a:t>
+            </a:fld>
+            <a:endParaRPr lang="en-US">
+              <a:solidFill>
+                <a:prstClr val="black">
+                  <a:tint val="75000"/>
+                </a:prstClr>
+              </a:solidFill>
+            </a:endParaRPr>
+          </a:p>
+        </p:txBody>
+      </p:sp>
+    </p:spTree>
+    <p:extLst/>
+  </p:cSld>
+  <p:clrMapOvr>
+    <a:masterClrMapping/>
+  </p:clrMapOvr>
+</p:sldLayout>
+</file>
+
+<file path=ppt/slideLayouts/slideLayout13.xml><?xml version="1.0" encoding="utf-8"?>
+<p:sldLayout xmlns:a="http://schemas.openxmlformats.org/drawingml/2006/main" xmlns:r="http://schemas.openxmlformats.org/officeDocument/2006/relationships" xmlns:p="http://schemas.openxmlformats.org/presentationml/2006/main" type="obj" preserve="1">
+  <p:cSld name="Title and Content">
+    <p:spTree>
+      <p:nvGrpSpPr>
+        <p:cNvPr id="1" name=""/>
+        <p:cNvGrpSpPr/>
+        <p:nvPr/>
+      </p:nvGrpSpPr>
+      <p:grpSpPr>
+        <a:xfrm>
+          <a:off x="0" y="0"/>
+          <a:ext cx="0" cy="0"/>
+          <a:chOff x="0" y="0"/>
+          <a:chExt cx="0" cy="0"/>
+        </a:xfrm>
+      </p:grpSpPr>
+      <p:sp>
+        <p:nvSpPr>
+          <p:cNvPr id="2" name="Title 1"/>
+          <p:cNvSpPr>
+            <a:spLocks noGrp="1"/>
+          </p:cNvSpPr>
+          <p:nvPr>
+            <p:ph type="title"/>
+          </p:nvPr>
+        </p:nvSpPr>
+        <p:spPr/>
+        <p:txBody>
+          <a:bodyPr/>
+          <a:lstStyle/>
+          <a:p>
+            <a:r>
+              <a:rPr lang="en-US" smtClean="0"/>
+              <a:t>Click to edit Master title style</a:t>
+            </a:r>
+            <a:endParaRPr lang="en-US"/>
+          </a:p>
+        </p:txBody>
+      </p:sp>
+      <p:sp>
+        <p:nvSpPr>
+          <p:cNvPr id="3" name="Content Placeholder 2"/>
+          <p:cNvSpPr>
+            <a:spLocks noGrp="1"/>
+          </p:cNvSpPr>
+          <p:nvPr>
+            <p:ph idx="1"/>
+          </p:nvPr>
+        </p:nvSpPr>
+        <p:spPr/>
+        <p:txBody>
+          <a:bodyPr/>
+          <a:lstStyle/>
+          <a:p>
+            <a:pPr lvl="0"/>
+            <a:r>
+              <a:rPr lang="en-US" smtClean="0"/>
+              <a:t>Click to edit Master text styles</a:t>
+            </a:r>
+          </a:p>
+          <a:p>
+            <a:pPr lvl="1"/>
+            <a:r>
+              <a:rPr lang="en-US" smtClean="0"/>
+              <a:t>Second level</a:t>
+            </a:r>
+          </a:p>
+          <a:p>
+            <a:pPr lvl="2"/>
+            <a:r>
+              <a:rPr lang="en-US" smtClean="0"/>
+              <a:t>Third level</a:t>
+            </a:r>
+          </a:p>
+          <a:p>
+            <a:pPr lvl="3"/>
+            <a:r>
+              <a:rPr lang="en-US" smtClean="0"/>
+              <a:t>Fourth level</a:t>
+            </a:r>
+          </a:p>
+          <a:p>
+            <a:pPr lvl="4"/>
+            <a:r>
+              <a:rPr lang="en-US" smtClean="0"/>
+              <a:t>Fifth level</a:t>
+            </a:r>
+            <a:endParaRPr lang="en-US"/>
+          </a:p>
+        </p:txBody>
+      </p:sp>
+      <p:sp>
+        <p:nvSpPr>
+          <p:cNvPr id="4" name="Date Placeholder 3"/>
+          <p:cNvSpPr>
+            <a:spLocks noGrp="1"/>
+          </p:cNvSpPr>
+          <p:nvPr>
+            <p:ph type="dt" sz="half" idx="10"/>
+          </p:nvPr>
+        </p:nvSpPr>
+        <p:spPr/>
+        <p:txBody>
+          <a:bodyPr/>
+          <a:lstStyle/>
+          <a:p>
+            <a:fld id="{92CAA8A4-0ED2-3C42-8F86-06294E9F5717}" type="datetimeFigureOut">
+              <a:rPr lang="en-US" smtClean="0">
+                <a:solidFill>
+                  <a:prstClr val="black">
+                    <a:tint val="75000"/>
+                  </a:prstClr>
+                </a:solidFill>
+              </a:rPr>
+              <a:pPr/>
+              <a:t>9/12/20</a:t>
+            </a:fld>
+            <a:endParaRPr lang="en-US">
+              <a:solidFill>
+                <a:prstClr val="black">
+                  <a:tint val="75000"/>
+                </a:prstClr>
+              </a:solidFill>
+            </a:endParaRPr>
+          </a:p>
+        </p:txBody>
+      </p:sp>
+      <p:sp>
+        <p:nvSpPr>
+          <p:cNvPr id="5" name="Footer Placeholder 4"/>
+          <p:cNvSpPr>
+            <a:spLocks noGrp="1"/>
+          </p:cNvSpPr>
+          <p:nvPr>
+            <p:ph type="ftr" sz="quarter" idx="11"/>
+          </p:nvPr>
+        </p:nvSpPr>
+        <p:spPr/>
+        <p:txBody>
+          <a:bodyPr/>
+          <a:lstStyle/>
+          <a:p>
+            <a:endParaRPr lang="en-US">
+              <a:solidFill>
+                <a:prstClr val="black">
+                  <a:tint val="75000"/>
+                </a:prstClr>
+              </a:solidFill>
+            </a:endParaRPr>
+          </a:p>
+        </p:txBody>
+      </p:sp>
+      <p:sp>
+        <p:nvSpPr>
+          <p:cNvPr id="6" name="Slide Number Placeholder 5"/>
+          <p:cNvSpPr>
+            <a:spLocks noGrp="1"/>
+          </p:cNvSpPr>
+          <p:nvPr>
+            <p:ph type="sldNum" sz="quarter" idx="12"/>
+          </p:nvPr>
+        </p:nvSpPr>
+        <p:spPr/>
+        <p:txBody>
+          <a:bodyPr/>
+          <a:lstStyle/>
+          <a:p>
+            <a:fld id="{ADCF0D4B-B936-754B-BA5E-F482D12E455A}" type="slidenum">
+              <a:rPr lang="en-US" smtClean="0">
+                <a:solidFill>
+                  <a:prstClr val="black">
+                    <a:tint val="75000"/>
+                  </a:prstClr>
+                </a:solidFill>
+              </a:rPr>
+              <a:pPr/>
+              <a:t>‹#›</a:t>
+            </a:fld>
+            <a:endParaRPr lang="en-US">
+              <a:solidFill>
+                <a:prstClr val="black">
+                  <a:tint val="75000"/>
+                </a:prstClr>
+              </a:solidFill>
+            </a:endParaRPr>
+          </a:p>
+        </p:txBody>
+      </p:sp>
+    </p:spTree>
+    <p:extLst/>
+  </p:cSld>
+  <p:clrMapOvr>
+    <a:masterClrMapping/>
+  </p:clrMapOvr>
+</p:sldLayout>
+</file>
+
+<file path=ppt/slideLayouts/slideLayout14.xml><?xml version="1.0" encoding="utf-8"?>
+<p:sldLayout xmlns:a="http://schemas.openxmlformats.org/drawingml/2006/main" xmlns:r="http://schemas.openxmlformats.org/officeDocument/2006/relationships" xmlns:p="http://schemas.openxmlformats.org/presentationml/2006/main" type="secHead" preserve="1">
+  <p:cSld name="Section Header">
+    <p:spTree>
+      <p:nvGrpSpPr>
+        <p:cNvPr id="1" name=""/>
+        <p:cNvGrpSpPr/>
+        <p:nvPr/>
+      </p:nvGrpSpPr>
+      <p:grpSpPr>
+        <a:xfrm>
+          <a:off x="0" y="0"/>
+          <a:ext cx="0" cy="0"/>
+          <a:chOff x="0" y="0"/>
+          <a:chExt cx="0" cy="0"/>
+        </a:xfrm>
+      </p:grpSpPr>
+      <p:sp>
+        <p:nvSpPr>
+          <p:cNvPr id="2" name="Title 1"/>
+          <p:cNvSpPr>
+            <a:spLocks noGrp="1"/>
+          </p:cNvSpPr>
+          <p:nvPr>
+            <p:ph type="title"/>
+          </p:nvPr>
+        </p:nvSpPr>
+        <p:spPr>
+          <a:xfrm>
+            <a:off x="831850" y="1709738"/>
+            <a:ext cx="10515600" cy="2852737"/>
+          </a:xfrm>
+        </p:spPr>
+        <p:txBody>
+          <a:bodyPr anchor="b"/>
+          <a:lstStyle>
+            <a:lvl1pPr>
+              <a:defRPr sz="6000"/>
+            </a:lvl1pPr>
+          </a:lstStyle>
+          <a:p>
+            <a:r>
+              <a:rPr lang="en-US" smtClean="0"/>
+              <a:t>Click to edit Master title style</a:t>
+            </a:r>
+            <a:endParaRPr lang="en-US"/>
+          </a:p>
+        </p:txBody>
+      </p:sp>
+      <p:sp>
+        <p:nvSpPr>
+          <p:cNvPr id="3" name="Text Placeholder 2"/>
+          <p:cNvSpPr>
+            <a:spLocks noGrp="1"/>
+          </p:cNvSpPr>
+          <p:nvPr>
+            <p:ph type="body" idx="1"/>
+          </p:nvPr>
+        </p:nvSpPr>
+        <p:spPr>
+          <a:xfrm>
+            <a:off x="831850" y="4589463"/>
+            <a:ext cx="10515600" cy="1500187"/>
+          </a:xfrm>
+        </p:spPr>
+        <p:txBody>
+          <a:bodyPr/>
+          <a:lstStyle>
+            <a:lvl1pPr marL="0" indent="0">
+              <a:buNone/>
+              <a:defRPr sz="2400">
+                <a:solidFill>
+                  <a:schemeClr val="tx1">
+                    <a:tint val="75000"/>
+                  </a:schemeClr>
+                </a:solidFill>
+              </a:defRPr>
+            </a:lvl1pPr>
+            <a:lvl2pPr marL="457200" indent="0">
+              <a:buNone/>
+              <a:defRPr sz="2000">
+                <a:solidFill>
+                  <a:schemeClr val="tx1">
+                    <a:tint val="75000"/>
+                  </a:schemeClr>
+                </a:solidFill>
+              </a:defRPr>
+            </a:lvl2pPr>
+            <a:lvl3pPr marL="914400" indent="0">
+              <a:buNone/>
+              <a:defRPr sz="1800">
+                <a:solidFill>
+                  <a:schemeClr val="tx1">
+                    <a:tint val="75000"/>
+                  </a:schemeClr>
+                </a:solidFill>
+              </a:defRPr>
+            </a:lvl3pPr>
+            <a:lvl4pPr marL="1371600" indent="0">
+              <a:buNone/>
+              <a:defRPr sz="1600">
+                <a:solidFill>
+                  <a:schemeClr val="tx1">
+                    <a:tint val="75000"/>
+                  </a:schemeClr>
+                </a:solidFill>
+              </a:defRPr>
+            </a:lvl4pPr>
+            <a:lvl5pPr marL="1828800" indent="0">
+              <a:buNone/>
+              <a:defRPr sz="1600">
+                <a:solidFill>
+                  <a:schemeClr val="tx1">
+                    <a:tint val="75000"/>
+                  </a:schemeClr>
+                </a:solidFill>
+              </a:defRPr>
+            </a:lvl5pPr>
+            <a:lvl6pPr marL="2286000" indent="0">
+              <a:buNone/>
+              <a:defRPr sz="1600">
+                <a:solidFill>
+                  <a:schemeClr val="tx1">
+                    <a:tint val="75000"/>
+                  </a:schemeClr>
+                </a:solidFill>
+              </a:defRPr>
+            </a:lvl6pPr>
+            <a:lvl7pPr marL="2743200" indent="0">
+              <a:buNone/>
+              <a:defRPr sz="1600">
+                <a:solidFill>
+                  <a:schemeClr val="tx1">
+                    <a:tint val="75000"/>
+                  </a:schemeClr>
+                </a:solidFill>
+              </a:defRPr>
+            </a:lvl7pPr>
+            <a:lvl8pPr marL="3200400" indent="0">
+              <a:buNone/>
+              <a:defRPr sz="1600">
+                <a:solidFill>
+                  <a:schemeClr val="tx1">
+                    <a:tint val="75000"/>
+                  </a:schemeClr>
+                </a:solidFill>
+              </a:defRPr>
+            </a:lvl8pPr>
+            <a:lvl9pPr marL="3657600" indent="0">
+              <a:buNone/>
+              <a:defRPr sz="1600">
+                <a:solidFill>
+                  <a:schemeClr val="tx1">
+                    <a:tint val="75000"/>
+                  </a:schemeClr>
+                </a:solidFill>
+              </a:defRPr>
+            </a:lvl9pPr>
+          </a:lstStyle>
+          <a:p>
+            <a:pPr lvl="0"/>
+            <a:r>
+              <a:rPr lang="en-US" smtClean="0"/>
+              <a:t>Click to edit Master text styles</a:t>
+            </a:r>
+          </a:p>
+        </p:txBody>
+      </p:sp>
+      <p:sp>
+        <p:nvSpPr>
+          <p:cNvPr id="4" name="Date Placeholder 3"/>
+          <p:cNvSpPr>
+            <a:spLocks noGrp="1"/>
+          </p:cNvSpPr>
+          <p:nvPr>
+            <p:ph type="dt" sz="half" idx="10"/>
+          </p:nvPr>
+        </p:nvSpPr>
+        <p:spPr/>
+        <p:txBody>
+          <a:bodyPr/>
+          <a:lstStyle/>
+          <a:p>
+            <a:fld id="{92CAA8A4-0ED2-3C42-8F86-06294E9F5717}" type="datetimeFigureOut">
+              <a:rPr lang="en-US" smtClean="0">
+                <a:solidFill>
+                  <a:prstClr val="black">
+                    <a:tint val="75000"/>
+                  </a:prstClr>
+                </a:solidFill>
+              </a:rPr>
+              <a:pPr/>
+              <a:t>9/12/20</a:t>
+            </a:fld>
+            <a:endParaRPr lang="en-US">
+              <a:solidFill>
+                <a:prstClr val="black">
+                  <a:tint val="75000"/>
+                </a:prstClr>
+              </a:solidFill>
+            </a:endParaRPr>
+          </a:p>
+        </p:txBody>
+      </p:sp>
+      <p:sp>
+        <p:nvSpPr>
+          <p:cNvPr id="5" name="Footer Placeholder 4"/>
+          <p:cNvSpPr>
+            <a:spLocks noGrp="1"/>
+          </p:cNvSpPr>
+          <p:nvPr>
+            <p:ph type="ftr" sz="quarter" idx="11"/>
+          </p:nvPr>
+        </p:nvSpPr>
+        <p:spPr/>
+        <p:txBody>
+          <a:bodyPr/>
+          <a:lstStyle/>
+          <a:p>
+            <a:endParaRPr lang="en-US">
+              <a:solidFill>
+                <a:prstClr val="black">
+                  <a:tint val="75000"/>
+                </a:prstClr>
+              </a:solidFill>
+            </a:endParaRPr>
+          </a:p>
+        </p:txBody>
+      </p:sp>
+      <p:sp>
+        <p:nvSpPr>
+          <p:cNvPr id="6" name="Slide Number Placeholder 5"/>
+          <p:cNvSpPr>
+            <a:spLocks noGrp="1"/>
+          </p:cNvSpPr>
+          <p:nvPr>
+            <p:ph type="sldNum" sz="quarter" idx="12"/>
+          </p:nvPr>
+        </p:nvSpPr>
+        <p:spPr/>
+        <p:txBody>
+          <a:bodyPr/>
+          <a:lstStyle/>
+          <a:p>
+            <a:fld id="{ADCF0D4B-B936-754B-BA5E-F482D12E455A}" type="slidenum">
+              <a:rPr lang="en-US" smtClean="0">
+                <a:solidFill>
+                  <a:prstClr val="black">
+                    <a:tint val="75000"/>
+                  </a:prstClr>
+                </a:solidFill>
+              </a:rPr>
+              <a:pPr/>
+              <a:t>‹#›</a:t>
+            </a:fld>
+            <a:endParaRPr lang="en-US">
+              <a:solidFill>
+                <a:prstClr val="black">
+                  <a:tint val="75000"/>
+                </a:prstClr>
+              </a:solidFill>
+            </a:endParaRPr>
+          </a:p>
+        </p:txBody>
+      </p:sp>
+    </p:spTree>
+    <p:extLst/>
+  </p:cSld>
+  <p:clrMapOvr>
+    <a:masterClrMapping/>
+  </p:clrMapOvr>
+</p:sldLayout>
+</file>
+
+<file path=ppt/slideLayouts/slideLayout15.xml><?xml version="1.0" encoding="utf-8"?>
+<p:sldLayout xmlns:a="http://schemas.openxmlformats.org/drawingml/2006/main" xmlns:r="http://schemas.openxmlformats.org/officeDocument/2006/relationships" xmlns:p="http://schemas.openxmlformats.org/presentationml/2006/main" type="twoObj" preserve="1">
+  <p:cSld name="Two Content">
+    <p:spTree>
+      <p:nvGrpSpPr>
+        <p:cNvPr id="1" name=""/>
+        <p:cNvGrpSpPr/>
+        <p:nvPr/>
+      </p:nvGrpSpPr>
+      <p:grpSpPr>
+        <a:xfrm>
+          <a:off x="0" y="0"/>
+          <a:ext cx="0" cy="0"/>
+          <a:chOff x="0" y="0"/>
+          <a:chExt cx="0" cy="0"/>
+        </a:xfrm>
+      </p:grpSpPr>
+      <p:sp>
+        <p:nvSpPr>
+          <p:cNvPr id="2" name="Title 1"/>
+          <p:cNvSpPr>
+            <a:spLocks noGrp="1"/>
+          </p:cNvSpPr>
+          <p:nvPr>
+            <p:ph type="title"/>
+          </p:nvPr>
+        </p:nvSpPr>
+        <p:spPr/>
+        <p:txBody>
+          <a:bodyPr/>
+          <a:lstStyle/>
+          <a:p>
+            <a:r>
+              <a:rPr lang="en-US" smtClean="0"/>
+              <a:t>Click to edit Master title style</a:t>
+            </a:r>
+            <a:endParaRPr lang="en-US"/>
+          </a:p>
+        </p:txBody>
+      </p:sp>
+      <p:sp>
+        <p:nvSpPr>
+          <p:cNvPr id="3" name="Content Placeholder 2"/>
+          <p:cNvSpPr>
+            <a:spLocks noGrp="1"/>
+          </p:cNvSpPr>
+          <p:nvPr>
+            <p:ph sz="half" idx="1"/>
+          </p:nvPr>
+        </p:nvSpPr>
+        <p:spPr>
+          <a:xfrm>
+            <a:off x="838200" y="1825625"/>
+            <a:ext cx="5181600" cy="4351338"/>
+          </a:xfrm>
+        </p:spPr>
+        <p:txBody>
+          <a:bodyPr/>
+          <a:lstStyle/>
+          <a:p>
+            <a:pPr lvl="0"/>
+            <a:r>
+              <a:rPr lang="en-US" smtClean="0"/>
+              <a:t>Click to edit Master text styles</a:t>
+            </a:r>
+          </a:p>
+          <a:p>
+            <a:pPr lvl="1"/>
+            <a:r>
+              <a:rPr lang="en-US" smtClean="0"/>
+              <a:t>Second level</a:t>
+            </a:r>
+          </a:p>
+          <a:p>
+            <a:pPr lvl="2"/>
+            <a:r>
+              <a:rPr lang="en-US" smtClean="0"/>
+              <a:t>Third level</a:t>
+            </a:r>
+          </a:p>
+          <a:p>
+            <a:pPr lvl="3"/>
+            <a:r>
+              <a:rPr lang="en-US" smtClean="0"/>
+              <a:t>Fourth level</a:t>
+            </a:r>
+          </a:p>
+          <a:p>
+            <a:pPr lvl="4"/>
+            <a:r>
+              <a:rPr lang="en-US" smtClean="0"/>
+              <a:t>Fifth level</a:t>
+            </a:r>
+            <a:endParaRPr lang="en-US"/>
+          </a:p>
+        </p:txBody>
+      </p:sp>
+      <p:sp>
+        <p:nvSpPr>
+          <p:cNvPr id="4" name="Content Placeholder 3"/>
+          <p:cNvSpPr>
+            <a:spLocks noGrp="1"/>
+          </p:cNvSpPr>
+          <p:nvPr>
+            <p:ph sz="half" idx="2"/>
+          </p:nvPr>
+        </p:nvSpPr>
+        <p:spPr>
+          <a:xfrm>
+            <a:off x="6172200" y="1825625"/>
+            <a:ext cx="5181600" cy="4351338"/>
+          </a:xfrm>
+        </p:spPr>
+        <p:txBody>
+          <a:bodyPr/>
+          <a:lstStyle/>
+          <a:p>
+            <a:pPr lvl="0"/>
+            <a:r>
+              <a:rPr lang="en-US" smtClean="0"/>
+              <a:t>Click to edit Master text styles</a:t>
+            </a:r>
+          </a:p>
+          <a:p>
+            <a:pPr lvl="1"/>
+            <a:r>
+              <a:rPr lang="en-US" smtClean="0"/>
+              <a:t>Second level</a:t>
+            </a:r>
+          </a:p>
+          <a:p>
+            <a:pPr lvl="2"/>
+            <a:r>
+              <a:rPr lang="en-US" smtClean="0"/>
+              <a:t>Third level</a:t>
+            </a:r>
+          </a:p>
+          <a:p>
+            <a:pPr lvl="3"/>
+            <a:r>
+              <a:rPr lang="en-US" smtClean="0"/>
+              <a:t>Fourth level</a:t>
+            </a:r>
+          </a:p>
+          <a:p>
+            <a:pPr lvl="4"/>
+            <a:r>
+              <a:rPr lang="en-US" smtClean="0"/>
+              <a:t>Fifth level</a:t>
+            </a:r>
+            <a:endParaRPr lang="en-US"/>
+          </a:p>
+        </p:txBody>
+      </p:sp>
+      <p:sp>
+        <p:nvSpPr>
+          <p:cNvPr id="5" name="Date Placeholder 4"/>
+          <p:cNvSpPr>
+            <a:spLocks noGrp="1"/>
+          </p:cNvSpPr>
+          <p:nvPr>
+            <p:ph type="dt" sz="half" idx="10"/>
+          </p:nvPr>
+        </p:nvSpPr>
+        <p:spPr/>
+        <p:txBody>
+          <a:bodyPr/>
+          <a:lstStyle/>
+          <a:p>
+            <a:fld id="{92CAA8A4-0ED2-3C42-8F86-06294E9F5717}" type="datetimeFigureOut">
+              <a:rPr lang="en-US" smtClean="0">
+                <a:solidFill>
+                  <a:prstClr val="black">
+                    <a:tint val="75000"/>
+                  </a:prstClr>
+                </a:solidFill>
+              </a:rPr>
+              <a:pPr/>
+              <a:t>9/12/20</a:t>
+            </a:fld>
+            <a:endParaRPr lang="en-US">
+              <a:solidFill>
+                <a:prstClr val="black">
+                  <a:tint val="75000"/>
+                </a:prstClr>
+              </a:solidFill>
+            </a:endParaRPr>
+          </a:p>
+        </p:txBody>
+      </p:sp>
+      <p:sp>
+        <p:nvSpPr>
+          <p:cNvPr id="6" name="Footer Placeholder 5"/>
+          <p:cNvSpPr>
+            <a:spLocks noGrp="1"/>
+          </p:cNvSpPr>
+          <p:nvPr>
+            <p:ph type="ftr" sz="quarter" idx="11"/>
+          </p:nvPr>
+        </p:nvSpPr>
+        <p:spPr/>
+        <p:txBody>
+          <a:bodyPr/>
+          <a:lstStyle/>
+          <a:p>
+            <a:endParaRPr lang="en-US">
+              <a:solidFill>
+                <a:prstClr val="black">
+                  <a:tint val="75000"/>
+                </a:prstClr>
+              </a:solidFill>
+            </a:endParaRPr>
+          </a:p>
+        </p:txBody>
+      </p:sp>
+      <p:sp>
+        <p:nvSpPr>
+          <p:cNvPr id="7" name="Slide Number Placeholder 6"/>
+          <p:cNvSpPr>
+            <a:spLocks noGrp="1"/>
+          </p:cNvSpPr>
+          <p:nvPr>
+            <p:ph type="sldNum" sz="quarter" idx="12"/>
+          </p:nvPr>
+        </p:nvSpPr>
+        <p:spPr/>
+        <p:txBody>
+          <a:bodyPr/>
+          <a:lstStyle/>
+          <a:p>
+            <a:fld id="{ADCF0D4B-B936-754B-BA5E-F482D12E455A}" type="slidenum">
+              <a:rPr lang="en-US" smtClean="0">
+                <a:solidFill>
+                  <a:prstClr val="black">
+                    <a:tint val="75000"/>
+                  </a:prstClr>
+                </a:solidFill>
+              </a:rPr>
+              <a:pPr/>
+              <a:t>‹#›</a:t>
+            </a:fld>
+            <a:endParaRPr lang="en-US">
+              <a:solidFill>
+                <a:prstClr val="black">
+                  <a:tint val="75000"/>
+                </a:prstClr>
+              </a:solidFill>
+            </a:endParaRPr>
+          </a:p>
+        </p:txBody>
+      </p:sp>
+    </p:spTree>
+    <p:extLst/>
+  </p:cSld>
+  <p:clrMapOvr>
+    <a:masterClrMapping/>
+  </p:clrMapOvr>
+</p:sldLayout>
+</file>
+
+<file path=ppt/slideLayouts/slideLayout16.xml><?xml version="1.0" encoding="utf-8"?>
+<p:sldLayout xmlns:a="http://schemas.openxmlformats.org/drawingml/2006/main" xmlns:r="http://schemas.openxmlformats.org/officeDocument/2006/relationships" xmlns:p="http://schemas.openxmlformats.org/presentationml/2006/main" type="twoTxTwoObj" preserve="1">
+  <p:cSld name="Comparison">
+    <p:spTree>
+      <p:nvGrpSpPr>
+        <p:cNvPr id="1" name=""/>
+        <p:cNvGrpSpPr/>
+        <p:nvPr/>
+      </p:nvGrpSpPr>
+      <p:grpSpPr>
+        <a:xfrm>
+          <a:off x="0" y="0"/>
+          <a:ext cx="0" cy="0"/>
+          <a:chOff x="0" y="0"/>
+          <a:chExt cx="0" cy="0"/>
+        </a:xfrm>
+      </p:grpSpPr>
+      <p:sp>
+        <p:nvSpPr>
+          <p:cNvPr id="2" name="Title 1"/>
+          <p:cNvSpPr>
+            <a:spLocks noGrp="1"/>
+          </p:cNvSpPr>
+          <p:nvPr>
+            <p:ph type="title"/>
+          </p:nvPr>
+        </p:nvSpPr>
+        <p:spPr>
+          <a:xfrm>
+            <a:off x="839788" y="365125"/>
+            <a:ext cx="10515600" cy="1325563"/>
+          </a:xfrm>
+        </p:spPr>
+        <p:txBody>
+          <a:bodyPr/>
+          <a:lstStyle/>
+          <a:p>
+            <a:r>
+              <a:rPr lang="en-US" smtClean="0"/>
+              <a:t>Click to edit Master title style</a:t>
+            </a:r>
+            <a:endParaRPr lang="en-US"/>
+          </a:p>
+        </p:txBody>
+      </p:sp>
+      <p:sp>
+        <p:nvSpPr>
+          <p:cNvPr id="3" name="Text Placeholder 2"/>
+          <p:cNvSpPr>
+            <a:spLocks noGrp="1"/>
+          </p:cNvSpPr>
+          <p:nvPr>
+            <p:ph type="body" idx="1"/>
+          </p:nvPr>
+        </p:nvSpPr>
+        <p:spPr>
+          <a:xfrm>
+            <a:off x="839788" y="1681163"/>
+            <a:ext cx="5157787" cy="823912"/>
+          </a:xfrm>
+        </p:spPr>
+        <p:txBody>
+          <a:bodyPr anchor="b"/>
+          <a:lstStyle>
+            <a:lvl1pPr marL="0" indent="0">
+              <a:buNone/>
+              <a:defRPr sz="2400" b="1"/>
+            </a:lvl1pPr>
+            <a:lvl2pPr marL="457200" indent="0">
+              <a:buNone/>
+              <a:defRPr sz="2000" b="1"/>
+            </a:lvl2pPr>
+            <a:lvl3pPr marL="914400" indent="0">
+              <a:buNone/>
+              <a:defRPr sz="1800" b="1"/>
+            </a:lvl3pPr>
+            <a:lvl4pPr marL="1371600" indent="0">
+              <a:buNone/>
+              <a:defRPr sz="1600" b="1"/>
+            </a:lvl4pPr>
+            <a:lvl5pPr marL="1828800" indent="0">
+              <a:buNone/>
+              <a:defRPr sz="1600" b="1"/>
+            </a:lvl5pPr>
+            <a:lvl6pPr marL="2286000" indent="0">
+              <a:buNone/>
+              <a:defRPr sz="1600" b="1"/>
+            </a:lvl6pPr>
+            <a:lvl7pPr marL="2743200" indent="0">
+              <a:buNone/>
+              <a:defRPr sz="1600" b="1"/>
+            </a:lvl7pPr>
+            <a:lvl8pPr marL="3200400" indent="0">
+              <a:buNone/>
+              <a:defRPr sz="1600" b="1"/>
+            </a:lvl8pPr>
+            <a:lvl9pPr marL="3657600" indent="0">
+              <a:buNone/>
+              <a:defRPr sz="1600" b="1"/>
+            </a:lvl9pPr>
+          </a:lstStyle>
+          <a:p>
+            <a:pPr lvl="0"/>
+            <a:r>
+              <a:rPr lang="en-US" smtClean="0"/>
+              <a:t>Click to edit Master text styles</a:t>
+            </a:r>
+          </a:p>
+        </p:txBody>
+      </p:sp>
+      <p:sp>
+        <p:nvSpPr>
+          <p:cNvPr id="4" name="Content Placeholder 3"/>
+          <p:cNvSpPr>
+            <a:spLocks noGrp="1"/>
+          </p:cNvSpPr>
+          <p:nvPr>
+            <p:ph sz="half" idx="2"/>
+          </p:nvPr>
+        </p:nvSpPr>
+        <p:spPr>
+          <a:xfrm>
+            <a:off x="839788" y="2505075"/>
+            <a:ext cx="5157787" cy="3684588"/>
+          </a:xfrm>
+        </p:spPr>
+        <p:txBody>
+          <a:bodyPr/>
+          <a:lstStyle/>
+          <a:p>
+            <a:pPr lvl="0"/>
+            <a:r>
+              <a:rPr lang="en-US" smtClean="0"/>
+              <a:t>Click to edit Master text styles</a:t>
+            </a:r>
+          </a:p>
+          <a:p>
+            <a:pPr lvl="1"/>
+            <a:r>
+              <a:rPr lang="en-US" smtClean="0"/>
+              <a:t>Second level</a:t>
+            </a:r>
+          </a:p>
+          <a:p>
+            <a:pPr lvl="2"/>
+            <a:r>
+              <a:rPr lang="en-US" smtClean="0"/>
+              <a:t>Third level</a:t>
+            </a:r>
+          </a:p>
+          <a:p>
+            <a:pPr lvl="3"/>
+            <a:r>
+              <a:rPr lang="en-US" smtClean="0"/>
+              <a:t>Fourth level</a:t>
+            </a:r>
+          </a:p>
+          <a:p>
+            <a:pPr lvl="4"/>
+            <a:r>
+              <a:rPr lang="en-US" smtClean="0"/>
+              <a:t>Fifth level</a:t>
+            </a:r>
+            <a:endParaRPr lang="en-US"/>
+          </a:p>
+        </p:txBody>
+      </p:sp>
+      <p:sp>
+        <p:nvSpPr>
+          <p:cNvPr id="5" name="Text Placeholder 4"/>
+          <p:cNvSpPr>
+            <a:spLocks noGrp="1"/>
+          </p:cNvSpPr>
+          <p:nvPr>
+            <p:ph type="body" sz="quarter" idx="3"/>
+          </p:nvPr>
+        </p:nvSpPr>
+        <p:spPr>
+          <a:xfrm>
+            <a:off x="6172200" y="1681163"/>
+            <a:ext cx="5183188" cy="823912"/>
+          </a:xfrm>
+        </p:spPr>
+        <p:txBody>
+          <a:bodyPr anchor="b"/>
+          <a:lstStyle>
+            <a:lvl1pPr marL="0" indent="0">
+              <a:buNone/>
+              <a:defRPr sz="2400" b="1"/>
+            </a:lvl1pPr>
+            <a:lvl2pPr marL="457200" indent="0">
+              <a:buNone/>
+              <a:defRPr sz="2000" b="1"/>
+            </a:lvl2pPr>
+            <a:lvl3pPr marL="914400" indent="0">
+              <a:buNone/>
+              <a:defRPr sz="1800" b="1"/>
+            </a:lvl3pPr>
+            <a:lvl4pPr marL="1371600" indent="0">
+              <a:buNone/>
+              <a:defRPr sz="1600" b="1"/>
+            </a:lvl4pPr>
+            <a:lvl5pPr marL="1828800" indent="0">
+              <a:buNone/>
+              <a:defRPr sz="1600" b="1"/>
+            </a:lvl5pPr>
+            <a:lvl6pPr marL="2286000" indent="0">
+              <a:buNone/>
+              <a:defRPr sz="1600" b="1"/>
+            </a:lvl6pPr>
+            <a:lvl7pPr marL="2743200" indent="0">
+              <a:buNone/>
+              <a:defRPr sz="1600" b="1"/>
+            </a:lvl7pPr>
+            <a:lvl8pPr marL="3200400" indent="0">
+              <a:buNone/>
+              <a:defRPr sz="1600" b="1"/>
+            </a:lvl8pPr>
+            <a:lvl9pPr marL="3657600" indent="0">
+              <a:buNone/>
+              <a:defRPr sz="1600" b="1"/>
+            </a:lvl9pPr>
+          </a:lstStyle>
+          <a:p>
+            <a:pPr lvl="0"/>
+            <a:r>
+              <a:rPr lang="en-US" smtClean="0"/>
+              <a:t>Click to edit Master text styles</a:t>
+            </a:r>
+          </a:p>
+        </p:txBody>
+      </p:sp>
+      <p:sp>
+        <p:nvSpPr>
+          <p:cNvPr id="6" name="Content Placeholder 5"/>
+          <p:cNvSpPr>
+            <a:spLocks noGrp="1"/>
+          </p:cNvSpPr>
+          <p:nvPr>
+            <p:ph sz="quarter" idx="4"/>
+          </p:nvPr>
+        </p:nvSpPr>
+        <p:spPr>
+          <a:xfrm>
+            <a:off x="6172200" y="2505075"/>
+            <a:ext cx="5183188" cy="3684588"/>
+          </a:xfrm>
+        </p:spPr>
+        <p:txBody>
+          <a:bodyPr/>
+          <a:lstStyle/>
+          <a:p>
+            <a:pPr lvl="0"/>
+            <a:r>
+              <a:rPr lang="en-US" smtClean="0"/>
+              <a:t>Click to edit Master text styles</a:t>
+            </a:r>
+          </a:p>
+          <a:p>
+            <a:pPr lvl="1"/>
+            <a:r>
+              <a:rPr lang="en-US" smtClean="0"/>
+              <a:t>Second level</a:t>
+            </a:r>
+          </a:p>
+          <a:p>
+            <a:pPr lvl="2"/>
+            <a:r>
+              <a:rPr lang="en-US" smtClean="0"/>
+              <a:t>Third level</a:t>
+            </a:r>
+          </a:p>
+          <a:p>
+            <a:pPr lvl="3"/>
+            <a:r>
+              <a:rPr lang="en-US" smtClean="0"/>
+              <a:t>Fourth level</a:t>
+            </a:r>
+          </a:p>
+          <a:p>
+            <a:pPr lvl="4"/>
+            <a:r>
+              <a:rPr lang="en-US" smtClean="0"/>
+              <a:t>Fifth level</a:t>
+            </a:r>
+            <a:endParaRPr lang="en-US"/>
+          </a:p>
+        </p:txBody>
+      </p:sp>
+      <p:sp>
+        <p:nvSpPr>
+          <p:cNvPr id="7" name="Date Placeholder 6"/>
+          <p:cNvSpPr>
+            <a:spLocks noGrp="1"/>
+          </p:cNvSpPr>
+          <p:nvPr>
+            <p:ph type="dt" sz="half" idx="10"/>
+          </p:nvPr>
+        </p:nvSpPr>
+        <p:spPr/>
+        <p:txBody>
+          <a:bodyPr/>
+          <a:lstStyle/>
+          <a:p>
+            <a:fld id="{92CAA8A4-0ED2-3C42-8F86-06294E9F5717}" type="datetimeFigureOut">
+              <a:rPr lang="en-US" smtClean="0">
+                <a:solidFill>
+                  <a:prstClr val="black">
+                    <a:tint val="75000"/>
+                  </a:prstClr>
+                </a:solidFill>
+              </a:rPr>
+              <a:pPr/>
+              <a:t>9/12/20</a:t>
+            </a:fld>
+            <a:endParaRPr lang="en-US">
+              <a:solidFill>
+                <a:prstClr val="black">
+                  <a:tint val="75000"/>
+                </a:prstClr>
+              </a:solidFill>
+            </a:endParaRPr>
+          </a:p>
+        </p:txBody>
+      </p:sp>
+      <p:sp>
+        <p:nvSpPr>
+          <p:cNvPr id="8" name="Footer Placeholder 7"/>
+          <p:cNvSpPr>
+            <a:spLocks noGrp="1"/>
+          </p:cNvSpPr>
+          <p:nvPr>
+            <p:ph type="ftr" sz="quarter" idx="11"/>
+          </p:nvPr>
+        </p:nvSpPr>
+        <p:spPr/>
+        <p:txBody>
+          <a:bodyPr/>
+          <a:lstStyle/>
+          <a:p>
+            <a:endParaRPr lang="en-US">
+              <a:solidFill>
+                <a:prstClr val="black">
+                  <a:tint val="75000"/>
+                </a:prstClr>
+              </a:solidFill>
+            </a:endParaRPr>
+          </a:p>
+        </p:txBody>
+      </p:sp>
+      <p:sp>
+        <p:nvSpPr>
+          <p:cNvPr id="9" name="Slide Number Placeholder 8"/>
+          <p:cNvSpPr>
+            <a:spLocks noGrp="1"/>
+          </p:cNvSpPr>
+          <p:nvPr>
+            <p:ph type="sldNum" sz="quarter" idx="12"/>
+          </p:nvPr>
+        </p:nvSpPr>
+        <p:spPr/>
+        <p:txBody>
+          <a:bodyPr/>
+          <a:lstStyle/>
+          <a:p>
+            <a:fld id="{ADCF0D4B-B936-754B-BA5E-F482D12E455A}" type="slidenum">
+              <a:rPr lang="en-US" smtClean="0">
+                <a:solidFill>
+                  <a:prstClr val="black">
+                    <a:tint val="75000"/>
+                  </a:prstClr>
+                </a:solidFill>
+              </a:rPr>
+              <a:pPr/>
+              <a:t>‹#›</a:t>
+            </a:fld>
+            <a:endParaRPr lang="en-US">
+              <a:solidFill>
+                <a:prstClr val="black">
+                  <a:tint val="75000"/>
+                </a:prstClr>
+              </a:solidFill>
+            </a:endParaRPr>
+          </a:p>
+        </p:txBody>
+      </p:sp>
+    </p:spTree>
+    <p:extLst/>
+  </p:cSld>
+  <p:clrMapOvr>
+    <a:masterClrMapping/>
+  </p:clrMapOvr>
+</p:sldLayout>
+</file>
+
+<file path=ppt/slideLayouts/slideLayout17.xml><?xml version="1.0" encoding="utf-8"?>
+<p:sldLayout xmlns:a="http://schemas.openxmlformats.org/drawingml/2006/main" xmlns:r="http://schemas.openxmlformats.org/officeDocument/2006/relationships" xmlns:p="http://schemas.openxmlformats.org/presentationml/2006/main" type="titleOnly" preserve="1">
+  <p:cSld name="Title Only">
+    <p:spTree>
+      <p:nvGrpSpPr>
+        <p:cNvPr id="1" name=""/>
+        <p:cNvGrpSpPr/>
+        <p:nvPr/>
+      </p:nvGrpSpPr>
+      <p:grpSpPr>
+        <a:xfrm>
+          <a:off x="0" y="0"/>
+          <a:ext cx="0" cy="0"/>
+          <a:chOff x="0" y="0"/>
+          <a:chExt cx="0" cy="0"/>
+        </a:xfrm>
+      </p:grpSpPr>
+      <p:sp>
+        <p:nvSpPr>
+          <p:cNvPr id="2" name="Title 1"/>
+          <p:cNvSpPr>
+            <a:spLocks noGrp="1"/>
+          </p:cNvSpPr>
+          <p:nvPr>
+            <p:ph type="title"/>
+          </p:nvPr>
+        </p:nvSpPr>
+        <p:spPr/>
+        <p:txBody>
+          <a:bodyPr/>
+          <a:lstStyle/>
+          <a:p>
+            <a:r>
+              <a:rPr lang="en-US" smtClean="0"/>
+              <a:t>Click to edit Master title style</a:t>
+            </a:r>
+            <a:endParaRPr lang="en-US"/>
+          </a:p>
+        </p:txBody>
+      </p:sp>
+      <p:sp>
+        <p:nvSpPr>
+          <p:cNvPr id="3" name="Date Placeholder 2"/>
+          <p:cNvSpPr>
+            <a:spLocks noGrp="1"/>
+          </p:cNvSpPr>
+          <p:nvPr>
+            <p:ph type="dt" sz="half" idx="10"/>
+          </p:nvPr>
+        </p:nvSpPr>
+        <p:spPr/>
+        <p:txBody>
+          <a:bodyPr/>
+          <a:lstStyle/>
+          <a:p>
+            <a:fld id="{92CAA8A4-0ED2-3C42-8F86-06294E9F5717}" type="datetimeFigureOut">
+              <a:rPr lang="en-US" smtClean="0">
+                <a:solidFill>
+                  <a:prstClr val="black">
+                    <a:tint val="75000"/>
+                  </a:prstClr>
+                </a:solidFill>
+              </a:rPr>
+              <a:pPr/>
+              <a:t>9/12/20</a:t>
+            </a:fld>
+            <a:endParaRPr lang="en-US">
+              <a:solidFill>
+                <a:prstClr val="black">
+                  <a:tint val="75000"/>
+                </a:prstClr>
+              </a:solidFill>
+            </a:endParaRPr>
+          </a:p>
+        </p:txBody>
+      </p:sp>
+      <p:sp>
+        <p:nvSpPr>
+          <p:cNvPr id="4" name="Footer Placeholder 3"/>
+          <p:cNvSpPr>
+            <a:spLocks noGrp="1"/>
+          </p:cNvSpPr>
+          <p:nvPr>
+            <p:ph type="ftr" sz="quarter" idx="11"/>
+          </p:nvPr>
+        </p:nvSpPr>
+        <p:spPr/>
+        <p:txBody>
+          <a:bodyPr/>
+          <a:lstStyle/>
+          <a:p>
+            <a:endParaRPr lang="en-US">
+              <a:solidFill>
+                <a:prstClr val="black">
+                  <a:tint val="75000"/>
+                </a:prstClr>
+              </a:solidFill>
+            </a:endParaRPr>
+          </a:p>
+        </p:txBody>
+      </p:sp>
+      <p:sp>
+        <p:nvSpPr>
+          <p:cNvPr id="5" name="Slide Number Placeholder 4"/>
+          <p:cNvSpPr>
+            <a:spLocks noGrp="1"/>
+          </p:cNvSpPr>
+          <p:nvPr>
+            <p:ph type="sldNum" sz="quarter" idx="12"/>
+          </p:nvPr>
+        </p:nvSpPr>
+        <p:spPr/>
+        <p:txBody>
+          <a:bodyPr/>
+          <a:lstStyle/>
+          <a:p>
+            <a:fld id="{ADCF0D4B-B936-754B-BA5E-F482D12E455A}" type="slidenum">
+              <a:rPr lang="en-US" smtClean="0">
+                <a:solidFill>
+                  <a:prstClr val="black">
+                    <a:tint val="75000"/>
+                  </a:prstClr>
+                </a:solidFill>
+              </a:rPr>
+              <a:pPr/>
+              <a:t>‹#›</a:t>
+            </a:fld>
+            <a:endParaRPr lang="en-US">
+              <a:solidFill>
+                <a:prstClr val="black">
+                  <a:tint val="75000"/>
+                </a:prstClr>
+              </a:solidFill>
+            </a:endParaRPr>
+          </a:p>
+        </p:txBody>
+      </p:sp>
+    </p:spTree>
+    <p:extLst/>
+  </p:cSld>
+  <p:clrMapOvr>
+    <a:masterClrMapping/>
+  </p:clrMapOvr>
+</p:sldLayout>
+</file>
+
+<file path=ppt/slideLayouts/slideLayout18.xml><?xml version="1.0" encoding="utf-8"?>
+<p:sldLayout xmlns:a="http://schemas.openxmlformats.org/drawingml/2006/main" xmlns:r="http://schemas.openxmlformats.org/officeDocument/2006/relationships" xmlns:p="http://schemas.openxmlformats.org/presentationml/2006/main" type="blank" preserve="1">
+  <p:cSld name="Blank">
+    <p:spTree>
+      <p:nvGrpSpPr>
+        <p:cNvPr id="1" name=""/>
+        <p:cNvGrpSpPr/>
+        <p:nvPr/>
+      </p:nvGrpSpPr>
+      <p:grpSpPr>
+        <a:xfrm>
+          <a:off x="0" y="0"/>
+          <a:ext cx="0" cy="0"/>
+          <a:chOff x="0" y="0"/>
+          <a:chExt cx="0" cy="0"/>
+        </a:xfrm>
+      </p:grpSpPr>
+      <p:sp>
+        <p:nvSpPr>
+          <p:cNvPr id="2" name="Date Placeholder 1"/>
+          <p:cNvSpPr>
+            <a:spLocks noGrp="1"/>
+          </p:cNvSpPr>
+          <p:nvPr>
+            <p:ph type="dt" sz="half" idx="10"/>
+          </p:nvPr>
+        </p:nvSpPr>
+        <p:spPr/>
+        <p:txBody>
+          <a:bodyPr/>
+          <a:lstStyle/>
+          <a:p>
+            <a:fld id="{92CAA8A4-0ED2-3C42-8F86-06294E9F5717}" type="datetimeFigureOut">
+              <a:rPr lang="en-US" smtClean="0">
+                <a:solidFill>
+                  <a:prstClr val="black">
+                    <a:tint val="75000"/>
+                  </a:prstClr>
+                </a:solidFill>
+              </a:rPr>
+              <a:pPr/>
+              <a:t>9/12/20</a:t>
+            </a:fld>
+            <a:endParaRPr lang="en-US">
+              <a:solidFill>
+                <a:prstClr val="black">
+                  <a:tint val="75000"/>
+                </a:prstClr>
+              </a:solidFill>
+            </a:endParaRPr>
+          </a:p>
+        </p:txBody>
+      </p:sp>
+      <p:sp>
+        <p:nvSpPr>
+          <p:cNvPr id="3" name="Footer Placeholder 2"/>
+          <p:cNvSpPr>
+            <a:spLocks noGrp="1"/>
+          </p:cNvSpPr>
+          <p:nvPr>
+            <p:ph type="ftr" sz="quarter" idx="11"/>
+          </p:nvPr>
+        </p:nvSpPr>
+        <p:spPr/>
+        <p:txBody>
+          <a:bodyPr/>
+          <a:lstStyle/>
+          <a:p>
+            <a:endParaRPr lang="en-US">
+              <a:solidFill>
+                <a:prstClr val="black">
+                  <a:tint val="75000"/>
+                </a:prstClr>
+              </a:solidFill>
+            </a:endParaRPr>
+          </a:p>
+        </p:txBody>
+      </p:sp>
+      <p:sp>
+        <p:nvSpPr>
+          <p:cNvPr id="4" name="Slide Number Placeholder 3"/>
+          <p:cNvSpPr>
+            <a:spLocks noGrp="1"/>
+          </p:cNvSpPr>
+          <p:nvPr>
+            <p:ph type="sldNum" sz="quarter" idx="12"/>
+          </p:nvPr>
+        </p:nvSpPr>
+        <p:spPr/>
+        <p:txBody>
+          <a:bodyPr/>
+          <a:lstStyle/>
+          <a:p>
+            <a:fld id="{ADCF0D4B-B936-754B-BA5E-F482D12E455A}" type="slidenum">
+              <a:rPr lang="en-US" smtClean="0">
+                <a:solidFill>
+                  <a:prstClr val="black">
+                    <a:tint val="75000"/>
+                  </a:prstClr>
+                </a:solidFill>
+              </a:rPr>
+              <a:pPr/>
+              <a:t>‹#›</a:t>
+            </a:fld>
+            <a:endParaRPr lang="en-US">
+              <a:solidFill>
+                <a:prstClr val="black">
+                  <a:tint val="75000"/>
+                </a:prstClr>
+              </a:solidFill>
+            </a:endParaRPr>
+          </a:p>
+        </p:txBody>
+      </p:sp>
+    </p:spTree>
+    <p:extLst/>
+  </p:cSld>
+  <p:clrMapOvr>
+    <a:masterClrMapping/>
+  </p:clrMapOvr>
+</p:sldLayout>
+</file>
+
+<file path=ppt/slideLayouts/slideLayout19.xml><?xml version="1.0" encoding="utf-8"?>
+<p:sldLayout xmlns:a="http://schemas.openxmlformats.org/drawingml/2006/main" xmlns:r="http://schemas.openxmlformats.org/officeDocument/2006/relationships" xmlns:p="http://schemas.openxmlformats.org/presentationml/2006/main" type="objTx" preserve="1">
+  <p:cSld name="Content with Caption">
+    <p:spTree>
+      <p:nvGrpSpPr>
+        <p:cNvPr id="1" name=""/>
+        <p:cNvGrpSpPr/>
+        <p:nvPr/>
+      </p:nvGrpSpPr>
+      <p:grpSpPr>
+        <a:xfrm>
+          <a:off x="0" y="0"/>
+          <a:ext cx="0" cy="0"/>
+          <a:chOff x="0" y="0"/>
+          <a:chExt cx="0" cy="0"/>
+        </a:xfrm>
+      </p:grpSpPr>
+      <p:sp>
+        <p:nvSpPr>
+          <p:cNvPr id="2" name="Title 1"/>
+          <p:cNvSpPr>
+            <a:spLocks noGrp="1"/>
+          </p:cNvSpPr>
+          <p:nvPr>
+            <p:ph type="title"/>
+          </p:nvPr>
+        </p:nvSpPr>
+        <p:spPr>
+          <a:xfrm>
+            <a:off x="839788" y="457200"/>
+            <a:ext cx="3932237" cy="1600200"/>
+          </a:xfrm>
+        </p:spPr>
+        <p:txBody>
+          <a:bodyPr anchor="b"/>
+          <a:lstStyle>
+            <a:lvl1pPr>
+              <a:defRPr sz="3200"/>
+            </a:lvl1pPr>
+          </a:lstStyle>
+          <a:p>
+            <a:r>
+              <a:rPr lang="en-US" smtClean="0"/>
+              <a:t>Click to edit Master title style</a:t>
+            </a:r>
+            <a:endParaRPr lang="en-US"/>
+          </a:p>
+        </p:txBody>
+      </p:sp>
+      <p:sp>
+        <p:nvSpPr>
+          <p:cNvPr id="3" name="Content Placeholder 2"/>
+          <p:cNvSpPr>
+            <a:spLocks noGrp="1"/>
+          </p:cNvSpPr>
+          <p:nvPr>
+            <p:ph idx="1"/>
+          </p:nvPr>
+        </p:nvSpPr>
+        <p:spPr>
+          <a:xfrm>
+            <a:off x="5183188" y="987425"/>
+            <a:ext cx="6172200" cy="4873625"/>
+          </a:xfrm>
+        </p:spPr>
+        <p:txBody>
+          <a:bodyPr/>
+          <a:lstStyle>
+            <a:lvl1pPr>
+              <a:defRPr sz="3200"/>
+            </a:lvl1pPr>
+            <a:lvl2pPr>
+              <a:defRPr sz="2800"/>
+            </a:lvl2pPr>
+            <a:lvl3pPr>
+              <a:defRPr sz="2400"/>
+            </a:lvl3pPr>
+            <a:lvl4pPr>
+              <a:defRPr sz="2000"/>
+            </a:lvl4pPr>
+            <a:lvl5pPr>
+              <a:defRPr sz="2000"/>
+            </a:lvl5pPr>
+            <a:lvl6pPr>
+              <a:defRPr sz="2000"/>
+            </a:lvl6pPr>
+            <a:lvl7pPr>
+              <a:defRPr sz="2000"/>
+            </a:lvl7pPr>
+            <a:lvl8pPr>
+              <a:defRPr sz="2000"/>
+            </a:lvl8pPr>
+            <a:lvl9pPr>
+              <a:defRPr sz="2000"/>
+            </a:lvl9pPr>
+          </a:lstStyle>
+          <a:p>
+            <a:pPr lvl="0"/>
+            <a:r>
+              <a:rPr lang="en-US" smtClean="0"/>
+              <a:t>Click to edit Master text styles</a:t>
+            </a:r>
+          </a:p>
+          <a:p>
+            <a:pPr lvl="1"/>
+            <a:r>
+              <a:rPr lang="en-US" smtClean="0"/>
+              <a:t>Second level</a:t>
+            </a:r>
+          </a:p>
+          <a:p>
+            <a:pPr lvl="2"/>
+            <a:r>
+              <a:rPr lang="en-US" smtClean="0"/>
+              <a:t>Third level</a:t>
+            </a:r>
+          </a:p>
+          <a:p>
+            <a:pPr lvl="3"/>
+            <a:r>
+              <a:rPr lang="en-US" smtClean="0"/>
+              <a:t>Fourth level</a:t>
+            </a:r>
+          </a:p>
+          <a:p>
+            <a:pPr lvl="4"/>
+            <a:r>
+              <a:rPr lang="en-US" smtClean="0"/>
+              <a:t>Fifth level</a:t>
+            </a:r>
+            <a:endParaRPr lang="en-US"/>
+          </a:p>
+        </p:txBody>
+      </p:sp>
+      <p:sp>
+        <p:nvSpPr>
+          <p:cNvPr id="4" name="Text Placeholder 3"/>
+          <p:cNvSpPr>
+            <a:spLocks noGrp="1"/>
+          </p:cNvSpPr>
+          <p:nvPr>
+            <p:ph type="body" sz="half" idx="2"/>
+          </p:nvPr>
+        </p:nvSpPr>
+        <p:spPr>
+          <a:xfrm>
+            <a:off x="839788" y="2057400"/>
+            <a:ext cx="3932237" cy="3811588"/>
+          </a:xfrm>
+        </p:spPr>
+        <p:txBody>
+          <a:bodyPr/>
+          <a:lstStyle>
+            <a:lvl1pPr marL="0" indent="0">
+              <a:buNone/>
+              <a:defRPr sz="1600"/>
+            </a:lvl1pPr>
+            <a:lvl2pPr marL="457200" indent="0">
+              <a:buNone/>
+              <a:defRPr sz="1400"/>
+            </a:lvl2pPr>
+            <a:lvl3pPr marL="914400" indent="0">
+              <a:buNone/>
+              <a:defRPr sz="1200"/>
+            </a:lvl3pPr>
+            <a:lvl4pPr marL="1371600" indent="0">
+              <a:buNone/>
+              <a:defRPr sz="1000"/>
+            </a:lvl4pPr>
+            <a:lvl5pPr marL="1828800" indent="0">
+              <a:buNone/>
+              <a:defRPr sz="1000"/>
+            </a:lvl5pPr>
+            <a:lvl6pPr marL="2286000" indent="0">
+              <a:buNone/>
+              <a:defRPr sz="1000"/>
+            </a:lvl6pPr>
+            <a:lvl7pPr marL="2743200" indent="0">
+              <a:buNone/>
+              <a:defRPr sz="1000"/>
+            </a:lvl7pPr>
+            <a:lvl8pPr marL="3200400" indent="0">
+              <a:buNone/>
+              <a:defRPr sz="1000"/>
+            </a:lvl8pPr>
+            <a:lvl9pPr marL="3657600" indent="0">
+              <a:buNone/>
+              <a:defRPr sz="1000"/>
+            </a:lvl9pPr>
+          </a:lstStyle>
+          <a:p>
+            <a:pPr lvl="0"/>
+            <a:r>
+              <a:rPr lang="en-US" smtClean="0"/>
+              <a:t>Click to edit Master text styles</a:t>
+            </a:r>
+          </a:p>
+        </p:txBody>
+      </p:sp>
+      <p:sp>
+        <p:nvSpPr>
+          <p:cNvPr id="5" name="Date Placeholder 4"/>
+          <p:cNvSpPr>
+            <a:spLocks noGrp="1"/>
+          </p:cNvSpPr>
+          <p:nvPr>
+            <p:ph type="dt" sz="half" idx="10"/>
+          </p:nvPr>
+        </p:nvSpPr>
+        <p:spPr/>
+        <p:txBody>
+          <a:bodyPr/>
+          <a:lstStyle/>
+          <a:p>
+            <a:fld id="{92CAA8A4-0ED2-3C42-8F86-06294E9F5717}" type="datetimeFigureOut">
+              <a:rPr lang="en-US" smtClean="0">
+                <a:solidFill>
+                  <a:prstClr val="black">
+                    <a:tint val="75000"/>
+                  </a:prstClr>
+                </a:solidFill>
+              </a:rPr>
+              <a:pPr/>
+              <a:t>9/12/20</a:t>
+            </a:fld>
+            <a:endParaRPr lang="en-US">
+              <a:solidFill>
+                <a:prstClr val="black">
+                  <a:tint val="75000"/>
+                </a:prstClr>
+              </a:solidFill>
+            </a:endParaRPr>
+          </a:p>
+        </p:txBody>
+      </p:sp>
+      <p:sp>
+        <p:nvSpPr>
+          <p:cNvPr id="6" name="Footer Placeholder 5"/>
+          <p:cNvSpPr>
+            <a:spLocks noGrp="1"/>
+          </p:cNvSpPr>
+          <p:nvPr>
+            <p:ph type="ftr" sz="quarter" idx="11"/>
+          </p:nvPr>
+        </p:nvSpPr>
+        <p:spPr/>
+        <p:txBody>
+          <a:bodyPr/>
+          <a:lstStyle/>
+          <a:p>
+            <a:endParaRPr lang="en-US">
+              <a:solidFill>
+                <a:prstClr val="black">
+                  <a:tint val="75000"/>
+                </a:prstClr>
+              </a:solidFill>
+            </a:endParaRPr>
+          </a:p>
+        </p:txBody>
+      </p:sp>
+      <p:sp>
+        <p:nvSpPr>
+          <p:cNvPr id="7" name="Slide Number Placeholder 6"/>
+          <p:cNvSpPr>
+            <a:spLocks noGrp="1"/>
+          </p:cNvSpPr>
+          <p:nvPr>
+            <p:ph type="sldNum" sz="quarter" idx="12"/>
+          </p:nvPr>
+        </p:nvSpPr>
+        <p:spPr/>
+        <p:txBody>
+          <a:bodyPr/>
+          <a:lstStyle/>
+          <a:p>
+            <a:fld id="{ADCF0D4B-B936-754B-BA5E-F482D12E455A}" type="slidenum">
+              <a:rPr lang="en-US" smtClean="0">
+                <a:solidFill>
+                  <a:prstClr val="black">
+                    <a:tint val="75000"/>
+                  </a:prstClr>
+                </a:solidFill>
+              </a:rPr>
+              <a:pPr/>
+              <a:t>‹#›</a:t>
+            </a:fld>
+            <a:endParaRPr lang="en-US">
+              <a:solidFill>
+                <a:prstClr val="black">
+                  <a:tint val="75000"/>
+                </a:prstClr>
+              </a:solidFill>
+            </a:endParaRPr>
+          </a:p>
+        </p:txBody>
+      </p:sp>
+    </p:spTree>
+    <p:extLst/>
   </p:cSld>
   <p:clrMapOvr>
     <a:masterClrMapping/>
@@ -9837,7 +11766,7 @@
           <a:p>
             <a:fld id="{A5D3794B-289A-4A80-97D7-111025398D45}" type="datetimeFigureOut">
               <a:rPr lang="en-US" dirty="0"/>
-              <a:t>7/20/2020</a:t>
+              <a:t>9/12/20</a:t>
             </a:fld>
             <a:endParaRPr lang="en-US" dirty="0"/>
           </a:p>
@@ -9886,6 +11815,693 @@
         </p:txBody>
       </p:sp>
     </p:spTree>
+  </p:cSld>
+  <p:clrMapOvr>
+    <a:masterClrMapping/>
+  </p:clrMapOvr>
+</p:sldLayout>
+</file>
+
+<file path=ppt/slideLayouts/slideLayout20.xml><?xml version="1.0" encoding="utf-8"?>
+<p:sldLayout xmlns:a="http://schemas.openxmlformats.org/drawingml/2006/main" xmlns:r="http://schemas.openxmlformats.org/officeDocument/2006/relationships" xmlns:p="http://schemas.openxmlformats.org/presentationml/2006/main" type="picTx" preserve="1">
+  <p:cSld name="Picture with Caption">
+    <p:spTree>
+      <p:nvGrpSpPr>
+        <p:cNvPr id="1" name=""/>
+        <p:cNvGrpSpPr/>
+        <p:nvPr/>
+      </p:nvGrpSpPr>
+      <p:grpSpPr>
+        <a:xfrm>
+          <a:off x="0" y="0"/>
+          <a:ext cx="0" cy="0"/>
+          <a:chOff x="0" y="0"/>
+          <a:chExt cx="0" cy="0"/>
+        </a:xfrm>
+      </p:grpSpPr>
+      <p:sp>
+        <p:nvSpPr>
+          <p:cNvPr id="2" name="Title 1"/>
+          <p:cNvSpPr>
+            <a:spLocks noGrp="1"/>
+          </p:cNvSpPr>
+          <p:nvPr>
+            <p:ph type="title"/>
+          </p:nvPr>
+        </p:nvSpPr>
+        <p:spPr>
+          <a:xfrm>
+            <a:off x="839788" y="457200"/>
+            <a:ext cx="3932237" cy="1600200"/>
+          </a:xfrm>
+        </p:spPr>
+        <p:txBody>
+          <a:bodyPr anchor="b"/>
+          <a:lstStyle>
+            <a:lvl1pPr>
+              <a:defRPr sz="3200"/>
+            </a:lvl1pPr>
+          </a:lstStyle>
+          <a:p>
+            <a:r>
+              <a:rPr lang="en-US" smtClean="0"/>
+              <a:t>Click to edit Master title style</a:t>
+            </a:r>
+            <a:endParaRPr lang="en-US"/>
+          </a:p>
+        </p:txBody>
+      </p:sp>
+      <p:sp>
+        <p:nvSpPr>
+          <p:cNvPr id="3" name="Picture Placeholder 2"/>
+          <p:cNvSpPr>
+            <a:spLocks noGrp="1"/>
+          </p:cNvSpPr>
+          <p:nvPr>
+            <p:ph type="pic" idx="1"/>
+          </p:nvPr>
+        </p:nvSpPr>
+        <p:spPr>
+          <a:xfrm>
+            <a:off x="5183188" y="987425"/>
+            <a:ext cx="6172200" cy="4873625"/>
+          </a:xfrm>
+        </p:spPr>
+        <p:txBody>
+          <a:bodyPr/>
+          <a:lstStyle>
+            <a:lvl1pPr marL="0" indent="0">
+              <a:buNone/>
+              <a:defRPr sz="3200"/>
+            </a:lvl1pPr>
+            <a:lvl2pPr marL="457200" indent="0">
+              <a:buNone/>
+              <a:defRPr sz="2800"/>
+            </a:lvl2pPr>
+            <a:lvl3pPr marL="914400" indent="0">
+              <a:buNone/>
+              <a:defRPr sz="2400"/>
+            </a:lvl3pPr>
+            <a:lvl4pPr marL="1371600" indent="0">
+              <a:buNone/>
+              <a:defRPr sz="2000"/>
+            </a:lvl4pPr>
+            <a:lvl5pPr marL="1828800" indent="0">
+              <a:buNone/>
+              <a:defRPr sz="2000"/>
+            </a:lvl5pPr>
+            <a:lvl6pPr marL="2286000" indent="0">
+              <a:buNone/>
+              <a:defRPr sz="2000"/>
+            </a:lvl6pPr>
+            <a:lvl7pPr marL="2743200" indent="0">
+              <a:buNone/>
+              <a:defRPr sz="2000"/>
+            </a:lvl7pPr>
+            <a:lvl8pPr marL="3200400" indent="0">
+              <a:buNone/>
+              <a:defRPr sz="2000"/>
+            </a:lvl8pPr>
+            <a:lvl9pPr marL="3657600" indent="0">
+              <a:buNone/>
+              <a:defRPr sz="2000"/>
+            </a:lvl9pPr>
+          </a:lstStyle>
+          <a:p>
+            <a:endParaRPr lang="en-US"/>
+          </a:p>
+        </p:txBody>
+      </p:sp>
+      <p:sp>
+        <p:nvSpPr>
+          <p:cNvPr id="4" name="Text Placeholder 3"/>
+          <p:cNvSpPr>
+            <a:spLocks noGrp="1"/>
+          </p:cNvSpPr>
+          <p:nvPr>
+            <p:ph type="body" sz="half" idx="2"/>
+          </p:nvPr>
+        </p:nvSpPr>
+        <p:spPr>
+          <a:xfrm>
+            <a:off x="839788" y="2057400"/>
+            <a:ext cx="3932237" cy="3811588"/>
+          </a:xfrm>
+        </p:spPr>
+        <p:txBody>
+          <a:bodyPr/>
+          <a:lstStyle>
+            <a:lvl1pPr marL="0" indent="0">
+              <a:buNone/>
+              <a:defRPr sz="1600"/>
+            </a:lvl1pPr>
+            <a:lvl2pPr marL="457200" indent="0">
+              <a:buNone/>
+              <a:defRPr sz="1400"/>
+            </a:lvl2pPr>
+            <a:lvl3pPr marL="914400" indent="0">
+              <a:buNone/>
+              <a:defRPr sz="1200"/>
+            </a:lvl3pPr>
+            <a:lvl4pPr marL="1371600" indent="0">
+              <a:buNone/>
+              <a:defRPr sz="1000"/>
+            </a:lvl4pPr>
+            <a:lvl5pPr marL="1828800" indent="0">
+              <a:buNone/>
+              <a:defRPr sz="1000"/>
+            </a:lvl5pPr>
+            <a:lvl6pPr marL="2286000" indent="0">
+              <a:buNone/>
+              <a:defRPr sz="1000"/>
+            </a:lvl6pPr>
+            <a:lvl7pPr marL="2743200" indent="0">
+              <a:buNone/>
+              <a:defRPr sz="1000"/>
+            </a:lvl7pPr>
+            <a:lvl8pPr marL="3200400" indent="0">
+              <a:buNone/>
+              <a:defRPr sz="1000"/>
+            </a:lvl8pPr>
+            <a:lvl9pPr marL="3657600" indent="0">
+              <a:buNone/>
+              <a:defRPr sz="1000"/>
+            </a:lvl9pPr>
+          </a:lstStyle>
+          <a:p>
+            <a:pPr lvl="0"/>
+            <a:r>
+              <a:rPr lang="en-US" smtClean="0"/>
+              <a:t>Click to edit Master text styles</a:t>
+            </a:r>
+          </a:p>
+        </p:txBody>
+      </p:sp>
+      <p:sp>
+        <p:nvSpPr>
+          <p:cNvPr id="5" name="Date Placeholder 4"/>
+          <p:cNvSpPr>
+            <a:spLocks noGrp="1"/>
+          </p:cNvSpPr>
+          <p:nvPr>
+            <p:ph type="dt" sz="half" idx="10"/>
+          </p:nvPr>
+        </p:nvSpPr>
+        <p:spPr/>
+        <p:txBody>
+          <a:bodyPr/>
+          <a:lstStyle/>
+          <a:p>
+            <a:fld id="{92CAA8A4-0ED2-3C42-8F86-06294E9F5717}" type="datetimeFigureOut">
+              <a:rPr lang="en-US" smtClean="0">
+                <a:solidFill>
+                  <a:prstClr val="black">
+                    <a:tint val="75000"/>
+                  </a:prstClr>
+                </a:solidFill>
+              </a:rPr>
+              <a:pPr/>
+              <a:t>9/12/20</a:t>
+            </a:fld>
+            <a:endParaRPr lang="en-US">
+              <a:solidFill>
+                <a:prstClr val="black">
+                  <a:tint val="75000"/>
+                </a:prstClr>
+              </a:solidFill>
+            </a:endParaRPr>
+          </a:p>
+        </p:txBody>
+      </p:sp>
+      <p:sp>
+        <p:nvSpPr>
+          <p:cNvPr id="6" name="Footer Placeholder 5"/>
+          <p:cNvSpPr>
+            <a:spLocks noGrp="1"/>
+          </p:cNvSpPr>
+          <p:nvPr>
+            <p:ph type="ftr" sz="quarter" idx="11"/>
+          </p:nvPr>
+        </p:nvSpPr>
+        <p:spPr/>
+        <p:txBody>
+          <a:bodyPr/>
+          <a:lstStyle/>
+          <a:p>
+            <a:endParaRPr lang="en-US">
+              <a:solidFill>
+                <a:prstClr val="black">
+                  <a:tint val="75000"/>
+                </a:prstClr>
+              </a:solidFill>
+            </a:endParaRPr>
+          </a:p>
+        </p:txBody>
+      </p:sp>
+      <p:sp>
+        <p:nvSpPr>
+          <p:cNvPr id="7" name="Slide Number Placeholder 6"/>
+          <p:cNvSpPr>
+            <a:spLocks noGrp="1"/>
+          </p:cNvSpPr>
+          <p:nvPr>
+            <p:ph type="sldNum" sz="quarter" idx="12"/>
+          </p:nvPr>
+        </p:nvSpPr>
+        <p:spPr/>
+        <p:txBody>
+          <a:bodyPr/>
+          <a:lstStyle/>
+          <a:p>
+            <a:fld id="{ADCF0D4B-B936-754B-BA5E-F482D12E455A}" type="slidenum">
+              <a:rPr lang="en-US" smtClean="0">
+                <a:solidFill>
+                  <a:prstClr val="black">
+                    <a:tint val="75000"/>
+                  </a:prstClr>
+                </a:solidFill>
+              </a:rPr>
+              <a:pPr/>
+              <a:t>‹#›</a:t>
+            </a:fld>
+            <a:endParaRPr lang="en-US">
+              <a:solidFill>
+                <a:prstClr val="black">
+                  <a:tint val="75000"/>
+                </a:prstClr>
+              </a:solidFill>
+            </a:endParaRPr>
+          </a:p>
+        </p:txBody>
+      </p:sp>
+    </p:spTree>
+    <p:extLst/>
+  </p:cSld>
+  <p:clrMapOvr>
+    <a:masterClrMapping/>
+  </p:clrMapOvr>
+</p:sldLayout>
+</file>
+
+<file path=ppt/slideLayouts/slideLayout21.xml><?xml version="1.0" encoding="utf-8"?>
+<p:sldLayout xmlns:a="http://schemas.openxmlformats.org/drawingml/2006/main" xmlns:r="http://schemas.openxmlformats.org/officeDocument/2006/relationships" xmlns:p="http://schemas.openxmlformats.org/presentationml/2006/main" type="vertTx" preserve="1">
+  <p:cSld name="Title and Vertical Text">
+    <p:spTree>
+      <p:nvGrpSpPr>
+        <p:cNvPr id="1" name=""/>
+        <p:cNvGrpSpPr/>
+        <p:nvPr/>
+      </p:nvGrpSpPr>
+      <p:grpSpPr>
+        <a:xfrm>
+          <a:off x="0" y="0"/>
+          <a:ext cx="0" cy="0"/>
+          <a:chOff x="0" y="0"/>
+          <a:chExt cx="0" cy="0"/>
+        </a:xfrm>
+      </p:grpSpPr>
+      <p:sp>
+        <p:nvSpPr>
+          <p:cNvPr id="2" name="Title 1"/>
+          <p:cNvSpPr>
+            <a:spLocks noGrp="1"/>
+          </p:cNvSpPr>
+          <p:nvPr>
+            <p:ph type="title"/>
+          </p:nvPr>
+        </p:nvSpPr>
+        <p:spPr/>
+        <p:txBody>
+          <a:bodyPr/>
+          <a:lstStyle/>
+          <a:p>
+            <a:r>
+              <a:rPr lang="en-US" smtClean="0"/>
+              <a:t>Click to edit Master title style</a:t>
+            </a:r>
+            <a:endParaRPr lang="en-US"/>
+          </a:p>
+        </p:txBody>
+      </p:sp>
+      <p:sp>
+        <p:nvSpPr>
+          <p:cNvPr id="3" name="Vertical Text Placeholder 2"/>
+          <p:cNvSpPr>
+            <a:spLocks noGrp="1"/>
+          </p:cNvSpPr>
+          <p:nvPr>
+            <p:ph type="body" orient="vert" idx="1"/>
+          </p:nvPr>
+        </p:nvSpPr>
+        <p:spPr/>
+        <p:txBody>
+          <a:bodyPr vert="eaVert"/>
+          <a:lstStyle/>
+          <a:p>
+            <a:pPr lvl="0"/>
+            <a:r>
+              <a:rPr lang="en-US" smtClean="0"/>
+              <a:t>Click to edit Master text styles</a:t>
+            </a:r>
+          </a:p>
+          <a:p>
+            <a:pPr lvl="1"/>
+            <a:r>
+              <a:rPr lang="en-US" smtClean="0"/>
+              <a:t>Second level</a:t>
+            </a:r>
+          </a:p>
+          <a:p>
+            <a:pPr lvl="2"/>
+            <a:r>
+              <a:rPr lang="en-US" smtClean="0"/>
+              <a:t>Third level</a:t>
+            </a:r>
+          </a:p>
+          <a:p>
+            <a:pPr lvl="3"/>
+            <a:r>
+              <a:rPr lang="en-US" smtClean="0"/>
+              <a:t>Fourth level</a:t>
+            </a:r>
+          </a:p>
+          <a:p>
+            <a:pPr lvl="4"/>
+            <a:r>
+              <a:rPr lang="en-US" smtClean="0"/>
+              <a:t>Fifth level</a:t>
+            </a:r>
+            <a:endParaRPr lang="en-US"/>
+          </a:p>
+        </p:txBody>
+      </p:sp>
+      <p:sp>
+        <p:nvSpPr>
+          <p:cNvPr id="4" name="Date Placeholder 3"/>
+          <p:cNvSpPr>
+            <a:spLocks noGrp="1"/>
+          </p:cNvSpPr>
+          <p:nvPr>
+            <p:ph type="dt" sz="half" idx="10"/>
+          </p:nvPr>
+        </p:nvSpPr>
+        <p:spPr/>
+        <p:txBody>
+          <a:bodyPr/>
+          <a:lstStyle/>
+          <a:p>
+            <a:fld id="{92CAA8A4-0ED2-3C42-8F86-06294E9F5717}" type="datetimeFigureOut">
+              <a:rPr lang="en-US" smtClean="0">
+                <a:solidFill>
+                  <a:prstClr val="black">
+                    <a:tint val="75000"/>
+                  </a:prstClr>
+                </a:solidFill>
+              </a:rPr>
+              <a:pPr/>
+              <a:t>9/12/20</a:t>
+            </a:fld>
+            <a:endParaRPr lang="en-US">
+              <a:solidFill>
+                <a:prstClr val="black">
+                  <a:tint val="75000"/>
+                </a:prstClr>
+              </a:solidFill>
+            </a:endParaRPr>
+          </a:p>
+        </p:txBody>
+      </p:sp>
+      <p:sp>
+        <p:nvSpPr>
+          <p:cNvPr id="5" name="Footer Placeholder 4"/>
+          <p:cNvSpPr>
+            <a:spLocks noGrp="1"/>
+          </p:cNvSpPr>
+          <p:nvPr>
+            <p:ph type="ftr" sz="quarter" idx="11"/>
+          </p:nvPr>
+        </p:nvSpPr>
+        <p:spPr/>
+        <p:txBody>
+          <a:bodyPr/>
+          <a:lstStyle/>
+          <a:p>
+            <a:endParaRPr lang="en-US">
+              <a:solidFill>
+                <a:prstClr val="black">
+                  <a:tint val="75000"/>
+                </a:prstClr>
+              </a:solidFill>
+            </a:endParaRPr>
+          </a:p>
+        </p:txBody>
+      </p:sp>
+      <p:sp>
+        <p:nvSpPr>
+          <p:cNvPr id="6" name="Slide Number Placeholder 5"/>
+          <p:cNvSpPr>
+            <a:spLocks noGrp="1"/>
+          </p:cNvSpPr>
+          <p:nvPr>
+            <p:ph type="sldNum" sz="quarter" idx="12"/>
+          </p:nvPr>
+        </p:nvSpPr>
+        <p:spPr/>
+        <p:txBody>
+          <a:bodyPr/>
+          <a:lstStyle/>
+          <a:p>
+            <a:fld id="{ADCF0D4B-B936-754B-BA5E-F482D12E455A}" type="slidenum">
+              <a:rPr lang="en-US" smtClean="0">
+                <a:solidFill>
+                  <a:prstClr val="black">
+                    <a:tint val="75000"/>
+                  </a:prstClr>
+                </a:solidFill>
+              </a:rPr>
+              <a:pPr/>
+              <a:t>‹#›</a:t>
+            </a:fld>
+            <a:endParaRPr lang="en-US">
+              <a:solidFill>
+                <a:prstClr val="black">
+                  <a:tint val="75000"/>
+                </a:prstClr>
+              </a:solidFill>
+            </a:endParaRPr>
+          </a:p>
+        </p:txBody>
+      </p:sp>
+    </p:spTree>
+    <p:extLst/>
+  </p:cSld>
+  <p:clrMapOvr>
+    <a:masterClrMapping/>
+  </p:clrMapOvr>
+</p:sldLayout>
+</file>
+
+<file path=ppt/slideLayouts/slideLayout22.xml><?xml version="1.0" encoding="utf-8"?>
+<p:sldLayout xmlns:a="http://schemas.openxmlformats.org/drawingml/2006/main" xmlns:r="http://schemas.openxmlformats.org/officeDocument/2006/relationships" xmlns:p="http://schemas.openxmlformats.org/presentationml/2006/main" type="vertTitleAndTx" preserve="1">
+  <p:cSld name="Vertical Title and Text">
+    <p:spTree>
+      <p:nvGrpSpPr>
+        <p:cNvPr id="1" name=""/>
+        <p:cNvGrpSpPr/>
+        <p:nvPr/>
+      </p:nvGrpSpPr>
+      <p:grpSpPr>
+        <a:xfrm>
+          <a:off x="0" y="0"/>
+          <a:ext cx="0" cy="0"/>
+          <a:chOff x="0" y="0"/>
+          <a:chExt cx="0" cy="0"/>
+        </a:xfrm>
+      </p:grpSpPr>
+      <p:sp>
+        <p:nvSpPr>
+          <p:cNvPr id="2" name="Vertical Title 1"/>
+          <p:cNvSpPr>
+            <a:spLocks noGrp="1"/>
+          </p:cNvSpPr>
+          <p:nvPr>
+            <p:ph type="title" orient="vert"/>
+          </p:nvPr>
+        </p:nvSpPr>
+        <p:spPr>
+          <a:xfrm>
+            <a:off x="8724900" y="365125"/>
+            <a:ext cx="2628900" cy="5811838"/>
+          </a:xfrm>
+        </p:spPr>
+        <p:txBody>
+          <a:bodyPr vert="eaVert"/>
+          <a:lstStyle/>
+          <a:p>
+            <a:r>
+              <a:rPr lang="en-US" smtClean="0"/>
+              <a:t>Click to edit Master title style</a:t>
+            </a:r>
+            <a:endParaRPr lang="en-US"/>
+          </a:p>
+        </p:txBody>
+      </p:sp>
+      <p:sp>
+        <p:nvSpPr>
+          <p:cNvPr id="3" name="Vertical Text Placeholder 2"/>
+          <p:cNvSpPr>
+            <a:spLocks noGrp="1"/>
+          </p:cNvSpPr>
+          <p:nvPr>
+            <p:ph type="body" orient="vert" idx="1"/>
+          </p:nvPr>
+        </p:nvSpPr>
+        <p:spPr>
+          <a:xfrm>
+            <a:off x="838200" y="365125"/>
+            <a:ext cx="7734300" cy="5811838"/>
+          </a:xfrm>
+        </p:spPr>
+        <p:txBody>
+          <a:bodyPr vert="eaVert"/>
+          <a:lstStyle/>
+          <a:p>
+            <a:pPr lvl="0"/>
+            <a:r>
+              <a:rPr lang="en-US" smtClean="0"/>
+              <a:t>Click to edit Master text styles</a:t>
+            </a:r>
+          </a:p>
+          <a:p>
+            <a:pPr lvl="1"/>
+            <a:r>
+              <a:rPr lang="en-US" smtClean="0"/>
+              <a:t>Second level</a:t>
+            </a:r>
+          </a:p>
+          <a:p>
+            <a:pPr lvl="2"/>
+            <a:r>
+              <a:rPr lang="en-US" smtClean="0"/>
+              <a:t>Third level</a:t>
+            </a:r>
+          </a:p>
+          <a:p>
+            <a:pPr lvl="3"/>
+            <a:r>
+              <a:rPr lang="en-US" smtClean="0"/>
+              <a:t>Fourth level</a:t>
+            </a:r>
+          </a:p>
+          <a:p>
+            <a:pPr lvl="4"/>
+            <a:r>
+              <a:rPr lang="en-US" smtClean="0"/>
+              <a:t>Fifth level</a:t>
+            </a:r>
+            <a:endParaRPr lang="en-US"/>
+          </a:p>
+        </p:txBody>
+      </p:sp>
+      <p:sp>
+        <p:nvSpPr>
+          <p:cNvPr id="4" name="Date Placeholder 3"/>
+          <p:cNvSpPr>
+            <a:spLocks noGrp="1"/>
+          </p:cNvSpPr>
+          <p:nvPr>
+            <p:ph type="dt" sz="half" idx="10"/>
+          </p:nvPr>
+        </p:nvSpPr>
+        <p:spPr/>
+        <p:txBody>
+          <a:bodyPr/>
+          <a:lstStyle/>
+          <a:p>
+            <a:fld id="{92CAA8A4-0ED2-3C42-8F86-06294E9F5717}" type="datetimeFigureOut">
+              <a:rPr lang="en-US" smtClean="0">
+                <a:solidFill>
+                  <a:prstClr val="black">
+                    <a:tint val="75000"/>
+                  </a:prstClr>
+                </a:solidFill>
+              </a:rPr>
+              <a:pPr/>
+              <a:t>9/12/20</a:t>
+            </a:fld>
+            <a:endParaRPr lang="en-US">
+              <a:solidFill>
+                <a:prstClr val="black">
+                  <a:tint val="75000"/>
+                </a:prstClr>
+              </a:solidFill>
+            </a:endParaRPr>
+          </a:p>
+        </p:txBody>
+      </p:sp>
+      <p:sp>
+        <p:nvSpPr>
+          <p:cNvPr id="5" name="Footer Placeholder 4"/>
+          <p:cNvSpPr>
+            <a:spLocks noGrp="1"/>
+          </p:cNvSpPr>
+          <p:nvPr>
+            <p:ph type="ftr" sz="quarter" idx="11"/>
+          </p:nvPr>
+        </p:nvSpPr>
+        <p:spPr/>
+        <p:txBody>
+          <a:bodyPr/>
+          <a:lstStyle/>
+          <a:p>
+            <a:endParaRPr lang="en-US">
+              <a:solidFill>
+                <a:prstClr val="black">
+                  <a:tint val="75000"/>
+                </a:prstClr>
+              </a:solidFill>
+            </a:endParaRPr>
+          </a:p>
+        </p:txBody>
+      </p:sp>
+      <p:sp>
+        <p:nvSpPr>
+          <p:cNvPr id="6" name="Slide Number Placeholder 5"/>
+          <p:cNvSpPr>
+            <a:spLocks noGrp="1"/>
+          </p:cNvSpPr>
+          <p:nvPr>
+            <p:ph type="sldNum" sz="quarter" idx="12"/>
+          </p:nvPr>
+        </p:nvSpPr>
+        <p:spPr/>
+        <p:txBody>
+          <a:bodyPr/>
+          <a:lstStyle/>
+          <a:p>
+            <a:fld id="{ADCF0D4B-B936-754B-BA5E-F482D12E455A}" type="slidenum">
+              <a:rPr lang="en-US" smtClean="0">
+                <a:solidFill>
+                  <a:prstClr val="black">
+                    <a:tint val="75000"/>
+                  </a:prstClr>
+                </a:solidFill>
+              </a:rPr>
+              <a:pPr/>
+              <a:t>‹#›</a:t>
+            </a:fld>
+            <a:endParaRPr lang="en-US">
+              <a:solidFill>
+                <a:prstClr val="black">
+                  <a:tint val="75000"/>
+                </a:prstClr>
+              </a:solidFill>
+            </a:endParaRPr>
+          </a:p>
+        </p:txBody>
+      </p:sp>
+    </p:spTree>
+    <p:extLst/>
   </p:cSld>
   <p:clrMapOvr>
     <a:masterClrMapping/>
@@ -18730,7 +21346,7 @@
           <a:p>
             <a:fld id="{5A61015F-7CC6-4D0A-9D87-873EA4C304CC}" type="datetimeFigureOut">
               <a:rPr lang="en-US" dirty="0"/>
-              <a:t>7/20/2020</a:t>
+              <a:t>9/12/20</a:t>
             </a:fld>
             <a:endParaRPr lang="en-US" dirty="0"/>
           </a:p>
@@ -18999,7 +21615,7 @@
           <a:p>
             <a:fld id="{93C6A301-0538-44EC-B09D-202E1042A48B}" type="datetimeFigureOut">
               <a:rPr lang="en-US" dirty="0"/>
-              <a:t>7/20/2020</a:t>
+              <a:t>9/12/20</a:t>
             </a:fld>
             <a:endParaRPr lang="en-US" dirty="0"/>
           </a:p>
@@ -19392,7 +22008,7 @@
           <a:p>
             <a:fld id="{D789574A-8875-45EF-8EA2-3CAA0F7ABC4C}" type="datetimeFigureOut">
               <a:rPr lang="en-US" dirty="0"/>
-              <a:t>7/20/2020</a:t>
+              <a:t>9/12/20</a:t>
             </a:fld>
             <a:endParaRPr lang="en-US" dirty="0"/>
           </a:p>
@@ -19505,7 +22121,7 @@
           <a:p>
             <a:fld id="{67EF4D4C-5367-4C26-9E2B-D8088D7FCA81}" type="datetimeFigureOut">
               <a:rPr lang="en-US" dirty="0"/>
-              <a:t>7/20/2020</a:t>
+              <a:t>9/12/20</a:t>
             </a:fld>
             <a:endParaRPr lang="en-US" dirty="0"/>
           </a:p>
@@ -19595,7 +22211,7 @@
           <a:p>
             <a:fld id="{56E91E96-98B0-4413-9547-46F3504108EF}" type="datetimeFigureOut">
               <a:rPr lang="en-US" dirty="0"/>
-              <a:t>7/20/2020</a:t>
+              <a:t>9/12/20</a:t>
             </a:fld>
             <a:endParaRPr lang="en-US" dirty="0"/>
           </a:p>
@@ -19880,7 +22496,7 @@
           <a:p>
             <a:fld id="{05C68B11-C5A8-448C-8CE9-B1A273C79CFC}" type="datetimeFigureOut">
               <a:rPr lang="en-US" dirty="0"/>
-              <a:t>7/20/2020</a:t>
+              <a:t>9/12/20</a:t>
             </a:fld>
             <a:endParaRPr lang="en-US" dirty="0"/>
           </a:p>
@@ -20155,7 +22771,7 @@
           <a:p>
             <a:fld id="{C7616CA0-919D-4A49-9C8A-62FDFB3A5183}" type="datetimeFigureOut">
               <a:rPr lang="en-US" dirty="0"/>
-              <a:t>7/20/2020</a:t>
+              <a:t>9/12/20</a:t>
             </a:fld>
             <a:endParaRPr lang="en-US" dirty="0"/>
           </a:p>
@@ -20401,7 +23017,7 @@
             <a:fld id="{90298CD5-6C1E-4009-B41F-6DF62E31D3BE}" type="datetimeFigureOut">
               <a:rPr lang="en-US" dirty="0"/>
               <a:pPr/>
-              <a:t>7/20/2020</a:t>
+              <a:t>9/12/20</a:t>
             </a:fld>
             <a:endParaRPr lang="en-US" dirty="0"/>
           </a:p>
@@ -20882,16 +23498,13 @@
 </p:sldMaster>
 </file>
 
-<file path=ppt/slides/slide1.xml><?xml version="1.0" encoding="utf-8"?>
-<p:sld xmlns:a="http://schemas.openxmlformats.org/drawingml/2006/main" xmlns:r="http://schemas.openxmlformats.org/officeDocument/2006/relationships" xmlns:p="http://schemas.openxmlformats.org/presentationml/2006/main">
+<file path=ppt/slideMasters/slideMaster2.xml><?xml version="1.0" encoding="utf-8"?>
+<p:sldMaster xmlns:a="http://schemas.openxmlformats.org/drawingml/2006/main" xmlns:r="http://schemas.openxmlformats.org/officeDocument/2006/relationships" xmlns:p="http://schemas.openxmlformats.org/presentationml/2006/main">
   <p:cSld>
     <p:bg>
-      <p:bgPr>
-        <a:solidFill>
-          <a:schemeClr val="bg1"/>
-        </a:solidFill>
-        <a:effectLst/>
-      </p:bgPr>
+      <p:bgRef idx="1001">
+        <a:schemeClr val="bg1"/>
+      </p:bgRef>
     </p:bg>
     <p:spTree>
       <p:nvGrpSpPr>
@@ -20909,316 +23522,560 @@
       </p:grpSpPr>
       <p:sp>
         <p:nvSpPr>
-          <p:cNvPr id="9" name="Rectangle 8">
-            <a:extLst>
-              <a:ext uri="{FF2B5EF4-FFF2-40B4-BE49-F238E27FC236}">
-                <a16:creationId xmlns:a16="http://schemas.microsoft.com/office/drawing/2014/main" id="{2FDF0794-1B86-42B2-B8C7-F60123E638ED}"/>
-              </a:ext>
-              <a:ext uri="{C183D7F6-B498-43B3-948B-1728B52AA6E4}">
-                <adec:decorative xmlns:adec="http://schemas.microsoft.com/office/drawing/2017/decorative" val="1"/>
-              </a:ext>
-            </a:extLst>
-          </p:cNvPr>
+          <p:cNvPr id="2" name="Title Placeholder 1"/>
           <p:cNvSpPr>
-            <a:spLocks noGrp="1" noRot="1" noChangeAspect="1" noMove="1" noResize="1" noEditPoints="1" noAdjustHandles="1" noChangeArrowheads="1" noChangeShapeType="1" noTextEdit="1"/>
+            <a:spLocks noGrp="1"/>
           </p:cNvSpPr>
           <p:nvPr>
-            <p:extLst>
-              <p:ext uri="{386F3935-93C4-4BCD-93E2-E3B085C9AB24}">
-                <p16:designElem xmlns:p16="http://schemas.microsoft.com/office/powerpoint/2015/main" val="1"/>
-              </p:ext>
-            </p:extLst>
+            <p:ph type="title"/>
           </p:nvPr>
         </p:nvSpPr>
         <p:spPr>
           <a:xfrm>
-            <a:off x="3274" y="0"/>
-            <a:ext cx="12188726" cy="6858975"/>
-          </a:xfrm>
-          <a:prstGeom prst="rect">
-            <a:avLst/>
-          </a:prstGeom>
-          <a:solidFill>
-            <a:schemeClr val="bg1"/>
-          </a:solidFill>
-          <a:ln>
-            <a:noFill/>
-          </a:ln>
-        </p:spPr>
-        <p:style>
-          <a:lnRef idx="2">
-            <a:schemeClr val="accent1">
-              <a:shade val="50000"/>
-            </a:schemeClr>
-          </a:lnRef>
-          <a:fillRef idx="1">
-            <a:schemeClr val="accent1"/>
-          </a:fillRef>
-          <a:effectRef idx="0">
-            <a:schemeClr val="accent1"/>
-          </a:effectRef>
-          <a:fontRef idx="minor">
-            <a:schemeClr val="lt1"/>
-          </a:fontRef>
-        </p:style>
-        <p:txBody>
-          <a:bodyPr rtlCol="0" anchor="ctr"/>
-          <a:lstStyle/>
-          <a:p>
-            <a:pPr algn="ctr"/>
-            <a:endParaRPr lang="en-US"/>
-          </a:p>
-        </p:txBody>
-      </p:sp>
-      <p:pic>
-        <p:nvPicPr>
-          <p:cNvPr id="5" name="Picture 4">
-            <a:extLst>
-              <a:ext uri="{FF2B5EF4-FFF2-40B4-BE49-F238E27FC236}">
-                <a16:creationId xmlns:a16="http://schemas.microsoft.com/office/drawing/2014/main" id="{48C73C07-776C-43B1-9929-546A3147FC8C}"/>
-              </a:ext>
-            </a:extLst>
-          </p:cNvPr>
-          <p:cNvPicPr>
-            <a:picLocks noChangeAspect="1"/>
-          </p:cNvPicPr>
-          <p:nvPr/>
-        </p:nvPicPr>
-        <p:blipFill rotWithShape="1">
-          <a:blip r:embed="rId2"/>
-          <a:srcRect t="11753" b="3977"/>
-          <a:stretch/>
-        </p:blipFill>
-        <p:spPr>
-          <a:xfrm>
-            <a:off x="20" y="975"/>
-            <a:ext cx="12191980" cy="6858000"/>
+            <a:off x="838200" y="365125"/>
+            <a:ext cx="10515600" cy="1325563"/>
           </a:xfrm>
           <a:prstGeom prst="rect">
             <a:avLst/>
           </a:prstGeom>
         </p:spPr>
-      </p:pic>
-      <p:sp>
-        <p:nvSpPr>
-          <p:cNvPr id="11" name="Rectangle 10">
-            <a:extLst>
-              <a:ext uri="{FF2B5EF4-FFF2-40B4-BE49-F238E27FC236}">
-                <a16:creationId xmlns:a16="http://schemas.microsoft.com/office/drawing/2014/main" id="{C5373426-E26E-431D-959C-5DB96C0B6208}"/>
-              </a:ext>
-              <a:ext uri="{C183D7F6-B498-43B3-948B-1728B52AA6E4}">
-                <adec:decorative xmlns:adec="http://schemas.microsoft.com/office/drawing/2017/decorative" val="1"/>
-              </a:ext>
-            </a:extLst>
-          </p:cNvPr>
-          <p:cNvSpPr>
-            <a:spLocks noGrp="1" noRot="1" noChangeAspect="1" noMove="1" noResize="1" noEditPoints="1" noAdjustHandles="1" noChangeArrowheads="1" noChangeShapeType="1" noTextEdit="1"/>
-          </p:cNvSpPr>
-          <p:nvPr>
-            <p:extLst>
-              <p:ext uri="{386F3935-93C4-4BCD-93E2-E3B085C9AB24}">
-                <p16:designElem xmlns:p16="http://schemas.microsoft.com/office/powerpoint/2015/main" val="1"/>
-              </p:ext>
-            </p:extLst>
-          </p:nvPr>
-        </p:nvSpPr>
-        <p:spPr>
-          <a:xfrm>
-            <a:off x="643467" y="1238442"/>
-            <a:ext cx="3635926" cy="4355751"/>
-          </a:xfrm>
-          <a:prstGeom prst="rect">
-            <a:avLst/>
-          </a:prstGeom>
-          <a:solidFill>
-            <a:srgbClr val="000000">
-              <a:alpha val="79000"/>
-            </a:srgbClr>
-          </a:solidFill>
-          <a:ln>
-            <a:noFill/>
-          </a:ln>
-        </p:spPr>
-        <p:style>
-          <a:lnRef idx="2">
-            <a:schemeClr val="accent1">
-              <a:shade val="50000"/>
-            </a:schemeClr>
-          </a:lnRef>
-          <a:fillRef idx="1">
-            <a:schemeClr val="accent1"/>
-          </a:fillRef>
-          <a:effectRef idx="0">
-            <a:schemeClr val="accent1"/>
-          </a:effectRef>
-          <a:fontRef idx="minor">
-            <a:schemeClr val="lt1"/>
-          </a:fontRef>
-        </p:style>
         <p:txBody>
-          <a:bodyPr rtlCol="0" anchor="ctr"/>
+          <a:bodyPr vert="horz" lIns="91440" tIns="45720" rIns="91440" bIns="45720" rtlCol="0" anchor="ctr">
+            <a:normAutofit/>
+          </a:bodyPr>
           <a:lstStyle/>
           <a:p>
-            <a:pPr algn="ctr"/>
+            <a:r>
+              <a:rPr lang="en-US" smtClean="0"/>
+              <a:t>Click to edit Master title style</a:t>
+            </a:r>
             <a:endParaRPr lang="en-US"/>
           </a:p>
         </p:txBody>
       </p:sp>
       <p:sp>
         <p:nvSpPr>
-          <p:cNvPr id="2" name="Title 1">
-            <a:extLst>
-              <a:ext uri="{FF2B5EF4-FFF2-40B4-BE49-F238E27FC236}">
-                <a16:creationId xmlns:a16="http://schemas.microsoft.com/office/drawing/2014/main" id="{D33DE194-0A7D-421E-8C55-B97B2C35B93D}"/>
-              </a:ext>
-            </a:extLst>
-          </p:cNvPr>
+          <p:cNvPr id="3" name="Text Placeholder 2"/>
           <p:cNvSpPr>
             <a:spLocks noGrp="1"/>
           </p:cNvSpPr>
           <p:nvPr>
-            <p:ph type="ctrTitle"/>
+            <p:ph type="body" idx="1"/>
           </p:nvPr>
         </p:nvSpPr>
         <p:spPr>
           <a:xfrm>
-            <a:off x="853439" y="1475234"/>
-            <a:ext cx="3214307" cy="2901694"/>
+            <a:off x="838200" y="1825625"/>
+            <a:ext cx="10515600" cy="4351338"/>
           </a:xfrm>
+          <a:prstGeom prst="rect">
+            <a:avLst/>
+          </a:prstGeom>
         </p:spPr>
         <p:txBody>
-          <a:bodyPr anchor="b">
+          <a:bodyPr vert="horz" lIns="91440" tIns="45720" rIns="91440" bIns="45720" rtlCol="0">
             <a:normAutofit/>
           </a:bodyPr>
           <a:lstStyle/>
           <a:p>
+            <a:pPr lvl="0"/>
             <a:r>
-              <a:rPr lang="en-US" sz="4000">
-                <a:solidFill>
-                  <a:srgbClr val="FFFFFF"/>
-                </a:solidFill>
-              </a:rPr>
-              <a:t>Submitting Jobs and Running Programs</a:t>
+              <a:rPr lang="en-US" smtClean="0"/>
+              <a:t>Click to edit Master text styles</a:t>
             </a:r>
+          </a:p>
+          <a:p>
+            <a:pPr lvl="1"/>
+            <a:r>
+              <a:rPr lang="en-US" smtClean="0"/>
+              <a:t>Second level</a:t>
+            </a:r>
+          </a:p>
+          <a:p>
+            <a:pPr lvl="2"/>
+            <a:r>
+              <a:rPr lang="en-US" smtClean="0"/>
+              <a:t>Third level</a:t>
+            </a:r>
+          </a:p>
+          <a:p>
+            <a:pPr lvl="3"/>
+            <a:r>
+              <a:rPr lang="en-US" smtClean="0"/>
+              <a:t>Fourth level</a:t>
+            </a:r>
+          </a:p>
+          <a:p>
+            <a:pPr lvl="4"/>
+            <a:r>
+              <a:rPr lang="en-US" smtClean="0"/>
+              <a:t>Fifth level</a:t>
+            </a:r>
+            <a:endParaRPr lang="en-US"/>
           </a:p>
         </p:txBody>
       </p:sp>
       <p:sp>
         <p:nvSpPr>
-          <p:cNvPr id="3" name="Subtitle 2">
-            <a:extLst>
-              <a:ext uri="{FF2B5EF4-FFF2-40B4-BE49-F238E27FC236}">
-                <a16:creationId xmlns:a16="http://schemas.microsoft.com/office/drawing/2014/main" id="{BB1D4157-52B1-4628-AB63-0074C44AFA22}"/>
-              </a:ext>
-            </a:extLst>
-          </p:cNvPr>
+          <p:cNvPr id="4" name="Date Placeholder 3"/>
           <p:cNvSpPr>
             <a:spLocks noGrp="1"/>
           </p:cNvSpPr>
           <p:nvPr>
-            <p:ph type="subTitle" idx="1"/>
+            <p:ph type="dt" sz="half" idx="2"/>
           </p:nvPr>
         </p:nvSpPr>
         <p:spPr>
           <a:xfrm>
-            <a:off x="853440" y="4608576"/>
-            <a:ext cx="3205640" cy="774186"/>
+            <a:off x="838200" y="6356350"/>
+            <a:ext cx="2743200" cy="365125"/>
           </a:xfrm>
+          <a:prstGeom prst="rect">
+            <a:avLst/>
+          </a:prstGeom>
         </p:spPr>
         <p:txBody>
-          <a:bodyPr anchor="t">
-            <a:normAutofit/>
-          </a:bodyPr>
-          <a:lstStyle/>
+          <a:bodyPr vert="horz" lIns="91440" tIns="45720" rIns="91440" bIns="45720" rtlCol="0" anchor="ctr"/>
+          <a:lstStyle>
+            <a:lvl1pPr algn="l">
+              <a:defRPr sz="1200">
+                <a:solidFill>
+                  <a:schemeClr val="tx1">
+                    <a:tint val="75000"/>
+                  </a:schemeClr>
+                </a:solidFill>
+              </a:defRPr>
+            </a:lvl1pPr>
+          </a:lstStyle>
           <a:p>
-            <a:pPr algn="r"/>
-            <a:r>
-              <a:rPr lang="en-US" sz="1600">
+            <a:pPr defTabSz="914400"/>
+            <a:fld id="{92CAA8A4-0ED2-3C42-8F86-06294E9F5717}" type="datetimeFigureOut">
+              <a:rPr lang="en-US" smtClean="0">
                 <a:solidFill>
-                  <a:srgbClr val="FFFFFF"/>
+                  <a:prstClr val="black">
+                    <a:tint val="75000"/>
+                  </a:prstClr>
                 </a:solidFill>
               </a:rPr>
-              <a:t>Module 1.3</a:t>
-            </a:r>
+              <a:pPr defTabSz="914400"/>
+              <a:t>9/12/20</a:t>
+            </a:fld>
+            <a:endParaRPr lang="en-US">
+              <a:solidFill>
+                <a:prstClr val="black">
+                  <a:tint val="75000"/>
+                </a:prstClr>
+              </a:solidFill>
+            </a:endParaRPr>
           </a:p>
         </p:txBody>
       </p:sp>
-      <p:cxnSp>
-        <p:nvCxnSpPr>
-          <p:cNvPr id="13" name="Straight Connector 12">
-            <a:extLst>
-              <a:ext uri="{FF2B5EF4-FFF2-40B4-BE49-F238E27FC236}">
-                <a16:creationId xmlns:a16="http://schemas.microsoft.com/office/drawing/2014/main" id="{96D07482-83A3-4451-943C-B46961082957}"/>
-              </a:ext>
-              <a:ext uri="{C183D7F6-B498-43B3-948B-1728B52AA6E4}">
-                <adec:decorative xmlns:adec="http://schemas.microsoft.com/office/drawing/2017/decorative" val="1"/>
-              </a:ext>
-            </a:extLst>
-          </p:cNvPr>
-          <p:cNvCxnSpPr>
-            <a:cxnSpLocks noGrp="1" noRot="1" noChangeAspect="1" noMove="1" noResize="1" noEditPoints="1" noAdjustHandles="1" noChangeArrowheads="1" noChangeShapeType="1"/>
-          </p:cNvCxnSpPr>
+      <p:sp>
+        <p:nvSpPr>
+          <p:cNvPr id="5" name="Footer Placeholder 4"/>
+          <p:cNvSpPr>
+            <a:spLocks noGrp="1"/>
+          </p:cNvSpPr>
           <p:nvPr>
-            <p:extLst>
-              <p:ext uri="{386F3935-93C4-4BCD-93E2-E3B085C9AB24}">
-                <p16:designElem xmlns:p16="http://schemas.microsoft.com/office/powerpoint/2015/main" val="1"/>
-              </p:ext>
-            </p:extLst>
+            <p:ph type="ftr" sz="quarter" idx="3"/>
           </p:nvPr>
-        </p:nvCxnSpPr>
+        </p:nvSpPr>
         <p:spPr>
           <a:xfrm>
-            <a:off x="1065829" y="4508519"/>
-            <a:ext cx="2926080" cy="0"/>
+            <a:off x="4038600" y="6356350"/>
+            <a:ext cx="4114800" cy="365125"/>
           </a:xfrm>
-          <a:prstGeom prst="line">
+          <a:prstGeom prst="rect">
             <a:avLst/>
           </a:prstGeom>
-          <a:ln w="19050">
-            <a:solidFill>
-              <a:srgbClr val="F76B3F"/>
-            </a:solidFill>
-          </a:ln>
         </p:spPr>
-        <p:style>
-          <a:lnRef idx="1">
-            <a:schemeClr val="accent1"/>
-          </a:lnRef>
-          <a:fillRef idx="0">
-            <a:schemeClr val="accent1"/>
-          </a:fillRef>
-          <a:effectRef idx="0">
-            <a:schemeClr val="accent1"/>
-          </a:effectRef>
-          <a:fontRef idx="minor">
-            <a:schemeClr val="tx1"/>
-          </a:fontRef>
-        </p:style>
-      </p:cxnSp>
+        <p:txBody>
+          <a:bodyPr vert="horz" lIns="91440" tIns="45720" rIns="91440" bIns="45720" rtlCol="0" anchor="ctr"/>
+          <a:lstStyle>
+            <a:lvl1pPr algn="ctr">
+              <a:defRPr sz="1200">
+                <a:solidFill>
+                  <a:schemeClr val="tx1">
+                    <a:tint val="75000"/>
+                  </a:schemeClr>
+                </a:solidFill>
+              </a:defRPr>
+            </a:lvl1pPr>
+          </a:lstStyle>
+          <a:p>
+            <a:pPr defTabSz="914400"/>
+            <a:endParaRPr lang="en-US">
+              <a:solidFill>
+                <a:prstClr val="black">
+                  <a:tint val="75000"/>
+                </a:prstClr>
+              </a:solidFill>
+            </a:endParaRPr>
+          </a:p>
+        </p:txBody>
+      </p:sp>
+      <p:sp>
+        <p:nvSpPr>
+          <p:cNvPr id="6" name="Slide Number Placeholder 5"/>
+          <p:cNvSpPr>
+            <a:spLocks noGrp="1"/>
+          </p:cNvSpPr>
+          <p:nvPr>
+            <p:ph type="sldNum" sz="quarter" idx="4"/>
+          </p:nvPr>
+        </p:nvSpPr>
+        <p:spPr>
+          <a:xfrm>
+            <a:off x="8610600" y="6356350"/>
+            <a:ext cx="2743200" cy="365125"/>
+          </a:xfrm>
+          <a:prstGeom prst="rect">
+            <a:avLst/>
+          </a:prstGeom>
+        </p:spPr>
+        <p:txBody>
+          <a:bodyPr vert="horz" lIns="91440" tIns="45720" rIns="91440" bIns="45720" rtlCol="0" anchor="ctr"/>
+          <a:lstStyle>
+            <a:lvl1pPr algn="r">
+              <a:defRPr sz="1200">
+                <a:solidFill>
+                  <a:schemeClr val="tx1">
+                    <a:tint val="75000"/>
+                  </a:schemeClr>
+                </a:solidFill>
+              </a:defRPr>
+            </a:lvl1pPr>
+          </a:lstStyle>
+          <a:p>
+            <a:pPr defTabSz="914400"/>
+            <a:fld id="{ADCF0D4B-B936-754B-BA5E-F482D12E455A}" type="slidenum">
+              <a:rPr lang="en-US" smtClean="0">
+                <a:solidFill>
+                  <a:prstClr val="black">
+                    <a:tint val="75000"/>
+                  </a:prstClr>
+                </a:solidFill>
+              </a:rPr>
+              <a:pPr defTabSz="914400"/>
+              <a:t>‹#›</a:t>
+            </a:fld>
+            <a:endParaRPr lang="en-US">
+              <a:solidFill>
+                <a:prstClr val="black">
+                  <a:tint val="75000"/>
+                </a:prstClr>
+              </a:solidFill>
+            </a:endParaRPr>
+          </a:p>
+        </p:txBody>
+      </p:sp>
     </p:spTree>
     <p:extLst>
       <p:ext uri="{BB962C8B-B14F-4D97-AF65-F5344CB8AC3E}">
-        <p14:creationId xmlns:p14="http://schemas.microsoft.com/office/powerpoint/2010/main" val="1902300439"/>
+        <p14:creationId xmlns:p14="http://schemas.microsoft.com/office/powerpoint/2010/main" val="105594284"/>
       </p:ext>
     </p:extLst>
   </p:cSld>
-  <p:clrMapOvr>
-    <a:masterClrMapping/>
-  </p:clrMapOvr>
-</p:sld>
+  <p:clrMap bg1="lt1" tx1="dk1" bg2="lt2" tx2="dk2" accent1="accent1" accent2="accent2" accent3="accent3" accent4="accent4" accent5="accent5" accent6="accent6" hlink="hlink" folHlink="folHlink"/>
+  <p:sldLayoutIdLst>
+    <p:sldLayoutId id="2147483662" r:id="rId1"/>
+    <p:sldLayoutId id="2147483663" r:id="rId2"/>
+    <p:sldLayoutId id="2147483664" r:id="rId3"/>
+    <p:sldLayoutId id="2147483665" r:id="rId4"/>
+    <p:sldLayoutId id="2147483666" r:id="rId5"/>
+    <p:sldLayoutId id="2147483667" r:id="rId6"/>
+    <p:sldLayoutId id="2147483668" r:id="rId7"/>
+    <p:sldLayoutId id="2147483669" r:id="rId8"/>
+    <p:sldLayoutId id="2147483670" r:id="rId9"/>
+    <p:sldLayoutId id="2147483671" r:id="rId10"/>
+    <p:sldLayoutId id="2147483672" r:id="rId11"/>
+  </p:sldLayoutIdLst>
+  <p:txStyles>
+    <p:titleStyle>
+      <a:lvl1pPr algn="l" defTabSz="914400" rtl="0" eaLnBrk="1" latinLnBrk="0" hangingPunct="1">
+        <a:lnSpc>
+          <a:spcPct val="90000"/>
+        </a:lnSpc>
+        <a:spcBef>
+          <a:spcPct val="0"/>
+        </a:spcBef>
+        <a:buNone/>
+        <a:defRPr sz="4400" kern="1200">
+          <a:solidFill>
+            <a:schemeClr val="tx1"/>
+          </a:solidFill>
+          <a:latin typeface="+mj-lt"/>
+          <a:ea typeface="+mj-ea"/>
+          <a:cs typeface="+mj-cs"/>
+        </a:defRPr>
+      </a:lvl1pPr>
+    </p:titleStyle>
+    <p:bodyStyle>
+      <a:lvl1pPr marL="228600" indent="-228600" algn="l" defTabSz="914400" rtl="0" eaLnBrk="1" latinLnBrk="0" hangingPunct="1">
+        <a:lnSpc>
+          <a:spcPct val="90000"/>
+        </a:lnSpc>
+        <a:spcBef>
+          <a:spcPts val="1000"/>
+        </a:spcBef>
+        <a:buFont typeface="Arial"/>
+        <a:buChar char="•"/>
+        <a:defRPr sz="2800" kern="1200">
+          <a:solidFill>
+            <a:schemeClr val="tx1"/>
+          </a:solidFill>
+          <a:latin typeface="+mn-lt"/>
+          <a:ea typeface="+mn-ea"/>
+          <a:cs typeface="+mn-cs"/>
+        </a:defRPr>
+      </a:lvl1pPr>
+      <a:lvl2pPr marL="685800" indent="-228600" algn="l" defTabSz="914400" rtl="0" eaLnBrk="1" latinLnBrk="0" hangingPunct="1">
+        <a:lnSpc>
+          <a:spcPct val="90000"/>
+        </a:lnSpc>
+        <a:spcBef>
+          <a:spcPts val="500"/>
+        </a:spcBef>
+        <a:buFont typeface="Arial"/>
+        <a:buChar char="•"/>
+        <a:defRPr sz="2400" kern="1200">
+          <a:solidFill>
+            <a:schemeClr val="tx1"/>
+          </a:solidFill>
+          <a:latin typeface="+mn-lt"/>
+          <a:ea typeface="+mn-ea"/>
+          <a:cs typeface="+mn-cs"/>
+        </a:defRPr>
+      </a:lvl2pPr>
+      <a:lvl3pPr marL="1143000" indent="-228600" algn="l" defTabSz="914400" rtl="0" eaLnBrk="1" latinLnBrk="0" hangingPunct="1">
+        <a:lnSpc>
+          <a:spcPct val="90000"/>
+        </a:lnSpc>
+        <a:spcBef>
+          <a:spcPts val="500"/>
+        </a:spcBef>
+        <a:buFont typeface="Arial"/>
+        <a:buChar char="•"/>
+        <a:defRPr sz="2000" kern="1200">
+          <a:solidFill>
+            <a:schemeClr val="tx1"/>
+          </a:solidFill>
+          <a:latin typeface="+mn-lt"/>
+          <a:ea typeface="+mn-ea"/>
+          <a:cs typeface="+mn-cs"/>
+        </a:defRPr>
+      </a:lvl3pPr>
+      <a:lvl4pPr marL="1600200" indent="-228600" algn="l" defTabSz="914400" rtl="0" eaLnBrk="1" latinLnBrk="0" hangingPunct="1">
+        <a:lnSpc>
+          <a:spcPct val="90000"/>
+        </a:lnSpc>
+        <a:spcBef>
+          <a:spcPts val="500"/>
+        </a:spcBef>
+        <a:buFont typeface="Arial"/>
+        <a:buChar char="•"/>
+        <a:defRPr sz="1800" kern="1200">
+          <a:solidFill>
+            <a:schemeClr val="tx1"/>
+          </a:solidFill>
+          <a:latin typeface="+mn-lt"/>
+          <a:ea typeface="+mn-ea"/>
+          <a:cs typeface="+mn-cs"/>
+        </a:defRPr>
+      </a:lvl4pPr>
+      <a:lvl5pPr marL="2057400" indent="-228600" algn="l" defTabSz="914400" rtl="0" eaLnBrk="1" latinLnBrk="0" hangingPunct="1">
+        <a:lnSpc>
+          <a:spcPct val="90000"/>
+        </a:lnSpc>
+        <a:spcBef>
+          <a:spcPts val="500"/>
+        </a:spcBef>
+        <a:buFont typeface="Arial"/>
+        <a:buChar char="•"/>
+        <a:defRPr sz="1800" kern="1200">
+          <a:solidFill>
+            <a:schemeClr val="tx1"/>
+          </a:solidFill>
+          <a:latin typeface="+mn-lt"/>
+          <a:ea typeface="+mn-ea"/>
+          <a:cs typeface="+mn-cs"/>
+        </a:defRPr>
+      </a:lvl5pPr>
+      <a:lvl6pPr marL="2514600" indent="-228600" algn="l" defTabSz="914400" rtl="0" eaLnBrk="1" latinLnBrk="0" hangingPunct="1">
+        <a:lnSpc>
+          <a:spcPct val="90000"/>
+        </a:lnSpc>
+        <a:spcBef>
+          <a:spcPts val="500"/>
+        </a:spcBef>
+        <a:buFont typeface="Arial"/>
+        <a:buChar char="•"/>
+        <a:defRPr sz="1800" kern="1200">
+          <a:solidFill>
+            <a:schemeClr val="tx1"/>
+          </a:solidFill>
+          <a:latin typeface="+mn-lt"/>
+          <a:ea typeface="+mn-ea"/>
+          <a:cs typeface="+mn-cs"/>
+        </a:defRPr>
+      </a:lvl6pPr>
+      <a:lvl7pPr marL="2971800" indent="-228600" algn="l" defTabSz="914400" rtl="0" eaLnBrk="1" latinLnBrk="0" hangingPunct="1">
+        <a:lnSpc>
+          <a:spcPct val="90000"/>
+        </a:lnSpc>
+        <a:spcBef>
+          <a:spcPts val="500"/>
+        </a:spcBef>
+        <a:buFont typeface="Arial"/>
+        <a:buChar char="•"/>
+        <a:defRPr sz="1800" kern="1200">
+          <a:solidFill>
+            <a:schemeClr val="tx1"/>
+          </a:solidFill>
+          <a:latin typeface="+mn-lt"/>
+          <a:ea typeface="+mn-ea"/>
+          <a:cs typeface="+mn-cs"/>
+        </a:defRPr>
+      </a:lvl7pPr>
+      <a:lvl8pPr marL="3429000" indent="-228600" algn="l" defTabSz="914400" rtl="0" eaLnBrk="1" latinLnBrk="0" hangingPunct="1">
+        <a:lnSpc>
+          <a:spcPct val="90000"/>
+        </a:lnSpc>
+        <a:spcBef>
+          <a:spcPts val="500"/>
+        </a:spcBef>
+        <a:buFont typeface="Arial"/>
+        <a:buChar char="•"/>
+        <a:defRPr sz="1800" kern="1200">
+          <a:solidFill>
+            <a:schemeClr val="tx1"/>
+          </a:solidFill>
+          <a:latin typeface="+mn-lt"/>
+          <a:ea typeface="+mn-ea"/>
+          <a:cs typeface="+mn-cs"/>
+        </a:defRPr>
+      </a:lvl8pPr>
+      <a:lvl9pPr marL="3886200" indent="-228600" algn="l" defTabSz="914400" rtl="0" eaLnBrk="1" latinLnBrk="0" hangingPunct="1">
+        <a:lnSpc>
+          <a:spcPct val="90000"/>
+        </a:lnSpc>
+        <a:spcBef>
+          <a:spcPts val="500"/>
+        </a:spcBef>
+        <a:buFont typeface="Arial"/>
+        <a:buChar char="•"/>
+        <a:defRPr sz="1800" kern="1200">
+          <a:solidFill>
+            <a:schemeClr val="tx1"/>
+          </a:solidFill>
+          <a:latin typeface="+mn-lt"/>
+          <a:ea typeface="+mn-ea"/>
+          <a:cs typeface="+mn-cs"/>
+        </a:defRPr>
+      </a:lvl9pPr>
+    </p:bodyStyle>
+    <p:otherStyle>
+      <a:defPPr>
+        <a:defRPr lang="en-US"/>
+      </a:defPPr>
+      <a:lvl1pPr marL="0" algn="l" defTabSz="914400" rtl="0" eaLnBrk="1" latinLnBrk="0" hangingPunct="1">
+        <a:defRPr sz="1800" kern="1200">
+          <a:solidFill>
+            <a:schemeClr val="tx1"/>
+          </a:solidFill>
+          <a:latin typeface="+mn-lt"/>
+          <a:ea typeface="+mn-ea"/>
+          <a:cs typeface="+mn-cs"/>
+        </a:defRPr>
+      </a:lvl1pPr>
+      <a:lvl2pPr marL="457200" algn="l" defTabSz="914400" rtl="0" eaLnBrk="1" latinLnBrk="0" hangingPunct="1">
+        <a:defRPr sz="1800" kern="1200">
+          <a:solidFill>
+            <a:schemeClr val="tx1"/>
+          </a:solidFill>
+          <a:latin typeface="+mn-lt"/>
+          <a:ea typeface="+mn-ea"/>
+          <a:cs typeface="+mn-cs"/>
+        </a:defRPr>
+      </a:lvl2pPr>
+      <a:lvl3pPr marL="914400" algn="l" defTabSz="914400" rtl="0" eaLnBrk="1" latinLnBrk="0" hangingPunct="1">
+        <a:defRPr sz="1800" kern="1200">
+          <a:solidFill>
+            <a:schemeClr val="tx1"/>
+          </a:solidFill>
+          <a:latin typeface="+mn-lt"/>
+          <a:ea typeface="+mn-ea"/>
+          <a:cs typeface="+mn-cs"/>
+        </a:defRPr>
+      </a:lvl3pPr>
+      <a:lvl4pPr marL="1371600" algn="l" defTabSz="914400" rtl="0" eaLnBrk="1" latinLnBrk="0" hangingPunct="1">
+        <a:defRPr sz="1800" kern="1200">
+          <a:solidFill>
+            <a:schemeClr val="tx1"/>
+          </a:solidFill>
+          <a:latin typeface="+mn-lt"/>
+          <a:ea typeface="+mn-ea"/>
+          <a:cs typeface="+mn-cs"/>
+        </a:defRPr>
+      </a:lvl4pPr>
+      <a:lvl5pPr marL="1828800" algn="l" defTabSz="914400" rtl="0" eaLnBrk="1" latinLnBrk="0" hangingPunct="1">
+        <a:defRPr sz="1800" kern="1200">
+          <a:solidFill>
+            <a:schemeClr val="tx1"/>
+          </a:solidFill>
+          <a:latin typeface="+mn-lt"/>
+          <a:ea typeface="+mn-ea"/>
+          <a:cs typeface="+mn-cs"/>
+        </a:defRPr>
+      </a:lvl5pPr>
+      <a:lvl6pPr marL="2286000" algn="l" defTabSz="914400" rtl="0" eaLnBrk="1" latinLnBrk="0" hangingPunct="1">
+        <a:defRPr sz="1800" kern="1200">
+          <a:solidFill>
+            <a:schemeClr val="tx1"/>
+          </a:solidFill>
+          <a:latin typeface="+mn-lt"/>
+          <a:ea typeface="+mn-ea"/>
+          <a:cs typeface="+mn-cs"/>
+        </a:defRPr>
+      </a:lvl6pPr>
+      <a:lvl7pPr marL="2743200" algn="l" defTabSz="914400" rtl="0" eaLnBrk="1" latinLnBrk="0" hangingPunct="1">
+        <a:defRPr sz="1800" kern="1200">
+          <a:solidFill>
+            <a:schemeClr val="tx1"/>
+          </a:solidFill>
+          <a:latin typeface="+mn-lt"/>
+          <a:ea typeface="+mn-ea"/>
+          <a:cs typeface="+mn-cs"/>
+        </a:defRPr>
+      </a:lvl7pPr>
+      <a:lvl8pPr marL="3200400" algn="l" defTabSz="914400" rtl="0" eaLnBrk="1" latinLnBrk="0" hangingPunct="1">
+        <a:defRPr sz="1800" kern="1200">
+          <a:solidFill>
+            <a:schemeClr val="tx1"/>
+          </a:solidFill>
+          <a:latin typeface="+mn-lt"/>
+          <a:ea typeface="+mn-ea"/>
+          <a:cs typeface="+mn-cs"/>
+        </a:defRPr>
+      </a:lvl8pPr>
+      <a:lvl9pPr marL="3657600" algn="l" defTabSz="914400" rtl="0" eaLnBrk="1" latinLnBrk="0" hangingPunct="1">
+        <a:defRPr sz="1800" kern="1200">
+          <a:solidFill>
+            <a:schemeClr val="tx1"/>
+          </a:solidFill>
+          <a:latin typeface="+mn-lt"/>
+          <a:ea typeface="+mn-ea"/>
+          <a:cs typeface="+mn-cs"/>
+        </a:defRPr>
+      </a:lvl9pPr>
+    </p:otherStyle>
+  </p:txStyles>
+</p:sldMaster>
 </file>
 
-<file path=ppt/slides/slide2.xml><?xml version="1.0" encoding="utf-8"?>
+<file path=ppt/slides/slide1.xml><?xml version="1.0" encoding="utf-8"?>
 <p:sld xmlns:a="http://schemas.openxmlformats.org/drawingml/2006/main" xmlns:r="http://schemas.openxmlformats.org/officeDocument/2006/relationships" xmlns:p="http://schemas.openxmlformats.org/presentationml/2006/main">
   <p:cSld>
-    <p:bg>
-      <p:bgPr>
-        <a:solidFill>
-          <a:schemeClr val="bg1"/>
-        </a:solidFill>
-        <a:effectLst/>
-      </p:bgPr>
-    </p:bg>
     <p:spTree>
       <p:nvGrpSpPr>
         <p:cNvPr id="1" name=""/>
@@ -21235,267 +24092,191 @@
       </p:grpSpPr>
       <p:sp>
         <p:nvSpPr>
-          <p:cNvPr id="10" name="Rectangle 9">
-            <a:extLst>
-              <a:ext uri="{FF2B5EF4-FFF2-40B4-BE49-F238E27FC236}">
-                <a16:creationId xmlns:a16="http://schemas.microsoft.com/office/drawing/2014/main" id="{6109556B-EAE9-4435-B409-0519F2CBDB14}"/>
-              </a:ext>
-              <a:ext uri="{C183D7F6-B498-43B3-948B-1728B52AA6E4}">
-                <adec:decorative xmlns:adec="http://schemas.microsoft.com/office/drawing/2017/decorative" val="1"/>
-              </a:ext>
-            </a:extLst>
-          </p:cNvPr>
+          <p:cNvPr id="2" name="Title 1"/>
           <p:cNvSpPr>
-            <a:spLocks noGrp="1" noRot="1" noChangeAspect="1" noMove="1" noResize="1" noEditPoints="1" noAdjustHandles="1" noChangeArrowheads="1" noChangeShapeType="1" noTextEdit="1"/>
+            <a:spLocks noGrp="1"/>
           </p:cNvSpPr>
           <p:nvPr>
-            <p:extLst>
-              <p:ext uri="{386F3935-93C4-4BCD-93E2-E3B085C9AB24}">
-                <p16:designElem xmlns:p16="http://schemas.microsoft.com/office/powerpoint/2015/main" val="1"/>
-              </p:ext>
-            </p:extLst>
+            <p:ph type="ctrTitle"/>
           </p:nvPr>
         </p:nvSpPr>
         <p:spPr>
           <a:xfrm>
-            <a:off x="-1" y="0"/>
-            <a:ext cx="7552267" cy="6858000"/>
+            <a:off x="754743" y="0"/>
+            <a:ext cx="10682514" cy="6858000"/>
           </a:xfrm>
-          <a:prstGeom prst="rect">
-            <a:avLst/>
-          </a:prstGeom>
-          <a:solidFill>
-            <a:srgbClr val="503941"/>
-          </a:solidFill>
-          <a:ln>
-            <a:noFill/>
-          </a:ln>
         </p:spPr>
-        <p:style>
-          <a:lnRef idx="2">
-            <a:schemeClr val="accent1">
-              <a:shade val="50000"/>
-            </a:schemeClr>
-          </a:lnRef>
-          <a:fillRef idx="1">
-            <a:schemeClr val="accent1"/>
-          </a:fillRef>
-          <a:effectRef idx="0">
-            <a:schemeClr val="accent1"/>
-          </a:effectRef>
-          <a:fontRef idx="minor">
-            <a:schemeClr val="lt1"/>
-          </a:fontRef>
-        </p:style>
         <p:txBody>
-          <a:bodyPr rtlCol="0" anchor="ctr"/>
+          <a:bodyPr anchor="ctr">
+            <a:noAutofit/>
+          </a:bodyPr>
           <a:lstStyle/>
           <a:p>
-            <a:pPr algn="ctr"/>
-            <a:endParaRPr lang="en-US"/>
+            <a:pPr algn="l" fontAlgn="ctr">
+              <a:lnSpc>
+                <a:spcPct val="150000"/>
+              </a:lnSpc>
+            </a:pPr>
+            <a:r>
+              <a:rPr lang="en-US" sz="3600" b="1" dirty="0" smtClean="0">
+                <a:latin typeface="Times New Roman" charset="0"/>
+                <a:ea typeface="Times New Roman" charset="0"/>
+                <a:cs typeface="Times New Roman" charset="0"/>
+              </a:rPr>
+              <a:t>Blue Waters Petascale Semester Curriculum v1.0</a:t>
+            </a:r>
+            <a:r>
+              <a:rPr lang="en-US" sz="3600" dirty="0" smtClean="0">
+                <a:latin typeface="Times New Roman" charset="0"/>
+                <a:ea typeface="Times New Roman" charset="0"/>
+                <a:cs typeface="Times New Roman" charset="0"/>
+              </a:rPr>
+              <a:t/>
+            </a:r>
+            <a:br>
+              <a:rPr lang="en-US" sz="3600" dirty="0" smtClean="0">
+                <a:latin typeface="Times New Roman" charset="0"/>
+                <a:ea typeface="Times New Roman" charset="0"/>
+                <a:cs typeface="Times New Roman" charset="0"/>
+              </a:rPr>
+            </a:br>
+            <a:r>
+              <a:rPr lang="en-US" sz="3600" b="1" dirty="0" smtClean="0">
+                <a:latin typeface="Times New Roman" charset="0"/>
+                <a:ea typeface="Times New Roman" charset="0"/>
+                <a:cs typeface="Times New Roman" charset="0"/>
+              </a:rPr>
+              <a:t>Unit </a:t>
+            </a:r>
+            <a:r>
+              <a:rPr lang="en-US" sz="3600" b="1" dirty="0">
+                <a:latin typeface="Times New Roman" charset="0"/>
+                <a:ea typeface="Times New Roman" charset="0"/>
+                <a:cs typeface="Times New Roman" charset="0"/>
+              </a:rPr>
+              <a:t>1: Computation Across the Curriculum </a:t>
+            </a:r>
+            <a:r>
+              <a:rPr lang="en-US" sz="3600" dirty="0" smtClean="0">
+                <a:latin typeface="Times New Roman" charset="0"/>
+                <a:ea typeface="Times New Roman" charset="0"/>
+                <a:cs typeface="Times New Roman" charset="0"/>
+              </a:rPr>
+              <a:t/>
+            </a:r>
+            <a:br>
+              <a:rPr lang="en-US" sz="3600" dirty="0" smtClean="0">
+                <a:latin typeface="Times New Roman" charset="0"/>
+                <a:ea typeface="Times New Roman" charset="0"/>
+                <a:cs typeface="Times New Roman" charset="0"/>
+              </a:rPr>
+            </a:br>
+            <a:r>
+              <a:rPr lang="en-US" sz="3600" b="1" dirty="0" smtClean="0">
+                <a:latin typeface="Times New Roman" charset="0"/>
+                <a:ea typeface="Times New Roman" charset="0"/>
+                <a:cs typeface="Times New Roman" charset="0"/>
+              </a:rPr>
+              <a:t>Lesson </a:t>
+            </a:r>
+            <a:r>
+              <a:rPr lang="en-US" sz="3600" b="1" dirty="0" smtClean="0">
+                <a:latin typeface="Times New Roman" charset="0"/>
+                <a:ea typeface="Times New Roman" charset="0"/>
+                <a:cs typeface="Times New Roman" charset="0"/>
+              </a:rPr>
+              <a:t>3</a:t>
+            </a:r>
+            <a:r>
+              <a:rPr lang="en-US" sz="3600" b="1" dirty="0">
+                <a:latin typeface="Times New Roman" charset="0"/>
+                <a:ea typeface="Times New Roman" charset="0"/>
+                <a:cs typeface="Times New Roman" charset="0"/>
+              </a:rPr>
+              <a:t>: Submitting Jobs and Running </a:t>
+            </a:r>
+            <a:r>
+              <a:rPr lang="en-US" sz="3600" b="1" dirty="0" smtClean="0">
+                <a:latin typeface="Times New Roman" charset="0"/>
+                <a:ea typeface="Times New Roman" charset="0"/>
+                <a:cs typeface="Times New Roman" charset="0"/>
+              </a:rPr>
+              <a:t>Programs</a:t>
+            </a:r>
+            <a:r>
+              <a:rPr lang="en-US" sz="3600" b="1" dirty="0" smtClean="0">
+                <a:latin typeface="Times New Roman" charset="0"/>
+                <a:ea typeface="Times New Roman" charset="0"/>
+                <a:cs typeface="Times New Roman" charset="0"/>
+              </a:rPr>
+              <a:t/>
+            </a:r>
+            <a:br>
+              <a:rPr lang="en-US" sz="3600" b="1" dirty="0" smtClean="0">
+                <a:latin typeface="Times New Roman" charset="0"/>
+                <a:ea typeface="Times New Roman" charset="0"/>
+                <a:cs typeface="Times New Roman" charset="0"/>
+              </a:rPr>
+            </a:br>
+            <a:r>
+              <a:rPr lang="en-US" sz="3600" i="1" dirty="0" smtClean="0">
+                <a:latin typeface="Times New Roman" charset="0"/>
+                <a:ea typeface="Times New Roman" charset="0"/>
+                <a:cs typeface="Times New Roman" charset="0"/>
+              </a:rPr>
+              <a:t>Developed by </a:t>
+            </a:r>
+            <a:r>
+              <a:rPr lang="en-US" sz="3600" i="1" dirty="0">
+                <a:latin typeface="Times New Roman" charset="0"/>
+                <a:ea typeface="Times New Roman" charset="0"/>
+                <a:cs typeface="Times New Roman" charset="0"/>
+              </a:rPr>
+              <a:t>Juan R. </a:t>
+            </a:r>
+            <a:r>
+              <a:rPr lang="en-US" sz="3600" i="1" dirty="0" err="1" smtClean="0">
+                <a:latin typeface="Times New Roman" charset="0"/>
+                <a:ea typeface="Times New Roman" charset="0"/>
+                <a:cs typeface="Times New Roman" charset="0"/>
+              </a:rPr>
+              <a:t>Perilla</a:t>
+            </a:r>
+            <a:r>
+              <a:rPr lang="en-US" sz="3600" i="1" dirty="0">
+                <a:latin typeface="Times New Roman" charset="0"/>
+                <a:ea typeface="Times New Roman" charset="0"/>
+                <a:cs typeface="Times New Roman" charset="0"/>
+              </a:rPr>
+              <a:t/>
+            </a:r>
+            <a:br>
+              <a:rPr lang="en-US" sz="3600" i="1" dirty="0">
+                <a:latin typeface="Times New Roman" charset="0"/>
+                <a:ea typeface="Times New Roman" charset="0"/>
+                <a:cs typeface="Times New Roman" charset="0"/>
+              </a:rPr>
+            </a:br>
+            <a:r>
+              <a:rPr lang="en-US" sz="3600" i="1" dirty="0" smtClean="0">
+                <a:latin typeface="Times New Roman" charset="0"/>
+                <a:ea typeface="Times New Roman" charset="0"/>
+                <a:cs typeface="Times New Roman" charset="0"/>
+              </a:rPr>
+              <a:t>for the Shodor Education Foundation, Inc.</a:t>
+            </a:r>
+            <a:endParaRPr lang="en-US" sz="3600" i="1" dirty="0">
+              <a:latin typeface="Times New Roman" charset="0"/>
+              <a:ea typeface="Times New Roman" charset="0"/>
+              <a:cs typeface="Times New Roman" charset="0"/>
+            </a:endParaRPr>
           </a:p>
         </p:txBody>
       </p:sp>
-      <p:sp>
-        <p:nvSpPr>
-          <p:cNvPr id="2" name="Title 1">
-            <a:extLst>
-              <a:ext uri="{FF2B5EF4-FFF2-40B4-BE49-F238E27FC236}">
-                <a16:creationId xmlns:a16="http://schemas.microsoft.com/office/drawing/2014/main" id="{29A9E6A4-AE7A-42E2-977F-3BFFE98CA697}"/>
-              </a:ext>
-            </a:extLst>
-          </p:cNvPr>
-          <p:cNvSpPr>
-            <a:spLocks noGrp="1"/>
-          </p:cNvSpPr>
-          <p:nvPr>
-            <p:ph type="title"/>
-          </p:nvPr>
-        </p:nvSpPr>
-        <p:spPr>
-          <a:xfrm>
-            <a:off x="1024128" y="585216"/>
-            <a:ext cx="6007027" cy="1499616"/>
-          </a:xfrm>
-        </p:spPr>
-        <p:txBody>
-          <a:bodyPr>
-            <a:normAutofit/>
-          </a:bodyPr>
-          <a:lstStyle/>
-          <a:p>
-            <a:r>
-              <a:rPr lang="en-US">
-                <a:solidFill>
-                  <a:srgbClr val="FFFFFF"/>
-                </a:solidFill>
-              </a:rPr>
-              <a:t>Learning objectives</a:t>
-            </a:r>
-          </a:p>
-        </p:txBody>
-      </p:sp>
-      <p:cxnSp>
-        <p:nvCxnSpPr>
-          <p:cNvPr id="12" name="Straight Connector 11">
-            <a:extLst>
-              <a:ext uri="{FF2B5EF4-FFF2-40B4-BE49-F238E27FC236}">
-                <a16:creationId xmlns:a16="http://schemas.microsoft.com/office/drawing/2014/main" id="{5814CCBE-423E-41B2-A9F3-82679F490EF4}"/>
-              </a:ext>
-              <a:ext uri="{C183D7F6-B498-43B3-948B-1728B52AA6E4}">
-                <adec:decorative xmlns:adec="http://schemas.microsoft.com/office/drawing/2017/decorative" val="1"/>
-              </a:ext>
-            </a:extLst>
-          </p:cNvPr>
-          <p:cNvCxnSpPr>
-            <a:cxnSpLocks noGrp="1" noRot="1" noChangeAspect="1" noMove="1" noResize="1" noEditPoints="1" noAdjustHandles="1" noChangeArrowheads="1" noChangeShapeType="1"/>
-          </p:cNvCxnSpPr>
-          <p:nvPr>
-            <p:extLst>
-              <p:ext uri="{386F3935-93C4-4BCD-93E2-E3B085C9AB24}">
-                <p16:designElem xmlns:p16="http://schemas.microsoft.com/office/powerpoint/2015/main" val="1"/>
-              </p:ext>
-            </p:extLst>
-          </p:nvPr>
-        </p:nvCxnSpPr>
-        <p:spPr>
-          <a:xfrm flipV="1">
-            <a:off x="762000" y="826324"/>
-            <a:ext cx="0" cy="914400"/>
-          </a:xfrm>
-          <a:prstGeom prst="line">
-            <a:avLst/>
-          </a:prstGeom>
-          <a:ln w="19050">
-            <a:solidFill>
-              <a:srgbClr val="FFFFFF"/>
-            </a:solidFill>
-          </a:ln>
-        </p:spPr>
-        <p:style>
-          <a:lnRef idx="1">
-            <a:schemeClr val="accent1"/>
-          </a:lnRef>
-          <a:fillRef idx="0">
-            <a:schemeClr val="accent1"/>
-          </a:fillRef>
-          <a:effectRef idx="0">
-            <a:schemeClr val="accent1"/>
-          </a:effectRef>
-          <a:fontRef idx="minor">
-            <a:schemeClr val="tx1"/>
-          </a:fontRef>
-        </p:style>
-      </p:cxnSp>
-      <p:sp>
-        <p:nvSpPr>
-          <p:cNvPr id="3" name="Content Placeholder 2">
-            <a:extLst>
-              <a:ext uri="{FF2B5EF4-FFF2-40B4-BE49-F238E27FC236}">
-                <a16:creationId xmlns:a16="http://schemas.microsoft.com/office/drawing/2014/main" id="{080E24F3-1822-4BFF-BF7D-17E2E759AE7C}"/>
-              </a:ext>
-            </a:extLst>
-          </p:cNvPr>
-          <p:cNvSpPr>
-            <a:spLocks noGrp="1"/>
-          </p:cNvSpPr>
-          <p:nvPr>
-            <p:ph idx="1"/>
-          </p:nvPr>
-        </p:nvSpPr>
-        <p:spPr>
-          <a:xfrm>
-            <a:off x="1024128" y="2286000"/>
-            <a:ext cx="6007027" cy="4023360"/>
-          </a:xfrm>
-        </p:spPr>
-        <p:txBody>
-          <a:bodyPr>
-            <a:normAutofit/>
-          </a:bodyPr>
-          <a:lstStyle/>
-          <a:p>
-            <a:r>
-              <a:rPr lang="en-US" dirty="0">
-                <a:solidFill>
-                  <a:srgbClr val="FFFFFF"/>
-                </a:solidFill>
-              </a:rPr>
-              <a:t>In the present module we will cover:</a:t>
-            </a:r>
-          </a:p>
-          <a:p>
-            <a:endParaRPr lang="en-US" dirty="0">
-              <a:solidFill>
-                <a:srgbClr val="FFFFFF"/>
-              </a:solidFill>
-            </a:endParaRPr>
-          </a:p>
-          <a:p>
-            <a:pPr lvl="1"/>
-            <a:r>
-              <a:rPr lang="en-US" dirty="0">
-                <a:solidFill>
-                  <a:srgbClr val="FFFFFF"/>
-                </a:solidFill>
-              </a:rPr>
-              <a:t>Writing, modifying, and transferring programs from a local computer to a remote computer and vice versa. </a:t>
-            </a:r>
-          </a:p>
-          <a:p>
-            <a:pPr lvl="1"/>
-            <a:endParaRPr lang="en-US" dirty="0">
-              <a:solidFill>
-                <a:srgbClr val="FFFFFF"/>
-              </a:solidFill>
-            </a:endParaRPr>
-          </a:p>
-          <a:p>
-            <a:pPr lvl="1"/>
-            <a:r>
-              <a:rPr lang="en-US" dirty="0">
-                <a:solidFill>
-                  <a:srgbClr val="FFFFFF"/>
-                </a:solidFill>
-              </a:rPr>
-              <a:t>Connecting a local computer to the super computers, submitting, and running programs. </a:t>
-            </a:r>
-          </a:p>
-        </p:txBody>
-      </p:sp>
-      <p:pic>
-        <p:nvPicPr>
-          <p:cNvPr id="5" name="Picture 4">
-            <a:extLst>
-              <a:ext uri="{FF2B5EF4-FFF2-40B4-BE49-F238E27FC236}">
-                <a16:creationId xmlns:a16="http://schemas.microsoft.com/office/drawing/2014/main" id="{696BA665-054F-45E2-B5CF-5041261CA538}"/>
-              </a:ext>
-            </a:extLst>
-          </p:cNvPr>
-          <p:cNvPicPr>
-            <a:picLocks noChangeAspect="1"/>
-          </p:cNvPicPr>
-          <p:nvPr/>
-        </p:nvPicPr>
-        <p:blipFill rotWithShape="1">
-          <a:blip r:embed="rId2"/>
-          <a:srcRect l="7208" r="47632" b="-1"/>
-          <a:stretch/>
-        </p:blipFill>
-        <p:spPr>
-          <a:xfrm>
-            <a:off x="7552266" y="10"/>
-            <a:ext cx="4639733" cy="6857990"/>
-          </a:xfrm>
-          <a:prstGeom prst="rect">
-            <a:avLst/>
-          </a:prstGeom>
-        </p:spPr>
-      </p:pic>
     </p:spTree>
     <p:extLst>
       <p:ext uri="{BB962C8B-B14F-4D97-AF65-F5344CB8AC3E}">
-        <p14:creationId xmlns:p14="http://schemas.microsoft.com/office/powerpoint/2010/main" val="3737227169"/>
+        <p14:creationId xmlns:p14="http://schemas.microsoft.com/office/powerpoint/2010/main" val="901638766"/>
       </p:ext>
     </p:extLst>
   </p:cSld>
@@ -21505,7 +24286,7 @@
 </p:sld>
 </file>
 
-<file path=ppt/slides/slide3.xml><?xml version="1.0" encoding="utf-8"?>
+<file path=ppt/slides/slide10.xml><?xml version="1.0" encoding="utf-8"?>
 <p:sld xmlns:a="http://schemas.openxmlformats.org/drawingml/2006/main" xmlns:r="http://schemas.openxmlformats.org/officeDocument/2006/relationships" xmlns:p="http://schemas.openxmlformats.org/presentationml/2006/main">
   <p:cSld>
     <p:spTree>
@@ -21527,2230 +24308,7 @@
           <p:cNvPr id="2" name="Title 1">
             <a:extLst>
               <a:ext uri="{FF2B5EF4-FFF2-40B4-BE49-F238E27FC236}">
-                <a16:creationId xmlns:a16="http://schemas.microsoft.com/office/drawing/2014/main" id="{F24F037D-7D22-479A-ADC3-040CAFCF50C2}"/>
-              </a:ext>
-            </a:extLst>
-          </p:cNvPr>
-          <p:cNvSpPr>
-            <a:spLocks noGrp="1"/>
-          </p:cNvSpPr>
-          <p:nvPr>
-            <p:ph type="title"/>
-          </p:nvPr>
-        </p:nvSpPr>
-        <p:spPr/>
-        <p:txBody>
-          <a:bodyPr/>
-          <a:lstStyle/>
-          <a:p>
-            <a:r>
-              <a:rPr lang="en-US" dirty="0"/>
-              <a:t>Writing code in your local computer</a:t>
-            </a:r>
-          </a:p>
-        </p:txBody>
-      </p:sp>
-      <p:pic>
-        <p:nvPicPr>
-          <p:cNvPr id="5" name="Content Placeholder 4" descr="Database">
-            <a:extLst>
-              <a:ext uri="{FF2B5EF4-FFF2-40B4-BE49-F238E27FC236}">
-                <a16:creationId xmlns:a16="http://schemas.microsoft.com/office/drawing/2014/main" id="{810DE54E-2F01-46FB-BF78-FF8BC87969CC}"/>
-              </a:ext>
-            </a:extLst>
-          </p:cNvPr>
-          <p:cNvPicPr>
-            <a:picLocks noGrp="1" noChangeAspect="1"/>
-          </p:cNvPicPr>
-          <p:nvPr>
-            <p:ph idx="1"/>
-          </p:nvPr>
-        </p:nvPicPr>
-        <p:blipFill>
-          <a:blip r:embed="rId2">
-            <a:extLst>
-              <a:ext uri="{96DAC541-7B7A-43D3-8B79-37D633B846F1}">
-                <asvg:svgBlip xmlns:asvg="http://schemas.microsoft.com/office/drawing/2016/SVG/main" r:embed="rId3"/>
-              </a:ext>
-            </a:extLst>
-          </a:blip>
-          <a:stretch>
-            <a:fillRect/>
-          </a:stretch>
-        </p:blipFill>
-        <p:spPr>
-          <a:xfrm>
-            <a:off x="522322" y="4782099"/>
-            <a:ext cx="1661085" cy="1661085"/>
-          </a:xfrm>
-        </p:spPr>
-      </p:pic>
-      <p:pic>
-        <p:nvPicPr>
-          <p:cNvPr id="7" name="Graphic 6" descr="Computer">
-            <a:extLst>
-              <a:ext uri="{FF2B5EF4-FFF2-40B4-BE49-F238E27FC236}">
-                <a16:creationId xmlns:a16="http://schemas.microsoft.com/office/drawing/2014/main" id="{CB146379-DE3A-4F99-8E8B-F6A9E3E4FF51}"/>
-              </a:ext>
-            </a:extLst>
-          </p:cNvPr>
-          <p:cNvPicPr>
-            <a:picLocks noChangeAspect="1"/>
-          </p:cNvPicPr>
-          <p:nvPr/>
-        </p:nvPicPr>
-        <p:blipFill>
-          <a:blip r:embed="rId4">
-            <a:extLst>
-              <a:ext uri="{96DAC541-7B7A-43D3-8B79-37D633B846F1}">
-                <asvg:svgBlip xmlns:asvg="http://schemas.microsoft.com/office/drawing/2016/SVG/main" r:embed="rId5"/>
-              </a:ext>
-            </a:extLst>
-          </a:blip>
-          <a:stretch>
-            <a:fillRect/>
-          </a:stretch>
-        </p:blipFill>
-        <p:spPr>
-          <a:xfrm>
-            <a:off x="522322" y="2407882"/>
-            <a:ext cx="1661085" cy="1661085"/>
-          </a:xfrm>
-          <a:prstGeom prst="rect">
-            <a:avLst/>
-          </a:prstGeom>
-        </p:spPr>
-      </p:pic>
-      <p:cxnSp>
-        <p:nvCxnSpPr>
-          <p:cNvPr id="12" name="Straight Connector 11">
-            <a:extLst>
-              <a:ext uri="{FF2B5EF4-FFF2-40B4-BE49-F238E27FC236}">
-                <a16:creationId xmlns:a16="http://schemas.microsoft.com/office/drawing/2014/main" id="{B5C721F4-50D6-4534-AAD2-0AC59B3B5810}"/>
-              </a:ext>
-            </a:extLst>
-          </p:cNvPr>
-          <p:cNvCxnSpPr>
-            <a:stCxn id="5" idx="0"/>
-            <a:endCxn id="7" idx="2"/>
-          </p:cNvCxnSpPr>
-          <p:nvPr/>
-        </p:nvCxnSpPr>
-        <p:spPr>
-          <a:xfrm flipV="1">
-            <a:off x="1352865" y="4068967"/>
-            <a:ext cx="0" cy="713132"/>
-          </a:xfrm>
-          <a:prstGeom prst="line">
-            <a:avLst/>
-          </a:prstGeom>
-          <a:ln w="28575"/>
-        </p:spPr>
-        <p:style>
-          <a:lnRef idx="1">
-            <a:schemeClr val="dk1"/>
-          </a:lnRef>
-          <a:fillRef idx="0">
-            <a:schemeClr val="dk1"/>
-          </a:fillRef>
-          <a:effectRef idx="0">
-            <a:schemeClr val="dk1"/>
-          </a:effectRef>
-          <a:fontRef idx="minor">
-            <a:schemeClr val="tx1"/>
-          </a:fontRef>
-        </p:style>
-      </p:cxnSp>
-      <p:sp>
-        <p:nvSpPr>
-          <p:cNvPr id="6" name="TextBox 5">
-            <a:extLst>
-              <a:ext uri="{FF2B5EF4-FFF2-40B4-BE49-F238E27FC236}">
-                <a16:creationId xmlns:a16="http://schemas.microsoft.com/office/drawing/2014/main" id="{5762F2C4-2945-4B30-BFB6-1CD70DEF121E}"/>
-              </a:ext>
-            </a:extLst>
-          </p:cNvPr>
-          <p:cNvSpPr txBox="1"/>
-          <p:nvPr/>
-        </p:nvSpPr>
-        <p:spPr>
-          <a:xfrm>
-            <a:off x="5034941" y="2870442"/>
-            <a:ext cx="5870951" cy="923330"/>
-          </a:xfrm>
-          <a:prstGeom prst="rect">
-            <a:avLst/>
-          </a:prstGeom>
-          <a:noFill/>
-        </p:spPr>
-        <p:txBody>
-          <a:bodyPr wrap="square" rtlCol="0">
-            <a:spAutoFit/>
-          </a:bodyPr>
-          <a:lstStyle/>
-          <a:p>
-            <a:r>
-              <a:rPr lang="en-US" dirty="0"/>
-              <a:t>Using a development environment you should be able to write your source code in your computer. The source code can be initially stored in the local hard drive.</a:t>
-            </a:r>
-          </a:p>
-        </p:txBody>
-      </p:sp>
-      <p:sp>
-        <p:nvSpPr>
-          <p:cNvPr id="8" name="TextBox 7">
-            <a:extLst>
-              <a:ext uri="{FF2B5EF4-FFF2-40B4-BE49-F238E27FC236}">
-                <a16:creationId xmlns:a16="http://schemas.microsoft.com/office/drawing/2014/main" id="{EFA66816-B728-455C-85A2-90B5FD142459}"/>
-              </a:ext>
-            </a:extLst>
-          </p:cNvPr>
-          <p:cNvSpPr txBox="1"/>
-          <p:nvPr/>
-        </p:nvSpPr>
-        <p:spPr>
-          <a:xfrm>
-            <a:off x="2183407" y="5427975"/>
-            <a:ext cx="2563266" cy="369332"/>
-          </a:xfrm>
-          <a:prstGeom prst="rect">
-            <a:avLst/>
-          </a:prstGeom>
-          <a:noFill/>
-        </p:spPr>
-        <p:txBody>
-          <a:bodyPr wrap="none" rtlCol="0">
-            <a:spAutoFit/>
-          </a:bodyPr>
-          <a:lstStyle/>
-          <a:p>
-            <a:r>
-              <a:rPr lang="en-US" dirty="0"/>
-              <a:t>Local storage (hard drive)</a:t>
-            </a:r>
-          </a:p>
-        </p:txBody>
-      </p:sp>
-      <p:sp>
-        <p:nvSpPr>
-          <p:cNvPr id="11" name="TextBox 10">
-            <a:extLst>
-              <a:ext uri="{FF2B5EF4-FFF2-40B4-BE49-F238E27FC236}">
-                <a16:creationId xmlns:a16="http://schemas.microsoft.com/office/drawing/2014/main" id="{7924B171-AB20-4FAA-B977-76CF66B33BC3}"/>
-              </a:ext>
-            </a:extLst>
-          </p:cNvPr>
-          <p:cNvSpPr txBox="1"/>
-          <p:nvPr/>
-        </p:nvSpPr>
-        <p:spPr>
-          <a:xfrm>
-            <a:off x="2183407" y="3147441"/>
-            <a:ext cx="1558440" cy="369332"/>
-          </a:xfrm>
-          <a:prstGeom prst="rect">
-            <a:avLst/>
-          </a:prstGeom>
-          <a:noFill/>
-        </p:spPr>
-        <p:txBody>
-          <a:bodyPr wrap="none" rtlCol="0">
-            <a:spAutoFit/>
-          </a:bodyPr>
-          <a:lstStyle/>
-          <a:p>
-            <a:r>
-              <a:rPr lang="en-US" dirty="0"/>
-              <a:t>Local computer</a:t>
-            </a:r>
-          </a:p>
-        </p:txBody>
-      </p:sp>
-      <p:pic>
-        <p:nvPicPr>
-          <p:cNvPr id="18" name="Graphic 17" descr="Good Idea">
-            <a:extLst>
-              <a:ext uri="{FF2B5EF4-FFF2-40B4-BE49-F238E27FC236}">
-                <a16:creationId xmlns:a16="http://schemas.microsoft.com/office/drawing/2014/main" id="{C26062CD-B2C9-4754-97DC-16F9AD0B4C22}"/>
-              </a:ext>
-            </a:extLst>
-          </p:cNvPr>
-          <p:cNvPicPr>
-            <a:picLocks noChangeAspect="1"/>
-          </p:cNvPicPr>
-          <p:nvPr/>
-        </p:nvPicPr>
-        <p:blipFill>
-          <a:blip r:embed="rId6">
-            <a:extLst>
-              <a:ext uri="{96DAC541-7B7A-43D3-8B79-37D633B846F1}">
-                <asvg:svgBlip xmlns:asvg="http://schemas.microsoft.com/office/drawing/2016/SVG/main" r:embed="rId7"/>
-              </a:ext>
-            </a:extLst>
-          </a:blip>
-          <a:stretch>
-            <a:fillRect/>
-          </a:stretch>
-        </p:blipFill>
-        <p:spPr>
-          <a:xfrm>
-            <a:off x="5638800" y="5340107"/>
-            <a:ext cx="914400" cy="914400"/>
-          </a:xfrm>
-          <a:prstGeom prst="rect">
-            <a:avLst/>
-          </a:prstGeom>
-        </p:spPr>
-      </p:pic>
-      <p:sp>
-        <p:nvSpPr>
-          <p:cNvPr id="20" name="TextBox 19">
-            <a:extLst>
-              <a:ext uri="{FF2B5EF4-FFF2-40B4-BE49-F238E27FC236}">
-                <a16:creationId xmlns:a16="http://schemas.microsoft.com/office/drawing/2014/main" id="{5497ACD7-E79E-4961-B74A-A182584235D2}"/>
-              </a:ext>
-            </a:extLst>
-          </p:cNvPr>
-          <p:cNvSpPr txBox="1"/>
-          <p:nvPr/>
-        </p:nvSpPr>
-        <p:spPr>
-          <a:xfrm>
-            <a:off x="5570376" y="5057192"/>
-            <a:ext cx="5645020" cy="1477328"/>
-          </a:xfrm>
-          <a:prstGeom prst="rect">
-            <a:avLst/>
-          </a:prstGeom>
-          <a:noFill/>
-        </p:spPr>
-        <p:style>
-          <a:lnRef idx="2">
-            <a:schemeClr val="dk1"/>
-          </a:lnRef>
-          <a:fillRef idx="1">
-            <a:schemeClr val="lt1"/>
-          </a:fillRef>
-          <a:effectRef idx="0">
-            <a:schemeClr val="dk1"/>
-          </a:effectRef>
-          <a:fontRef idx="minor">
-            <a:schemeClr val="dk1"/>
-          </a:fontRef>
-        </p:style>
-        <p:txBody>
-          <a:bodyPr wrap="square" rtlCol="0">
-            <a:spAutoFit/>
-          </a:bodyPr>
-          <a:lstStyle/>
-          <a:p>
-            <a:endParaRPr lang="en-US" dirty="0"/>
-          </a:p>
-          <a:p>
-            <a:r>
-              <a:rPr lang="en-US" dirty="0"/>
-              <a:t>			You may want to also store your source code 			using a revision control system (e.g., SVN, 			CVS, Git).			</a:t>
-            </a:r>
-          </a:p>
-          <a:p>
-            <a:r>
-              <a:rPr lang="en-US" dirty="0"/>
-              <a:t>			</a:t>
-            </a:r>
-          </a:p>
-        </p:txBody>
-      </p:sp>
-    </p:spTree>
-    <p:extLst>
-      <p:ext uri="{BB962C8B-B14F-4D97-AF65-F5344CB8AC3E}">
-        <p14:creationId xmlns:p14="http://schemas.microsoft.com/office/powerpoint/2010/main" val="1561185168"/>
-      </p:ext>
-    </p:extLst>
-  </p:cSld>
-  <p:clrMapOvr>
-    <a:masterClrMapping/>
-  </p:clrMapOvr>
-</p:sld>
-</file>
-
-<file path=ppt/slides/slide4.xml><?xml version="1.0" encoding="utf-8"?>
-<p:sld xmlns:a="http://schemas.openxmlformats.org/drawingml/2006/main" xmlns:r="http://schemas.openxmlformats.org/officeDocument/2006/relationships" xmlns:p="http://schemas.openxmlformats.org/presentationml/2006/main">
-  <p:cSld>
-    <p:spTree>
-      <p:nvGrpSpPr>
-        <p:cNvPr id="1" name=""/>
-        <p:cNvGrpSpPr/>
-        <p:nvPr/>
-      </p:nvGrpSpPr>
-      <p:grpSpPr>
-        <a:xfrm>
-          <a:off x="0" y="0"/>
-          <a:ext cx="0" cy="0"/>
-          <a:chOff x="0" y="0"/>
-          <a:chExt cx="0" cy="0"/>
-        </a:xfrm>
-      </p:grpSpPr>
-      <p:sp>
-        <p:nvSpPr>
-          <p:cNvPr id="2" name="Title 1">
-            <a:extLst>
-              <a:ext uri="{FF2B5EF4-FFF2-40B4-BE49-F238E27FC236}">
-                <a16:creationId xmlns:a16="http://schemas.microsoft.com/office/drawing/2014/main" id="{F24F037D-7D22-479A-ADC3-040CAFCF50C2}"/>
-              </a:ext>
-            </a:extLst>
-          </p:cNvPr>
-          <p:cNvSpPr>
-            <a:spLocks noGrp="1"/>
-          </p:cNvSpPr>
-          <p:nvPr>
-            <p:ph type="title"/>
-          </p:nvPr>
-        </p:nvSpPr>
-        <p:spPr/>
-        <p:txBody>
-          <a:bodyPr/>
-          <a:lstStyle/>
-          <a:p>
-            <a:r>
-              <a:rPr lang="en-US" dirty="0"/>
-              <a:t>TRANSFERING code FROM your local computer to the supercomputer</a:t>
-            </a:r>
-          </a:p>
-        </p:txBody>
-      </p:sp>
-      <p:pic>
-        <p:nvPicPr>
-          <p:cNvPr id="5" name="Content Placeholder 4" descr="Database">
-            <a:extLst>
-              <a:ext uri="{FF2B5EF4-FFF2-40B4-BE49-F238E27FC236}">
-                <a16:creationId xmlns:a16="http://schemas.microsoft.com/office/drawing/2014/main" id="{810DE54E-2F01-46FB-BF78-FF8BC87969CC}"/>
-              </a:ext>
-            </a:extLst>
-          </p:cNvPr>
-          <p:cNvPicPr>
-            <a:picLocks noGrp="1" noChangeAspect="1"/>
-          </p:cNvPicPr>
-          <p:nvPr>
-            <p:ph idx="1"/>
-          </p:nvPr>
-        </p:nvPicPr>
-        <p:blipFill>
-          <a:blip r:embed="rId2">
-            <a:extLst>
-              <a:ext uri="{96DAC541-7B7A-43D3-8B79-37D633B846F1}">
-                <asvg:svgBlip xmlns:asvg="http://schemas.microsoft.com/office/drawing/2016/SVG/main" r:embed="rId3"/>
-              </a:ext>
-            </a:extLst>
-          </a:blip>
-          <a:stretch>
-            <a:fillRect/>
-          </a:stretch>
-        </p:blipFill>
-        <p:spPr>
-          <a:xfrm>
-            <a:off x="2114956" y="4773169"/>
-            <a:ext cx="914400" cy="914400"/>
-          </a:xfrm>
-        </p:spPr>
-      </p:pic>
-      <p:pic>
-        <p:nvPicPr>
-          <p:cNvPr id="7" name="Graphic 6" descr="Computer">
-            <a:extLst>
-              <a:ext uri="{FF2B5EF4-FFF2-40B4-BE49-F238E27FC236}">
-                <a16:creationId xmlns:a16="http://schemas.microsoft.com/office/drawing/2014/main" id="{CB146379-DE3A-4F99-8E8B-F6A9E3E4FF51}"/>
-              </a:ext>
-            </a:extLst>
-          </p:cNvPr>
-          <p:cNvPicPr>
-            <a:picLocks noChangeAspect="1"/>
-          </p:cNvPicPr>
-          <p:nvPr/>
-        </p:nvPicPr>
-        <p:blipFill>
-          <a:blip r:embed="rId4">
-            <a:extLst>
-              <a:ext uri="{96DAC541-7B7A-43D3-8B79-37D633B846F1}">
-                <asvg:svgBlip xmlns:asvg="http://schemas.microsoft.com/office/drawing/2016/SVG/main" r:embed="rId5"/>
-              </a:ext>
-            </a:extLst>
-          </a:blip>
-          <a:stretch>
-            <a:fillRect/>
-          </a:stretch>
-        </p:blipFill>
-        <p:spPr>
-          <a:xfrm>
-            <a:off x="2114956" y="3323177"/>
-            <a:ext cx="914400" cy="914400"/>
-          </a:xfrm>
-          <a:prstGeom prst="rect">
-            <a:avLst/>
-          </a:prstGeom>
-        </p:spPr>
-      </p:pic>
-      <p:pic>
-        <p:nvPicPr>
-          <p:cNvPr id="9" name="Graphic 8" descr="Server">
-            <a:extLst>
-              <a:ext uri="{FF2B5EF4-FFF2-40B4-BE49-F238E27FC236}">
-                <a16:creationId xmlns:a16="http://schemas.microsoft.com/office/drawing/2014/main" id="{35A58F10-B4CB-4D45-8EC0-AF26BE8C304C}"/>
-              </a:ext>
-            </a:extLst>
-          </p:cNvPr>
-          <p:cNvPicPr>
-            <a:picLocks noChangeAspect="1"/>
-          </p:cNvPicPr>
-          <p:nvPr/>
-        </p:nvPicPr>
-        <p:blipFill>
-          <a:blip r:embed="rId6">
-            <a:extLst>
-              <a:ext uri="{96DAC541-7B7A-43D3-8B79-37D633B846F1}">
-                <asvg:svgBlip xmlns:asvg="http://schemas.microsoft.com/office/drawing/2016/SVG/main" r:embed="rId7"/>
-              </a:ext>
-            </a:extLst>
-          </a:blip>
-          <a:stretch>
-            <a:fillRect/>
-          </a:stretch>
-        </p:blipFill>
-        <p:spPr>
-          <a:xfrm>
-            <a:off x="5268669" y="3323177"/>
-            <a:ext cx="914400" cy="914400"/>
-          </a:xfrm>
-          <a:prstGeom prst="rect">
-            <a:avLst/>
-          </a:prstGeom>
-        </p:spPr>
-      </p:pic>
-      <p:pic>
-        <p:nvPicPr>
-          <p:cNvPr id="10" name="Content Placeholder 4" descr="Database">
-            <a:extLst>
-              <a:ext uri="{FF2B5EF4-FFF2-40B4-BE49-F238E27FC236}">
-                <a16:creationId xmlns:a16="http://schemas.microsoft.com/office/drawing/2014/main" id="{87830537-D818-426E-BB07-CE058CC1D029}"/>
-              </a:ext>
-            </a:extLst>
-          </p:cNvPr>
-          <p:cNvPicPr>
-            <a:picLocks noChangeAspect="1"/>
-          </p:cNvPicPr>
-          <p:nvPr/>
-        </p:nvPicPr>
-        <p:blipFill>
-          <a:blip r:embed="rId2">
-            <a:extLst>
-              <a:ext uri="{96DAC541-7B7A-43D3-8B79-37D633B846F1}">
-                <asvg:svgBlip xmlns:asvg="http://schemas.microsoft.com/office/drawing/2016/SVG/main" r:embed="rId3"/>
-              </a:ext>
-            </a:extLst>
-          </a:blip>
-          <a:stretch>
-            <a:fillRect/>
-          </a:stretch>
-        </p:blipFill>
-        <p:spPr>
-          <a:xfrm>
-            <a:off x="5268669" y="4661657"/>
-            <a:ext cx="914400" cy="914400"/>
-          </a:xfrm>
-          <a:prstGeom prst="rect">
-            <a:avLst/>
-          </a:prstGeom>
-        </p:spPr>
-      </p:pic>
-      <p:cxnSp>
-        <p:nvCxnSpPr>
-          <p:cNvPr id="12" name="Straight Connector 11">
-            <a:extLst>
-              <a:ext uri="{FF2B5EF4-FFF2-40B4-BE49-F238E27FC236}">
-                <a16:creationId xmlns:a16="http://schemas.microsoft.com/office/drawing/2014/main" id="{B5C721F4-50D6-4534-AAD2-0AC59B3B5810}"/>
-              </a:ext>
-            </a:extLst>
-          </p:cNvPr>
-          <p:cNvCxnSpPr>
-            <a:stCxn id="5" idx="0"/>
-            <a:endCxn id="7" idx="2"/>
-          </p:cNvCxnSpPr>
-          <p:nvPr/>
-        </p:nvCxnSpPr>
-        <p:spPr>
-          <a:xfrm flipV="1">
-            <a:off x="2572156" y="4237577"/>
-            <a:ext cx="0" cy="535592"/>
-          </a:xfrm>
-          <a:prstGeom prst="line">
-            <a:avLst/>
-          </a:prstGeom>
-          <a:ln w="28575"/>
-        </p:spPr>
-        <p:style>
-          <a:lnRef idx="1">
-            <a:schemeClr val="dk1"/>
-          </a:lnRef>
-          <a:fillRef idx="0">
-            <a:schemeClr val="dk1"/>
-          </a:fillRef>
-          <a:effectRef idx="0">
-            <a:schemeClr val="dk1"/>
-          </a:effectRef>
-          <a:fontRef idx="minor">
-            <a:schemeClr val="tx1"/>
-          </a:fontRef>
-        </p:style>
-      </p:cxnSp>
-      <p:cxnSp>
-        <p:nvCxnSpPr>
-          <p:cNvPr id="16" name="Straight Connector 15">
-            <a:extLst>
-              <a:ext uri="{FF2B5EF4-FFF2-40B4-BE49-F238E27FC236}">
-                <a16:creationId xmlns:a16="http://schemas.microsoft.com/office/drawing/2014/main" id="{E980ADB6-24F0-4DEF-9800-876AD2BCB20C}"/>
-              </a:ext>
-            </a:extLst>
-          </p:cNvPr>
-          <p:cNvCxnSpPr>
-            <a:stCxn id="10" idx="0"/>
-            <a:endCxn id="9" idx="2"/>
-          </p:cNvCxnSpPr>
-          <p:nvPr/>
-        </p:nvCxnSpPr>
-        <p:spPr>
-          <a:xfrm flipV="1">
-            <a:off x="5725869" y="4237577"/>
-            <a:ext cx="0" cy="424080"/>
-          </a:xfrm>
-          <a:prstGeom prst="line">
-            <a:avLst/>
-          </a:prstGeom>
-          <a:ln w="25400"/>
-        </p:spPr>
-        <p:style>
-          <a:lnRef idx="1">
-            <a:schemeClr val="dk1"/>
-          </a:lnRef>
-          <a:fillRef idx="0">
-            <a:schemeClr val="dk1"/>
-          </a:fillRef>
-          <a:effectRef idx="0">
-            <a:schemeClr val="dk1"/>
-          </a:effectRef>
-          <a:fontRef idx="minor">
-            <a:schemeClr val="tx1"/>
-          </a:fontRef>
-        </p:style>
-      </p:cxnSp>
-      <p:pic>
-        <p:nvPicPr>
-          <p:cNvPr id="22" name="Graphic 21" descr="Transfer">
-            <a:extLst>
-              <a:ext uri="{FF2B5EF4-FFF2-40B4-BE49-F238E27FC236}">
-                <a16:creationId xmlns:a16="http://schemas.microsoft.com/office/drawing/2014/main" id="{5E3356BC-FA11-44C9-AA1D-6BF4CC97EA09}"/>
-              </a:ext>
-            </a:extLst>
-          </p:cNvPr>
-          <p:cNvPicPr>
-            <a:picLocks noChangeAspect="1"/>
-          </p:cNvPicPr>
-          <p:nvPr/>
-        </p:nvPicPr>
-        <p:blipFill>
-          <a:blip r:embed="rId8">
-            <a:extLst>
-              <a:ext uri="{96DAC541-7B7A-43D3-8B79-37D633B846F1}">
-                <asvg:svgBlip xmlns:asvg="http://schemas.microsoft.com/office/drawing/2016/SVG/main" r:embed="rId9"/>
-              </a:ext>
-            </a:extLst>
-          </a:blip>
-          <a:stretch>
-            <a:fillRect/>
-          </a:stretch>
-        </p:blipFill>
-        <p:spPr>
-          <a:xfrm>
-            <a:off x="3691812" y="3992417"/>
-            <a:ext cx="914400" cy="914400"/>
-          </a:xfrm>
-          <a:prstGeom prst="rect">
-            <a:avLst/>
-          </a:prstGeom>
-        </p:spPr>
-      </p:pic>
-      <p:sp>
-        <p:nvSpPr>
-          <p:cNvPr id="23" name="TextBox 22">
-            <a:extLst>
-              <a:ext uri="{FF2B5EF4-FFF2-40B4-BE49-F238E27FC236}">
-                <a16:creationId xmlns:a16="http://schemas.microsoft.com/office/drawing/2014/main" id="{DCB0E2E8-C877-4CFD-82C6-4F784D4DBF21}"/>
-              </a:ext>
-            </a:extLst>
-          </p:cNvPr>
-          <p:cNvSpPr txBox="1"/>
-          <p:nvPr/>
-        </p:nvSpPr>
-        <p:spPr>
-          <a:xfrm>
-            <a:off x="7501813" y="2370389"/>
-            <a:ext cx="4161453" cy="3139321"/>
-          </a:xfrm>
-          <a:prstGeom prst="rect">
-            <a:avLst/>
-          </a:prstGeom>
-          <a:noFill/>
-        </p:spPr>
-        <p:txBody>
-          <a:bodyPr wrap="square" rtlCol="0">
-            <a:spAutoFit/>
-          </a:bodyPr>
-          <a:lstStyle/>
-          <a:p>
-            <a:r>
-              <a:rPr lang="en-US" dirty="0"/>
-              <a:t>You will need to transfer the source code from your local computer to the login-node of the supercomputer. There are different methods to do so:</a:t>
-            </a:r>
-          </a:p>
-          <a:p>
-            <a:endParaRPr lang="en-US" dirty="0"/>
-          </a:p>
-          <a:p>
-            <a:pPr marL="800100" lvl="1" indent="-342900">
-              <a:buFont typeface="+mj-lt"/>
-              <a:buAutoNum type="arabicPeriod"/>
-            </a:pPr>
-            <a:r>
-              <a:rPr lang="en-US" dirty="0"/>
-              <a:t>Cloning a revision control repository.</a:t>
-            </a:r>
-          </a:p>
-          <a:p>
-            <a:pPr marL="800100" lvl="1" indent="-342900">
-              <a:buFont typeface="+mj-lt"/>
-              <a:buAutoNum type="arabicPeriod"/>
-            </a:pPr>
-            <a:r>
-              <a:rPr lang="en-US" dirty="0"/>
-              <a:t>Copying the files using ‘</a:t>
-            </a:r>
-            <a:r>
-              <a:rPr lang="en-US" dirty="0" err="1"/>
-              <a:t>scp</a:t>
-            </a:r>
-            <a:r>
-              <a:rPr lang="en-US" dirty="0"/>
-              <a:t>’.</a:t>
-            </a:r>
-          </a:p>
-          <a:p>
-            <a:pPr marL="800100" lvl="1" indent="-342900">
-              <a:buFont typeface="+mj-lt"/>
-              <a:buAutoNum type="arabicPeriod"/>
-            </a:pPr>
-            <a:r>
-              <a:rPr lang="en-US" dirty="0"/>
-              <a:t>Using </a:t>
-            </a:r>
-            <a:r>
-              <a:rPr lang="en-US" dirty="0" err="1"/>
-              <a:t>rsync</a:t>
-            </a:r>
-            <a:r>
-              <a:rPr lang="en-US" dirty="0"/>
-              <a:t> to transfer the files.</a:t>
-            </a:r>
-          </a:p>
-          <a:p>
-            <a:pPr marL="800100" lvl="1" indent="-342900">
-              <a:buFont typeface="+mj-lt"/>
-              <a:buAutoNum type="arabicPeriod"/>
-            </a:pPr>
-            <a:r>
-              <a:rPr lang="en-US" dirty="0"/>
-              <a:t>Using </a:t>
-            </a:r>
-            <a:r>
-              <a:rPr lang="en-US" dirty="0" err="1"/>
-              <a:t>globus</a:t>
-            </a:r>
-            <a:r>
-              <a:rPr lang="en-US" dirty="0"/>
-              <a:t> online to transfer the source code.	</a:t>
-            </a:r>
-          </a:p>
-        </p:txBody>
-      </p:sp>
-      <p:sp>
-        <p:nvSpPr>
-          <p:cNvPr id="24" name="TextBox 23">
-            <a:extLst>
-              <a:ext uri="{FF2B5EF4-FFF2-40B4-BE49-F238E27FC236}">
-                <a16:creationId xmlns:a16="http://schemas.microsoft.com/office/drawing/2014/main" id="{9818DE52-DD04-47F7-BCC1-B097FBD31411}"/>
-              </a:ext>
-            </a:extLst>
-          </p:cNvPr>
-          <p:cNvSpPr txBox="1"/>
-          <p:nvPr/>
-        </p:nvSpPr>
-        <p:spPr>
-          <a:xfrm>
-            <a:off x="1792936" y="2469964"/>
-            <a:ext cx="1558440" cy="369332"/>
-          </a:xfrm>
-          <a:prstGeom prst="rect">
-            <a:avLst/>
-          </a:prstGeom>
-          <a:noFill/>
-        </p:spPr>
-        <p:txBody>
-          <a:bodyPr wrap="none" rtlCol="0">
-            <a:spAutoFit/>
-          </a:bodyPr>
-          <a:lstStyle/>
-          <a:p>
-            <a:r>
-              <a:rPr lang="en-US" dirty="0"/>
-              <a:t>Local computer</a:t>
-            </a:r>
-          </a:p>
-        </p:txBody>
-      </p:sp>
-      <p:sp>
-        <p:nvSpPr>
-          <p:cNvPr id="25" name="TextBox 24">
-            <a:extLst>
-              <a:ext uri="{FF2B5EF4-FFF2-40B4-BE49-F238E27FC236}">
-                <a16:creationId xmlns:a16="http://schemas.microsoft.com/office/drawing/2014/main" id="{7268F622-250C-4DD2-97E9-E0586D10C92D}"/>
-              </a:ext>
-            </a:extLst>
-          </p:cNvPr>
-          <p:cNvSpPr txBox="1"/>
-          <p:nvPr/>
-        </p:nvSpPr>
-        <p:spPr>
-          <a:xfrm>
-            <a:off x="4945848" y="2431038"/>
-            <a:ext cx="1560042" cy="369332"/>
-          </a:xfrm>
-          <a:prstGeom prst="rect">
-            <a:avLst/>
-          </a:prstGeom>
-          <a:noFill/>
-        </p:spPr>
-        <p:txBody>
-          <a:bodyPr wrap="none" rtlCol="0">
-            <a:spAutoFit/>
-          </a:bodyPr>
-          <a:lstStyle/>
-          <a:p>
-            <a:r>
-              <a:rPr lang="en-US" dirty="0"/>
-              <a:t>Supercomputer</a:t>
-            </a:r>
-          </a:p>
-        </p:txBody>
-      </p:sp>
-    </p:spTree>
-    <p:extLst>
-      <p:ext uri="{BB962C8B-B14F-4D97-AF65-F5344CB8AC3E}">
-        <p14:creationId xmlns:p14="http://schemas.microsoft.com/office/powerpoint/2010/main" val="719135677"/>
-      </p:ext>
-    </p:extLst>
-  </p:cSld>
-  <p:clrMapOvr>
-    <a:masterClrMapping/>
-  </p:clrMapOvr>
-</p:sld>
-</file>
-
-<file path=ppt/slides/slide5.xml><?xml version="1.0" encoding="utf-8"?>
-<p:sld xmlns:a="http://schemas.openxmlformats.org/drawingml/2006/main" xmlns:r="http://schemas.openxmlformats.org/officeDocument/2006/relationships" xmlns:p="http://schemas.openxmlformats.org/presentationml/2006/main">
-  <p:cSld>
-    <p:spTree>
-      <p:nvGrpSpPr>
-        <p:cNvPr id="1" name=""/>
-        <p:cNvGrpSpPr/>
-        <p:nvPr/>
-      </p:nvGrpSpPr>
-      <p:grpSpPr>
-        <a:xfrm>
-          <a:off x="0" y="0"/>
-          <a:ext cx="0" cy="0"/>
-          <a:chOff x="0" y="0"/>
-          <a:chExt cx="0" cy="0"/>
-        </a:xfrm>
-      </p:grpSpPr>
-      <p:sp>
-        <p:nvSpPr>
-          <p:cNvPr id="2" name="Title 1">
-            <a:extLst>
-              <a:ext uri="{FF2B5EF4-FFF2-40B4-BE49-F238E27FC236}">
-                <a16:creationId xmlns:a16="http://schemas.microsoft.com/office/drawing/2014/main" id="{F24F037D-7D22-479A-ADC3-040CAFCF50C2}"/>
-              </a:ext>
-            </a:extLst>
-          </p:cNvPr>
-          <p:cNvSpPr>
-            <a:spLocks noGrp="1"/>
-          </p:cNvSpPr>
-          <p:nvPr>
-            <p:ph type="title"/>
-          </p:nvPr>
-        </p:nvSpPr>
-        <p:spPr/>
-        <p:txBody>
-          <a:bodyPr/>
-          <a:lstStyle/>
-          <a:p>
-            <a:r>
-              <a:rPr lang="en-US" dirty="0"/>
-              <a:t>TRANSFERING code TO your local computer FROM the supercomputer</a:t>
-            </a:r>
-          </a:p>
-        </p:txBody>
-      </p:sp>
-      <p:pic>
-        <p:nvPicPr>
-          <p:cNvPr id="5" name="Content Placeholder 4" descr="Database">
-            <a:extLst>
-              <a:ext uri="{FF2B5EF4-FFF2-40B4-BE49-F238E27FC236}">
-                <a16:creationId xmlns:a16="http://schemas.microsoft.com/office/drawing/2014/main" id="{810DE54E-2F01-46FB-BF78-FF8BC87969CC}"/>
-              </a:ext>
-            </a:extLst>
-          </p:cNvPr>
-          <p:cNvPicPr>
-            <a:picLocks noGrp="1" noChangeAspect="1"/>
-          </p:cNvPicPr>
-          <p:nvPr>
-            <p:ph idx="1"/>
-          </p:nvPr>
-        </p:nvPicPr>
-        <p:blipFill>
-          <a:blip r:embed="rId2">
-            <a:extLst>
-              <a:ext uri="{96DAC541-7B7A-43D3-8B79-37D633B846F1}">
-                <asvg:svgBlip xmlns:asvg="http://schemas.microsoft.com/office/drawing/2016/SVG/main" r:embed="rId3"/>
-              </a:ext>
-            </a:extLst>
-          </a:blip>
-          <a:stretch>
-            <a:fillRect/>
-          </a:stretch>
-        </p:blipFill>
-        <p:spPr>
-          <a:xfrm>
-            <a:off x="2114956" y="4773169"/>
-            <a:ext cx="914400" cy="914400"/>
-          </a:xfrm>
-        </p:spPr>
-      </p:pic>
-      <p:pic>
-        <p:nvPicPr>
-          <p:cNvPr id="7" name="Graphic 6" descr="Computer">
-            <a:extLst>
-              <a:ext uri="{FF2B5EF4-FFF2-40B4-BE49-F238E27FC236}">
-                <a16:creationId xmlns:a16="http://schemas.microsoft.com/office/drawing/2014/main" id="{CB146379-DE3A-4F99-8E8B-F6A9E3E4FF51}"/>
-              </a:ext>
-            </a:extLst>
-          </p:cNvPr>
-          <p:cNvPicPr>
-            <a:picLocks noChangeAspect="1"/>
-          </p:cNvPicPr>
-          <p:nvPr/>
-        </p:nvPicPr>
-        <p:blipFill>
-          <a:blip r:embed="rId4">
-            <a:extLst>
-              <a:ext uri="{96DAC541-7B7A-43D3-8B79-37D633B846F1}">
-                <asvg:svgBlip xmlns:asvg="http://schemas.microsoft.com/office/drawing/2016/SVG/main" r:embed="rId5"/>
-              </a:ext>
-            </a:extLst>
-          </a:blip>
-          <a:stretch>
-            <a:fillRect/>
-          </a:stretch>
-        </p:blipFill>
-        <p:spPr>
-          <a:xfrm>
-            <a:off x="2114956" y="3323177"/>
-            <a:ext cx="914400" cy="914400"/>
-          </a:xfrm>
-          <a:prstGeom prst="rect">
-            <a:avLst/>
-          </a:prstGeom>
-        </p:spPr>
-      </p:pic>
-      <p:pic>
-        <p:nvPicPr>
-          <p:cNvPr id="9" name="Graphic 8" descr="Server">
-            <a:extLst>
-              <a:ext uri="{FF2B5EF4-FFF2-40B4-BE49-F238E27FC236}">
-                <a16:creationId xmlns:a16="http://schemas.microsoft.com/office/drawing/2014/main" id="{35A58F10-B4CB-4D45-8EC0-AF26BE8C304C}"/>
-              </a:ext>
-            </a:extLst>
-          </p:cNvPr>
-          <p:cNvPicPr>
-            <a:picLocks noChangeAspect="1"/>
-          </p:cNvPicPr>
-          <p:nvPr/>
-        </p:nvPicPr>
-        <p:blipFill>
-          <a:blip r:embed="rId6">
-            <a:extLst>
-              <a:ext uri="{96DAC541-7B7A-43D3-8B79-37D633B846F1}">
-                <asvg:svgBlip xmlns:asvg="http://schemas.microsoft.com/office/drawing/2016/SVG/main" r:embed="rId7"/>
-              </a:ext>
-            </a:extLst>
-          </a:blip>
-          <a:stretch>
-            <a:fillRect/>
-          </a:stretch>
-        </p:blipFill>
-        <p:spPr>
-          <a:xfrm>
-            <a:off x="5268669" y="3323177"/>
-            <a:ext cx="914400" cy="914400"/>
-          </a:xfrm>
-          <a:prstGeom prst="rect">
-            <a:avLst/>
-          </a:prstGeom>
-        </p:spPr>
-      </p:pic>
-      <p:pic>
-        <p:nvPicPr>
-          <p:cNvPr id="10" name="Content Placeholder 4" descr="Database">
-            <a:extLst>
-              <a:ext uri="{FF2B5EF4-FFF2-40B4-BE49-F238E27FC236}">
-                <a16:creationId xmlns:a16="http://schemas.microsoft.com/office/drawing/2014/main" id="{87830537-D818-426E-BB07-CE058CC1D029}"/>
-              </a:ext>
-            </a:extLst>
-          </p:cNvPr>
-          <p:cNvPicPr>
-            <a:picLocks noChangeAspect="1"/>
-          </p:cNvPicPr>
-          <p:nvPr/>
-        </p:nvPicPr>
-        <p:blipFill>
-          <a:blip r:embed="rId2">
-            <a:extLst>
-              <a:ext uri="{96DAC541-7B7A-43D3-8B79-37D633B846F1}">
-                <asvg:svgBlip xmlns:asvg="http://schemas.microsoft.com/office/drawing/2016/SVG/main" r:embed="rId3"/>
-              </a:ext>
-            </a:extLst>
-          </a:blip>
-          <a:stretch>
-            <a:fillRect/>
-          </a:stretch>
-        </p:blipFill>
-        <p:spPr>
-          <a:xfrm>
-            <a:off x="5268669" y="4661657"/>
-            <a:ext cx="914400" cy="914400"/>
-          </a:xfrm>
-          <a:prstGeom prst="rect">
-            <a:avLst/>
-          </a:prstGeom>
-        </p:spPr>
-      </p:pic>
-      <p:cxnSp>
-        <p:nvCxnSpPr>
-          <p:cNvPr id="12" name="Straight Connector 11">
-            <a:extLst>
-              <a:ext uri="{FF2B5EF4-FFF2-40B4-BE49-F238E27FC236}">
-                <a16:creationId xmlns:a16="http://schemas.microsoft.com/office/drawing/2014/main" id="{B5C721F4-50D6-4534-AAD2-0AC59B3B5810}"/>
-              </a:ext>
-            </a:extLst>
-          </p:cNvPr>
-          <p:cNvCxnSpPr>
-            <a:stCxn id="5" idx="0"/>
-            <a:endCxn id="7" idx="2"/>
-          </p:cNvCxnSpPr>
-          <p:nvPr/>
-        </p:nvCxnSpPr>
-        <p:spPr>
-          <a:xfrm flipV="1">
-            <a:off x="2572156" y="4237577"/>
-            <a:ext cx="0" cy="535592"/>
-          </a:xfrm>
-          <a:prstGeom prst="line">
-            <a:avLst/>
-          </a:prstGeom>
-          <a:ln w="28575"/>
-        </p:spPr>
-        <p:style>
-          <a:lnRef idx="1">
-            <a:schemeClr val="dk1"/>
-          </a:lnRef>
-          <a:fillRef idx="0">
-            <a:schemeClr val="dk1"/>
-          </a:fillRef>
-          <a:effectRef idx="0">
-            <a:schemeClr val="dk1"/>
-          </a:effectRef>
-          <a:fontRef idx="minor">
-            <a:schemeClr val="tx1"/>
-          </a:fontRef>
-        </p:style>
-      </p:cxnSp>
-      <p:cxnSp>
-        <p:nvCxnSpPr>
-          <p:cNvPr id="16" name="Straight Connector 15">
-            <a:extLst>
-              <a:ext uri="{FF2B5EF4-FFF2-40B4-BE49-F238E27FC236}">
-                <a16:creationId xmlns:a16="http://schemas.microsoft.com/office/drawing/2014/main" id="{E980ADB6-24F0-4DEF-9800-876AD2BCB20C}"/>
-              </a:ext>
-            </a:extLst>
-          </p:cNvPr>
-          <p:cNvCxnSpPr>
-            <a:stCxn id="10" idx="0"/>
-            <a:endCxn id="9" idx="2"/>
-          </p:cNvCxnSpPr>
-          <p:nvPr/>
-        </p:nvCxnSpPr>
-        <p:spPr>
-          <a:xfrm flipV="1">
-            <a:off x="5725869" y="4237577"/>
-            <a:ext cx="0" cy="424080"/>
-          </a:xfrm>
-          <a:prstGeom prst="line">
-            <a:avLst/>
-          </a:prstGeom>
-          <a:ln w="25400"/>
-        </p:spPr>
-        <p:style>
-          <a:lnRef idx="1">
-            <a:schemeClr val="dk1"/>
-          </a:lnRef>
-          <a:fillRef idx="0">
-            <a:schemeClr val="dk1"/>
-          </a:fillRef>
-          <a:effectRef idx="0">
-            <a:schemeClr val="dk1"/>
-          </a:effectRef>
-          <a:fontRef idx="minor">
-            <a:schemeClr val="tx1"/>
-          </a:fontRef>
-        </p:style>
-      </p:cxnSp>
-      <p:pic>
-        <p:nvPicPr>
-          <p:cNvPr id="22" name="Graphic 21" descr="Transfer">
-            <a:extLst>
-              <a:ext uri="{FF2B5EF4-FFF2-40B4-BE49-F238E27FC236}">
-                <a16:creationId xmlns:a16="http://schemas.microsoft.com/office/drawing/2014/main" id="{5E3356BC-FA11-44C9-AA1D-6BF4CC97EA09}"/>
-              </a:ext>
-            </a:extLst>
-          </p:cNvPr>
-          <p:cNvPicPr>
-            <a:picLocks noChangeAspect="1"/>
-          </p:cNvPicPr>
-          <p:nvPr/>
-        </p:nvPicPr>
-        <p:blipFill>
-          <a:blip r:embed="rId8">
-            <a:extLst>
-              <a:ext uri="{96DAC541-7B7A-43D3-8B79-37D633B846F1}">
-                <asvg:svgBlip xmlns:asvg="http://schemas.microsoft.com/office/drawing/2016/SVG/main" r:embed="rId9"/>
-              </a:ext>
-            </a:extLst>
-          </a:blip>
-          <a:stretch>
-            <a:fillRect/>
-          </a:stretch>
-        </p:blipFill>
-        <p:spPr>
-          <a:xfrm>
-            <a:off x="3691812" y="3992417"/>
-            <a:ext cx="914400" cy="914400"/>
-          </a:xfrm>
-          <a:prstGeom prst="rect">
-            <a:avLst/>
-          </a:prstGeom>
-        </p:spPr>
-      </p:pic>
-      <p:sp>
-        <p:nvSpPr>
-          <p:cNvPr id="23" name="TextBox 22">
-            <a:extLst>
-              <a:ext uri="{FF2B5EF4-FFF2-40B4-BE49-F238E27FC236}">
-                <a16:creationId xmlns:a16="http://schemas.microsoft.com/office/drawing/2014/main" id="{DCB0E2E8-C877-4CFD-82C6-4F784D4DBF21}"/>
-              </a:ext>
-            </a:extLst>
-          </p:cNvPr>
-          <p:cNvSpPr txBox="1"/>
-          <p:nvPr/>
-        </p:nvSpPr>
-        <p:spPr>
-          <a:xfrm>
-            <a:off x="7501813" y="2370389"/>
-            <a:ext cx="4571998" cy="3416320"/>
-          </a:xfrm>
-          <a:prstGeom prst="rect">
-            <a:avLst/>
-          </a:prstGeom>
-          <a:noFill/>
-        </p:spPr>
-        <p:txBody>
-          <a:bodyPr wrap="square" rtlCol="0">
-            <a:spAutoFit/>
-          </a:bodyPr>
-          <a:lstStyle/>
-          <a:p>
-            <a:r>
-              <a:rPr lang="en-US" dirty="0"/>
-              <a:t>You may do changes to your code, so it performs well on the supercomputer. Therefore, you may want to transfer your new source code from the supercomputer to your local machine. The methods are:</a:t>
-            </a:r>
-          </a:p>
-          <a:p>
-            <a:endParaRPr lang="en-US" dirty="0"/>
-          </a:p>
-          <a:p>
-            <a:pPr marL="800100" lvl="1" indent="-342900">
-              <a:buFont typeface="+mj-lt"/>
-              <a:buAutoNum type="arabicPeriod"/>
-            </a:pPr>
-            <a:r>
-              <a:rPr lang="en-US" b="1" dirty="0"/>
-              <a:t>Committing to a subversion control repository.</a:t>
-            </a:r>
-          </a:p>
-          <a:p>
-            <a:pPr marL="800100" lvl="1" indent="-342900">
-              <a:buFont typeface="+mj-lt"/>
-              <a:buAutoNum type="arabicPeriod"/>
-            </a:pPr>
-            <a:r>
-              <a:rPr lang="en-US" dirty="0"/>
-              <a:t>Copying the files using ‘</a:t>
-            </a:r>
-            <a:r>
-              <a:rPr lang="en-US" dirty="0" err="1"/>
-              <a:t>scp</a:t>
-            </a:r>
-            <a:r>
-              <a:rPr lang="en-US" dirty="0"/>
-              <a:t>’.</a:t>
-            </a:r>
-          </a:p>
-          <a:p>
-            <a:pPr marL="800100" lvl="1" indent="-342900">
-              <a:buFont typeface="+mj-lt"/>
-              <a:buAutoNum type="arabicPeriod"/>
-            </a:pPr>
-            <a:r>
-              <a:rPr lang="en-US" dirty="0"/>
-              <a:t>Using ‘</a:t>
-            </a:r>
-            <a:r>
-              <a:rPr lang="en-US" dirty="0" err="1"/>
-              <a:t>rsync</a:t>
-            </a:r>
-            <a:r>
-              <a:rPr lang="en-US" dirty="0"/>
-              <a:t>’ to transfer the files.</a:t>
-            </a:r>
-          </a:p>
-          <a:p>
-            <a:pPr marL="800100" lvl="1" indent="-342900">
-              <a:buFont typeface="+mj-lt"/>
-              <a:buAutoNum type="arabicPeriod"/>
-            </a:pPr>
-            <a:r>
-              <a:rPr lang="en-US" dirty="0"/>
-              <a:t>Using ‘</a:t>
-            </a:r>
-            <a:r>
-              <a:rPr lang="en-US" dirty="0" err="1"/>
-              <a:t>globusonline</a:t>
-            </a:r>
-            <a:r>
-              <a:rPr lang="en-US" dirty="0"/>
-              <a:t>’ to transfer the source code.	</a:t>
-            </a:r>
-          </a:p>
-        </p:txBody>
-      </p:sp>
-      <p:sp>
-        <p:nvSpPr>
-          <p:cNvPr id="24" name="TextBox 23">
-            <a:extLst>
-              <a:ext uri="{FF2B5EF4-FFF2-40B4-BE49-F238E27FC236}">
-                <a16:creationId xmlns:a16="http://schemas.microsoft.com/office/drawing/2014/main" id="{9818DE52-DD04-47F7-BCC1-B097FBD31411}"/>
-              </a:ext>
-            </a:extLst>
-          </p:cNvPr>
-          <p:cNvSpPr txBox="1"/>
-          <p:nvPr/>
-        </p:nvSpPr>
-        <p:spPr>
-          <a:xfrm>
-            <a:off x="1792936" y="2469964"/>
-            <a:ext cx="1558440" cy="369332"/>
-          </a:xfrm>
-          <a:prstGeom prst="rect">
-            <a:avLst/>
-          </a:prstGeom>
-          <a:noFill/>
-        </p:spPr>
-        <p:txBody>
-          <a:bodyPr wrap="none" rtlCol="0">
-            <a:spAutoFit/>
-          </a:bodyPr>
-          <a:lstStyle/>
-          <a:p>
-            <a:r>
-              <a:rPr lang="en-US" dirty="0"/>
-              <a:t>Local computer</a:t>
-            </a:r>
-          </a:p>
-        </p:txBody>
-      </p:sp>
-      <p:sp>
-        <p:nvSpPr>
-          <p:cNvPr id="25" name="TextBox 24">
-            <a:extLst>
-              <a:ext uri="{FF2B5EF4-FFF2-40B4-BE49-F238E27FC236}">
-                <a16:creationId xmlns:a16="http://schemas.microsoft.com/office/drawing/2014/main" id="{7268F622-250C-4DD2-97E9-E0586D10C92D}"/>
-              </a:ext>
-            </a:extLst>
-          </p:cNvPr>
-          <p:cNvSpPr txBox="1"/>
-          <p:nvPr/>
-        </p:nvSpPr>
-        <p:spPr>
-          <a:xfrm>
-            <a:off x="4945848" y="2431038"/>
-            <a:ext cx="1560042" cy="369332"/>
-          </a:xfrm>
-          <a:prstGeom prst="rect">
-            <a:avLst/>
-          </a:prstGeom>
-          <a:noFill/>
-        </p:spPr>
-        <p:txBody>
-          <a:bodyPr wrap="none" rtlCol="0">
-            <a:spAutoFit/>
-          </a:bodyPr>
-          <a:lstStyle/>
-          <a:p>
-            <a:r>
-              <a:rPr lang="en-US" dirty="0"/>
-              <a:t>Supercomputer</a:t>
-            </a:r>
-          </a:p>
-        </p:txBody>
-      </p:sp>
-      <p:sp>
-        <p:nvSpPr>
-          <p:cNvPr id="3" name="TextBox 2">
-            <a:extLst>
-              <a:ext uri="{FF2B5EF4-FFF2-40B4-BE49-F238E27FC236}">
-                <a16:creationId xmlns:a16="http://schemas.microsoft.com/office/drawing/2014/main" id="{B01756E5-E8CE-4951-A481-5CDBB9408229}"/>
-              </a:ext>
-            </a:extLst>
-          </p:cNvPr>
-          <p:cNvSpPr txBox="1"/>
-          <p:nvPr/>
-        </p:nvSpPr>
-        <p:spPr>
-          <a:xfrm>
-            <a:off x="1298704" y="5848675"/>
-            <a:ext cx="9594592" cy="646331"/>
-          </a:xfrm>
-          <a:prstGeom prst="rect">
-            <a:avLst/>
-          </a:prstGeom>
-          <a:noFill/>
-        </p:spPr>
-        <p:txBody>
-          <a:bodyPr wrap="square" rtlCol="0">
-            <a:spAutoFit/>
-          </a:bodyPr>
-          <a:lstStyle/>
-          <a:p>
-            <a:r>
-              <a:rPr lang="en-US" dirty="0"/>
-              <a:t>In general it is a good practice to use a revision control system as you can create  a branch for each new supercomputer that you develop for and then merge the changes to the main code repository.</a:t>
-            </a:r>
-          </a:p>
-        </p:txBody>
-      </p:sp>
-    </p:spTree>
-    <p:extLst>
-      <p:ext uri="{BB962C8B-B14F-4D97-AF65-F5344CB8AC3E}">
-        <p14:creationId xmlns:p14="http://schemas.microsoft.com/office/powerpoint/2010/main" val="1784835325"/>
-      </p:ext>
-    </p:extLst>
-  </p:cSld>
-  <p:clrMapOvr>
-    <a:masterClrMapping/>
-  </p:clrMapOvr>
-</p:sld>
-</file>
-
-<file path=ppt/slides/slide6.xml><?xml version="1.0" encoding="utf-8"?>
-<p:sld xmlns:a="http://schemas.openxmlformats.org/drawingml/2006/main" xmlns:r="http://schemas.openxmlformats.org/officeDocument/2006/relationships" xmlns:p="http://schemas.openxmlformats.org/presentationml/2006/main">
-  <p:cSld>
-    <p:spTree>
-      <p:nvGrpSpPr>
-        <p:cNvPr id="1" name=""/>
-        <p:cNvGrpSpPr/>
-        <p:nvPr/>
-      </p:nvGrpSpPr>
-      <p:grpSpPr>
-        <a:xfrm>
-          <a:off x="0" y="0"/>
-          <a:ext cx="0" cy="0"/>
-          <a:chOff x="0" y="0"/>
-          <a:chExt cx="0" cy="0"/>
-        </a:xfrm>
-      </p:grpSpPr>
-      <p:sp>
-        <p:nvSpPr>
-          <p:cNvPr id="2" name="Title 1">
-            <a:extLst>
-              <a:ext uri="{FF2B5EF4-FFF2-40B4-BE49-F238E27FC236}">
-                <a16:creationId xmlns:a16="http://schemas.microsoft.com/office/drawing/2014/main" id="{F24F037D-7D22-479A-ADC3-040CAFCF50C2}"/>
-              </a:ext>
-            </a:extLst>
-          </p:cNvPr>
-          <p:cNvSpPr>
-            <a:spLocks noGrp="1"/>
-          </p:cNvSpPr>
-          <p:nvPr>
-            <p:ph type="title"/>
-          </p:nvPr>
-        </p:nvSpPr>
-        <p:spPr/>
-        <p:txBody>
-          <a:bodyPr/>
-          <a:lstStyle/>
-          <a:p>
-            <a:r>
-              <a:rPr lang="en-US" dirty="0"/>
-              <a:t>Connecting a local computer to a supercomputer</a:t>
-            </a:r>
-          </a:p>
-        </p:txBody>
-      </p:sp>
-      <p:pic>
-        <p:nvPicPr>
-          <p:cNvPr id="7" name="Graphic 6" descr="Computer">
-            <a:extLst>
-              <a:ext uri="{FF2B5EF4-FFF2-40B4-BE49-F238E27FC236}">
-                <a16:creationId xmlns:a16="http://schemas.microsoft.com/office/drawing/2014/main" id="{CB146379-DE3A-4F99-8E8B-F6A9E3E4FF51}"/>
-              </a:ext>
-            </a:extLst>
-          </p:cNvPr>
-          <p:cNvPicPr>
-            <a:picLocks noChangeAspect="1"/>
-          </p:cNvPicPr>
-          <p:nvPr/>
-        </p:nvPicPr>
-        <p:blipFill>
-          <a:blip r:embed="rId2">
-            <a:extLst>
-              <a:ext uri="{96DAC541-7B7A-43D3-8B79-37D633B846F1}">
-                <asvg:svgBlip xmlns:asvg="http://schemas.microsoft.com/office/drawing/2016/SVG/main" r:embed="rId3"/>
-              </a:ext>
-            </a:extLst>
-          </a:blip>
-          <a:stretch>
-            <a:fillRect/>
-          </a:stretch>
-        </p:blipFill>
-        <p:spPr>
-          <a:xfrm>
-            <a:off x="603397" y="2976971"/>
-            <a:ext cx="914400" cy="914400"/>
-          </a:xfrm>
-          <a:prstGeom prst="rect">
-            <a:avLst/>
-          </a:prstGeom>
-        </p:spPr>
-      </p:pic>
-      <p:pic>
-        <p:nvPicPr>
-          <p:cNvPr id="9" name="Graphic 8" descr="Server">
-            <a:extLst>
-              <a:ext uri="{FF2B5EF4-FFF2-40B4-BE49-F238E27FC236}">
-                <a16:creationId xmlns:a16="http://schemas.microsoft.com/office/drawing/2014/main" id="{35A58F10-B4CB-4D45-8EC0-AF26BE8C304C}"/>
-              </a:ext>
-            </a:extLst>
-          </p:cNvPr>
-          <p:cNvPicPr>
-            <a:picLocks noChangeAspect="1"/>
-          </p:cNvPicPr>
-          <p:nvPr/>
-        </p:nvPicPr>
-        <p:blipFill>
-          <a:blip r:embed="rId4">
-            <a:extLst>
-              <a:ext uri="{96DAC541-7B7A-43D3-8B79-37D633B846F1}">
-                <asvg:svgBlip xmlns:asvg="http://schemas.microsoft.com/office/drawing/2016/SVG/main" r:embed="rId5"/>
-              </a:ext>
-            </a:extLst>
-          </a:blip>
-          <a:stretch>
-            <a:fillRect/>
-          </a:stretch>
-        </p:blipFill>
-        <p:spPr>
-          <a:xfrm>
-            <a:off x="3757110" y="2976971"/>
-            <a:ext cx="914400" cy="914400"/>
-          </a:xfrm>
-          <a:prstGeom prst="rect">
-            <a:avLst/>
-          </a:prstGeom>
-        </p:spPr>
-      </p:pic>
-      <p:pic>
-        <p:nvPicPr>
-          <p:cNvPr id="22" name="Graphic 21" descr="Transfer">
-            <a:extLst>
-              <a:ext uri="{FF2B5EF4-FFF2-40B4-BE49-F238E27FC236}">
-                <a16:creationId xmlns:a16="http://schemas.microsoft.com/office/drawing/2014/main" id="{5E3356BC-FA11-44C9-AA1D-6BF4CC97EA09}"/>
-              </a:ext>
-            </a:extLst>
-          </p:cNvPr>
-          <p:cNvPicPr>
-            <a:picLocks noChangeAspect="1"/>
-          </p:cNvPicPr>
-          <p:nvPr/>
-        </p:nvPicPr>
-        <p:blipFill>
-          <a:blip r:embed="rId6">
-            <a:extLst>
-              <a:ext uri="{96DAC541-7B7A-43D3-8B79-37D633B846F1}">
-                <asvg:svgBlip xmlns:asvg="http://schemas.microsoft.com/office/drawing/2016/SVG/main" r:embed="rId7"/>
-              </a:ext>
-            </a:extLst>
-          </a:blip>
-          <a:stretch>
-            <a:fillRect/>
-          </a:stretch>
-        </p:blipFill>
-        <p:spPr>
-          <a:xfrm>
-            <a:off x="2180253" y="2976971"/>
-            <a:ext cx="914400" cy="914400"/>
-          </a:xfrm>
-          <a:prstGeom prst="rect">
-            <a:avLst/>
-          </a:prstGeom>
-        </p:spPr>
-      </p:pic>
-      <p:sp>
-        <p:nvSpPr>
-          <p:cNvPr id="24" name="TextBox 23">
-            <a:extLst>
-              <a:ext uri="{FF2B5EF4-FFF2-40B4-BE49-F238E27FC236}">
-                <a16:creationId xmlns:a16="http://schemas.microsoft.com/office/drawing/2014/main" id="{9818DE52-DD04-47F7-BCC1-B097FBD31411}"/>
-              </a:ext>
-            </a:extLst>
-          </p:cNvPr>
-          <p:cNvSpPr txBox="1"/>
-          <p:nvPr/>
-        </p:nvSpPr>
-        <p:spPr>
-          <a:xfrm>
-            <a:off x="281377" y="2123758"/>
-            <a:ext cx="1558440" cy="369332"/>
-          </a:xfrm>
-          <a:prstGeom prst="rect">
-            <a:avLst/>
-          </a:prstGeom>
-          <a:noFill/>
-        </p:spPr>
-        <p:txBody>
-          <a:bodyPr wrap="none" rtlCol="0">
-            <a:spAutoFit/>
-          </a:bodyPr>
-          <a:lstStyle/>
-          <a:p>
-            <a:r>
-              <a:rPr lang="en-US" dirty="0"/>
-              <a:t>Local computer</a:t>
-            </a:r>
-          </a:p>
-        </p:txBody>
-      </p:sp>
-      <p:sp>
-        <p:nvSpPr>
-          <p:cNvPr id="25" name="TextBox 24">
-            <a:extLst>
-              <a:ext uri="{FF2B5EF4-FFF2-40B4-BE49-F238E27FC236}">
-                <a16:creationId xmlns:a16="http://schemas.microsoft.com/office/drawing/2014/main" id="{7268F622-250C-4DD2-97E9-E0586D10C92D}"/>
-              </a:ext>
-            </a:extLst>
-          </p:cNvPr>
-          <p:cNvSpPr txBox="1"/>
-          <p:nvPr/>
-        </p:nvSpPr>
-        <p:spPr>
-          <a:xfrm>
-            <a:off x="3434289" y="2084832"/>
-            <a:ext cx="1560042" cy="369332"/>
-          </a:xfrm>
-          <a:prstGeom prst="rect">
-            <a:avLst/>
-          </a:prstGeom>
-          <a:noFill/>
-        </p:spPr>
-        <p:txBody>
-          <a:bodyPr wrap="none" rtlCol="0">
-            <a:spAutoFit/>
-          </a:bodyPr>
-          <a:lstStyle/>
-          <a:p>
-            <a:r>
-              <a:rPr lang="en-US" dirty="0"/>
-              <a:t>Supercomputer</a:t>
-            </a:r>
-          </a:p>
-        </p:txBody>
-      </p:sp>
-      <p:sp>
-        <p:nvSpPr>
-          <p:cNvPr id="8" name="TextBox 7">
-            <a:extLst>
-              <a:ext uri="{FF2B5EF4-FFF2-40B4-BE49-F238E27FC236}">
-                <a16:creationId xmlns:a16="http://schemas.microsoft.com/office/drawing/2014/main" id="{3F94FB85-0477-4DDC-8412-EBA83FF67868}"/>
-              </a:ext>
-            </a:extLst>
-          </p:cNvPr>
-          <p:cNvSpPr txBox="1"/>
-          <p:nvPr/>
-        </p:nvSpPr>
-        <p:spPr>
-          <a:xfrm>
-            <a:off x="6344817" y="1654778"/>
-            <a:ext cx="5243804" cy="1754326"/>
-          </a:xfrm>
-          <a:prstGeom prst="rect">
-            <a:avLst/>
-          </a:prstGeom>
-          <a:noFill/>
-        </p:spPr>
-        <p:txBody>
-          <a:bodyPr wrap="square" rtlCol="0">
-            <a:spAutoFit/>
-          </a:bodyPr>
-          <a:lstStyle/>
-          <a:p>
-            <a:r>
-              <a:rPr lang="en-US" dirty="0"/>
-              <a:t>In order to compile and run your source code you will need to gain access to the supercomputer. Typically a set of nodes called </a:t>
-            </a:r>
-            <a:r>
-              <a:rPr lang="en-US" i="1" dirty="0"/>
-              <a:t>login-nodes</a:t>
-            </a:r>
-            <a:r>
-              <a:rPr lang="en-US" dirty="0"/>
-              <a:t> serve the users interactively. The typical connection method is using secure shell (</a:t>
-            </a:r>
-            <a:r>
-              <a:rPr lang="en-US" dirty="0" err="1"/>
-              <a:t>ssh</a:t>
-            </a:r>
-            <a:r>
-              <a:rPr lang="en-US" dirty="0"/>
-              <a:t>). Once in the login node you will be presented with a terminal (e.g., bash, </a:t>
-            </a:r>
-            <a:r>
-              <a:rPr lang="en-US" dirty="0" err="1"/>
-              <a:t>tcsh</a:t>
-            </a:r>
-            <a:r>
-              <a:rPr lang="en-US" dirty="0"/>
-              <a:t>, </a:t>
-            </a:r>
-            <a:r>
-              <a:rPr lang="en-US" dirty="0" err="1"/>
-              <a:t>etc</a:t>
-            </a:r>
-            <a:r>
-              <a:rPr lang="en-US" dirty="0"/>
-              <a:t>) </a:t>
-            </a:r>
-          </a:p>
-        </p:txBody>
-      </p:sp>
-      <p:sp>
-        <p:nvSpPr>
-          <p:cNvPr id="11" name="TextBox 10">
-            <a:extLst>
-              <a:ext uri="{FF2B5EF4-FFF2-40B4-BE49-F238E27FC236}">
-                <a16:creationId xmlns:a16="http://schemas.microsoft.com/office/drawing/2014/main" id="{A83B449A-0BC2-46C8-9539-02644646732E}"/>
-              </a:ext>
-            </a:extLst>
-          </p:cNvPr>
-          <p:cNvSpPr txBox="1"/>
-          <p:nvPr/>
-        </p:nvSpPr>
-        <p:spPr>
-          <a:xfrm>
-            <a:off x="1839818" y="4216177"/>
-            <a:ext cx="8510566" cy="1477328"/>
-          </a:xfrm>
-          <a:prstGeom prst="rect">
-            <a:avLst/>
-          </a:prstGeom>
-          <a:noFill/>
-        </p:spPr>
-        <p:txBody>
-          <a:bodyPr wrap="square" rtlCol="0">
-            <a:spAutoFit/>
-          </a:bodyPr>
-          <a:lstStyle/>
-          <a:p>
-            <a:r>
-              <a:rPr lang="en-US" dirty="0"/>
-              <a:t>To connect to the supercomputer you will need a username and password. You will also be assigned a one-time password (OTP). The OTP is a sequence of numbers and characters that change in time which prevents access to your account if someone steals your password. The OTP can be delivered either using a physical key fob, or a virtual app in your smart phone. </a:t>
-            </a:r>
-          </a:p>
-        </p:txBody>
-      </p:sp>
-      <p:pic>
-        <p:nvPicPr>
-          <p:cNvPr id="14" name="Graphic 13" descr="Key">
-            <a:extLst>
-              <a:ext uri="{FF2B5EF4-FFF2-40B4-BE49-F238E27FC236}">
-                <a16:creationId xmlns:a16="http://schemas.microsoft.com/office/drawing/2014/main" id="{3BC8A0B3-2799-40B6-B1F5-C80F1FB98878}"/>
-              </a:ext>
-            </a:extLst>
-          </p:cNvPr>
-          <p:cNvPicPr>
-            <a:picLocks noChangeAspect="1"/>
-          </p:cNvPicPr>
-          <p:nvPr/>
-        </p:nvPicPr>
-        <p:blipFill>
-          <a:blip r:embed="rId8">
-            <a:extLst>
-              <a:ext uri="{96DAC541-7B7A-43D3-8B79-37D633B846F1}">
-                <asvg:svgBlip xmlns:asvg="http://schemas.microsoft.com/office/drawing/2016/SVG/main" r:embed="rId9"/>
-              </a:ext>
-            </a:extLst>
-          </a:blip>
-          <a:stretch>
-            <a:fillRect/>
-          </a:stretch>
-        </p:blipFill>
-        <p:spPr>
-          <a:xfrm>
-            <a:off x="678042" y="4225107"/>
-            <a:ext cx="914400" cy="914400"/>
-          </a:xfrm>
-          <a:prstGeom prst="rect">
-            <a:avLst/>
-          </a:prstGeom>
-        </p:spPr>
-      </p:pic>
-      <p:pic>
-        <p:nvPicPr>
-          <p:cNvPr id="17" name="Graphic 16" descr="Spinning Plates">
-            <a:extLst>
-              <a:ext uri="{FF2B5EF4-FFF2-40B4-BE49-F238E27FC236}">
-                <a16:creationId xmlns:a16="http://schemas.microsoft.com/office/drawing/2014/main" id="{12B8C1DC-26A6-422C-A6DA-F936A560842C}"/>
-              </a:ext>
-            </a:extLst>
-          </p:cNvPr>
-          <p:cNvPicPr>
-            <a:picLocks noChangeAspect="1"/>
-          </p:cNvPicPr>
-          <p:nvPr/>
-        </p:nvPicPr>
-        <p:blipFill>
-          <a:blip r:embed="rId10">
-            <a:extLst>
-              <a:ext uri="{96DAC541-7B7A-43D3-8B79-37D633B846F1}">
-                <asvg:svgBlip xmlns:asvg="http://schemas.microsoft.com/office/drawing/2016/SVG/main" r:embed="rId11"/>
-              </a:ext>
-            </a:extLst>
-          </a:blip>
-          <a:stretch>
-            <a:fillRect/>
-          </a:stretch>
-        </p:blipFill>
-        <p:spPr>
-          <a:xfrm>
-            <a:off x="805543" y="5473243"/>
-            <a:ext cx="914400" cy="914400"/>
-          </a:xfrm>
-          <a:prstGeom prst="rect">
-            <a:avLst/>
-          </a:prstGeom>
-        </p:spPr>
-      </p:pic>
-      <p:sp>
-        <p:nvSpPr>
-          <p:cNvPr id="18" name="TextBox 17">
-            <a:extLst>
-              <a:ext uri="{FF2B5EF4-FFF2-40B4-BE49-F238E27FC236}">
-                <a16:creationId xmlns:a16="http://schemas.microsoft.com/office/drawing/2014/main" id="{60A4B2F5-3749-4CA3-80A4-7C044C553A6D}"/>
-              </a:ext>
-            </a:extLst>
-          </p:cNvPr>
-          <p:cNvSpPr txBox="1"/>
-          <p:nvPr/>
-        </p:nvSpPr>
-        <p:spPr>
-          <a:xfrm>
-            <a:off x="1839817" y="5645020"/>
-            <a:ext cx="9748804" cy="923330"/>
-          </a:xfrm>
-          <a:prstGeom prst="rect">
-            <a:avLst/>
-          </a:prstGeom>
-          <a:noFill/>
-        </p:spPr>
-        <p:txBody>
-          <a:bodyPr wrap="square" rtlCol="0">
-            <a:spAutoFit/>
-          </a:bodyPr>
-          <a:lstStyle/>
-          <a:p>
-            <a:r>
-              <a:rPr lang="en-US" dirty="0"/>
-              <a:t>It is advisable to multiplex your connection so you can edit, compile and test without having to create multiple </a:t>
-            </a:r>
-            <a:r>
-              <a:rPr lang="en-US" dirty="0" err="1"/>
-              <a:t>ssh</a:t>
-            </a:r>
-            <a:r>
-              <a:rPr lang="en-US" dirty="0"/>
-              <a:t> instances. Terminal multiplexing can be accomplished using GNU Screen or </a:t>
-            </a:r>
-            <a:r>
-              <a:rPr lang="en-US" dirty="0" err="1"/>
-              <a:t>Tmux</a:t>
-            </a:r>
-            <a:r>
-              <a:rPr lang="en-US" dirty="0"/>
-              <a:t>; the latter two must be running on the supercomputer.</a:t>
-            </a:r>
-          </a:p>
-        </p:txBody>
-      </p:sp>
-      <p:pic>
-        <p:nvPicPr>
-          <p:cNvPr id="26" name="Picture 25" descr="RSA one time password keyfob&#10;">
-            <a:extLst>
-              <a:ext uri="{FF2B5EF4-FFF2-40B4-BE49-F238E27FC236}">
-                <a16:creationId xmlns:a16="http://schemas.microsoft.com/office/drawing/2014/main" id="{5DCF78AA-1897-45DA-BC6C-3241A29B580F}"/>
-              </a:ext>
-            </a:extLst>
-          </p:cNvPr>
-          <p:cNvPicPr>
-            <a:picLocks noChangeAspect="1"/>
-          </p:cNvPicPr>
-          <p:nvPr/>
-        </p:nvPicPr>
-        <p:blipFill>
-          <a:blip r:embed="rId12"/>
-          <a:stretch>
-            <a:fillRect/>
-          </a:stretch>
-        </p:blipFill>
-        <p:spPr>
-          <a:xfrm>
-            <a:off x="10289433" y="3733910"/>
-            <a:ext cx="1795209" cy="1346407"/>
-          </a:xfrm>
-          <a:prstGeom prst="rect">
-            <a:avLst/>
-          </a:prstGeom>
-        </p:spPr>
-      </p:pic>
-      <p:sp>
-        <p:nvSpPr>
-          <p:cNvPr id="27" name="TextBox 26">
-            <a:extLst>
-              <a:ext uri="{FF2B5EF4-FFF2-40B4-BE49-F238E27FC236}">
-                <a16:creationId xmlns:a16="http://schemas.microsoft.com/office/drawing/2014/main" id="{74E9DB62-6506-4F72-B74A-18DC6F84A403}"/>
-              </a:ext>
-            </a:extLst>
-          </p:cNvPr>
-          <p:cNvSpPr txBox="1"/>
-          <p:nvPr/>
-        </p:nvSpPr>
-        <p:spPr>
-          <a:xfrm>
-            <a:off x="10379367" y="4949974"/>
-            <a:ext cx="1769395" cy="369332"/>
-          </a:xfrm>
-          <a:prstGeom prst="rect">
-            <a:avLst/>
-          </a:prstGeom>
-          <a:noFill/>
-        </p:spPr>
-        <p:txBody>
-          <a:bodyPr wrap="none" rtlCol="0">
-            <a:spAutoFit/>
-          </a:bodyPr>
-          <a:lstStyle/>
-          <a:p>
-            <a:r>
-              <a:rPr lang="en-US" dirty="0"/>
-              <a:t>RSA OTP key fob</a:t>
-            </a:r>
-          </a:p>
-        </p:txBody>
-      </p:sp>
-    </p:spTree>
-    <p:extLst>
-      <p:ext uri="{BB962C8B-B14F-4D97-AF65-F5344CB8AC3E}">
-        <p14:creationId xmlns:p14="http://schemas.microsoft.com/office/powerpoint/2010/main" val="1185950417"/>
-      </p:ext>
-    </p:extLst>
-  </p:cSld>
-  <p:clrMapOvr>
-    <a:masterClrMapping/>
-  </p:clrMapOvr>
-</p:sld>
-</file>
-
-<file path=ppt/slides/slide7.xml><?xml version="1.0" encoding="utf-8"?>
-<p:sld xmlns:a="http://schemas.openxmlformats.org/drawingml/2006/main" xmlns:r="http://schemas.openxmlformats.org/officeDocument/2006/relationships" xmlns:p="http://schemas.openxmlformats.org/presentationml/2006/main">
-  <p:cSld>
-    <p:spTree>
-      <p:nvGrpSpPr>
-        <p:cNvPr id="1" name=""/>
-        <p:cNvGrpSpPr/>
-        <p:nvPr/>
-      </p:nvGrpSpPr>
-      <p:grpSpPr>
-        <a:xfrm>
-          <a:off x="0" y="0"/>
-          <a:ext cx="0" cy="0"/>
-          <a:chOff x="0" y="0"/>
-          <a:chExt cx="0" cy="0"/>
-        </a:xfrm>
-      </p:grpSpPr>
-      <p:sp>
-        <p:nvSpPr>
-          <p:cNvPr id="2" name="Title 1">
-            <a:extLst>
-              <a:ext uri="{FF2B5EF4-FFF2-40B4-BE49-F238E27FC236}">
-                <a16:creationId xmlns:a16="http://schemas.microsoft.com/office/drawing/2014/main" id="{2AB034E0-008F-43F5-8BAB-A81D72627EF6}"/>
-              </a:ext>
-            </a:extLst>
-          </p:cNvPr>
-          <p:cNvSpPr>
-            <a:spLocks noGrp="1"/>
-          </p:cNvSpPr>
-          <p:nvPr>
-            <p:ph type="title"/>
-          </p:nvPr>
-        </p:nvSpPr>
-        <p:spPr/>
-        <p:txBody>
-          <a:bodyPr/>
-          <a:lstStyle/>
-          <a:p>
-            <a:r>
-              <a:rPr lang="en-US" dirty="0"/>
-              <a:t>SUBMITTING programs</a:t>
-            </a:r>
-          </a:p>
-        </p:txBody>
-      </p:sp>
-      <p:pic>
-        <p:nvPicPr>
-          <p:cNvPr id="5" name="Graphic 4" descr="Server">
-            <a:extLst>
-              <a:ext uri="{FF2B5EF4-FFF2-40B4-BE49-F238E27FC236}">
-                <a16:creationId xmlns:a16="http://schemas.microsoft.com/office/drawing/2014/main" id="{A32AAC74-25F2-4434-9FCF-DCFC62730DBA}"/>
-              </a:ext>
-            </a:extLst>
-          </p:cNvPr>
-          <p:cNvPicPr>
-            <a:picLocks noChangeAspect="1"/>
-          </p:cNvPicPr>
-          <p:nvPr/>
-        </p:nvPicPr>
-        <p:blipFill>
-          <a:blip r:embed="rId2">
-            <a:extLst>
-              <a:ext uri="{96DAC541-7B7A-43D3-8B79-37D633B846F1}">
-                <asvg:svgBlip xmlns:asvg="http://schemas.microsoft.com/office/drawing/2016/SVG/main" r:embed="rId3"/>
-              </a:ext>
-            </a:extLst>
-          </a:blip>
-          <a:stretch>
-            <a:fillRect/>
-          </a:stretch>
-        </p:blipFill>
-        <p:spPr>
-          <a:xfrm>
-            <a:off x="452874" y="2576828"/>
-            <a:ext cx="1508325" cy="1508325"/>
-          </a:xfrm>
-          <a:prstGeom prst="rect">
-            <a:avLst/>
-          </a:prstGeom>
-        </p:spPr>
-      </p:pic>
-      <p:sp>
-        <p:nvSpPr>
-          <p:cNvPr id="7" name="TextBox 6">
-            <a:extLst>
-              <a:ext uri="{FF2B5EF4-FFF2-40B4-BE49-F238E27FC236}">
-                <a16:creationId xmlns:a16="http://schemas.microsoft.com/office/drawing/2014/main" id="{B289FAAC-F250-4A5E-9920-20720CB2295B}"/>
-              </a:ext>
-            </a:extLst>
-          </p:cNvPr>
-          <p:cNvSpPr txBox="1"/>
-          <p:nvPr/>
-        </p:nvSpPr>
-        <p:spPr>
-          <a:xfrm>
-            <a:off x="497727" y="2216859"/>
-            <a:ext cx="1560042" cy="369332"/>
-          </a:xfrm>
-          <a:prstGeom prst="rect">
-            <a:avLst/>
-          </a:prstGeom>
-          <a:noFill/>
-        </p:spPr>
-        <p:txBody>
-          <a:bodyPr wrap="none" rtlCol="0">
-            <a:spAutoFit/>
-          </a:bodyPr>
-          <a:lstStyle/>
-          <a:p>
-            <a:r>
-              <a:rPr lang="en-US" dirty="0"/>
-              <a:t>Supercomputer</a:t>
-            </a:r>
-          </a:p>
-        </p:txBody>
-      </p:sp>
-      <p:sp>
-        <p:nvSpPr>
-          <p:cNvPr id="8" name="TextBox 7">
-            <a:extLst>
-              <a:ext uri="{FF2B5EF4-FFF2-40B4-BE49-F238E27FC236}">
-                <a16:creationId xmlns:a16="http://schemas.microsoft.com/office/drawing/2014/main" id="{0AABBF9C-6084-469B-8960-30BA35207122}"/>
-              </a:ext>
-            </a:extLst>
-          </p:cNvPr>
-          <p:cNvSpPr txBox="1"/>
-          <p:nvPr/>
-        </p:nvSpPr>
-        <p:spPr>
-          <a:xfrm>
-            <a:off x="2664060" y="1616694"/>
-            <a:ext cx="8837416" cy="1477328"/>
-          </a:xfrm>
-          <a:prstGeom prst="rect">
-            <a:avLst/>
-          </a:prstGeom>
-          <a:noFill/>
-        </p:spPr>
-        <p:txBody>
-          <a:bodyPr wrap="square" rtlCol="0">
-            <a:spAutoFit/>
-          </a:bodyPr>
-          <a:lstStyle/>
-          <a:p>
-            <a:r>
-              <a:rPr lang="en-US" dirty="0"/>
-              <a:t>A supercomputer is a shared resource that is used by several users concurrently. To optimize access to the resource the minimal unit of execution of a program is defined as a job. Jobs are scheduled to run in a group of nodes for a given amount of time as requested by the user. The queue manager, so-called scheduler, ensures that jobs are queued using some fair use policy (e.g., TORQUE).  </a:t>
-            </a:r>
-          </a:p>
-        </p:txBody>
-      </p:sp>
-      <p:pic>
-        <p:nvPicPr>
-          <p:cNvPr id="10" name="Graphic 9" descr="Group of people">
-            <a:extLst>
-              <a:ext uri="{FF2B5EF4-FFF2-40B4-BE49-F238E27FC236}">
-                <a16:creationId xmlns:a16="http://schemas.microsoft.com/office/drawing/2014/main" id="{E8D320BA-F6AD-456B-A3F0-884F4952F413}"/>
-              </a:ext>
-            </a:extLst>
-          </p:cNvPr>
-          <p:cNvPicPr>
-            <a:picLocks noChangeAspect="1"/>
-          </p:cNvPicPr>
-          <p:nvPr/>
-        </p:nvPicPr>
-        <p:blipFill>
-          <a:blip r:embed="rId4">
-            <a:extLst>
-              <a:ext uri="{96DAC541-7B7A-43D3-8B79-37D633B846F1}">
-                <asvg:svgBlip xmlns:asvg="http://schemas.microsoft.com/office/drawing/2016/SVG/main" r:embed="rId5"/>
-              </a:ext>
-            </a:extLst>
-          </a:blip>
-          <a:stretch>
-            <a:fillRect/>
-          </a:stretch>
-        </p:blipFill>
-        <p:spPr>
-          <a:xfrm>
-            <a:off x="304586" y="4197581"/>
-            <a:ext cx="1753183" cy="1753183"/>
-          </a:xfrm>
-          <a:prstGeom prst="rect">
-            <a:avLst/>
-          </a:prstGeom>
-        </p:spPr>
-      </p:pic>
-      <p:sp>
-        <p:nvSpPr>
-          <p:cNvPr id="11" name="TextBox 10">
-            <a:extLst>
-              <a:ext uri="{FF2B5EF4-FFF2-40B4-BE49-F238E27FC236}">
-                <a16:creationId xmlns:a16="http://schemas.microsoft.com/office/drawing/2014/main" id="{633CD682-1973-4AEE-8062-378385BE6AB4}"/>
-              </a:ext>
-            </a:extLst>
-          </p:cNvPr>
-          <p:cNvSpPr txBox="1"/>
-          <p:nvPr/>
-        </p:nvSpPr>
-        <p:spPr>
-          <a:xfrm>
-            <a:off x="2559205" y="3326493"/>
-            <a:ext cx="8184995" cy="923330"/>
-          </a:xfrm>
-          <a:prstGeom prst="rect">
-            <a:avLst/>
-          </a:prstGeom>
-          <a:noFill/>
-        </p:spPr>
-        <p:txBody>
-          <a:bodyPr wrap="square" rtlCol="0">
-            <a:spAutoFit/>
-          </a:bodyPr>
-          <a:lstStyle/>
-          <a:p>
-            <a:r>
-              <a:rPr lang="en-US" dirty="0"/>
-              <a:t>The action of sending a job to the queueing systems is called job submission. Therefore, in contrast to running programs on a local computer, programs in a supercomputer are first queued and </a:t>
-            </a:r>
-            <a:r>
-              <a:rPr lang="en-US" dirty="0" err="1"/>
-              <a:t>subsequentely</a:t>
-            </a:r>
-            <a:r>
-              <a:rPr lang="en-US" dirty="0"/>
-              <a:t> managed by a workload manager (e.g., Moab, </a:t>
-            </a:r>
-            <a:r>
-              <a:rPr lang="en-US" dirty="0" err="1"/>
-              <a:t>Slurm</a:t>
-            </a:r>
-            <a:r>
-              <a:rPr lang="en-US" dirty="0"/>
-              <a:t>).</a:t>
-            </a:r>
-          </a:p>
-        </p:txBody>
-      </p:sp>
-      <p:sp>
-        <p:nvSpPr>
-          <p:cNvPr id="12" name="TextBox 11">
-            <a:extLst>
-              <a:ext uri="{FF2B5EF4-FFF2-40B4-BE49-F238E27FC236}">
-                <a16:creationId xmlns:a16="http://schemas.microsoft.com/office/drawing/2014/main" id="{970761D1-05D5-465D-994E-61A2C6C68A42}"/>
-              </a:ext>
-            </a:extLst>
-          </p:cNvPr>
-          <p:cNvSpPr txBox="1"/>
-          <p:nvPr/>
-        </p:nvSpPr>
-        <p:spPr>
-          <a:xfrm>
-            <a:off x="3732245" y="6488668"/>
-            <a:ext cx="5021055" cy="369332"/>
-          </a:xfrm>
-          <a:prstGeom prst="rect">
-            <a:avLst/>
-          </a:prstGeom>
-          <a:noFill/>
-        </p:spPr>
-        <p:txBody>
-          <a:bodyPr wrap="none" rtlCol="0">
-            <a:spAutoFit/>
-          </a:bodyPr>
-          <a:lstStyle/>
-          <a:p>
-            <a:r>
-              <a:rPr lang="en-US" dirty="0"/>
-              <a:t>To submit the job you must write a submission script.</a:t>
-            </a:r>
-          </a:p>
-        </p:txBody>
-      </p:sp>
-      <p:pic>
-        <p:nvPicPr>
-          <p:cNvPr id="15" name="Picture 14">
-            <a:extLst>
-              <a:ext uri="{FF2B5EF4-FFF2-40B4-BE49-F238E27FC236}">
-                <a16:creationId xmlns:a16="http://schemas.microsoft.com/office/drawing/2014/main" id="{291427C6-B6A8-424E-98FE-F3D9F5BAA9FB}"/>
-              </a:ext>
-            </a:extLst>
-          </p:cNvPr>
-          <p:cNvPicPr>
-            <a:picLocks noChangeAspect="1"/>
-          </p:cNvPicPr>
-          <p:nvPr/>
-        </p:nvPicPr>
-        <p:blipFill>
-          <a:blip r:embed="rId6"/>
-          <a:stretch>
-            <a:fillRect/>
-          </a:stretch>
-        </p:blipFill>
-        <p:spPr>
-          <a:xfrm>
-            <a:off x="4206085" y="4335683"/>
-            <a:ext cx="4547215" cy="2248143"/>
-          </a:xfrm>
-          <a:prstGeom prst="rect">
-            <a:avLst/>
-          </a:prstGeom>
-        </p:spPr>
-      </p:pic>
-    </p:spTree>
-    <p:extLst>
-      <p:ext uri="{BB962C8B-B14F-4D97-AF65-F5344CB8AC3E}">
-        <p14:creationId xmlns:p14="http://schemas.microsoft.com/office/powerpoint/2010/main" val="3026654119"/>
-      </p:ext>
-    </p:extLst>
-  </p:cSld>
-  <p:clrMapOvr>
-    <a:masterClrMapping/>
-  </p:clrMapOvr>
-</p:sld>
-</file>
-
-<file path=ppt/slides/slide8.xml><?xml version="1.0" encoding="utf-8"?>
-<p:sld xmlns:a="http://schemas.openxmlformats.org/drawingml/2006/main" xmlns:r="http://schemas.openxmlformats.org/officeDocument/2006/relationships" xmlns:p="http://schemas.openxmlformats.org/presentationml/2006/main">
-  <p:cSld>
-    <p:spTree>
-      <p:nvGrpSpPr>
-        <p:cNvPr id="1" name=""/>
-        <p:cNvGrpSpPr/>
-        <p:nvPr/>
-      </p:nvGrpSpPr>
-      <p:grpSpPr>
-        <a:xfrm>
-          <a:off x="0" y="0"/>
-          <a:ext cx="0" cy="0"/>
-          <a:chOff x="0" y="0"/>
-          <a:chExt cx="0" cy="0"/>
-        </a:xfrm>
-      </p:grpSpPr>
-      <p:sp>
-        <p:nvSpPr>
-          <p:cNvPr id="2" name="Title 1">
-            <a:extLst>
-              <a:ext uri="{FF2B5EF4-FFF2-40B4-BE49-F238E27FC236}">
-                <a16:creationId xmlns:a16="http://schemas.microsoft.com/office/drawing/2014/main" id="{2AB034E0-008F-43F5-8BAB-A81D72627EF6}"/>
+                <a16:creationId xmlns:a16="http://schemas.microsoft.com/office/drawing/2014/main" xmlns="" id="{2AB034E0-008F-43F5-8BAB-A81D72627EF6}"/>
               </a:ext>
             </a:extLst>
           </p:cNvPr>
@@ -23778,7 +24336,7 @@
           <p:cNvPr id="3" name="Graphic 2" descr="Computer">
             <a:extLst>
               <a:ext uri="{FF2B5EF4-FFF2-40B4-BE49-F238E27FC236}">
-                <a16:creationId xmlns:a16="http://schemas.microsoft.com/office/drawing/2014/main" id="{23974D4D-04B4-4BB3-A6AD-05B84EFB64BD}"/>
+                <a16:creationId xmlns:a16="http://schemas.microsoft.com/office/drawing/2014/main" xmlns="" id="{23974D4D-04B4-4BB3-A6AD-05B84EFB64BD}"/>
               </a:ext>
             </a:extLst>
           </p:cNvPr>
@@ -23791,7 +24349,7 @@
           <a:blip r:embed="rId2">
             <a:extLst>
               <a:ext uri="{96DAC541-7B7A-43D3-8B79-37D633B846F1}">
-                <asvg:svgBlip xmlns:asvg="http://schemas.microsoft.com/office/drawing/2016/SVG/main" r:embed="rId3"/>
+                <asvg:svgBlip xmlns:asvg="http://schemas.microsoft.com/office/drawing/2016/SVG/main" xmlns="" r:embed="rId3"/>
               </a:ext>
             </a:extLst>
           </a:blip>
@@ -23814,7 +24372,7 @@
           <p:cNvPr id="4" name="Graphic 3" descr="Server">
             <a:extLst>
               <a:ext uri="{FF2B5EF4-FFF2-40B4-BE49-F238E27FC236}">
-                <a16:creationId xmlns:a16="http://schemas.microsoft.com/office/drawing/2014/main" id="{1FDFC814-4A84-44C6-A12A-172B1F8BEF85}"/>
+                <a16:creationId xmlns:a16="http://schemas.microsoft.com/office/drawing/2014/main" xmlns="" id="{1FDFC814-4A84-44C6-A12A-172B1F8BEF85}"/>
               </a:ext>
             </a:extLst>
           </p:cNvPr>
@@ -23827,7 +24385,7 @@
           <a:blip r:embed="rId4">
             <a:extLst>
               <a:ext uri="{96DAC541-7B7A-43D3-8B79-37D633B846F1}">
-                <asvg:svgBlip xmlns:asvg="http://schemas.microsoft.com/office/drawing/2016/SVG/main" r:embed="rId5"/>
+                <asvg:svgBlip xmlns:asvg="http://schemas.microsoft.com/office/drawing/2016/SVG/main" xmlns="" r:embed="rId5"/>
               </a:ext>
             </a:extLst>
           </a:blip>
@@ -23850,7 +24408,7 @@
           <p:cNvPr id="9" name="Graphic 8" descr="Server">
             <a:extLst>
               <a:ext uri="{FF2B5EF4-FFF2-40B4-BE49-F238E27FC236}">
-                <a16:creationId xmlns:a16="http://schemas.microsoft.com/office/drawing/2014/main" id="{9D329C38-0021-4158-A073-553E44F02ECB}"/>
+                <a16:creationId xmlns:a16="http://schemas.microsoft.com/office/drawing/2014/main" xmlns="" id="{9D329C38-0021-4158-A073-553E44F02ECB}"/>
               </a:ext>
             </a:extLst>
           </p:cNvPr>
@@ -23863,7 +24421,7 @@
           <a:blip r:embed="rId6">
             <a:extLst>
               <a:ext uri="{96DAC541-7B7A-43D3-8B79-37D633B846F1}">
-                <asvg:svgBlip xmlns:asvg="http://schemas.microsoft.com/office/drawing/2016/SVG/main" r:embed="rId7"/>
+                <asvg:svgBlip xmlns:asvg="http://schemas.microsoft.com/office/drawing/2016/SVG/main" xmlns="" r:embed="rId7"/>
               </a:ext>
             </a:extLst>
           </a:blip>
@@ -23886,7 +24444,7 @@
           <p:cNvPr id="17" name="Graphic 16" descr="Server">
             <a:extLst>
               <a:ext uri="{FF2B5EF4-FFF2-40B4-BE49-F238E27FC236}">
-                <a16:creationId xmlns:a16="http://schemas.microsoft.com/office/drawing/2014/main" id="{82B78643-627A-4B27-B82B-4DFFB81462F4}"/>
+                <a16:creationId xmlns:a16="http://schemas.microsoft.com/office/drawing/2014/main" xmlns="" id="{82B78643-627A-4B27-B82B-4DFFB81462F4}"/>
               </a:ext>
             </a:extLst>
           </p:cNvPr>
@@ -23899,7 +24457,7 @@
           <a:blip r:embed="rId6">
             <a:extLst>
               <a:ext uri="{96DAC541-7B7A-43D3-8B79-37D633B846F1}">
-                <asvg:svgBlip xmlns:asvg="http://schemas.microsoft.com/office/drawing/2016/SVG/main" r:embed="rId7"/>
+                <asvg:svgBlip xmlns:asvg="http://schemas.microsoft.com/office/drawing/2016/SVG/main" xmlns="" r:embed="rId7"/>
               </a:ext>
             </a:extLst>
           </a:blip>
@@ -23922,7 +24480,7 @@
           <p:cNvPr id="19" name="Graphic 18" descr="Server">
             <a:extLst>
               <a:ext uri="{FF2B5EF4-FFF2-40B4-BE49-F238E27FC236}">
-                <a16:creationId xmlns:a16="http://schemas.microsoft.com/office/drawing/2014/main" id="{DB5AEF96-932A-4024-85E8-20825E817DD7}"/>
+                <a16:creationId xmlns:a16="http://schemas.microsoft.com/office/drawing/2014/main" xmlns="" id="{DB5AEF96-932A-4024-85E8-20825E817DD7}"/>
               </a:ext>
             </a:extLst>
           </p:cNvPr>
@@ -23935,7 +24493,7 @@
           <a:blip r:embed="rId6">
             <a:extLst>
               <a:ext uri="{96DAC541-7B7A-43D3-8B79-37D633B846F1}">
-                <asvg:svgBlip xmlns:asvg="http://schemas.microsoft.com/office/drawing/2016/SVG/main" r:embed="rId7"/>
+                <asvg:svgBlip xmlns:asvg="http://schemas.microsoft.com/office/drawing/2016/SVG/main" xmlns="" r:embed="rId7"/>
               </a:ext>
             </a:extLst>
           </a:blip>
@@ -23958,7 +24516,7 @@
           <p:cNvPr id="21" name="Straight Arrow Connector 20">
             <a:extLst>
               <a:ext uri="{FF2B5EF4-FFF2-40B4-BE49-F238E27FC236}">
-                <a16:creationId xmlns:a16="http://schemas.microsoft.com/office/drawing/2014/main" id="{77B5BEE7-4921-43C3-9884-9B6EC42B05EE}"/>
+                <a16:creationId xmlns:a16="http://schemas.microsoft.com/office/drawing/2014/main" xmlns="" id="{77B5BEE7-4921-43C3-9884-9B6EC42B05EE}"/>
               </a:ext>
             </a:extLst>
           </p:cNvPr>
@@ -24000,7 +24558,7 @@
           <p:cNvPr id="25" name="Straight Connector 24">
             <a:extLst>
               <a:ext uri="{FF2B5EF4-FFF2-40B4-BE49-F238E27FC236}">
-                <a16:creationId xmlns:a16="http://schemas.microsoft.com/office/drawing/2014/main" id="{73DE03B1-CC3F-4E26-81F0-81BE00F34104}"/>
+                <a16:creationId xmlns:a16="http://schemas.microsoft.com/office/drawing/2014/main" xmlns="" id="{73DE03B1-CC3F-4E26-81F0-81BE00F34104}"/>
               </a:ext>
             </a:extLst>
           </p:cNvPr>
@@ -24039,7 +24597,7 @@
           <p:cNvPr id="26" name="TextBox 25">
             <a:extLst>
               <a:ext uri="{FF2B5EF4-FFF2-40B4-BE49-F238E27FC236}">
-                <a16:creationId xmlns:a16="http://schemas.microsoft.com/office/drawing/2014/main" id="{16CE1363-D2AE-4275-A9D2-2FB0D1EB317F}"/>
+                <a16:creationId xmlns:a16="http://schemas.microsoft.com/office/drawing/2014/main" xmlns="" id="{16CE1363-D2AE-4275-A9D2-2FB0D1EB317F}"/>
               </a:ext>
             </a:extLst>
           </p:cNvPr>
@@ -24074,7 +24632,7 @@
           <p:cNvPr id="28" name="TextBox 27">
             <a:extLst>
               <a:ext uri="{FF2B5EF4-FFF2-40B4-BE49-F238E27FC236}">
-                <a16:creationId xmlns:a16="http://schemas.microsoft.com/office/drawing/2014/main" id="{4E106387-801B-4B84-8DE2-D5D0C9E2D146}"/>
+                <a16:creationId xmlns:a16="http://schemas.microsoft.com/office/drawing/2014/main" xmlns="" id="{4E106387-801B-4B84-8DE2-D5D0C9E2D146}"/>
               </a:ext>
             </a:extLst>
           </p:cNvPr>
@@ -24109,7 +24667,7 @@
           <p:cNvPr id="30" name="TextBox 29">
             <a:extLst>
               <a:ext uri="{FF2B5EF4-FFF2-40B4-BE49-F238E27FC236}">
-                <a16:creationId xmlns:a16="http://schemas.microsoft.com/office/drawing/2014/main" id="{D70ADCC6-62AE-4E66-B896-686588015D67}"/>
+                <a16:creationId xmlns:a16="http://schemas.microsoft.com/office/drawing/2014/main" xmlns="" id="{D70ADCC6-62AE-4E66-B896-686588015D67}"/>
               </a:ext>
             </a:extLst>
           </p:cNvPr>
@@ -24144,7 +24702,7 @@
           <p:cNvPr id="31" name="TextBox 30">
             <a:extLst>
               <a:ext uri="{FF2B5EF4-FFF2-40B4-BE49-F238E27FC236}">
-                <a16:creationId xmlns:a16="http://schemas.microsoft.com/office/drawing/2014/main" id="{6D43CEEC-3E75-4A50-B80E-6721D5B99DEC}"/>
+                <a16:creationId xmlns:a16="http://schemas.microsoft.com/office/drawing/2014/main" xmlns="" id="{6D43CEEC-3E75-4A50-B80E-6721D5B99DEC}"/>
               </a:ext>
             </a:extLst>
           </p:cNvPr>
@@ -24187,7 +24745,7 @@
           <p:cNvPr id="32" name="Picture 31">
             <a:extLst>
               <a:ext uri="{FF2B5EF4-FFF2-40B4-BE49-F238E27FC236}">
-                <a16:creationId xmlns:a16="http://schemas.microsoft.com/office/drawing/2014/main" id="{0A28CED3-D298-463D-8A0A-1BD9FCBC3B28}"/>
+                <a16:creationId xmlns:a16="http://schemas.microsoft.com/office/drawing/2014/main" xmlns="" id="{0A28CED3-D298-463D-8A0A-1BD9FCBC3B28}"/>
               </a:ext>
             </a:extLst>
           </p:cNvPr>
@@ -24217,7 +24775,7 @@
           <p:cNvPr id="34" name="Rectangle 33">
             <a:extLst>
               <a:ext uri="{FF2B5EF4-FFF2-40B4-BE49-F238E27FC236}">
-                <a16:creationId xmlns:a16="http://schemas.microsoft.com/office/drawing/2014/main" id="{1F2DC80C-67E9-49A0-9E9D-7911B38F35CC}"/>
+                <a16:creationId xmlns:a16="http://schemas.microsoft.com/office/drawing/2014/main" xmlns="" id="{1F2DC80C-67E9-49A0-9E9D-7911B38F35CC}"/>
               </a:ext>
             </a:extLst>
           </p:cNvPr>
@@ -24277,7 +24835,7 @@
 </p:sld>
 </file>
 
-<file path=ppt/slides/slide9.xml><?xml version="1.0" encoding="utf-8"?>
+<file path=ppt/slides/slide11.xml><?xml version="1.0" encoding="utf-8"?>
 <p:sld xmlns:a="http://schemas.openxmlformats.org/drawingml/2006/main" xmlns:r="http://schemas.openxmlformats.org/officeDocument/2006/relationships" xmlns:p="http://schemas.openxmlformats.org/presentationml/2006/main">
   <p:cSld>
     <p:bg>
@@ -24311,10 +24869,10 @@
           <p:cNvPr id="8" name="Rectangle 7">
             <a:extLst>
               <a:ext uri="{FF2B5EF4-FFF2-40B4-BE49-F238E27FC236}">
-                <a16:creationId xmlns:a16="http://schemas.microsoft.com/office/drawing/2014/main" id="{F9B8E572-2CE6-4185-BC38-989024BC010D}"/>
+                <a16:creationId xmlns:a16="http://schemas.microsoft.com/office/drawing/2014/main" xmlns="" id="{F9B8E572-2CE6-4185-BC38-989024BC010D}"/>
               </a:ext>
               <a:ext uri="{C183D7F6-B498-43B3-948B-1728B52AA6E4}">
-                <adec:decorative xmlns:adec="http://schemas.microsoft.com/office/drawing/2017/decorative" val="1"/>
+                <adec:decorative xmlns:adec="http://schemas.microsoft.com/office/drawing/2017/decorative" xmlns="" val="1"/>
               </a:ext>
             </a:extLst>
           </p:cNvPr>
@@ -24371,7 +24929,7 @@
           <p:cNvPr id="2" name="Title 1">
             <a:extLst>
               <a:ext uri="{FF2B5EF4-FFF2-40B4-BE49-F238E27FC236}">
-                <a16:creationId xmlns:a16="http://schemas.microsoft.com/office/drawing/2014/main" id="{883D1961-8703-4143-A50A-A9D891D8FC52}"/>
+                <a16:creationId xmlns:a16="http://schemas.microsoft.com/office/drawing/2014/main" xmlns="" id="{883D1961-8703-4143-A50A-A9D891D8FC52}"/>
               </a:ext>
             </a:extLst>
           </p:cNvPr>
@@ -24406,10 +24964,10 @@
           <p:cNvPr id="10" name="Straight Connector 9">
             <a:extLst>
               <a:ext uri="{FF2B5EF4-FFF2-40B4-BE49-F238E27FC236}">
-                <a16:creationId xmlns:a16="http://schemas.microsoft.com/office/drawing/2014/main" id="{75415567-45D9-4FB5-B020-6FAD77889407}"/>
+                <a16:creationId xmlns:a16="http://schemas.microsoft.com/office/drawing/2014/main" xmlns="" id="{75415567-45D9-4FB5-B020-6FAD77889407}"/>
               </a:ext>
               <a:ext uri="{C183D7F6-B498-43B3-948B-1728B52AA6E4}">
-                <adec:decorative xmlns:adec="http://schemas.microsoft.com/office/drawing/2017/decorative" val="1"/>
+                <adec:decorative xmlns:adec="http://schemas.microsoft.com/office/drawing/2017/decorative" xmlns="" val="1"/>
               </a:ext>
             </a:extLst>
           </p:cNvPr>
@@ -24458,7 +25016,7 @@
           <p:cNvPr id="3" name="Content Placeholder 2">
             <a:extLst>
               <a:ext uri="{FF2B5EF4-FFF2-40B4-BE49-F238E27FC236}">
-                <a16:creationId xmlns:a16="http://schemas.microsoft.com/office/drawing/2014/main" id="{CFF4E226-9212-4F40-9BBF-9B120E901A18}"/>
+                <a16:creationId xmlns:a16="http://schemas.microsoft.com/office/drawing/2014/main" xmlns="" id="{CFF4E226-9212-4F40-9BBF-9B120E901A18}"/>
               </a:ext>
             </a:extLst>
           </p:cNvPr>
@@ -24486,13 +25044,7 @@
               <a:rPr lang="en-US" dirty="0">
                 <a:hlinkClick r:id="rId2"/>
               </a:rPr>
-              <a:t>m</a:t>
-            </a:r>
-            <a:r>
-              <a:rPr lang="en-US" dirty="0">
-                <a:hlinkClick r:id="rId2"/>
-              </a:rPr>
-              <a:t>an </a:t>
+              <a:t>man </a:t>
             </a:r>
             <a:r>
               <a:rPr lang="en-US" dirty="0" err="1">
@@ -24671,6 +25223,3091 @@
   </p:cSld>
   <p:clrMapOvr>
     <a:overrideClrMapping bg1="dk1" tx1="lt1" bg2="dk2" tx2="lt2" accent1="accent1" accent2="accent2" accent3="accent3" accent4="accent4" accent5="accent5" accent6="accent6" hlink="hlink" folHlink="folHlink"/>
+  </p:clrMapOvr>
+</p:sld>
+</file>
+
+<file path=ppt/slides/slide2.xml><?xml version="1.0" encoding="utf-8"?>
+<p:sld xmlns:a="http://schemas.openxmlformats.org/drawingml/2006/main" xmlns:r="http://schemas.openxmlformats.org/officeDocument/2006/relationships" xmlns:p="http://schemas.openxmlformats.org/presentationml/2006/main">
+  <p:cSld>
+    <p:spTree>
+      <p:nvGrpSpPr>
+        <p:cNvPr id="1" name=""/>
+        <p:cNvGrpSpPr/>
+        <p:nvPr/>
+      </p:nvGrpSpPr>
+      <p:grpSpPr>
+        <a:xfrm>
+          <a:off x="0" y="0"/>
+          <a:ext cx="0" cy="0"/>
+          <a:chOff x="0" y="0"/>
+          <a:chExt cx="0" cy="0"/>
+        </a:xfrm>
+      </p:grpSpPr>
+      <p:sp>
+        <p:nvSpPr>
+          <p:cNvPr id="2" name="Title 1"/>
+          <p:cNvSpPr>
+            <a:spLocks noGrp="1"/>
+          </p:cNvSpPr>
+          <p:nvPr>
+            <p:ph type="ctrTitle"/>
+          </p:nvPr>
+        </p:nvSpPr>
+        <p:spPr>
+          <a:xfrm>
+            <a:off x="754743" y="0"/>
+            <a:ext cx="10682514" cy="6858000"/>
+          </a:xfrm>
+        </p:spPr>
+        <p:txBody>
+          <a:bodyPr anchor="ctr">
+            <a:noAutofit/>
+          </a:bodyPr>
+          <a:lstStyle/>
+          <a:p>
+            <a:pPr algn="l" fontAlgn="ctr"/>
+            <a:r>
+              <a:rPr lang="en-US" sz="2800" dirty="0" smtClean="0">
+                <a:latin typeface="Times New Roman" charset="0"/>
+                <a:ea typeface="Times New Roman" charset="0"/>
+                <a:cs typeface="Times New Roman" charset="0"/>
+              </a:rPr>
+              <a:t>Except where otherwise noted, this work by</a:t>
+            </a:r>
+            <a:br>
+              <a:rPr lang="en-US" sz="2800" dirty="0" smtClean="0">
+                <a:latin typeface="Times New Roman" charset="0"/>
+                <a:ea typeface="Times New Roman" charset="0"/>
+                <a:cs typeface="Times New Roman" charset="0"/>
+              </a:rPr>
+            </a:br>
+            <a:r>
+              <a:rPr lang="en-US" sz="2800" dirty="0" smtClean="0">
+                <a:latin typeface="Times New Roman" charset="0"/>
+                <a:ea typeface="Times New Roman" charset="0"/>
+                <a:cs typeface="Times New Roman" charset="0"/>
+              </a:rPr>
+              <a:t>The Shodor Education Foundation, Inc. is licensed under</a:t>
+            </a:r>
+            <a:br>
+              <a:rPr lang="en-US" sz="2800" dirty="0" smtClean="0">
+                <a:latin typeface="Times New Roman" charset="0"/>
+                <a:ea typeface="Times New Roman" charset="0"/>
+                <a:cs typeface="Times New Roman" charset="0"/>
+              </a:rPr>
+            </a:br>
+            <a:r>
+              <a:rPr lang="en-US" sz="2800" dirty="0" smtClean="0">
+                <a:latin typeface="Times New Roman" charset="0"/>
+                <a:ea typeface="Times New Roman" charset="0"/>
+                <a:cs typeface="Times New Roman" charset="0"/>
+              </a:rPr>
+              <a:t>CC BY-NC 4.0. To view a copy of this license, visit </a:t>
+            </a:r>
+            <a:r>
+              <a:rPr lang="en-US" sz="2800" dirty="0" smtClean="0">
+                <a:latin typeface="Times New Roman" charset="0"/>
+                <a:ea typeface="Times New Roman" charset="0"/>
+                <a:cs typeface="Times New Roman" charset="0"/>
+                <a:hlinkClick r:id="rId2"/>
+              </a:rPr>
+              <a:t>https://creativecommons.org/licenses/by-nc/4.0</a:t>
+            </a:r>
+            <a:r>
+              <a:rPr lang="en-US" sz="2800" dirty="0" smtClean="0">
+                <a:latin typeface="Times New Roman" charset="0"/>
+                <a:ea typeface="Times New Roman" charset="0"/>
+                <a:cs typeface="Times New Roman" charset="0"/>
+              </a:rPr>
+              <a:t/>
+            </a:r>
+            <a:br>
+              <a:rPr lang="en-US" sz="2800" dirty="0" smtClean="0">
+                <a:latin typeface="Times New Roman" charset="0"/>
+                <a:ea typeface="Times New Roman" charset="0"/>
+                <a:cs typeface="Times New Roman" charset="0"/>
+              </a:rPr>
+            </a:br>
+            <a:r>
+              <a:rPr lang="en-US" sz="2800" dirty="0" smtClean="0">
+                <a:latin typeface="Times New Roman" charset="0"/>
+                <a:ea typeface="Times New Roman" charset="0"/>
+                <a:cs typeface="Times New Roman" charset="0"/>
+              </a:rPr>
+              <a:t/>
+            </a:r>
+            <a:br>
+              <a:rPr lang="en-US" sz="2800" dirty="0" smtClean="0">
+                <a:latin typeface="Times New Roman" charset="0"/>
+                <a:ea typeface="Times New Roman" charset="0"/>
+                <a:cs typeface="Times New Roman" charset="0"/>
+              </a:rPr>
+            </a:br>
+            <a:r>
+              <a:rPr lang="en-US" sz="2800" dirty="0" smtClean="0">
+                <a:latin typeface="Times New Roman" charset="0"/>
+                <a:ea typeface="Times New Roman" charset="0"/>
+                <a:cs typeface="Times New Roman" charset="0"/>
+              </a:rPr>
+              <a:t>Browse and search the full curriculum at </a:t>
+            </a:r>
+            <a:r>
+              <a:rPr lang="en-US" sz="2800" dirty="0" smtClean="0">
+                <a:latin typeface="Times New Roman" charset="0"/>
+                <a:ea typeface="Times New Roman" charset="0"/>
+                <a:cs typeface="Times New Roman" charset="0"/>
+                <a:hlinkClick r:id="rId3"/>
+              </a:rPr>
+              <a:t>http://shodor.org/petascale/materials/semester-curriculum</a:t>
+            </a:r>
+            <a:r>
+              <a:rPr lang="en-US" sz="2800" dirty="0" smtClean="0">
+                <a:latin typeface="Times New Roman" charset="0"/>
+                <a:ea typeface="Times New Roman" charset="0"/>
+                <a:cs typeface="Times New Roman" charset="0"/>
+              </a:rPr>
+              <a:t/>
+            </a:r>
+            <a:br>
+              <a:rPr lang="en-US" sz="2800" dirty="0" smtClean="0">
+                <a:latin typeface="Times New Roman" charset="0"/>
+                <a:ea typeface="Times New Roman" charset="0"/>
+                <a:cs typeface="Times New Roman" charset="0"/>
+              </a:rPr>
+            </a:br>
+            <a:r>
+              <a:rPr lang="en-US" sz="2800" dirty="0" smtClean="0">
+                <a:latin typeface="Times New Roman" charset="0"/>
+                <a:ea typeface="Times New Roman" charset="0"/>
+                <a:cs typeface="Times New Roman" charset="0"/>
+              </a:rPr>
+              <a:t/>
+            </a:r>
+            <a:br>
+              <a:rPr lang="en-US" sz="2800" dirty="0" smtClean="0">
+                <a:latin typeface="Times New Roman" charset="0"/>
+                <a:ea typeface="Times New Roman" charset="0"/>
+                <a:cs typeface="Times New Roman" charset="0"/>
+              </a:rPr>
+            </a:br>
+            <a:r>
+              <a:rPr lang="en-US" sz="2800" dirty="0" smtClean="0">
+                <a:latin typeface="Times New Roman" charset="0"/>
+                <a:ea typeface="Times New Roman" charset="0"/>
+                <a:cs typeface="Times New Roman" charset="0"/>
+              </a:rPr>
+              <a:t>We welcome your improvements! You can submit your proposed changes to this material and the rest of the curriculum in our GitHub repository at </a:t>
+            </a:r>
+            <a:r>
+              <a:rPr lang="en-US" sz="2800" dirty="0" smtClean="0">
+                <a:latin typeface="Times New Roman" charset="0"/>
+                <a:ea typeface="Times New Roman" charset="0"/>
+                <a:cs typeface="Times New Roman" charset="0"/>
+                <a:hlinkClick r:id="rId4"/>
+              </a:rPr>
+              <a:t>https://github.com/shodor-education/petascale-semester-curriculum</a:t>
+            </a:r>
+            <a:r>
+              <a:rPr lang="en-US" sz="2800" dirty="0" smtClean="0">
+                <a:latin typeface="Times New Roman" charset="0"/>
+                <a:ea typeface="Times New Roman" charset="0"/>
+                <a:cs typeface="Times New Roman" charset="0"/>
+              </a:rPr>
+              <a:t/>
+            </a:r>
+            <a:br>
+              <a:rPr lang="en-US" sz="2800" dirty="0" smtClean="0">
+                <a:latin typeface="Times New Roman" charset="0"/>
+                <a:ea typeface="Times New Roman" charset="0"/>
+                <a:cs typeface="Times New Roman" charset="0"/>
+              </a:rPr>
+            </a:br>
+            <a:r>
+              <a:rPr lang="en-US" sz="2800" dirty="0" smtClean="0">
+                <a:latin typeface="Times New Roman" charset="0"/>
+                <a:ea typeface="Times New Roman" charset="0"/>
+                <a:cs typeface="Times New Roman" charset="0"/>
+              </a:rPr>
+              <a:t/>
+            </a:r>
+            <a:br>
+              <a:rPr lang="en-US" sz="2800" dirty="0" smtClean="0">
+                <a:latin typeface="Times New Roman" charset="0"/>
+                <a:ea typeface="Times New Roman" charset="0"/>
+                <a:cs typeface="Times New Roman" charset="0"/>
+              </a:rPr>
+            </a:br>
+            <a:r>
+              <a:rPr lang="en-US" sz="2800" dirty="0" smtClean="0">
+                <a:latin typeface="Times New Roman" charset="0"/>
+                <a:ea typeface="Times New Roman" charset="0"/>
+                <a:cs typeface="Times New Roman" charset="0"/>
+              </a:rPr>
+              <a:t>We want to hear from you! Please let us know your experiences using this material by sending email to </a:t>
+            </a:r>
+            <a:r>
+              <a:rPr lang="en-US" sz="2800" dirty="0" smtClean="0">
+                <a:latin typeface="Times New Roman" charset="0"/>
+                <a:ea typeface="Times New Roman" charset="0"/>
+                <a:cs typeface="Times New Roman" charset="0"/>
+                <a:hlinkClick r:id="rId5"/>
+              </a:rPr>
+              <a:t>petascale@shodor.org</a:t>
+            </a:r>
+            <a:endParaRPr lang="en-US" sz="3600" dirty="0">
+              <a:latin typeface="Times New Roman" charset="0"/>
+              <a:ea typeface="Times New Roman" charset="0"/>
+              <a:cs typeface="Times New Roman" charset="0"/>
+            </a:endParaRPr>
+          </a:p>
+        </p:txBody>
+      </p:sp>
+    </p:spTree>
+    <p:extLst>
+      <p:ext uri="{BB962C8B-B14F-4D97-AF65-F5344CB8AC3E}">
+        <p14:creationId xmlns:p14="http://schemas.microsoft.com/office/powerpoint/2010/main" val="1198126930"/>
+      </p:ext>
+    </p:extLst>
+  </p:cSld>
+  <p:clrMapOvr>
+    <a:masterClrMapping/>
+  </p:clrMapOvr>
+</p:sld>
+</file>
+
+<file path=ppt/slides/slide3.xml><?xml version="1.0" encoding="utf-8"?>
+<p:sld xmlns:a="http://schemas.openxmlformats.org/drawingml/2006/main" xmlns:r="http://schemas.openxmlformats.org/officeDocument/2006/relationships" xmlns:p="http://schemas.openxmlformats.org/presentationml/2006/main">
+  <p:cSld>
+    <p:bg>
+      <p:bgPr>
+        <a:solidFill>
+          <a:schemeClr val="bg1"/>
+        </a:solidFill>
+        <a:effectLst/>
+      </p:bgPr>
+    </p:bg>
+    <p:spTree>
+      <p:nvGrpSpPr>
+        <p:cNvPr id="1" name=""/>
+        <p:cNvGrpSpPr/>
+        <p:nvPr/>
+      </p:nvGrpSpPr>
+      <p:grpSpPr>
+        <a:xfrm>
+          <a:off x="0" y="0"/>
+          <a:ext cx="0" cy="0"/>
+          <a:chOff x="0" y="0"/>
+          <a:chExt cx="0" cy="0"/>
+        </a:xfrm>
+      </p:grpSpPr>
+      <p:sp>
+        <p:nvSpPr>
+          <p:cNvPr id="9" name="Rectangle 8">
+            <a:extLst>
+              <a:ext uri="{FF2B5EF4-FFF2-40B4-BE49-F238E27FC236}">
+                <a16:creationId xmlns:a16="http://schemas.microsoft.com/office/drawing/2014/main" xmlns="" id="{2FDF0794-1B86-42B2-B8C7-F60123E638ED}"/>
+              </a:ext>
+              <a:ext uri="{C183D7F6-B498-43B3-948B-1728B52AA6E4}">
+                <adec:decorative xmlns:adec="http://schemas.microsoft.com/office/drawing/2017/decorative" xmlns="" val="1"/>
+              </a:ext>
+            </a:extLst>
+          </p:cNvPr>
+          <p:cNvSpPr>
+            <a:spLocks noGrp="1" noRot="1" noChangeAspect="1" noMove="1" noResize="1" noEditPoints="1" noAdjustHandles="1" noChangeArrowheads="1" noChangeShapeType="1" noTextEdit="1"/>
+          </p:cNvSpPr>
+          <p:nvPr>
+            <p:extLst>
+              <p:ext uri="{386F3935-93C4-4BCD-93E2-E3B085C9AB24}">
+                <p16:designElem xmlns:p16="http://schemas.microsoft.com/office/powerpoint/2015/main" val="1"/>
+              </p:ext>
+            </p:extLst>
+          </p:nvPr>
+        </p:nvSpPr>
+        <p:spPr>
+          <a:xfrm>
+            <a:off x="3274" y="0"/>
+            <a:ext cx="12188726" cy="6858975"/>
+          </a:xfrm>
+          <a:prstGeom prst="rect">
+            <a:avLst/>
+          </a:prstGeom>
+          <a:solidFill>
+            <a:schemeClr val="bg1"/>
+          </a:solidFill>
+          <a:ln>
+            <a:noFill/>
+          </a:ln>
+        </p:spPr>
+        <p:style>
+          <a:lnRef idx="2">
+            <a:schemeClr val="accent1">
+              <a:shade val="50000"/>
+            </a:schemeClr>
+          </a:lnRef>
+          <a:fillRef idx="1">
+            <a:schemeClr val="accent1"/>
+          </a:fillRef>
+          <a:effectRef idx="0">
+            <a:schemeClr val="accent1"/>
+          </a:effectRef>
+          <a:fontRef idx="minor">
+            <a:schemeClr val="lt1"/>
+          </a:fontRef>
+        </p:style>
+        <p:txBody>
+          <a:bodyPr rtlCol="0" anchor="ctr"/>
+          <a:lstStyle/>
+          <a:p>
+            <a:pPr algn="ctr"/>
+            <a:endParaRPr lang="en-US"/>
+          </a:p>
+        </p:txBody>
+      </p:sp>
+      <p:pic>
+        <p:nvPicPr>
+          <p:cNvPr id="5" name="Picture 4">
+            <a:extLst>
+              <a:ext uri="{FF2B5EF4-FFF2-40B4-BE49-F238E27FC236}">
+                <a16:creationId xmlns:a16="http://schemas.microsoft.com/office/drawing/2014/main" xmlns="" id="{48C73C07-776C-43B1-9929-546A3147FC8C}"/>
+              </a:ext>
+            </a:extLst>
+          </p:cNvPr>
+          <p:cNvPicPr>
+            <a:picLocks noChangeAspect="1"/>
+          </p:cNvPicPr>
+          <p:nvPr/>
+        </p:nvPicPr>
+        <p:blipFill rotWithShape="1">
+          <a:blip r:embed="rId2"/>
+          <a:srcRect t="11753" b="3977"/>
+          <a:stretch/>
+        </p:blipFill>
+        <p:spPr>
+          <a:xfrm>
+            <a:off x="20" y="975"/>
+            <a:ext cx="12191980" cy="6858000"/>
+          </a:xfrm>
+          <a:prstGeom prst="rect">
+            <a:avLst/>
+          </a:prstGeom>
+        </p:spPr>
+      </p:pic>
+      <p:sp>
+        <p:nvSpPr>
+          <p:cNvPr id="11" name="Rectangle 10">
+            <a:extLst>
+              <a:ext uri="{FF2B5EF4-FFF2-40B4-BE49-F238E27FC236}">
+                <a16:creationId xmlns:a16="http://schemas.microsoft.com/office/drawing/2014/main" xmlns="" id="{C5373426-E26E-431D-959C-5DB96C0B6208}"/>
+              </a:ext>
+              <a:ext uri="{C183D7F6-B498-43B3-948B-1728B52AA6E4}">
+                <adec:decorative xmlns:adec="http://schemas.microsoft.com/office/drawing/2017/decorative" xmlns="" val="1"/>
+              </a:ext>
+            </a:extLst>
+          </p:cNvPr>
+          <p:cNvSpPr>
+            <a:spLocks noGrp="1" noRot="1" noChangeAspect="1" noMove="1" noResize="1" noEditPoints="1" noAdjustHandles="1" noChangeArrowheads="1" noChangeShapeType="1" noTextEdit="1"/>
+          </p:cNvSpPr>
+          <p:nvPr>
+            <p:extLst>
+              <p:ext uri="{386F3935-93C4-4BCD-93E2-E3B085C9AB24}">
+                <p16:designElem xmlns:p16="http://schemas.microsoft.com/office/powerpoint/2015/main" val="1"/>
+              </p:ext>
+            </p:extLst>
+          </p:nvPr>
+        </p:nvSpPr>
+        <p:spPr>
+          <a:xfrm>
+            <a:off x="643467" y="1238442"/>
+            <a:ext cx="3635926" cy="4355751"/>
+          </a:xfrm>
+          <a:prstGeom prst="rect">
+            <a:avLst/>
+          </a:prstGeom>
+          <a:solidFill>
+            <a:srgbClr val="000000">
+              <a:alpha val="79000"/>
+            </a:srgbClr>
+          </a:solidFill>
+          <a:ln>
+            <a:noFill/>
+          </a:ln>
+        </p:spPr>
+        <p:style>
+          <a:lnRef idx="2">
+            <a:schemeClr val="accent1">
+              <a:shade val="50000"/>
+            </a:schemeClr>
+          </a:lnRef>
+          <a:fillRef idx="1">
+            <a:schemeClr val="accent1"/>
+          </a:fillRef>
+          <a:effectRef idx="0">
+            <a:schemeClr val="accent1"/>
+          </a:effectRef>
+          <a:fontRef idx="minor">
+            <a:schemeClr val="lt1"/>
+          </a:fontRef>
+        </p:style>
+        <p:txBody>
+          <a:bodyPr rtlCol="0" anchor="ctr"/>
+          <a:lstStyle/>
+          <a:p>
+            <a:pPr algn="ctr"/>
+            <a:endParaRPr lang="en-US"/>
+          </a:p>
+        </p:txBody>
+      </p:sp>
+      <p:sp>
+        <p:nvSpPr>
+          <p:cNvPr id="2" name="Title 1">
+            <a:extLst>
+              <a:ext uri="{FF2B5EF4-FFF2-40B4-BE49-F238E27FC236}">
+                <a16:creationId xmlns:a16="http://schemas.microsoft.com/office/drawing/2014/main" xmlns="" id="{D33DE194-0A7D-421E-8C55-B97B2C35B93D}"/>
+              </a:ext>
+            </a:extLst>
+          </p:cNvPr>
+          <p:cNvSpPr>
+            <a:spLocks noGrp="1"/>
+          </p:cNvSpPr>
+          <p:nvPr>
+            <p:ph type="ctrTitle"/>
+          </p:nvPr>
+        </p:nvSpPr>
+        <p:spPr>
+          <a:xfrm>
+            <a:off x="853439" y="1475234"/>
+            <a:ext cx="3214307" cy="2901694"/>
+          </a:xfrm>
+        </p:spPr>
+        <p:txBody>
+          <a:bodyPr anchor="b">
+            <a:normAutofit/>
+          </a:bodyPr>
+          <a:lstStyle/>
+          <a:p>
+            <a:r>
+              <a:rPr lang="en-US" sz="4000">
+                <a:solidFill>
+                  <a:srgbClr val="FFFFFF"/>
+                </a:solidFill>
+              </a:rPr>
+              <a:t>Submitting Jobs and Running Programs</a:t>
+            </a:r>
+          </a:p>
+        </p:txBody>
+      </p:sp>
+      <p:cxnSp>
+        <p:nvCxnSpPr>
+          <p:cNvPr id="13" name="Straight Connector 12">
+            <a:extLst>
+              <a:ext uri="{FF2B5EF4-FFF2-40B4-BE49-F238E27FC236}">
+                <a16:creationId xmlns:a16="http://schemas.microsoft.com/office/drawing/2014/main" xmlns="" id="{96D07482-83A3-4451-943C-B46961082957}"/>
+              </a:ext>
+              <a:ext uri="{C183D7F6-B498-43B3-948B-1728B52AA6E4}">
+                <adec:decorative xmlns:adec="http://schemas.microsoft.com/office/drawing/2017/decorative" xmlns="" val="1"/>
+              </a:ext>
+            </a:extLst>
+          </p:cNvPr>
+          <p:cNvCxnSpPr>
+            <a:cxnSpLocks noGrp="1" noRot="1" noChangeAspect="1" noMove="1" noResize="1" noEditPoints="1" noAdjustHandles="1" noChangeArrowheads="1" noChangeShapeType="1"/>
+          </p:cNvCxnSpPr>
+          <p:nvPr>
+            <p:extLst>
+              <p:ext uri="{386F3935-93C4-4BCD-93E2-E3B085C9AB24}">
+                <p16:designElem xmlns:p16="http://schemas.microsoft.com/office/powerpoint/2015/main" val="1"/>
+              </p:ext>
+            </p:extLst>
+          </p:nvPr>
+        </p:nvCxnSpPr>
+        <p:spPr>
+          <a:xfrm>
+            <a:off x="1065829" y="4508519"/>
+            <a:ext cx="2926080" cy="0"/>
+          </a:xfrm>
+          <a:prstGeom prst="line">
+            <a:avLst/>
+          </a:prstGeom>
+          <a:ln w="19050">
+            <a:solidFill>
+              <a:srgbClr val="F76B3F"/>
+            </a:solidFill>
+          </a:ln>
+        </p:spPr>
+        <p:style>
+          <a:lnRef idx="1">
+            <a:schemeClr val="accent1"/>
+          </a:lnRef>
+          <a:fillRef idx="0">
+            <a:schemeClr val="accent1"/>
+          </a:fillRef>
+          <a:effectRef idx="0">
+            <a:schemeClr val="accent1"/>
+          </a:effectRef>
+          <a:fontRef idx="minor">
+            <a:schemeClr val="tx1"/>
+          </a:fontRef>
+        </p:style>
+      </p:cxnSp>
+    </p:spTree>
+    <p:extLst>
+      <p:ext uri="{BB962C8B-B14F-4D97-AF65-F5344CB8AC3E}">
+        <p14:creationId xmlns:p14="http://schemas.microsoft.com/office/powerpoint/2010/main" val="1902300439"/>
+      </p:ext>
+    </p:extLst>
+  </p:cSld>
+  <p:clrMapOvr>
+    <a:masterClrMapping/>
+  </p:clrMapOvr>
+  <p:timing>
+    <p:tnLst>
+      <p:par>
+        <p:cTn id="1" dur="indefinite" restart="never" nodeType="tmRoot"/>
+      </p:par>
+    </p:tnLst>
+  </p:timing>
+</p:sld>
+</file>
+
+<file path=ppt/slides/slide4.xml><?xml version="1.0" encoding="utf-8"?>
+<p:sld xmlns:a="http://schemas.openxmlformats.org/drawingml/2006/main" xmlns:r="http://schemas.openxmlformats.org/officeDocument/2006/relationships" xmlns:p="http://schemas.openxmlformats.org/presentationml/2006/main">
+  <p:cSld>
+    <p:bg>
+      <p:bgPr>
+        <a:solidFill>
+          <a:schemeClr val="bg1"/>
+        </a:solidFill>
+        <a:effectLst/>
+      </p:bgPr>
+    </p:bg>
+    <p:spTree>
+      <p:nvGrpSpPr>
+        <p:cNvPr id="1" name=""/>
+        <p:cNvGrpSpPr/>
+        <p:nvPr/>
+      </p:nvGrpSpPr>
+      <p:grpSpPr>
+        <a:xfrm>
+          <a:off x="0" y="0"/>
+          <a:ext cx="0" cy="0"/>
+          <a:chOff x="0" y="0"/>
+          <a:chExt cx="0" cy="0"/>
+        </a:xfrm>
+      </p:grpSpPr>
+      <p:sp>
+        <p:nvSpPr>
+          <p:cNvPr id="10" name="Rectangle 9">
+            <a:extLst>
+              <a:ext uri="{FF2B5EF4-FFF2-40B4-BE49-F238E27FC236}">
+                <a16:creationId xmlns:a16="http://schemas.microsoft.com/office/drawing/2014/main" xmlns="" id="{6109556B-EAE9-4435-B409-0519F2CBDB14}"/>
+              </a:ext>
+              <a:ext uri="{C183D7F6-B498-43B3-948B-1728B52AA6E4}">
+                <adec:decorative xmlns:adec="http://schemas.microsoft.com/office/drawing/2017/decorative" xmlns="" val="1"/>
+              </a:ext>
+            </a:extLst>
+          </p:cNvPr>
+          <p:cNvSpPr>
+            <a:spLocks noGrp="1" noRot="1" noChangeAspect="1" noMove="1" noResize="1" noEditPoints="1" noAdjustHandles="1" noChangeArrowheads="1" noChangeShapeType="1" noTextEdit="1"/>
+          </p:cNvSpPr>
+          <p:nvPr>
+            <p:extLst>
+              <p:ext uri="{386F3935-93C4-4BCD-93E2-E3B085C9AB24}">
+                <p16:designElem xmlns:p16="http://schemas.microsoft.com/office/powerpoint/2015/main" val="1"/>
+              </p:ext>
+            </p:extLst>
+          </p:nvPr>
+        </p:nvSpPr>
+        <p:spPr>
+          <a:xfrm>
+            <a:off x="-1" y="0"/>
+            <a:ext cx="7552267" cy="6858000"/>
+          </a:xfrm>
+          <a:prstGeom prst="rect">
+            <a:avLst/>
+          </a:prstGeom>
+          <a:solidFill>
+            <a:srgbClr val="503941"/>
+          </a:solidFill>
+          <a:ln>
+            <a:noFill/>
+          </a:ln>
+        </p:spPr>
+        <p:style>
+          <a:lnRef idx="2">
+            <a:schemeClr val="accent1">
+              <a:shade val="50000"/>
+            </a:schemeClr>
+          </a:lnRef>
+          <a:fillRef idx="1">
+            <a:schemeClr val="accent1"/>
+          </a:fillRef>
+          <a:effectRef idx="0">
+            <a:schemeClr val="accent1"/>
+          </a:effectRef>
+          <a:fontRef idx="minor">
+            <a:schemeClr val="lt1"/>
+          </a:fontRef>
+        </p:style>
+        <p:txBody>
+          <a:bodyPr rtlCol="0" anchor="ctr"/>
+          <a:lstStyle/>
+          <a:p>
+            <a:pPr algn="ctr"/>
+            <a:endParaRPr lang="en-US"/>
+          </a:p>
+        </p:txBody>
+      </p:sp>
+      <p:sp>
+        <p:nvSpPr>
+          <p:cNvPr id="2" name="Title 1">
+            <a:extLst>
+              <a:ext uri="{FF2B5EF4-FFF2-40B4-BE49-F238E27FC236}">
+                <a16:creationId xmlns:a16="http://schemas.microsoft.com/office/drawing/2014/main" xmlns="" id="{29A9E6A4-AE7A-42E2-977F-3BFFE98CA697}"/>
+              </a:ext>
+            </a:extLst>
+          </p:cNvPr>
+          <p:cNvSpPr>
+            <a:spLocks noGrp="1"/>
+          </p:cNvSpPr>
+          <p:nvPr>
+            <p:ph type="title"/>
+          </p:nvPr>
+        </p:nvSpPr>
+        <p:spPr>
+          <a:xfrm>
+            <a:off x="1024128" y="585216"/>
+            <a:ext cx="6007027" cy="1499616"/>
+          </a:xfrm>
+        </p:spPr>
+        <p:txBody>
+          <a:bodyPr>
+            <a:normAutofit/>
+          </a:bodyPr>
+          <a:lstStyle/>
+          <a:p>
+            <a:r>
+              <a:rPr lang="en-US">
+                <a:solidFill>
+                  <a:srgbClr val="FFFFFF"/>
+                </a:solidFill>
+              </a:rPr>
+              <a:t>Learning objectives</a:t>
+            </a:r>
+          </a:p>
+        </p:txBody>
+      </p:sp>
+      <p:cxnSp>
+        <p:nvCxnSpPr>
+          <p:cNvPr id="12" name="Straight Connector 11">
+            <a:extLst>
+              <a:ext uri="{FF2B5EF4-FFF2-40B4-BE49-F238E27FC236}">
+                <a16:creationId xmlns:a16="http://schemas.microsoft.com/office/drawing/2014/main" xmlns="" id="{5814CCBE-423E-41B2-A9F3-82679F490EF4}"/>
+              </a:ext>
+              <a:ext uri="{C183D7F6-B498-43B3-948B-1728B52AA6E4}">
+                <adec:decorative xmlns:adec="http://schemas.microsoft.com/office/drawing/2017/decorative" xmlns="" val="1"/>
+              </a:ext>
+            </a:extLst>
+          </p:cNvPr>
+          <p:cNvCxnSpPr>
+            <a:cxnSpLocks noGrp="1" noRot="1" noChangeAspect="1" noMove="1" noResize="1" noEditPoints="1" noAdjustHandles="1" noChangeArrowheads="1" noChangeShapeType="1"/>
+          </p:cNvCxnSpPr>
+          <p:nvPr>
+            <p:extLst>
+              <p:ext uri="{386F3935-93C4-4BCD-93E2-E3B085C9AB24}">
+                <p16:designElem xmlns:p16="http://schemas.microsoft.com/office/powerpoint/2015/main" val="1"/>
+              </p:ext>
+            </p:extLst>
+          </p:nvPr>
+        </p:nvCxnSpPr>
+        <p:spPr>
+          <a:xfrm flipV="1">
+            <a:off x="762000" y="826324"/>
+            <a:ext cx="0" cy="914400"/>
+          </a:xfrm>
+          <a:prstGeom prst="line">
+            <a:avLst/>
+          </a:prstGeom>
+          <a:ln w="19050">
+            <a:solidFill>
+              <a:srgbClr val="FFFFFF"/>
+            </a:solidFill>
+          </a:ln>
+        </p:spPr>
+        <p:style>
+          <a:lnRef idx="1">
+            <a:schemeClr val="accent1"/>
+          </a:lnRef>
+          <a:fillRef idx="0">
+            <a:schemeClr val="accent1"/>
+          </a:fillRef>
+          <a:effectRef idx="0">
+            <a:schemeClr val="accent1"/>
+          </a:effectRef>
+          <a:fontRef idx="minor">
+            <a:schemeClr val="tx1"/>
+          </a:fontRef>
+        </p:style>
+      </p:cxnSp>
+      <p:sp>
+        <p:nvSpPr>
+          <p:cNvPr id="3" name="Content Placeholder 2">
+            <a:extLst>
+              <a:ext uri="{FF2B5EF4-FFF2-40B4-BE49-F238E27FC236}">
+                <a16:creationId xmlns:a16="http://schemas.microsoft.com/office/drawing/2014/main" xmlns="" id="{080E24F3-1822-4BFF-BF7D-17E2E759AE7C}"/>
+              </a:ext>
+            </a:extLst>
+          </p:cNvPr>
+          <p:cNvSpPr>
+            <a:spLocks noGrp="1"/>
+          </p:cNvSpPr>
+          <p:nvPr>
+            <p:ph idx="1"/>
+          </p:nvPr>
+        </p:nvSpPr>
+        <p:spPr>
+          <a:xfrm>
+            <a:off x="1024128" y="2286000"/>
+            <a:ext cx="6007027" cy="4023360"/>
+          </a:xfrm>
+        </p:spPr>
+        <p:txBody>
+          <a:bodyPr>
+            <a:normAutofit/>
+          </a:bodyPr>
+          <a:lstStyle/>
+          <a:p>
+            <a:r>
+              <a:rPr lang="en-US" dirty="0">
+                <a:solidFill>
+                  <a:srgbClr val="FFFFFF"/>
+                </a:solidFill>
+              </a:rPr>
+              <a:t>In the present </a:t>
+            </a:r>
+            <a:r>
+              <a:rPr lang="en-US" dirty="0" smtClean="0">
+                <a:solidFill>
+                  <a:srgbClr val="FFFFFF"/>
+                </a:solidFill>
+              </a:rPr>
+              <a:t>lesson we </a:t>
+            </a:r>
+            <a:r>
+              <a:rPr lang="en-US" dirty="0">
+                <a:solidFill>
+                  <a:srgbClr val="FFFFFF"/>
+                </a:solidFill>
+              </a:rPr>
+              <a:t>will cover:</a:t>
+            </a:r>
+          </a:p>
+          <a:p>
+            <a:endParaRPr lang="en-US" dirty="0">
+              <a:solidFill>
+                <a:srgbClr val="FFFFFF"/>
+              </a:solidFill>
+            </a:endParaRPr>
+          </a:p>
+          <a:p>
+            <a:pPr lvl="1"/>
+            <a:r>
+              <a:rPr lang="en-US" dirty="0">
+                <a:solidFill>
+                  <a:srgbClr val="FFFFFF"/>
+                </a:solidFill>
+              </a:rPr>
+              <a:t>Writing, modifying, and transferring programs from a local computer to a remote computer and vice versa. </a:t>
+            </a:r>
+          </a:p>
+          <a:p>
+            <a:pPr lvl="1"/>
+            <a:endParaRPr lang="en-US" dirty="0">
+              <a:solidFill>
+                <a:srgbClr val="FFFFFF"/>
+              </a:solidFill>
+            </a:endParaRPr>
+          </a:p>
+          <a:p>
+            <a:pPr lvl="1"/>
+            <a:r>
+              <a:rPr lang="en-US" dirty="0">
+                <a:solidFill>
+                  <a:srgbClr val="FFFFFF"/>
+                </a:solidFill>
+              </a:rPr>
+              <a:t>Connecting a local computer to the super computers, submitting, and running programs. </a:t>
+            </a:r>
+          </a:p>
+        </p:txBody>
+      </p:sp>
+      <p:pic>
+        <p:nvPicPr>
+          <p:cNvPr id="5" name="Picture 4">
+            <a:extLst>
+              <a:ext uri="{FF2B5EF4-FFF2-40B4-BE49-F238E27FC236}">
+                <a16:creationId xmlns:a16="http://schemas.microsoft.com/office/drawing/2014/main" xmlns="" id="{696BA665-054F-45E2-B5CF-5041261CA538}"/>
+              </a:ext>
+            </a:extLst>
+          </p:cNvPr>
+          <p:cNvPicPr>
+            <a:picLocks noChangeAspect="1"/>
+          </p:cNvPicPr>
+          <p:nvPr/>
+        </p:nvPicPr>
+        <p:blipFill rotWithShape="1">
+          <a:blip r:embed="rId2"/>
+          <a:srcRect l="7208" r="47632" b="-1"/>
+          <a:stretch/>
+        </p:blipFill>
+        <p:spPr>
+          <a:xfrm>
+            <a:off x="7552266" y="10"/>
+            <a:ext cx="4639733" cy="6857990"/>
+          </a:xfrm>
+          <a:prstGeom prst="rect">
+            <a:avLst/>
+          </a:prstGeom>
+        </p:spPr>
+      </p:pic>
+    </p:spTree>
+    <p:extLst>
+      <p:ext uri="{BB962C8B-B14F-4D97-AF65-F5344CB8AC3E}">
+        <p14:creationId xmlns:p14="http://schemas.microsoft.com/office/powerpoint/2010/main" val="3737227169"/>
+      </p:ext>
+    </p:extLst>
+  </p:cSld>
+  <p:clrMapOvr>
+    <a:masterClrMapping/>
+  </p:clrMapOvr>
+  <p:timing>
+    <p:tnLst>
+      <p:par>
+        <p:cTn id="1" dur="indefinite" restart="never" nodeType="tmRoot"/>
+      </p:par>
+    </p:tnLst>
+  </p:timing>
+</p:sld>
+</file>
+
+<file path=ppt/slides/slide5.xml><?xml version="1.0" encoding="utf-8"?>
+<p:sld xmlns:a="http://schemas.openxmlformats.org/drawingml/2006/main" xmlns:r="http://schemas.openxmlformats.org/officeDocument/2006/relationships" xmlns:p="http://schemas.openxmlformats.org/presentationml/2006/main">
+  <p:cSld>
+    <p:spTree>
+      <p:nvGrpSpPr>
+        <p:cNvPr id="1" name=""/>
+        <p:cNvGrpSpPr/>
+        <p:nvPr/>
+      </p:nvGrpSpPr>
+      <p:grpSpPr>
+        <a:xfrm>
+          <a:off x="0" y="0"/>
+          <a:ext cx="0" cy="0"/>
+          <a:chOff x="0" y="0"/>
+          <a:chExt cx="0" cy="0"/>
+        </a:xfrm>
+      </p:grpSpPr>
+      <p:sp>
+        <p:nvSpPr>
+          <p:cNvPr id="2" name="Title 1">
+            <a:extLst>
+              <a:ext uri="{FF2B5EF4-FFF2-40B4-BE49-F238E27FC236}">
+                <a16:creationId xmlns:a16="http://schemas.microsoft.com/office/drawing/2014/main" xmlns="" id="{F24F037D-7D22-479A-ADC3-040CAFCF50C2}"/>
+              </a:ext>
+            </a:extLst>
+          </p:cNvPr>
+          <p:cNvSpPr>
+            <a:spLocks noGrp="1"/>
+          </p:cNvSpPr>
+          <p:nvPr>
+            <p:ph type="title"/>
+          </p:nvPr>
+        </p:nvSpPr>
+        <p:spPr/>
+        <p:txBody>
+          <a:bodyPr/>
+          <a:lstStyle/>
+          <a:p>
+            <a:r>
+              <a:rPr lang="en-US" dirty="0"/>
+              <a:t>Writing code in your local computer</a:t>
+            </a:r>
+          </a:p>
+        </p:txBody>
+      </p:sp>
+      <p:pic>
+        <p:nvPicPr>
+          <p:cNvPr id="5" name="Content Placeholder 4" descr="Database">
+            <a:extLst>
+              <a:ext uri="{FF2B5EF4-FFF2-40B4-BE49-F238E27FC236}">
+                <a16:creationId xmlns:a16="http://schemas.microsoft.com/office/drawing/2014/main" xmlns="" id="{810DE54E-2F01-46FB-BF78-FF8BC87969CC}"/>
+              </a:ext>
+            </a:extLst>
+          </p:cNvPr>
+          <p:cNvPicPr>
+            <a:picLocks noGrp="1" noChangeAspect="1"/>
+          </p:cNvPicPr>
+          <p:nvPr>
+            <p:ph idx="1"/>
+          </p:nvPr>
+        </p:nvPicPr>
+        <p:blipFill>
+          <a:blip r:embed="rId2">
+            <a:extLst>
+              <a:ext uri="{96DAC541-7B7A-43D3-8B79-37D633B846F1}">
+                <asvg:svgBlip xmlns:asvg="http://schemas.microsoft.com/office/drawing/2016/SVG/main" xmlns="" r:embed="rId3"/>
+              </a:ext>
+            </a:extLst>
+          </a:blip>
+          <a:stretch>
+            <a:fillRect/>
+          </a:stretch>
+        </p:blipFill>
+        <p:spPr>
+          <a:xfrm>
+            <a:off x="522322" y="4782099"/>
+            <a:ext cx="1661085" cy="1661085"/>
+          </a:xfrm>
+        </p:spPr>
+      </p:pic>
+      <p:pic>
+        <p:nvPicPr>
+          <p:cNvPr id="7" name="Graphic 6" descr="Computer">
+            <a:extLst>
+              <a:ext uri="{FF2B5EF4-FFF2-40B4-BE49-F238E27FC236}">
+                <a16:creationId xmlns:a16="http://schemas.microsoft.com/office/drawing/2014/main" xmlns="" id="{CB146379-DE3A-4F99-8E8B-F6A9E3E4FF51}"/>
+              </a:ext>
+            </a:extLst>
+          </p:cNvPr>
+          <p:cNvPicPr>
+            <a:picLocks noChangeAspect="1"/>
+          </p:cNvPicPr>
+          <p:nvPr/>
+        </p:nvPicPr>
+        <p:blipFill>
+          <a:blip r:embed="rId4">
+            <a:extLst>
+              <a:ext uri="{96DAC541-7B7A-43D3-8B79-37D633B846F1}">
+                <asvg:svgBlip xmlns:asvg="http://schemas.microsoft.com/office/drawing/2016/SVG/main" xmlns="" r:embed="rId5"/>
+              </a:ext>
+            </a:extLst>
+          </a:blip>
+          <a:stretch>
+            <a:fillRect/>
+          </a:stretch>
+        </p:blipFill>
+        <p:spPr>
+          <a:xfrm>
+            <a:off x="522322" y="2407882"/>
+            <a:ext cx="1661085" cy="1661085"/>
+          </a:xfrm>
+          <a:prstGeom prst="rect">
+            <a:avLst/>
+          </a:prstGeom>
+        </p:spPr>
+      </p:pic>
+      <p:cxnSp>
+        <p:nvCxnSpPr>
+          <p:cNvPr id="12" name="Straight Connector 11">
+            <a:extLst>
+              <a:ext uri="{FF2B5EF4-FFF2-40B4-BE49-F238E27FC236}">
+                <a16:creationId xmlns:a16="http://schemas.microsoft.com/office/drawing/2014/main" xmlns="" id="{B5C721F4-50D6-4534-AAD2-0AC59B3B5810}"/>
+              </a:ext>
+            </a:extLst>
+          </p:cNvPr>
+          <p:cNvCxnSpPr>
+            <a:stCxn id="5" idx="0"/>
+            <a:endCxn id="7" idx="2"/>
+          </p:cNvCxnSpPr>
+          <p:nvPr/>
+        </p:nvCxnSpPr>
+        <p:spPr>
+          <a:xfrm flipV="1">
+            <a:off x="1352865" y="4068967"/>
+            <a:ext cx="0" cy="713132"/>
+          </a:xfrm>
+          <a:prstGeom prst="line">
+            <a:avLst/>
+          </a:prstGeom>
+          <a:ln w="28575"/>
+        </p:spPr>
+        <p:style>
+          <a:lnRef idx="1">
+            <a:schemeClr val="dk1"/>
+          </a:lnRef>
+          <a:fillRef idx="0">
+            <a:schemeClr val="dk1"/>
+          </a:fillRef>
+          <a:effectRef idx="0">
+            <a:schemeClr val="dk1"/>
+          </a:effectRef>
+          <a:fontRef idx="minor">
+            <a:schemeClr val="tx1"/>
+          </a:fontRef>
+        </p:style>
+      </p:cxnSp>
+      <p:sp>
+        <p:nvSpPr>
+          <p:cNvPr id="6" name="TextBox 5">
+            <a:extLst>
+              <a:ext uri="{FF2B5EF4-FFF2-40B4-BE49-F238E27FC236}">
+                <a16:creationId xmlns:a16="http://schemas.microsoft.com/office/drawing/2014/main" xmlns="" id="{5762F2C4-2945-4B30-BFB6-1CD70DEF121E}"/>
+              </a:ext>
+            </a:extLst>
+          </p:cNvPr>
+          <p:cNvSpPr txBox="1"/>
+          <p:nvPr/>
+        </p:nvSpPr>
+        <p:spPr>
+          <a:xfrm>
+            <a:off x="5034941" y="2870442"/>
+            <a:ext cx="5870951" cy="923330"/>
+          </a:xfrm>
+          <a:prstGeom prst="rect">
+            <a:avLst/>
+          </a:prstGeom>
+          <a:noFill/>
+        </p:spPr>
+        <p:txBody>
+          <a:bodyPr wrap="square" rtlCol="0">
+            <a:spAutoFit/>
+          </a:bodyPr>
+          <a:lstStyle/>
+          <a:p>
+            <a:r>
+              <a:rPr lang="en-US" dirty="0"/>
+              <a:t>Using a development environment you should be able to write your source code in your computer. The source code can be initially stored in the local hard drive.</a:t>
+            </a:r>
+          </a:p>
+        </p:txBody>
+      </p:sp>
+      <p:sp>
+        <p:nvSpPr>
+          <p:cNvPr id="8" name="TextBox 7">
+            <a:extLst>
+              <a:ext uri="{FF2B5EF4-FFF2-40B4-BE49-F238E27FC236}">
+                <a16:creationId xmlns:a16="http://schemas.microsoft.com/office/drawing/2014/main" xmlns="" id="{EFA66816-B728-455C-85A2-90B5FD142459}"/>
+              </a:ext>
+            </a:extLst>
+          </p:cNvPr>
+          <p:cNvSpPr txBox="1"/>
+          <p:nvPr/>
+        </p:nvSpPr>
+        <p:spPr>
+          <a:xfrm>
+            <a:off x="2183407" y="5427975"/>
+            <a:ext cx="2563266" cy="369332"/>
+          </a:xfrm>
+          <a:prstGeom prst="rect">
+            <a:avLst/>
+          </a:prstGeom>
+          <a:noFill/>
+        </p:spPr>
+        <p:txBody>
+          <a:bodyPr wrap="none" rtlCol="0">
+            <a:spAutoFit/>
+          </a:bodyPr>
+          <a:lstStyle/>
+          <a:p>
+            <a:r>
+              <a:rPr lang="en-US" dirty="0"/>
+              <a:t>Local storage (hard drive)</a:t>
+            </a:r>
+          </a:p>
+        </p:txBody>
+      </p:sp>
+      <p:sp>
+        <p:nvSpPr>
+          <p:cNvPr id="11" name="TextBox 10">
+            <a:extLst>
+              <a:ext uri="{FF2B5EF4-FFF2-40B4-BE49-F238E27FC236}">
+                <a16:creationId xmlns:a16="http://schemas.microsoft.com/office/drawing/2014/main" xmlns="" id="{7924B171-AB20-4FAA-B977-76CF66B33BC3}"/>
+              </a:ext>
+            </a:extLst>
+          </p:cNvPr>
+          <p:cNvSpPr txBox="1"/>
+          <p:nvPr/>
+        </p:nvSpPr>
+        <p:spPr>
+          <a:xfrm>
+            <a:off x="2183407" y="3147441"/>
+            <a:ext cx="1558440" cy="369332"/>
+          </a:xfrm>
+          <a:prstGeom prst="rect">
+            <a:avLst/>
+          </a:prstGeom>
+          <a:noFill/>
+        </p:spPr>
+        <p:txBody>
+          <a:bodyPr wrap="none" rtlCol="0">
+            <a:spAutoFit/>
+          </a:bodyPr>
+          <a:lstStyle/>
+          <a:p>
+            <a:r>
+              <a:rPr lang="en-US" dirty="0"/>
+              <a:t>Local computer</a:t>
+            </a:r>
+          </a:p>
+        </p:txBody>
+      </p:sp>
+      <p:pic>
+        <p:nvPicPr>
+          <p:cNvPr id="18" name="Graphic 17" descr="Good Idea">
+            <a:extLst>
+              <a:ext uri="{FF2B5EF4-FFF2-40B4-BE49-F238E27FC236}">
+                <a16:creationId xmlns:a16="http://schemas.microsoft.com/office/drawing/2014/main" xmlns="" id="{C26062CD-B2C9-4754-97DC-16F9AD0B4C22}"/>
+              </a:ext>
+            </a:extLst>
+          </p:cNvPr>
+          <p:cNvPicPr>
+            <a:picLocks noChangeAspect="1"/>
+          </p:cNvPicPr>
+          <p:nvPr/>
+        </p:nvPicPr>
+        <p:blipFill>
+          <a:blip r:embed="rId6">
+            <a:extLst>
+              <a:ext uri="{96DAC541-7B7A-43D3-8B79-37D633B846F1}">
+                <asvg:svgBlip xmlns:asvg="http://schemas.microsoft.com/office/drawing/2016/SVG/main" xmlns="" r:embed="rId7"/>
+              </a:ext>
+            </a:extLst>
+          </a:blip>
+          <a:stretch>
+            <a:fillRect/>
+          </a:stretch>
+        </p:blipFill>
+        <p:spPr>
+          <a:xfrm>
+            <a:off x="5638800" y="5340107"/>
+            <a:ext cx="914400" cy="914400"/>
+          </a:xfrm>
+          <a:prstGeom prst="rect">
+            <a:avLst/>
+          </a:prstGeom>
+        </p:spPr>
+      </p:pic>
+      <p:sp>
+        <p:nvSpPr>
+          <p:cNvPr id="20" name="TextBox 19">
+            <a:extLst>
+              <a:ext uri="{FF2B5EF4-FFF2-40B4-BE49-F238E27FC236}">
+                <a16:creationId xmlns:a16="http://schemas.microsoft.com/office/drawing/2014/main" xmlns="" id="{5497ACD7-E79E-4961-B74A-A182584235D2}"/>
+              </a:ext>
+            </a:extLst>
+          </p:cNvPr>
+          <p:cNvSpPr txBox="1"/>
+          <p:nvPr/>
+        </p:nvSpPr>
+        <p:spPr>
+          <a:xfrm>
+            <a:off x="5570376" y="5057192"/>
+            <a:ext cx="5645020" cy="1477328"/>
+          </a:xfrm>
+          <a:prstGeom prst="rect">
+            <a:avLst/>
+          </a:prstGeom>
+          <a:noFill/>
+        </p:spPr>
+        <p:style>
+          <a:lnRef idx="2">
+            <a:schemeClr val="dk1"/>
+          </a:lnRef>
+          <a:fillRef idx="1">
+            <a:schemeClr val="lt1"/>
+          </a:fillRef>
+          <a:effectRef idx="0">
+            <a:schemeClr val="dk1"/>
+          </a:effectRef>
+          <a:fontRef idx="minor">
+            <a:schemeClr val="dk1"/>
+          </a:fontRef>
+        </p:style>
+        <p:txBody>
+          <a:bodyPr wrap="square" rtlCol="0">
+            <a:spAutoFit/>
+          </a:bodyPr>
+          <a:lstStyle/>
+          <a:p>
+            <a:endParaRPr lang="en-US" dirty="0"/>
+          </a:p>
+          <a:p>
+            <a:r>
+              <a:rPr lang="en-US" dirty="0"/>
+              <a:t>			You may want to also store your source code 			using a revision control system (e.g., SVN, 			CVS, Git).			</a:t>
+            </a:r>
+          </a:p>
+          <a:p>
+            <a:r>
+              <a:rPr lang="en-US" dirty="0"/>
+              <a:t>			</a:t>
+            </a:r>
+          </a:p>
+        </p:txBody>
+      </p:sp>
+    </p:spTree>
+    <p:extLst>
+      <p:ext uri="{BB962C8B-B14F-4D97-AF65-F5344CB8AC3E}">
+        <p14:creationId xmlns:p14="http://schemas.microsoft.com/office/powerpoint/2010/main" val="1561185168"/>
+      </p:ext>
+    </p:extLst>
+  </p:cSld>
+  <p:clrMapOvr>
+    <a:masterClrMapping/>
+  </p:clrMapOvr>
+</p:sld>
+</file>
+
+<file path=ppt/slides/slide6.xml><?xml version="1.0" encoding="utf-8"?>
+<p:sld xmlns:a="http://schemas.openxmlformats.org/drawingml/2006/main" xmlns:r="http://schemas.openxmlformats.org/officeDocument/2006/relationships" xmlns:p="http://schemas.openxmlformats.org/presentationml/2006/main">
+  <p:cSld>
+    <p:spTree>
+      <p:nvGrpSpPr>
+        <p:cNvPr id="1" name=""/>
+        <p:cNvGrpSpPr/>
+        <p:nvPr/>
+      </p:nvGrpSpPr>
+      <p:grpSpPr>
+        <a:xfrm>
+          <a:off x="0" y="0"/>
+          <a:ext cx="0" cy="0"/>
+          <a:chOff x="0" y="0"/>
+          <a:chExt cx="0" cy="0"/>
+        </a:xfrm>
+      </p:grpSpPr>
+      <p:sp>
+        <p:nvSpPr>
+          <p:cNvPr id="2" name="Title 1">
+            <a:extLst>
+              <a:ext uri="{FF2B5EF4-FFF2-40B4-BE49-F238E27FC236}">
+                <a16:creationId xmlns:a16="http://schemas.microsoft.com/office/drawing/2014/main" xmlns="" id="{F24F037D-7D22-479A-ADC3-040CAFCF50C2}"/>
+              </a:ext>
+            </a:extLst>
+          </p:cNvPr>
+          <p:cNvSpPr>
+            <a:spLocks noGrp="1"/>
+          </p:cNvSpPr>
+          <p:nvPr>
+            <p:ph type="title"/>
+          </p:nvPr>
+        </p:nvSpPr>
+        <p:spPr/>
+        <p:txBody>
+          <a:bodyPr/>
+          <a:lstStyle/>
+          <a:p>
+            <a:r>
+              <a:rPr lang="en-US" dirty="0"/>
+              <a:t>TRANSFERING code FROM your local computer to the supercomputer</a:t>
+            </a:r>
+          </a:p>
+        </p:txBody>
+      </p:sp>
+      <p:pic>
+        <p:nvPicPr>
+          <p:cNvPr id="5" name="Content Placeholder 4" descr="Database">
+            <a:extLst>
+              <a:ext uri="{FF2B5EF4-FFF2-40B4-BE49-F238E27FC236}">
+                <a16:creationId xmlns:a16="http://schemas.microsoft.com/office/drawing/2014/main" xmlns="" id="{810DE54E-2F01-46FB-BF78-FF8BC87969CC}"/>
+              </a:ext>
+            </a:extLst>
+          </p:cNvPr>
+          <p:cNvPicPr>
+            <a:picLocks noGrp="1" noChangeAspect="1"/>
+          </p:cNvPicPr>
+          <p:nvPr>
+            <p:ph idx="1"/>
+          </p:nvPr>
+        </p:nvPicPr>
+        <p:blipFill>
+          <a:blip r:embed="rId2">
+            <a:extLst>
+              <a:ext uri="{96DAC541-7B7A-43D3-8B79-37D633B846F1}">
+                <asvg:svgBlip xmlns:asvg="http://schemas.microsoft.com/office/drawing/2016/SVG/main" xmlns="" r:embed="rId3"/>
+              </a:ext>
+            </a:extLst>
+          </a:blip>
+          <a:stretch>
+            <a:fillRect/>
+          </a:stretch>
+        </p:blipFill>
+        <p:spPr>
+          <a:xfrm>
+            <a:off x="2114956" y="4773169"/>
+            <a:ext cx="914400" cy="914400"/>
+          </a:xfrm>
+        </p:spPr>
+      </p:pic>
+      <p:pic>
+        <p:nvPicPr>
+          <p:cNvPr id="7" name="Graphic 6" descr="Computer">
+            <a:extLst>
+              <a:ext uri="{FF2B5EF4-FFF2-40B4-BE49-F238E27FC236}">
+                <a16:creationId xmlns:a16="http://schemas.microsoft.com/office/drawing/2014/main" xmlns="" id="{CB146379-DE3A-4F99-8E8B-F6A9E3E4FF51}"/>
+              </a:ext>
+            </a:extLst>
+          </p:cNvPr>
+          <p:cNvPicPr>
+            <a:picLocks noChangeAspect="1"/>
+          </p:cNvPicPr>
+          <p:nvPr/>
+        </p:nvPicPr>
+        <p:blipFill>
+          <a:blip r:embed="rId4">
+            <a:extLst>
+              <a:ext uri="{96DAC541-7B7A-43D3-8B79-37D633B846F1}">
+                <asvg:svgBlip xmlns:asvg="http://schemas.microsoft.com/office/drawing/2016/SVG/main" xmlns="" r:embed="rId5"/>
+              </a:ext>
+            </a:extLst>
+          </a:blip>
+          <a:stretch>
+            <a:fillRect/>
+          </a:stretch>
+        </p:blipFill>
+        <p:spPr>
+          <a:xfrm>
+            <a:off x="2114956" y="3323177"/>
+            <a:ext cx="914400" cy="914400"/>
+          </a:xfrm>
+          <a:prstGeom prst="rect">
+            <a:avLst/>
+          </a:prstGeom>
+        </p:spPr>
+      </p:pic>
+      <p:pic>
+        <p:nvPicPr>
+          <p:cNvPr id="9" name="Graphic 8" descr="Server">
+            <a:extLst>
+              <a:ext uri="{FF2B5EF4-FFF2-40B4-BE49-F238E27FC236}">
+                <a16:creationId xmlns:a16="http://schemas.microsoft.com/office/drawing/2014/main" xmlns="" id="{35A58F10-B4CB-4D45-8EC0-AF26BE8C304C}"/>
+              </a:ext>
+            </a:extLst>
+          </p:cNvPr>
+          <p:cNvPicPr>
+            <a:picLocks noChangeAspect="1"/>
+          </p:cNvPicPr>
+          <p:nvPr/>
+        </p:nvPicPr>
+        <p:blipFill>
+          <a:blip r:embed="rId6">
+            <a:extLst>
+              <a:ext uri="{96DAC541-7B7A-43D3-8B79-37D633B846F1}">
+                <asvg:svgBlip xmlns:asvg="http://schemas.microsoft.com/office/drawing/2016/SVG/main" xmlns="" r:embed="rId7"/>
+              </a:ext>
+            </a:extLst>
+          </a:blip>
+          <a:stretch>
+            <a:fillRect/>
+          </a:stretch>
+        </p:blipFill>
+        <p:spPr>
+          <a:xfrm>
+            <a:off x="5268669" y="3323177"/>
+            <a:ext cx="914400" cy="914400"/>
+          </a:xfrm>
+          <a:prstGeom prst="rect">
+            <a:avLst/>
+          </a:prstGeom>
+        </p:spPr>
+      </p:pic>
+      <p:pic>
+        <p:nvPicPr>
+          <p:cNvPr id="10" name="Content Placeholder 4" descr="Database">
+            <a:extLst>
+              <a:ext uri="{FF2B5EF4-FFF2-40B4-BE49-F238E27FC236}">
+                <a16:creationId xmlns:a16="http://schemas.microsoft.com/office/drawing/2014/main" xmlns="" id="{87830537-D818-426E-BB07-CE058CC1D029}"/>
+              </a:ext>
+            </a:extLst>
+          </p:cNvPr>
+          <p:cNvPicPr>
+            <a:picLocks noChangeAspect="1"/>
+          </p:cNvPicPr>
+          <p:nvPr/>
+        </p:nvPicPr>
+        <p:blipFill>
+          <a:blip r:embed="rId2">
+            <a:extLst>
+              <a:ext uri="{96DAC541-7B7A-43D3-8B79-37D633B846F1}">
+                <asvg:svgBlip xmlns:asvg="http://schemas.microsoft.com/office/drawing/2016/SVG/main" xmlns="" r:embed="rId3"/>
+              </a:ext>
+            </a:extLst>
+          </a:blip>
+          <a:stretch>
+            <a:fillRect/>
+          </a:stretch>
+        </p:blipFill>
+        <p:spPr>
+          <a:xfrm>
+            <a:off x="5268669" y="4661657"/>
+            <a:ext cx="914400" cy="914400"/>
+          </a:xfrm>
+          <a:prstGeom prst="rect">
+            <a:avLst/>
+          </a:prstGeom>
+        </p:spPr>
+      </p:pic>
+      <p:cxnSp>
+        <p:nvCxnSpPr>
+          <p:cNvPr id="12" name="Straight Connector 11">
+            <a:extLst>
+              <a:ext uri="{FF2B5EF4-FFF2-40B4-BE49-F238E27FC236}">
+                <a16:creationId xmlns:a16="http://schemas.microsoft.com/office/drawing/2014/main" xmlns="" id="{B5C721F4-50D6-4534-AAD2-0AC59B3B5810}"/>
+              </a:ext>
+            </a:extLst>
+          </p:cNvPr>
+          <p:cNvCxnSpPr>
+            <a:stCxn id="5" idx="0"/>
+            <a:endCxn id="7" idx="2"/>
+          </p:cNvCxnSpPr>
+          <p:nvPr/>
+        </p:nvCxnSpPr>
+        <p:spPr>
+          <a:xfrm flipV="1">
+            <a:off x="2572156" y="4237577"/>
+            <a:ext cx="0" cy="535592"/>
+          </a:xfrm>
+          <a:prstGeom prst="line">
+            <a:avLst/>
+          </a:prstGeom>
+          <a:ln w="28575"/>
+        </p:spPr>
+        <p:style>
+          <a:lnRef idx="1">
+            <a:schemeClr val="dk1"/>
+          </a:lnRef>
+          <a:fillRef idx="0">
+            <a:schemeClr val="dk1"/>
+          </a:fillRef>
+          <a:effectRef idx="0">
+            <a:schemeClr val="dk1"/>
+          </a:effectRef>
+          <a:fontRef idx="minor">
+            <a:schemeClr val="tx1"/>
+          </a:fontRef>
+        </p:style>
+      </p:cxnSp>
+      <p:cxnSp>
+        <p:nvCxnSpPr>
+          <p:cNvPr id="16" name="Straight Connector 15">
+            <a:extLst>
+              <a:ext uri="{FF2B5EF4-FFF2-40B4-BE49-F238E27FC236}">
+                <a16:creationId xmlns:a16="http://schemas.microsoft.com/office/drawing/2014/main" xmlns="" id="{E980ADB6-24F0-4DEF-9800-876AD2BCB20C}"/>
+              </a:ext>
+            </a:extLst>
+          </p:cNvPr>
+          <p:cNvCxnSpPr>
+            <a:stCxn id="10" idx="0"/>
+            <a:endCxn id="9" idx="2"/>
+          </p:cNvCxnSpPr>
+          <p:nvPr/>
+        </p:nvCxnSpPr>
+        <p:spPr>
+          <a:xfrm flipV="1">
+            <a:off x="5725869" y="4237577"/>
+            <a:ext cx="0" cy="424080"/>
+          </a:xfrm>
+          <a:prstGeom prst="line">
+            <a:avLst/>
+          </a:prstGeom>
+          <a:ln w="25400"/>
+        </p:spPr>
+        <p:style>
+          <a:lnRef idx="1">
+            <a:schemeClr val="dk1"/>
+          </a:lnRef>
+          <a:fillRef idx="0">
+            <a:schemeClr val="dk1"/>
+          </a:fillRef>
+          <a:effectRef idx="0">
+            <a:schemeClr val="dk1"/>
+          </a:effectRef>
+          <a:fontRef idx="minor">
+            <a:schemeClr val="tx1"/>
+          </a:fontRef>
+        </p:style>
+      </p:cxnSp>
+      <p:pic>
+        <p:nvPicPr>
+          <p:cNvPr id="22" name="Graphic 21" descr="Transfer">
+            <a:extLst>
+              <a:ext uri="{FF2B5EF4-FFF2-40B4-BE49-F238E27FC236}">
+                <a16:creationId xmlns:a16="http://schemas.microsoft.com/office/drawing/2014/main" xmlns="" id="{5E3356BC-FA11-44C9-AA1D-6BF4CC97EA09}"/>
+              </a:ext>
+            </a:extLst>
+          </p:cNvPr>
+          <p:cNvPicPr>
+            <a:picLocks noChangeAspect="1"/>
+          </p:cNvPicPr>
+          <p:nvPr/>
+        </p:nvPicPr>
+        <p:blipFill>
+          <a:blip r:embed="rId8">
+            <a:extLst>
+              <a:ext uri="{96DAC541-7B7A-43D3-8B79-37D633B846F1}">
+                <asvg:svgBlip xmlns:asvg="http://schemas.microsoft.com/office/drawing/2016/SVG/main" xmlns="" r:embed="rId9"/>
+              </a:ext>
+            </a:extLst>
+          </a:blip>
+          <a:stretch>
+            <a:fillRect/>
+          </a:stretch>
+        </p:blipFill>
+        <p:spPr>
+          <a:xfrm>
+            <a:off x="3691812" y="3992417"/>
+            <a:ext cx="914400" cy="914400"/>
+          </a:xfrm>
+          <a:prstGeom prst="rect">
+            <a:avLst/>
+          </a:prstGeom>
+        </p:spPr>
+      </p:pic>
+      <p:sp>
+        <p:nvSpPr>
+          <p:cNvPr id="23" name="TextBox 22">
+            <a:extLst>
+              <a:ext uri="{FF2B5EF4-FFF2-40B4-BE49-F238E27FC236}">
+                <a16:creationId xmlns:a16="http://schemas.microsoft.com/office/drawing/2014/main" xmlns="" id="{DCB0E2E8-C877-4CFD-82C6-4F784D4DBF21}"/>
+              </a:ext>
+            </a:extLst>
+          </p:cNvPr>
+          <p:cNvSpPr txBox="1"/>
+          <p:nvPr/>
+        </p:nvSpPr>
+        <p:spPr>
+          <a:xfrm>
+            <a:off x="7501813" y="2370389"/>
+            <a:ext cx="4161453" cy="3139321"/>
+          </a:xfrm>
+          <a:prstGeom prst="rect">
+            <a:avLst/>
+          </a:prstGeom>
+          <a:noFill/>
+        </p:spPr>
+        <p:txBody>
+          <a:bodyPr wrap="square" rtlCol="0">
+            <a:spAutoFit/>
+          </a:bodyPr>
+          <a:lstStyle/>
+          <a:p>
+            <a:r>
+              <a:rPr lang="en-US" dirty="0"/>
+              <a:t>You will need to transfer the source code from your local computer to the login-node of the supercomputer. There are different methods to do so:</a:t>
+            </a:r>
+          </a:p>
+          <a:p>
+            <a:endParaRPr lang="en-US" dirty="0"/>
+          </a:p>
+          <a:p>
+            <a:pPr marL="800100" lvl="1" indent="-342900">
+              <a:buFont typeface="+mj-lt"/>
+              <a:buAutoNum type="arabicPeriod"/>
+            </a:pPr>
+            <a:r>
+              <a:rPr lang="en-US" dirty="0"/>
+              <a:t>Cloning a revision control repository.</a:t>
+            </a:r>
+          </a:p>
+          <a:p>
+            <a:pPr marL="800100" lvl="1" indent="-342900">
+              <a:buFont typeface="+mj-lt"/>
+              <a:buAutoNum type="arabicPeriod"/>
+            </a:pPr>
+            <a:r>
+              <a:rPr lang="en-US" dirty="0"/>
+              <a:t>Copying the files using ‘</a:t>
+            </a:r>
+            <a:r>
+              <a:rPr lang="en-US" dirty="0" err="1"/>
+              <a:t>scp</a:t>
+            </a:r>
+            <a:r>
+              <a:rPr lang="en-US" dirty="0"/>
+              <a:t>’.</a:t>
+            </a:r>
+          </a:p>
+          <a:p>
+            <a:pPr marL="800100" lvl="1" indent="-342900">
+              <a:buFont typeface="+mj-lt"/>
+              <a:buAutoNum type="arabicPeriod"/>
+            </a:pPr>
+            <a:r>
+              <a:rPr lang="en-US" dirty="0"/>
+              <a:t>Using </a:t>
+            </a:r>
+            <a:r>
+              <a:rPr lang="en-US" dirty="0" err="1"/>
+              <a:t>rsync</a:t>
+            </a:r>
+            <a:r>
+              <a:rPr lang="en-US" dirty="0"/>
+              <a:t> to transfer the files.</a:t>
+            </a:r>
+          </a:p>
+          <a:p>
+            <a:pPr marL="800100" lvl="1" indent="-342900">
+              <a:buFont typeface="+mj-lt"/>
+              <a:buAutoNum type="arabicPeriod"/>
+            </a:pPr>
+            <a:r>
+              <a:rPr lang="en-US" dirty="0"/>
+              <a:t>Using </a:t>
+            </a:r>
+            <a:r>
+              <a:rPr lang="en-US" dirty="0" err="1"/>
+              <a:t>globus</a:t>
+            </a:r>
+            <a:r>
+              <a:rPr lang="en-US" dirty="0"/>
+              <a:t> online to transfer the source code.	</a:t>
+            </a:r>
+          </a:p>
+        </p:txBody>
+      </p:sp>
+      <p:sp>
+        <p:nvSpPr>
+          <p:cNvPr id="24" name="TextBox 23">
+            <a:extLst>
+              <a:ext uri="{FF2B5EF4-FFF2-40B4-BE49-F238E27FC236}">
+                <a16:creationId xmlns:a16="http://schemas.microsoft.com/office/drawing/2014/main" xmlns="" id="{9818DE52-DD04-47F7-BCC1-B097FBD31411}"/>
+              </a:ext>
+            </a:extLst>
+          </p:cNvPr>
+          <p:cNvSpPr txBox="1"/>
+          <p:nvPr/>
+        </p:nvSpPr>
+        <p:spPr>
+          <a:xfrm>
+            <a:off x="1792936" y="2469964"/>
+            <a:ext cx="1558440" cy="369332"/>
+          </a:xfrm>
+          <a:prstGeom prst="rect">
+            <a:avLst/>
+          </a:prstGeom>
+          <a:noFill/>
+        </p:spPr>
+        <p:txBody>
+          <a:bodyPr wrap="none" rtlCol="0">
+            <a:spAutoFit/>
+          </a:bodyPr>
+          <a:lstStyle/>
+          <a:p>
+            <a:r>
+              <a:rPr lang="en-US" dirty="0"/>
+              <a:t>Local computer</a:t>
+            </a:r>
+          </a:p>
+        </p:txBody>
+      </p:sp>
+      <p:sp>
+        <p:nvSpPr>
+          <p:cNvPr id="25" name="TextBox 24">
+            <a:extLst>
+              <a:ext uri="{FF2B5EF4-FFF2-40B4-BE49-F238E27FC236}">
+                <a16:creationId xmlns:a16="http://schemas.microsoft.com/office/drawing/2014/main" xmlns="" id="{7268F622-250C-4DD2-97E9-E0586D10C92D}"/>
+              </a:ext>
+            </a:extLst>
+          </p:cNvPr>
+          <p:cNvSpPr txBox="1"/>
+          <p:nvPr/>
+        </p:nvSpPr>
+        <p:spPr>
+          <a:xfrm>
+            <a:off x="4945848" y="2431038"/>
+            <a:ext cx="1560042" cy="369332"/>
+          </a:xfrm>
+          <a:prstGeom prst="rect">
+            <a:avLst/>
+          </a:prstGeom>
+          <a:noFill/>
+        </p:spPr>
+        <p:txBody>
+          <a:bodyPr wrap="none" rtlCol="0">
+            <a:spAutoFit/>
+          </a:bodyPr>
+          <a:lstStyle/>
+          <a:p>
+            <a:r>
+              <a:rPr lang="en-US" dirty="0"/>
+              <a:t>Supercomputer</a:t>
+            </a:r>
+          </a:p>
+        </p:txBody>
+      </p:sp>
+    </p:spTree>
+    <p:extLst>
+      <p:ext uri="{BB962C8B-B14F-4D97-AF65-F5344CB8AC3E}">
+        <p14:creationId xmlns:p14="http://schemas.microsoft.com/office/powerpoint/2010/main" val="719135677"/>
+      </p:ext>
+    </p:extLst>
+  </p:cSld>
+  <p:clrMapOvr>
+    <a:masterClrMapping/>
+  </p:clrMapOvr>
+</p:sld>
+</file>
+
+<file path=ppt/slides/slide7.xml><?xml version="1.0" encoding="utf-8"?>
+<p:sld xmlns:a="http://schemas.openxmlformats.org/drawingml/2006/main" xmlns:r="http://schemas.openxmlformats.org/officeDocument/2006/relationships" xmlns:p="http://schemas.openxmlformats.org/presentationml/2006/main">
+  <p:cSld>
+    <p:spTree>
+      <p:nvGrpSpPr>
+        <p:cNvPr id="1" name=""/>
+        <p:cNvGrpSpPr/>
+        <p:nvPr/>
+      </p:nvGrpSpPr>
+      <p:grpSpPr>
+        <a:xfrm>
+          <a:off x="0" y="0"/>
+          <a:ext cx="0" cy="0"/>
+          <a:chOff x="0" y="0"/>
+          <a:chExt cx="0" cy="0"/>
+        </a:xfrm>
+      </p:grpSpPr>
+      <p:sp>
+        <p:nvSpPr>
+          <p:cNvPr id="2" name="Title 1">
+            <a:extLst>
+              <a:ext uri="{FF2B5EF4-FFF2-40B4-BE49-F238E27FC236}">
+                <a16:creationId xmlns:a16="http://schemas.microsoft.com/office/drawing/2014/main" xmlns="" id="{F24F037D-7D22-479A-ADC3-040CAFCF50C2}"/>
+              </a:ext>
+            </a:extLst>
+          </p:cNvPr>
+          <p:cNvSpPr>
+            <a:spLocks noGrp="1"/>
+          </p:cNvSpPr>
+          <p:nvPr>
+            <p:ph type="title"/>
+          </p:nvPr>
+        </p:nvSpPr>
+        <p:spPr/>
+        <p:txBody>
+          <a:bodyPr/>
+          <a:lstStyle/>
+          <a:p>
+            <a:r>
+              <a:rPr lang="en-US" dirty="0"/>
+              <a:t>TRANSFERING code TO your local computer FROM the supercomputer</a:t>
+            </a:r>
+          </a:p>
+        </p:txBody>
+      </p:sp>
+      <p:pic>
+        <p:nvPicPr>
+          <p:cNvPr id="5" name="Content Placeholder 4" descr="Database">
+            <a:extLst>
+              <a:ext uri="{FF2B5EF4-FFF2-40B4-BE49-F238E27FC236}">
+                <a16:creationId xmlns:a16="http://schemas.microsoft.com/office/drawing/2014/main" xmlns="" id="{810DE54E-2F01-46FB-BF78-FF8BC87969CC}"/>
+              </a:ext>
+            </a:extLst>
+          </p:cNvPr>
+          <p:cNvPicPr>
+            <a:picLocks noGrp="1" noChangeAspect="1"/>
+          </p:cNvPicPr>
+          <p:nvPr>
+            <p:ph idx="1"/>
+          </p:nvPr>
+        </p:nvPicPr>
+        <p:blipFill>
+          <a:blip r:embed="rId2">
+            <a:extLst>
+              <a:ext uri="{96DAC541-7B7A-43D3-8B79-37D633B846F1}">
+                <asvg:svgBlip xmlns:asvg="http://schemas.microsoft.com/office/drawing/2016/SVG/main" xmlns="" r:embed="rId3"/>
+              </a:ext>
+            </a:extLst>
+          </a:blip>
+          <a:stretch>
+            <a:fillRect/>
+          </a:stretch>
+        </p:blipFill>
+        <p:spPr>
+          <a:xfrm>
+            <a:off x="2114956" y="4773169"/>
+            <a:ext cx="914400" cy="914400"/>
+          </a:xfrm>
+        </p:spPr>
+      </p:pic>
+      <p:pic>
+        <p:nvPicPr>
+          <p:cNvPr id="7" name="Graphic 6" descr="Computer">
+            <a:extLst>
+              <a:ext uri="{FF2B5EF4-FFF2-40B4-BE49-F238E27FC236}">
+                <a16:creationId xmlns:a16="http://schemas.microsoft.com/office/drawing/2014/main" xmlns="" id="{CB146379-DE3A-4F99-8E8B-F6A9E3E4FF51}"/>
+              </a:ext>
+            </a:extLst>
+          </p:cNvPr>
+          <p:cNvPicPr>
+            <a:picLocks noChangeAspect="1"/>
+          </p:cNvPicPr>
+          <p:nvPr/>
+        </p:nvPicPr>
+        <p:blipFill>
+          <a:blip r:embed="rId4">
+            <a:extLst>
+              <a:ext uri="{96DAC541-7B7A-43D3-8B79-37D633B846F1}">
+                <asvg:svgBlip xmlns:asvg="http://schemas.microsoft.com/office/drawing/2016/SVG/main" xmlns="" r:embed="rId5"/>
+              </a:ext>
+            </a:extLst>
+          </a:blip>
+          <a:stretch>
+            <a:fillRect/>
+          </a:stretch>
+        </p:blipFill>
+        <p:spPr>
+          <a:xfrm>
+            <a:off x="2114956" y="3323177"/>
+            <a:ext cx="914400" cy="914400"/>
+          </a:xfrm>
+          <a:prstGeom prst="rect">
+            <a:avLst/>
+          </a:prstGeom>
+        </p:spPr>
+      </p:pic>
+      <p:pic>
+        <p:nvPicPr>
+          <p:cNvPr id="9" name="Graphic 8" descr="Server">
+            <a:extLst>
+              <a:ext uri="{FF2B5EF4-FFF2-40B4-BE49-F238E27FC236}">
+                <a16:creationId xmlns:a16="http://schemas.microsoft.com/office/drawing/2014/main" xmlns="" id="{35A58F10-B4CB-4D45-8EC0-AF26BE8C304C}"/>
+              </a:ext>
+            </a:extLst>
+          </p:cNvPr>
+          <p:cNvPicPr>
+            <a:picLocks noChangeAspect="1"/>
+          </p:cNvPicPr>
+          <p:nvPr/>
+        </p:nvPicPr>
+        <p:blipFill>
+          <a:blip r:embed="rId6">
+            <a:extLst>
+              <a:ext uri="{96DAC541-7B7A-43D3-8B79-37D633B846F1}">
+                <asvg:svgBlip xmlns:asvg="http://schemas.microsoft.com/office/drawing/2016/SVG/main" xmlns="" r:embed="rId7"/>
+              </a:ext>
+            </a:extLst>
+          </a:blip>
+          <a:stretch>
+            <a:fillRect/>
+          </a:stretch>
+        </p:blipFill>
+        <p:spPr>
+          <a:xfrm>
+            <a:off x="5268669" y="3323177"/>
+            <a:ext cx="914400" cy="914400"/>
+          </a:xfrm>
+          <a:prstGeom prst="rect">
+            <a:avLst/>
+          </a:prstGeom>
+        </p:spPr>
+      </p:pic>
+      <p:pic>
+        <p:nvPicPr>
+          <p:cNvPr id="10" name="Content Placeholder 4" descr="Database">
+            <a:extLst>
+              <a:ext uri="{FF2B5EF4-FFF2-40B4-BE49-F238E27FC236}">
+                <a16:creationId xmlns:a16="http://schemas.microsoft.com/office/drawing/2014/main" xmlns="" id="{87830537-D818-426E-BB07-CE058CC1D029}"/>
+              </a:ext>
+            </a:extLst>
+          </p:cNvPr>
+          <p:cNvPicPr>
+            <a:picLocks noChangeAspect="1"/>
+          </p:cNvPicPr>
+          <p:nvPr/>
+        </p:nvPicPr>
+        <p:blipFill>
+          <a:blip r:embed="rId2">
+            <a:extLst>
+              <a:ext uri="{96DAC541-7B7A-43D3-8B79-37D633B846F1}">
+                <asvg:svgBlip xmlns:asvg="http://schemas.microsoft.com/office/drawing/2016/SVG/main" xmlns="" r:embed="rId3"/>
+              </a:ext>
+            </a:extLst>
+          </a:blip>
+          <a:stretch>
+            <a:fillRect/>
+          </a:stretch>
+        </p:blipFill>
+        <p:spPr>
+          <a:xfrm>
+            <a:off x="5268669" y="4661657"/>
+            <a:ext cx="914400" cy="914400"/>
+          </a:xfrm>
+          <a:prstGeom prst="rect">
+            <a:avLst/>
+          </a:prstGeom>
+        </p:spPr>
+      </p:pic>
+      <p:cxnSp>
+        <p:nvCxnSpPr>
+          <p:cNvPr id="12" name="Straight Connector 11">
+            <a:extLst>
+              <a:ext uri="{FF2B5EF4-FFF2-40B4-BE49-F238E27FC236}">
+                <a16:creationId xmlns:a16="http://schemas.microsoft.com/office/drawing/2014/main" xmlns="" id="{B5C721F4-50D6-4534-AAD2-0AC59B3B5810}"/>
+              </a:ext>
+            </a:extLst>
+          </p:cNvPr>
+          <p:cNvCxnSpPr>
+            <a:stCxn id="5" idx="0"/>
+            <a:endCxn id="7" idx="2"/>
+          </p:cNvCxnSpPr>
+          <p:nvPr/>
+        </p:nvCxnSpPr>
+        <p:spPr>
+          <a:xfrm flipV="1">
+            <a:off x="2572156" y="4237577"/>
+            <a:ext cx="0" cy="535592"/>
+          </a:xfrm>
+          <a:prstGeom prst="line">
+            <a:avLst/>
+          </a:prstGeom>
+          <a:ln w="28575"/>
+        </p:spPr>
+        <p:style>
+          <a:lnRef idx="1">
+            <a:schemeClr val="dk1"/>
+          </a:lnRef>
+          <a:fillRef idx="0">
+            <a:schemeClr val="dk1"/>
+          </a:fillRef>
+          <a:effectRef idx="0">
+            <a:schemeClr val="dk1"/>
+          </a:effectRef>
+          <a:fontRef idx="minor">
+            <a:schemeClr val="tx1"/>
+          </a:fontRef>
+        </p:style>
+      </p:cxnSp>
+      <p:cxnSp>
+        <p:nvCxnSpPr>
+          <p:cNvPr id="16" name="Straight Connector 15">
+            <a:extLst>
+              <a:ext uri="{FF2B5EF4-FFF2-40B4-BE49-F238E27FC236}">
+                <a16:creationId xmlns:a16="http://schemas.microsoft.com/office/drawing/2014/main" xmlns="" id="{E980ADB6-24F0-4DEF-9800-876AD2BCB20C}"/>
+              </a:ext>
+            </a:extLst>
+          </p:cNvPr>
+          <p:cNvCxnSpPr>
+            <a:stCxn id="10" idx="0"/>
+            <a:endCxn id="9" idx="2"/>
+          </p:cNvCxnSpPr>
+          <p:nvPr/>
+        </p:nvCxnSpPr>
+        <p:spPr>
+          <a:xfrm flipV="1">
+            <a:off x="5725869" y="4237577"/>
+            <a:ext cx="0" cy="424080"/>
+          </a:xfrm>
+          <a:prstGeom prst="line">
+            <a:avLst/>
+          </a:prstGeom>
+          <a:ln w="25400"/>
+        </p:spPr>
+        <p:style>
+          <a:lnRef idx="1">
+            <a:schemeClr val="dk1"/>
+          </a:lnRef>
+          <a:fillRef idx="0">
+            <a:schemeClr val="dk1"/>
+          </a:fillRef>
+          <a:effectRef idx="0">
+            <a:schemeClr val="dk1"/>
+          </a:effectRef>
+          <a:fontRef idx="minor">
+            <a:schemeClr val="tx1"/>
+          </a:fontRef>
+        </p:style>
+      </p:cxnSp>
+      <p:pic>
+        <p:nvPicPr>
+          <p:cNvPr id="22" name="Graphic 21" descr="Transfer">
+            <a:extLst>
+              <a:ext uri="{FF2B5EF4-FFF2-40B4-BE49-F238E27FC236}">
+                <a16:creationId xmlns:a16="http://schemas.microsoft.com/office/drawing/2014/main" xmlns="" id="{5E3356BC-FA11-44C9-AA1D-6BF4CC97EA09}"/>
+              </a:ext>
+            </a:extLst>
+          </p:cNvPr>
+          <p:cNvPicPr>
+            <a:picLocks noChangeAspect="1"/>
+          </p:cNvPicPr>
+          <p:nvPr/>
+        </p:nvPicPr>
+        <p:blipFill>
+          <a:blip r:embed="rId8">
+            <a:extLst>
+              <a:ext uri="{96DAC541-7B7A-43D3-8B79-37D633B846F1}">
+                <asvg:svgBlip xmlns:asvg="http://schemas.microsoft.com/office/drawing/2016/SVG/main" xmlns="" r:embed="rId9"/>
+              </a:ext>
+            </a:extLst>
+          </a:blip>
+          <a:stretch>
+            <a:fillRect/>
+          </a:stretch>
+        </p:blipFill>
+        <p:spPr>
+          <a:xfrm>
+            <a:off x="3691812" y="3992417"/>
+            <a:ext cx="914400" cy="914400"/>
+          </a:xfrm>
+          <a:prstGeom prst="rect">
+            <a:avLst/>
+          </a:prstGeom>
+        </p:spPr>
+      </p:pic>
+      <p:sp>
+        <p:nvSpPr>
+          <p:cNvPr id="23" name="TextBox 22">
+            <a:extLst>
+              <a:ext uri="{FF2B5EF4-FFF2-40B4-BE49-F238E27FC236}">
+                <a16:creationId xmlns:a16="http://schemas.microsoft.com/office/drawing/2014/main" xmlns="" id="{DCB0E2E8-C877-4CFD-82C6-4F784D4DBF21}"/>
+              </a:ext>
+            </a:extLst>
+          </p:cNvPr>
+          <p:cNvSpPr txBox="1"/>
+          <p:nvPr/>
+        </p:nvSpPr>
+        <p:spPr>
+          <a:xfrm>
+            <a:off x="7501813" y="2370389"/>
+            <a:ext cx="4571998" cy="3416320"/>
+          </a:xfrm>
+          <a:prstGeom prst="rect">
+            <a:avLst/>
+          </a:prstGeom>
+          <a:noFill/>
+        </p:spPr>
+        <p:txBody>
+          <a:bodyPr wrap="square" rtlCol="0">
+            <a:spAutoFit/>
+          </a:bodyPr>
+          <a:lstStyle/>
+          <a:p>
+            <a:r>
+              <a:rPr lang="en-US" dirty="0"/>
+              <a:t>You may do changes to your code, so it performs well on the supercomputer. Therefore, you may want to transfer your new source code from the supercomputer to your local machine. The methods are:</a:t>
+            </a:r>
+          </a:p>
+          <a:p>
+            <a:endParaRPr lang="en-US" dirty="0"/>
+          </a:p>
+          <a:p>
+            <a:pPr marL="800100" lvl="1" indent="-342900">
+              <a:buFont typeface="+mj-lt"/>
+              <a:buAutoNum type="arabicPeriod"/>
+            </a:pPr>
+            <a:r>
+              <a:rPr lang="en-US" b="1" dirty="0"/>
+              <a:t>Committing to a subversion control repository.</a:t>
+            </a:r>
+          </a:p>
+          <a:p>
+            <a:pPr marL="800100" lvl="1" indent="-342900">
+              <a:buFont typeface="+mj-lt"/>
+              <a:buAutoNum type="arabicPeriod"/>
+            </a:pPr>
+            <a:r>
+              <a:rPr lang="en-US" dirty="0"/>
+              <a:t>Copying the files using ‘</a:t>
+            </a:r>
+            <a:r>
+              <a:rPr lang="en-US" dirty="0" err="1"/>
+              <a:t>scp</a:t>
+            </a:r>
+            <a:r>
+              <a:rPr lang="en-US" dirty="0"/>
+              <a:t>’.</a:t>
+            </a:r>
+          </a:p>
+          <a:p>
+            <a:pPr marL="800100" lvl="1" indent="-342900">
+              <a:buFont typeface="+mj-lt"/>
+              <a:buAutoNum type="arabicPeriod"/>
+            </a:pPr>
+            <a:r>
+              <a:rPr lang="en-US" dirty="0"/>
+              <a:t>Using ‘</a:t>
+            </a:r>
+            <a:r>
+              <a:rPr lang="en-US" dirty="0" err="1"/>
+              <a:t>rsync</a:t>
+            </a:r>
+            <a:r>
+              <a:rPr lang="en-US" dirty="0"/>
+              <a:t>’ to transfer the files.</a:t>
+            </a:r>
+          </a:p>
+          <a:p>
+            <a:pPr marL="800100" lvl="1" indent="-342900">
+              <a:buFont typeface="+mj-lt"/>
+              <a:buAutoNum type="arabicPeriod"/>
+            </a:pPr>
+            <a:r>
+              <a:rPr lang="en-US" dirty="0"/>
+              <a:t>Using ‘</a:t>
+            </a:r>
+            <a:r>
+              <a:rPr lang="en-US" dirty="0" err="1"/>
+              <a:t>globusonline</a:t>
+            </a:r>
+            <a:r>
+              <a:rPr lang="en-US" dirty="0"/>
+              <a:t>’ to transfer the source code.	</a:t>
+            </a:r>
+          </a:p>
+        </p:txBody>
+      </p:sp>
+      <p:sp>
+        <p:nvSpPr>
+          <p:cNvPr id="24" name="TextBox 23">
+            <a:extLst>
+              <a:ext uri="{FF2B5EF4-FFF2-40B4-BE49-F238E27FC236}">
+                <a16:creationId xmlns:a16="http://schemas.microsoft.com/office/drawing/2014/main" xmlns="" id="{9818DE52-DD04-47F7-BCC1-B097FBD31411}"/>
+              </a:ext>
+            </a:extLst>
+          </p:cNvPr>
+          <p:cNvSpPr txBox="1"/>
+          <p:nvPr/>
+        </p:nvSpPr>
+        <p:spPr>
+          <a:xfrm>
+            <a:off x="1792936" y="2469964"/>
+            <a:ext cx="1558440" cy="369332"/>
+          </a:xfrm>
+          <a:prstGeom prst="rect">
+            <a:avLst/>
+          </a:prstGeom>
+          <a:noFill/>
+        </p:spPr>
+        <p:txBody>
+          <a:bodyPr wrap="none" rtlCol="0">
+            <a:spAutoFit/>
+          </a:bodyPr>
+          <a:lstStyle/>
+          <a:p>
+            <a:r>
+              <a:rPr lang="en-US" dirty="0"/>
+              <a:t>Local computer</a:t>
+            </a:r>
+          </a:p>
+        </p:txBody>
+      </p:sp>
+      <p:sp>
+        <p:nvSpPr>
+          <p:cNvPr id="25" name="TextBox 24">
+            <a:extLst>
+              <a:ext uri="{FF2B5EF4-FFF2-40B4-BE49-F238E27FC236}">
+                <a16:creationId xmlns:a16="http://schemas.microsoft.com/office/drawing/2014/main" xmlns="" id="{7268F622-250C-4DD2-97E9-E0586D10C92D}"/>
+              </a:ext>
+            </a:extLst>
+          </p:cNvPr>
+          <p:cNvSpPr txBox="1"/>
+          <p:nvPr/>
+        </p:nvSpPr>
+        <p:spPr>
+          <a:xfrm>
+            <a:off x="4945848" y="2431038"/>
+            <a:ext cx="1560042" cy="369332"/>
+          </a:xfrm>
+          <a:prstGeom prst="rect">
+            <a:avLst/>
+          </a:prstGeom>
+          <a:noFill/>
+        </p:spPr>
+        <p:txBody>
+          <a:bodyPr wrap="none" rtlCol="0">
+            <a:spAutoFit/>
+          </a:bodyPr>
+          <a:lstStyle/>
+          <a:p>
+            <a:r>
+              <a:rPr lang="en-US" dirty="0"/>
+              <a:t>Supercomputer</a:t>
+            </a:r>
+          </a:p>
+        </p:txBody>
+      </p:sp>
+      <p:sp>
+        <p:nvSpPr>
+          <p:cNvPr id="3" name="TextBox 2">
+            <a:extLst>
+              <a:ext uri="{FF2B5EF4-FFF2-40B4-BE49-F238E27FC236}">
+                <a16:creationId xmlns:a16="http://schemas.microsoft.com/office/drawing/2014/main" xmlns="" id="{B01756E5-E8CE-4951-A481-5CDBB9408229}"/>
+              </a:ext>
+            </a:extLst>
+          </p:cNvPr>
+          <p:cNvSpPr txBox="1"/>
+          <p:nvPr/>
+        </p:nvSpPr>
+        <p:spPr>
+          <a:xfrm>
+            <a:off x="1298704" y="5848675"/>
+            <a:ext cx="9594592" cy="646331"/>
+          </a:xfrm>
+          <a:prstGeom prst="rect">
+            <a:avLst/>
+          </a:prstGeom>
+          <a:noFill/>
+        </p:spPr>
+        <p:txBody>
+          <a:bodyPr wrap="square" rtlCol="0">
+            <a:spAutoFit/>
+          </a:bodyPr>
+          <a:lstStyle/>
+          <a:p>
+            <a:r>
+              <a:rPr lang="en-US" dirty="0"/>
+              <a:t>In general it is a good practice to use a revision control system as you can create  a branch for each new supercomputer that you develop for and then merge the changes to the main code repository.</a:t>
+            </a:r>
+          </a:p>
+        </p:txBody>
+      </p:sp>
+    </p:spTree>
+    <p:extLst>
+      <p:ext uri="{BB962C8B-B14F-4D97-AF65-F5344CB8AC3E}">
+        <p14:creationId xmlns:p14="http://schemas.microsoft.com/office/powerpoint/2010/main" val="1784835325"/>
+      </p:ext>
+    </p:extLst>
+  </p:cSld>
+  <p:clrMapOvr>
+    <a:masterClrMapping/>
+  </p:clrMapOvr>
+</p:sld>
+</file>
+
+<file path=ppt/slides/slide8.xml><?xml version="1.0" encoding="utf-8"?>
+<p:sld xmlns:a="http://schemas.openxmlformats.org/drawingml/2006/main" xmlns:r="http://schemas.openxmlformats.org/officeDocument/2006/relationships" xmlns:p="http://schemas.openxmlformats.org/presentationml/2006/main">
+  <p:cSld>
+    <p:spTree>
+      <p:nvGrpSpPr>
+        <p:cNvPr id="1" name=""/>
+        <p:cNvGrpSpPr/>
+        <p:nvPr/>
+      </p:nvGrpSpPr>
+      <p:grpSpPr>
+        <a:xfrm>
+          <a:off x="0" y="0"/>
+          <a:ext cx="0" cy="0"/>
+          <a:chOff x="0" y="0"/>
+          <a:chExt cx="0" cy="0"/>
+        </a:xfrm>
+      </p:grpSpPr>
+      <p:sp>
+        <p:nvSpPr>
+          <p:cNvPr id="2" name="Title 1">
+            <a:extLst>
+              <a:ext uri="{FF2B5EF4-FFF2-40B4-BE49-F238E27FC236}">
+                <a16:creationId xmlns:a16="http://schemas.microsoft.com/office/drawing/2014/main" xmlns="" id="{F24F037D-7D22-479A-ADC3-040CAFCF50C2}"/>
+              </a:ext>
+            </a:extLst>
+          </p:cNvPr>
+          <p:cNvSpPr>
+            <a:spLocks noGrp="1"/>
+          </p:cNvSpPr>
+          <p:nvPr>
+            <p:ph type="title"/>
+          </p:nvPr>
+        </p:nvSpPr>
+        <p:spPr/>
+        <p:txBody>
+          <a:bodyPr/>
+          <a:lstStyle/>
+          <a:p>
+            <a:r>
+              <a:rPr lang="en-US" dirty="0"/>
+              <a:t>Connecting a local computer to a supercomputer</a:t>
+            </a:r>
+          </a:p>
+        </p:txBody>
+      </p:sp>
+      <p:pic>
+        <p:nvPicPr>
+          <p:cNvPr id="7" name="Graphic 6" descr="Computer">
+            <a:extLst>
+              <a:ext uri="{FF2B5EF4-FFF2-40B4-BE49-F238E27FC236}">
+                <a16:creationId xmlns:a16="http://schemas.microsoft.com/office/drawing/2014/main" xmlns="" id="{CB146379-DE3A-4F99-8E8B-F6A9E3E4FF51}"/>
+              </a:ext>
+            </a:extLst>
+          </p:cNvPr>
+          <p:cNvPicPr>
+            <a:picLocks noChangeAspect="1"/>
+          </p:cNvPicPr>
+          <p:nvPr/>
+        </p:nvPicPr>
+        <p:blipFill>
+          <a:blip r:embed="rId2">
+            <a:extLst>
+              <a:ext uri="{96DAC541-7B7A-43D3-8B79-37D633B846F1}">
+                <asvg:svgBlip xmlns:asvg="http://schemas.microsoft.com/office/drawing/2016/SVG/main" xmlns="" r:embed="rId3"/>
+              </a:ext>
+            </a:extLst>
+          </a:blip>
+          <a:stretch>
+            <a:fillRect/>
+          </a:stretch>
+        </p:blipFill>
+        <p:spPr>
+          <a:xfrm>
+            <a:off x="603397" y="2976971"/>
+            <a:ext cx="914400" cy="914400"/>
+          </a:xfrm>
+          <a:prstGeom prst="rect">
+            <a:avLst/>
+          </a:prstGeom>
+        </p:spPr>
+      </p:pic>
+      <p:pic>
+        <p:nvPicPr>
+          <p:cNvPr id="9" name="Graphic 8" descr="Server">
+            <a:extLst>
+              <a:ext uri="{FF2B5EF4-FFF2-40B4-BE49-F238E27FC236}">
+                <a16:creationId xmlns:a16="http://schemas.microsoft.com/office/drawing/2014/main" xmlns="" id="{35A58F10-B4CB-4D45-8EC0-AF26BE8C304C}"/>
+              </a:ext>
+            </a:extLst>
+          </p:cNvPr>
+          <p:cNvPicPr>
+            <a:picLocks noChangeAspect="1"/>
+          </p:cNvPicPr>
+          <p:nvPr/>
+        </p:nvPicPr>
+        <p:blipFill>
+          <a:blip r:embed="rId4">
+            <a:extLst>
+              <a:ext uri="{96DAC541-7B7A-43D3-8B79-37D633B846F1}">
+                <asvg:svgBlip xmlns:asvg="http://schemas.microsoft.com/office/drawing/2016/SVG/main" xmlns="" r:embed="rId5"/>
+              </a:ext>
+            </a:extLst>
+          </a:blip>
+          <a:stretch>
+            <a:fillRect/>
+          </a:stretch>
+        </p:blipFill>
+        <p:spPr>
+          <a:xfrm>
+            <a:off x="3757110" y="2976971"/>
+            <a:ext cx="914400" cy="914400"/>
+          </a:xfrm>
+          <a:prstGeom prst="rect">
+            <a:avLst/>
+          </a:prstGeom>
+        </p:spPr>
+      </p:pic>
+      <p:pic>
+        <p:nvPicPr>
+          <p:cNvPr id="22" name="Graphic 21" descr="Transfer">
+            <a:extLst>
+              <a:ext uri="{FF2B5EF4-FFF2-40B4-BE49-F238E27FC236}">
+                <a16:creationId xmlns:a16="http://schemas.microsoft.com/office/drawing/2014/main" xmlns="" id="{5E3356BC-FA11-44C9-AA1D-6BF4CC97EA09}"/>
+              </a:ext>
+            </a:extLst>
+          </p:cNvPr>
+          <p:cNvPicPr>
+            <a:picLocks noChangeAspect="1"/>
+          </p:cNvPicPr>
+          <p:nvPr/>
+        </p:nvPicPr>
+        <p:blipFill>
+          <a:blip r:embed="rId6">
+            <a:extLst>
+              <a:ext uri="{96DAC541-7B7A-43D3-8B79-37D633B846F1}">
+                <asvg:svgBlip xmlns:asvg="http://schemas.microsoft.com/office/drawing/2016/SVG/main" xmlns="" r:embed="rId7"/>
+              </a:ext>
+            </a:extLst>
+          </a:blip>
+          <a:stretch>
+            <a:fillRect/>
+          </a:stretch>
+        </p:blipFill>
+        <p:spPr>
+          <a:xfrm>
+            <a:off x="2180253" y="2976971"/>
+            <a:ext cx="914400" cy="914400"/>
+          </a:xfrm>
+          <a:prstGeom prst="rect">
+            <a:avLst/>
+          </a:prstGeom>
+        </p:spPr>
+      </p:pic>
+      <p:sp>
+        <p:nvSpPr>
+          <p:cNvPr id="24" name="TextBox 23">
+            <a:extLst>
+              <a:ext uri="{FF2B5EF4-FFF2-40B4-BE49-F238E27FC236}">
+                <a16:creationId xmlns:a16="http://schemas.microsoft.com/office/drawing/2014/main" xmlns="" id="{9818DE52-DD04-47F7-BCC1-B097FBD31411}"/>
+              </a:ext>
+            </a:extLst>
+          </p:cNvPr>
+          <p:cNvSpPr txBox="1"/>
+          <p:nvPr/>
+        </p:nvSpPr>
+        <p:spPr>
+          <a:xfrm>
+            <a:off x="281377" y="2123758"/>
+            <a:ext cx="1558440" cy="369332"/>
+          </a:xfrm>
+          <a:prstGeom prst="rect">
+            <a:avLst/>
+          </a:prstGeom>
+          <a:noFill/>
+        </p:spPr>
+        <p:txBody>
+          <a:bodyPr wrap="none" rtlCol="0">
+            <a:spAutoFit/>
+          </a:bodyPr>
+          <a:lstStyle/>
+          <a:p>
+            <a:r>
+              <a:rPr lang="en-US" dirty="0"/>
+              <a:t>Local computer</a:t>
+            </a:r>
+          </a:p>
+        </p:txBody>
+      </p:sp>
+      <p:sp>
+        <p:nvSpPr>
+          <p:cNvPr id="25" name="TextBox 24">
+            <a:extLst>
+              <a:ext uri="{FF2B5EF4-FFF2-40B4-BE49-F238E27FC236}">
+                <a16:creationId xmlns:a16="http://schemas.microsoft.com/office/drawing/2014/main" xmlns="" id="{7268F622-250C-4DD2-97E9-E0586D10C92D}"/>
+              </a:ext>
+            </a:extLst>
+          </p:cNvPr>
+          <p:cNvSpPr txBox="1"/>
+          <p:nvPr/>
+        </p:nvSpPr>
+        <p:spPr>
+          <a:xfrm>
+            <a:off x="3434289" y="2084832"/>
+            <a:ext cx="1560042" cy="369332"/>
+          </a:xfrm>
+          <a:prstGeom prst="rect">
+            <a:avLst/>
+          </a:prstGeom>
+          <a:noFill/>
+        </p:spPr>
+        <p:txBody>
+          <a:bodyPr wrap="none" rtlCol="0">
+            <a:spAutoFit/>
+          </a:bodyPr>
+          <a:lstStyle/>
+          <a:p>
+            <a:r>
+              <a:rPr lang="en-US" dirty="0"/>
+              <a:t>Supercomputer</a:t>
+            </a:r>
+          </a:p>
+        </p:txBody>
+      </p:sp>
+      <p:sp>
+        <p:nvSpPr>
+          <p:cNvPr id="8" name="TextBox 7">
+            <a:extLst>
+              <a:ext uri="{FF2B5EF4-FFF2-40B4-BE49-F238E27FC236}">
+                <a16:creationId xmlns:a16="http://schemas.microsoft.com/office/drawing/2014/main" xmlns="" id="{3F94FB85-0477-4DDC-8412-EBA83FF67868}"/>
+              </a:ext>
+            </a:extLst>
+          </p:cNvPr>
+          <p:cNvSpPr txBox="1"/>
+          <p:nvPr/>
+        </p:nvSpPr>
+        <p:spPr>
+          <a:xfrm>
+            <a:off x="6344817" y="1654778"/>
+            <a:ext cx="5243804" cy="1754326"/>
+          </a:xfrm>
+          <a:prstGeom prst="rect">
+            <a:avLst/>
+          </a:prstGeom>
+          <a:noFill/>
+        </p:spPr>
+        <p:txBody>
+          <a:bodyPr wrap="square" rtlCol="0">
+            <a:spAutoFit/>
+          </a:bodyPr>
+          <a:lstStyle/>
+          <a:p>
+            <a:r>
+              <a:rPr lang="en-US" dirty="0"/>
+              <a:t>In order to compile and run your source code you will need to gain access to the supercomputer. Typically a set of nodes called </a:t>
+            </a:r>
+            <a:r>
+              <a:rPr lang="en-US" i="1" dirty="0"/>
+              <a:t>login-nodes</a:t>
+            </a:r>
+            <a:r>
+              <a:rPr lang="en-US" dirty="0"/>
+              <a:t> serve the users interactively. The typical connection method is using secure shell (</a:t>
+            </a:r>
+            <a:r>
+              <a:rPr lang="en-US" dirty="0" err="1"/>
+              <a:t>ssh</a:t>
+            </a:r>
+            <a:r>
+              <a:rPr lang="en-US" dirty="0"/>
+              <a:t>). Once in the login node you will be presented with a terminal (e.g., bash, </a:t>
+            </a:r>
+            <a:r>
+              <a:rPr lang="en-US" dirty="0" err="1"/>
+              <a:t>tcsh</a:t>
+            </a:r>
+            <a:r>
+              <a:rPr lang="en-US" dirty="0"/>
+              <a:t>, </a:t>
+            </a:r>
+            <a:r>
+              <a:rPr lang="en-US" dirty="0" err="1"/>
+              <a:t>etc</a:t>
+            </a:r>
+            <a:r>
+              <a:rPr lang="en-US" dirty="0"/>
+              <a:t>) </a:t>
+            </a:r>
+          </a:p>
+        </p:txBody>
+      </p:sp>
+      <p:sp>
+        <p:nvSpPr>
+          <p:cNvPr id="11" name="TextBox 10">
+            <a:extLst>
+              <a:ext uri="{FF2B5EF4-FFF2-40B4-BE49-F238E27FC236}">
+                <a16:creationId xmlns:a16="http://schemas.microsoft.com/office/drawing/2014/main" xmlns="" id="{A83B449A-0BC2-46C8-9539-02644646732E}"/>
+              </a:ext>
+            </a:extLst>
+          </p:cNvPr>
+          <p:cNvSpPr txBox="1"/>
+          <p:nvPr/>
+        </p:nvSpPr>
+        <p:spPr>
+          <a:xfrm>
+            <a:off x="1839818" y="4216177"/>
+            <a:ext cx="8510566" cy="1477328"/>
+          </a:xfrm>
+          <a:prstGeom prst="rect">
+            <a:avLst/>
+          </a:prstGeom>
+          <a:noFill/>
+        </p:spPr>
+        <p:txBody>
+          <a:bodyPr wrap="square" rtlCol="0">
+            <a:spAutoFit/>
+          </a:bodyPr>
+          <a:lstStyle/>
+          <a:p>
+            <a:r>
+              <a:rPr lang="en-US" dirty="0"/>
+              <a:t>To connect to the supercomputer you will need a username and password. You will also be assigned a one-time password (OTP). The OTP is a sequence of numbers and characters that change in time which prevents access to your account if someone steals your password. The OTP can be delivered either using a physical key fob, or a virtual app in your smart phone. </a:t>
+            </a:r>
+          </a:p>
+        </p:txBody>
+      </p:sp>
+      <p:pic>
+        <p:nvPicPr>
+          <p:cNvPr id="14" name="Graphic 13" descr="Key">
+            <a:extLst>
+              <a:ext uri="{FF2B5EF4-FFF2-40B4-BE49-F238E27FC236}">
+                <a16:creationId xmlns:a16="http://schemas.microsoft.com/office/drawing/2014/main" xmlns="" id="{3BC8A0B3-2799-40B6-B1F5-C80F1FB98878}"/>
+              </a:ext>
+            </a:extLst>
+          </p:cNvPr>
+          <p:cNvPicPr>
+            <a:picLocks noChangeAspect="1"/>
+          </p:cNvPicPr>
+          <p:nvPr/>
+        </p:nvPicPr>
+        <p:blipFill>
+          <a:blip r:embed="rId8">
+            <a:extLst>
+              <a:ext uri="{96DAC541-7B7A-43D3-8B79-37D633B846F1}">
+                <asvg:svgBlip xmlns:asvg="http://schemas.microsoft.com/office/drawing/2016/SVG/main" xmlns="" r:embed="rId9"/>
+              </a:ext>
+            </a:extLst>
+          </a:blip>
+          <a:stretch>
+            <a:fillRect/>
+          </a:stretch>
+        </p:blipFill>
+        <p:spPr>
+          <a:xfrm>
+            <a:off x="678042" y="4225107"/>
+            <a:ext cx="914400" cy="914400"/>
+          </a:xfrm>
+          <a:prstGeom prst="rect">
+            <a:avLst/>
+          </a:prstGeom>
+        </p:spPr>
+      </p:pic>
+      <p:pic>
+        <p:nvPicPr>
+          <p:cNvPr id="17" name="Graphic 16" descr="Spinning Plates">
+            <a:extLst>
+              <a:ext uri="{FF2B5EF4-FFF2-40B4-BE49-F238E27FC236}">
+                <a16:creationId xmlns:a16="http://schemas.microsoft.com/office/drawing/2014/main" xmlns="" id="{12B8C1DC-26A6-422C-A6DA-F936A560842C}"/>
+              </a:ext>
+            </a:extLst>
+          </p:cNvPr>
+          <p:cNvPicPr>
+            <a:picLocks noChangeAspect="1"/>
+          </p:cNvPicPr>
+          <p:nvPr/>
+        </p:nvPicPr>
+        <p:blipFill>
+          <a:blip r:embed="rId10">
+            <a:extLst>
+              <a:ext uri="{96DAC541-7B7A-43D3-8B79-37D633B846F1}">
+                <asvg:svgBlip xmlns:asvg="http://schemas.microsoft.com/office/drawing/2016/SVG/main" xmlns="" r:embed="rId11"/>
+              </a:ext>
+            </a:extLst>
+          </a:blip>
+          <a:stretch>
+            <a:fillRect/>
+          </a:stretch>
+        </p:blipFill>
+        <p:spPr>
+          <a:xfrm>
+            <a:off x="805543" y="5473243"/>
+            <a:ext cx="914400" cy="914400"/>
+          </a:xfrm>
+          <a:prstGeom prst="rect">
+            <a:avLst/>
+          </a:prstGeom>
+        </p:spPr>
+      </p:pic>
+      <p:sp>
+        <p:nvSpPr>
+          <p:cNvPr id="18" name="TextBox 17">
+            <a:extLst>
+              <a:ext uri="{FF2B5EF4-FFF2-40B4-BE49-F238E27FC236}">
+                <a16:creationId xmlns:a16="http://schemas.microsoft.com/office/drawing/2014/main" xmlns="" id="{60A4B2F5-3749-4CA3-80A4-7C044C553A6D}"/>
+              </a:ext>
+            </a:extLst>
+          </p:cNvPr>
+          <p:cNvSpPr txBox="1"/>
+          <p:nvPr/>
+        </p:nvSpPr>
+        <p:spPr>
+          <a:xfrm>
+            <a:off x="1839817" y="5645020"/>
+            <a:ext cx="9748804" cy="923330"/>
+          </a:xfrm>
+          <a:prstGeom prst="rect">
+            <a:avLst/>
+          </a:prstGeom>
+          <a:noFill/>
+        </p:spPr>
+        <p:txBody>
+          <a:bodyPr wrap="square" rtlCol="0">
+            <a:spAutoFit/>
+          </a:bodyPr>
+          <a:lstStyle/>
+          <a:p>
+            <a:r>
+              <a:rPr lang="en-US" dirty="0"/>
+              <a:t>It is advisable to multiplex your connection so you can edit, compile and test without having to create multiple </a:t>
+            </a:r>
+            <a:r>
+              <a:rPr lang="en-US" dirty="0" err="1"/>
+              <a:t>ssh</a:t>
+            </a:r>
+            <a:r>
+              <a:rPr lang="en-US" dirty="0"/>
+              <a:t> instances. Terminal multiplexing can be accomplished using GNU Screen or </a:t>
+            </a:r>
+            <a:r>
+              <a:rPr lang="en-US" dirty="0" err="1"/>
+              <a:t>Tmux</a:t>
+            </a:r>
+            <a:r>
+              <a:rPr lang="en-US" dirty="0"/>
+              <a:t>; the latter two must be running on the supercomputer.</a:t>
+            </a:r>
+          </a:p>
+        </p:txBody>
+      </p:sp>
+      <p:pic>
+        <p:nvPicPr>
+          <p:cNvPr id="26" name="Picture 25" descr="RSA one time password keyfob&#10;">
+            <a:extLst>
+              <a:ext uri="{FF2B5EF4-FFF2-40B4-BE49-F238E27FC236}">
+                <a16:creationId xmlns:a16="http://schemas.microsoft.com/office/drawing/2014/main" xmlns="" id="{5DCF78AA-1897-45DA-BC6C-3241A29B580F}"/>
+              </a:ext>
+            </a:extLst>
+          </p:cNvPr>
+          <p:cNvPicPr>
+            <a:picLocks noChangeAspect="1"/>
+          </p:cNvPicPr>
+          <p:nvPr/>
+        </p:nvPicPr>
+        <p:blipFill>
+          <a:blip r:embed="rId12"/>
+          <a:stretch>
+            <a:fillRect/>
+          </a:stretch>
+        </p:blipFill>
+        <p:spPr>
+          <a:xfrm>
+            <a:off x="10289433" y="3733910"/>
+            <a:ext cx="1795209" cy="1346407"/>
+          </a:xfrm>
+          <a:prstGeom prst="rect">
+            <a:avLst/>
+          </a:prstGeom>
+        </p:spPr>
+      </p:pic>
+      <p:sp>
+        <p:nvSpPr>
+          <p:cNvPr id="27" name="TextBox 26">
+            <a:extLst>
+              <a:ext uri="{FF2B5EF4-FFF2-40B4-BE49-F238E27FC236}">
+                <a16:creationId xmlns:a16="http://schemas.microsoft.com/office/drawing/2014/main" xmlns="" id="{74E9DB62-6506-4F72-B74A-18DC6F84A403}"/>
+              </a:ext>
+            </a:extLst>
+          </p:cNvPr>
+          <p:cNvSpPr txBox="1"/>
+          <p:nvPr/>
+        </p:nvSpPr>
+        <p:spPr>
+          <a:xfrm>
+            <a:off x="10379367" y="4949974"/>
+            <a:ext cx="1769395" cy="369332"/>
+          </a:xfrm>
+          <a:prstGeom prst="rect">
+            <a:avLst/>
+          </a:prstGeom>
+          <a:noFill/>
+        </p:spPr>
+        <p:txBody>
+          <a:bodyPr wrap="none" rtlCol="0">
+            <a:spAutoFit/>
+          </a:bodyPr>
+          <a:lstStyle/>
+          <a:p>
+            <a:r>
+              <a:rPr lang="en-US" dirty="0"/>
+              <a:t>RSA OTP key fob</a:t>
+            </a:r>
+          </a:p>
+        </p:txBody>
+      </p:sp>
+    </p:spTree>
+    <p:extLst>
+      <p:ext uri="{BB962C8B-B14F-4D97-AF65-F5344CB8AC3E}">
+        <p14:creationId xmlns:p14="http://schemas.microsoft.com/office/powerpoint/2010/main" val="1185950417"/>
+      </p:ext>
+    </p:extLst>
+  </p:cSld>
+  <p:clrMapOvr>
+    <a:masterClrMapping/>
+  </p:clrMapOvr>
+</p:sld>
+</file>
+
+<file path=ppt/slides/slide9.xml><?xml version="1.0" encoding="utf-8"?>
+<p:sld xmlns:a="http://schemas.openxmlformats.org/drawingml/2006/main" xmlns:r="http://schemas.openxmlformats.org/officeDocument/2006/relationships" xmlns:p="http://schemas.openxmlformats.org/presentationml/2006/main">
+  <p:cSld>
+    <p:spTree>
+      <p:nvGrpSpPr>
+        <p:cNvPr id="1" name=""/>
+        <p:cNvGrpSpPr/>
+        <p:nvPr/>
+      </p:nvGrpSpPr>
+      <p:grpSpPr>
+        <a:xfrm>
+          <a:off x="0" y="0"/>
+          <a:ext cx="0" cy="0"/>
+          <a:chOff x="0" y="0"/>
+          <a:chExt cx="0" cy="0"/>
+        </a:xfrm>
+      </p:grpSpPr>
+      <p:sp>
+        <p:nvSpPr>
+          <p:cNvPr id="2" name="Title 1">
+            <a:extLst>
+              <a:ext uri="{FF2B5EF4-FFF2-40B4-BE49-F238E27FC236}">
+                <a16:creationId xmlns:a16="http://schemas.microsoft.com/office/drawing/2014/main" xmlns="" id="{2AB034E0-008F-43F5-8BAB-A81D72627EF6}"/>
+              </a:ext>
+            </a:extLst>
+          </p:cNvPr>
+          <p:cNvSpPr>
+            <a:spLocks noGrp="1"/>
+          </p:cNvSpPr>
+          <p:nvPr>
+            <p:ph type="title"/>
+          </p:nvPr>
+        </p:nvSpPr>
+        <p:spPr/>
+        <p:txBody>
+          <a:bodyPr/>
+          <a:lstStyle/>
+          <a:p>
+            <a:r>
+              <a:rPr lang="en-US" dirty="0"/>
+              <a:t>SUBMITTING programs</a:t>
+            </a:r>
+          </a:p>
+        </p:txBody>
+      </p:sp>
+      <p:pic>
+        <p:nvPicPr>
+          <p:cNvPr id="5" name="Graphic 4" descr="Server">
+            <a:extLst>
+              <a:ext uri="{FF2B5EF4-FFF2-40B4-BE49-F238E27FC236}">
+                <a16:creationId xmlns:a16="http://schemas.microsoft.com/office/drawing/2014/main" xmlns="" id="{A32AAC74-25F2-4434-9FCF-DCFC62730DBA}"/>
+              </a:ext>
+            </a:extLst>
+          </p:cNvPr>
+          <p:cNvPicPr>
+            <a:picLocks noChangeAspect="1"/>
+          </p:cNvPicPr>
+          <p:nvPr/>
+        </p:nvPicPr>
+        <p:blipFill>
+          <a:blip r:embed="rId2">
+            <a:extLst>
+              <a:ext uri="{96DAC541-7B7A-43D3-8B79-37D633B846F1}">
+                <asvg:svgBlip xmlns:asvg="http://schemas.microsoft.com/office/drawing/2016/SVG/main" xmlns="" r:embed="rId3"/>
+              </a:ext>
+            </a:extLst>
+          </a:blip>
+          <a:stretch>
+            <a:fillRect/>
+          </a:stretch>
+        </p:blipFill>
+        <p:spPr>
+          <a:xfrm>
+            <a:off x="452874" y="2576828"/>
+            <a:ext cx="1508325" cy="1508325"/>
+          </a:xfrm>
+          <a:prstGeom prst="rect">
+            <a:avLst/>
+          </a:prstGeom>
+        </p:spPr>
+      </p:pic>
+      <p:sp>
+        <p:nvSpPr>
+          <p:cNvPr id="7" name="TextBox 6">
+            <a:extLst>
+              <a:ext uri="{FF2B5EF4-FFF2-40B4-BE49-F238E27FC236}">
+                <a16:creationId xmlns:a16="http://schemas.microsoft.com/office/drawing/2014/main" xmlns="" id="{B289FAAC-F250-4A5E-9920-20720CB2295B}"/>
+              </a:ext>
+            </a:extLst>
+          </p:cNvPr>
+          <p:cNvSpPr txBox="1"/>
+          <p:nvPr/>
+        </p:nvSpPr>
+        <p:spPr>
+          <a:xfrm>
+            <a:off x="497727" y="2216859"/>
+            <a:ext cx="1560042" cy="369332"/>
+          </a:xfrm>
+          <a:prstGeom prst="rect">
+            <a:avLst/>
+          </a:prstGeom>
+          <a:noFill/>
+        </p:spPr>
+        <p:txBody>
+          <a:bodyPr wrap="none" rtlCol="0">
+            <a:spAutoFit/>
+          </a:bodyPr>
+          <a:lstStyle/>
+          <a:p>
+            <a:r>
+              <a:rPr lang="en-US" dirty="0"/>
+              <a:t>Supercomputer</a:t>
+            </a:r>
+          </a:p>
+        </p:txBody>
+      </p:sp>
+      <p:sp>
+        <p:nvSpPr>
+          <p:cNvPr id="8" name="TextBox 7">
+            <a:extLst>
+              <a:ext uri="{FF2B5EF4-FFF2-40B4-BE49-F238E27FC236}">
+                <a16:creationId xmlns:a16="http://schemas.microsoft.com/office/drawing/2014/main" xmlns="" id="{0AABBF9C-6084-469B-8960-30BA35207122}"/>
+              </a:ext>
+            </a:extLst>
+          </p:cNvPr>
+          <p:cNvSpPr txBox="1"/>
+          <p:nvPr/>
+        </p:nvSpPr>
+        <p:spPr>
+          <a:xfrm>
+            <a:off x="2664060" y="1616694"/>
+            <a:ext cx="8837416" cy="1477328"/>
+          </a:xfrm>
+          <a:prstGeom prst="rect">
+            <a:avLst/>
+          </a:prstGeom>
+          <a:noFill/>
+        </p:spPr>
+        <p:txBody>
+          <a:bodyPr wrap="square" rtlCol="0">
+            <a:spAutoFit/>
+          </a:bodyPr>
+          <a:lstStyle/>
+          <a:p>
+            <a:r>
+              <a:rPr lang="en-US" dirty="0"/>
+              <a:t>A supercomputer is a shared resource that is used by several users concurrently. To optimize access to the resource the minimal unit of execution of a program is defined as a job. Jobs are scheduled to run in a group of nodes for a given amount of time as requested by the user. The queue manager, so-called scheduler, ensures that jobs are queued using some fair use policy (e.g., TORQUE).  </a:t>
+            </a:r>
+          </a:p>
+        </p:txBody>
+      </p:sp>
+      <p:pic>
+        <p:nvPicPr>
+          <p:cNvPr id="10" name="Graphic 9" descr="Group of people">
+            <a:extLst>
+              <a:ext uri="{FF2B5EF4-FFF2-40B4-BE49-F238E27FC236}">
+                <a16:creationId xmlns:a16="http://schemas.microsoft.com/office/drawing/2014/main" xmlns="" id="{E8D320BA-F6AD-456B-A3F0-884F4952F413}"/>
+              </a:ext>
+            </a:extLst>
+          </p:cNvPr>
+          <p:cNvPicPr>
+            <a:picLocks noChangeAspect="1"/>
+          </p:cNvPicPr>
+          <p:nvPr/>
+        </p:nvPicPr>
+        <p:blipFill>
+          <a:blip r:embed="rId4">
+            <a:extLst>
+              <a:ext uri="{96DAC541-7B7A-43D3-8B79-37D633B846F1}">
+                <asvg:svgBlip xmlns:asvg="http://schemas.microsoft.com/office/drawing/2016/SVG/main" xmlns="" r:embed="rId5"/>
+              </a:ext>
+            </a:extLst>
+          </a:blip>
+          <a:stretch>
+            <a:fillRect/>
+          </a:stretch>
+        </p:blipFill>
+        <p:spPr>
+          <a:xfrm>
+            <a:off x="304586" y="4197581"/>
+            <a:ext cx="1753183" cy="1753183"/>
+          </a:xfrm>
+          <a:prstGeom prst="rect">
+            <a:avLst/>
+          </a:prstGeom>
+        </p:spPr>
+      </p:pic>
+      <p:sp>
+        <p:nvSpPr>
+          <p:cNvPr id="11" name="TextBox 10">
+            <a:extLst>
+              <a:ext uri="{FF2B5EF4-FFF2-40B4-BE49-F238E27FC236}">
+                <a16:creationId xmlns:a16="http://schemas.microsoft.com/office/drawing/2014/main" xmlns="" id="{633CD682-1973-4AEE-8062-378385BE6AB4}"/>
+              </a:ext>
+            </a:extLst>
+          </p:cNvPr>
+          <p:cNvSpPr txBox="1"/>
+          <p:nvPr/>
+        </p:nvSpPr>
+        <p:spPr>
+          <a:xfrm>
+            <a:off x="2559205" y="3326493"/>
+            <a:ext cx="8184995" cy="923330"/>
+          </a:xfrm>
+          <a:prstGeom prst="rect">
+            <a:avLst/>
+          </a:prstGeom>
+          <a:noFill/>
+        </p:spPr>
+        <p:txBody>
+          <a:bodyPr wrap="square" rtlCol="0">
+            <a:spAutoFit/>
+          </a:bodyPr>
+          <a:lstStyle/>
+          <a:p>
+            <a:r>
+              <a:rPr lang="en-US" dirty="0"/>
+              <a:t>The action of sending a job to the queueing systems is called job submission. Therefore, in contrast to running programs on a local computer, programs in a supercomputer are first queued and </a:t>
+            </a:r>
+            <a:r>
+              <a:rPr lang="en-US" dirty="0" err="1"/>
+              <a:t>subsequentely</a:t>
+            </a:r>
+            <a:r>
+              <a:rPr lang="en-US" dirty="0"/>
+              <a:t> managed by a workload manager (e.g., Moab, </a:t>
+            </a:r>
+            <a:r>
+              <a:rPr lang="en-US" dirty="0" err="1"/>
+              <a:t>Slurm</a:t>
+            </a:r>
+            <a:r>
+              <a:rPr lang="en-US" dirty="0"/>
+              <a:t>).</a:t>
+            </a:r>
+          </a:p>
+        </p:txBody>
+      </p:sp>
+      <p:sp>
+        <p:nvSpPr>
+          <p:cNvPr id="12" name="TextBox 11">
+            <a:extLst>
+              <a:ext uri="{FF2B5EF4-FFF2-40B4-BE49-F238E27FC236}">
+                <a16:creationId xmlns:a16="http://schemas.microsoft.com/office/drawing/2014/main" xmlns="" id="{970761D1-05D5-465D-994E-61A2C6C68A42}"/>
+              </a:ext>
+            </a:extLst>
+          </p:cNvPr>
+          <p:cNvSpPr txBox="1"/>
+          <p:nvPr/>
+        </p:nvSpPr>
+        <p:spPr>
+          <a:xfrm>
+            <a:off x="3732245" y="6488668"/>
+            <a:ext cx="5021055" cy="369332"/>
+          </a:xfrm>
+          <a:prstGeom prst="rect">
+            <a:avLst/>
+          </a:prstGeom>
+          <a:noFill/>
+        </p:spPr>
+        <p:txBody>
+          <a:bodyPr wrap="none" rtlCol="0">
+            <a:spAutoFit/>
+          </a:bodyPr>
+          <a:lstStyle/>
+          <a:p>
+            <a:r>
+              <a:rPr lang="en-US" dirty="0"/>
+              <a:t>To submit the job you must write a submission script.</a:t>
+            </a:r>
+          </a:p>
+        </p:txBody>
+      </p:sp>
+      <p:pic>
+        <p:nvPicPr>
+          <p:cNvPr id="15" name="Picture 14">
+            <a:extLst>
+              <a:ext uri="{FF2B5EF4-FFF2-40B4-BE49-F238E27FC236}">
+                <a16:creationId xmlns:a16="http://schemas.microsoft.com/office/drawing/2014/main" xmlns="" id="{291427C6-B6A8-424E-98FE-F3D9F5BAA9FB}"/>
+              </a:ext>
+            </a:extLst>
+          </p:cNvPr>
+          <p:cNvPicPr>
+            <a:picLocks noChangeAspect="1"/>
+          </p:cNvPicPr>
+          <p:nvPr/>
+        </p:nvPicPr>
+        <p:blipFill>
+          <a:blip r:embed="rId6"/>
+          <a:stretch>
+            <a:fillRect/>
+          </a:stretch>
+        </p:blipFill>
+        <p:spPr>
+          <a:xfrm>
+            <a:off x="4206085" y="4335683"/>
+            <a:ext cx="4547215" cy="2248143"/>
+          </a:xfrm>
+          <a:prstGeom prst="rect">
+            <a:avLst/>
+          </a:prstGeom>
+        </p:spPr>
+      </p:pic>
+    </p:spTree>
+    <p:extLst>
+      <p:ext uri="{BB962C8B-B14F-4D97-AF65-F5344CB8AC3E}">
+        <p14:creationId xmlns:p14="http://schemas.microsoft.com/office/powerpoint/2010/main" val="3026654119"/>
+      </p:ext>
+    </p:extLst>
+  </p:cSld>
+  <p:clrMapOvr>
+    <a:masterClrMapping/>
   </p:clrMapOvr>
 </p:sld>
 </file>
@@ -24989,6 +28626,267 @@
         <a:latin typeface="Calibri Light" panose="020F0302020204030204"/>
         <a:ea typeface=""/>
         <a:cs typeface=""/>
+        <a:font script="Jpan" typeface="Yu Gothic Light"/>
+        <a:font script="Hang" typeface="맑은 고딕"/>
+        <a:font script="Hans" typeface="DengXian Light"/>
+        <a:font script="Hant" typeface="新細明體"/>
+        <a:font script="Arab" typeface="Times New Roman"/>
+        <a:font script="Hebr" typeface="Times New Roman"/>
+        <a:font script="Thai" typeface="Angsana New"/>
+        <a:font script="Ethi" typeface="Nyala"/>
+        <a:font script="Beng" typeface="Vrinda"/>
+        <a:font script="Gujr" typeface="Shruti"/>
+        <a:font script="Khmr" typeface="MoolBoran"/>
+        <a:font script="Knda" typeface="Tunga"/>
+        <a:font script="Guru" typeface="Raavi"/>
+        <a:font script="Cans" typeface="Euphemia"/>
+        <a:font script="Cher" typeface="Plantagenet Cherokee"/>
+        <a:font script="Yiii" typeface="Microsoft Yi Baiti"/>
+        <a:font script="Tibt" typeface="Microsoft Himalaya"/>
+        <a:font script="Thaa" typeface="MV Boli"/>
+        <a:font script="Deva" typeface="Mangal"/>
+        <a:font script="Telu" typeface="Gautami"/>
+        <a:font script="Taml" typeface="Latha"/>
+        <a:font script="Syrc" typeface="Estrangelo Edessa"/>
+        <a:font script="Orya" typeface="Kalinga"/>
+        <a:font script="Mlym" typeface="Kartika"/>
+        <a:font script="Laoo" typeface="DokChampa"/>
+        <a:font script="Sinh" typeface="Iskoola Pota"/>
+        <a:font script="Mong" typeface="Mongolian Baiti"/>
+        <a:font script="Viet" typeface="Times New Roman"/>
+        <a:font script="Uigh" typeface="Microsoft Uighur"/>
+        <a:font script="Geor" typeface="Sylfaen"/>
+      </a:majorFont>
+      <a:minorFont>
+        <a:latin typeface="Calibri" panose="020F0502020204030204"/>
+        <a:ea typeface=""/>
+        <a:cs typeface=""/>
+        <a:font script="Jpan" typeface="Yu Gothic"/>
+        <a:font script="Hang" typeface="맑은 고딕"/>
+        <a:font script="Hans" typeface="DengXian"/>
+        <a:font script="Hant" typeface="新細明體"/>
+        <a:font script="Arab" typeface="Arial"/>
+        <a:font script="Hebr" typeface="Arial"/>
+        <a:font script="Thai" typeface="Cordia New"/>
+        <a:font script="Ethi" typeface="Nyala"/>
+        <a:font script="Beng" typeface="Vrinda"/>
+        <a:font script="Gujr" typeface="Shruti"/>
+        <a:font script="Khmr" typeface="DaunPenh"/>
+        <a:font script="Knda" typeface="Tunga"/>
+        <a:font script="Guru" typeface="Raavi"/>
+        <a:font script="Cans" typeface="Euphemia"/>
+        <a:font script="Cher" typeface="Plantagenet Cherokee"/>
+        <a:font script="Yiii" typeface="Microsoft Yi Baiti"/>
+        <a:font script="Tibt" typeface="Microsoft Himalaya"/>
+        <a:font script="Thaa" typeface="MV Boli"/>
+        <a:font script="Deva" typeface="Mangal"/>
+        <a:font script="Telu" typeface="Gautami"/>
+        <a:font script="Taml" typeface="Latha"/>
+        <a:font script="Syrc" typeface="Estrangelo Edessa"/>
+        <a:font script="Orya" typeface="Kalinga"/>
+        <a:font script="Mlym" typeface="Kartika"/>
+        <a:font script="Laoo" typeface="DokChampa"/>
+        <a:font script="Sinh" typeface="Iskoola Pota"/>
+        <a:font script="Mong" typeface="Mongolian Baiti"/>
+        <a:font script="Viet" typeface="Arial"/>
+        <a:font script="Uigh" typeface="Microsoft Uighur"/>
+        <a:font script="Geor" typeface="Sylfaen"/>
+      </a:minorFont>
+    </a:fontScheme>
+    <a:fmtScheme name="Office">
+      <a:fillStyleLst>
+        <a:solidFill>
+          <a:schemeClr val="phClr"/>
+        </a:solidFill>
+        <a:gradFill rotWithShape="1">
+          <a:gsLst>
+            <a:gs pos="0">
+              <a:schemeClr val="phClr">
+                <a:lumMod val="110000"/>
+                <a:satMod val="105000"/>
+                <a:tint val="67000"/>
+              </a:schemeClr>
+            </a:gs>
+            <a:gs pos="50000">
+              <a:schemeClr val="phClr">
+                <a:lumMod val="105000"/>
+                <a:satMod val="103000"/>
+                <a:tint val="73000"/>
+              </a:schemeClr>
+            </a:gs>
+            <a:gs pos="100000">
+              <a:schemeClr val="phClr">
+                <a:lumMod val="105000"/>
+                <a:satMod val="109000"/>
+                <a:tint val="81000"/>
+              </a:schemeClr>
+            </a:gs>
+          </a:gsLst>
+          <a:lin ang="5400000" scaled="0"/>
+        </a:gradFill>
+        <a:gradFill rotWithShape="1">
+          <a:gsLst>
+            <a:gs pos="0">
+              <a:schemeClr val="phClr">
+                <a:satMod val="103000"/>
+                <a:lumMod val="102000"/>
+                <a:tint val="94000"/>
+              </a:schemeClr>
+            </a:gs>
+            <a:gs pos="50000">
+              <a:schemeClr val="phClr">
+                <a:satMod val="110000"/>
+                <a:lumMod val="100000"/>
+                <a:shade val="100000"/>
+              </a:schemeClr>
+            </a:gs>
+            <a:gs pos="100000">
+              <a:schemeClr val="phClr">
+                <a:lumMod val="99000"/>
+                <a:satMod val="120000"/>
+                <a:shade val="78000"/>
+              </a:schemeClr>
+            </a:gs>
+          </a:gsLst>
+          <a:lin ang="5400000" scaled="0"/>
+        </a:gradFill>
+      </a:fillStyleLst>
+      <a:lnStyleLst>
+        <a:ln w="6350" cap="flat" cmpd="sng" algn="ctr">
+          <a:solidFill>
+            <a:schemeClr val="phClr"/>
+          </a:solidFill>
+          <a:prstDash val="solid"/>
+          <a:miter lim="800000"/>
+        </a:ln>
+        <a:ln w="12700" cap="flat" cmpd="sng" algn="ctr">
+          <a:solidFill>
+            <a:schemeClr val="phClr"/>
+          </a:solidFill>
+          <a:prstDash val="solid"/>
+          <a:miter lim="800000"/>
+        </a:ln>
+        <a:ln w="19050" cap="flat" cmpd="sng" algn="ctr">
+          <a:solidFill>
+            <a:schemeClr val="phClr"/>
+          </a:solidFill>
+          <a:prstDash val="solid"/>
+          <a:miter lim="800000"/>
+        </a:ln>
+      </a:lnStyleLst>
+      <a:effectStyleLst>
+        <a:effectStyle>
+          <a:effectLst/>
+        </a:effectStyle>
+        <a:effectStyle>
+          <a:effectLst/>
+        </a:effectStyle>
+        <a:effectStyle>
+          <a:effectLst>
+            <a:outerShdw blurRad="57150" dist="19050" dir="5400000" algn="ctr" rotWithShape="0">
+              <a:srgbClr val="000000">
+                <a:alpha val="63000"/>
+              </a:srgbClr>
+            </a:outerShdw>
+          </a:effectLst>
+        </a:effectStyle>
+      </a:effectStyleLst>
+      <a:bgFillStyleLst>
+        <a:solidFill>
+          <a:schemeClr val="phClr"/>
+        </a:solidFill>
+        <a:solidFill>
+          <a:schemeClr val="phClr">
+            <a:tint val="95000"/>
+            <a:satMod val="170000"/>
+          </a:schemeClr>
+        </a:solidFill>
+        <a:gradFill rotWithShape="1">
+          <a:gsLst>
+            <a:gs pos="0">
+              <a:schemeClr val="phClr">
+                <a:tint val="93000"/>
+                <a:satMod val="150000"/>
+                <a:shade val="98000"/>
+                <a:lumMod val="102000"/>
+              </a:schemeClr>
+            </a:gs>
+            <a:gs pos="50000">
+              <a:schemeClr val="phClr">
+                <a:tint val="98000"/>
+                <a:satMod val="130000"/>
+                <a:shade val="90000"/>
+                <a:lumMod val="103000"/>
+              </a:schemeClr>
+            </a:gs>
+            <a:gs pos="100000">
+              <a:schemeClr val="phClr">
+                <a:shade val="63000"/>
+                <a:satMod val="120000"/>
+              </a:schemeClr>
+            </a:gs>
+          </a:gsLst>
+          <a:lin ang="5400000" scaled="0"/>
+        </a:gradFill>
+      </a:bgFillStyleLst>
+    </a:fmtScheme>
+  </a:themeElements>
+  <a:objectDefaults/>
+  <a:extraClrSchemeLst/>
+  <a:extLst>
+    <a:ext uri="{05A4C25C-085E-4340-85A3-A5531E510DB2}">
+      <thm15:themeFamily xmlns:thm15="http://schemas.microsoft.com/office/thememl/2012/main" name="Office Theme" id="{62F939B6-93AF-4DB8-9C6B-D6C7DFDC589F}" vid="{4A3C46E8-61CC-4603-A589-7422A47A8E4A}"/>
+    </a:ext>
+  </a:extLst>
+</a:theme>
+</file>
+
+<file path=ppt/theme/theme3.xml><?xml version="1.0" encoding="utf-8"?>
+<a:theme xmlns:a="http://schemas.openxmlformats.org/drawingml/2006/main" name="Office Theme">
+  <a:themeElements>
+    <a:clrScheme name="Office">
+      <a:dk1>
+        <a:sysClr val="windowText" lastClr="000000"/>
+      </a:dk1>
+      <a:lt1>
+        <a:sysClr val="window" lastClr="FFFFFF"/>
+      </a:lt1>
+      <a:dk2>
+        <a:srgbClr val="44546A"/>
+      </a:dk2>
+      <a:lt2>
+        <a:srgbClr val="E7E6E6"/>
+      </a:lt2>
+      <a:accent1>
+        <a:srgbClr val="4472C4"/>
+      </a:accent1>
+      <a:accent2>
+        <a:srgbClr val="ED7D31"/>
+      </a:accent2>
+      <a:accent3>
+        <a:srgbClr val="A5A5A5"/>
+      </a:accent3>
+      <a:accent4>
+        <a:srgbClr val="FFC000"/>
+      </a:accent4>
+      <a:accent5>
+        <a:srgbClr val="5B9BD5"/>
+      </a:accent5>
+      <a:accent6>
+        <a:srgbClr val="70AD47"/>
+      </a:accent6>
+      <a:hlink>
+        <a:srgbClr val="0563C1"/>
+      </a:hlink>
+      <a:folHlink>
+        <a:srgbClr val="954F72"/>
+      </a:folHlink>
+    </a:clrScheme>
+    <a:fontScheme name="Office">
+      <a:majorFont>
+        <a:latin typeface="Calibri Light" panose="020F0302020204030204"/>
+        <a:ea typeface=""/>
+        <a:cs typeface=""/>
         <a:font script="Jpan" typeface="游ゴシック Light"/>
         <a:font script="Hang" typeface="맑은 고딕"/>
         <a:font script="Hans" typeface="等线 Light"/>

--- a/units/1/lessons/3/resources/petascale-lesson-1.3-slides.pptx
+++ b/units/1/lessons/3/resources/petascale-lesson-1.3-slides.pptx
@@ -10,7 +10,7 @@
   </p:notesMasterIdLst>
   <p:sldIdLst>
     <p:sldId id="265" r:id="rId3"/>
-    <p:sldId id="266" r:id="rId4"/>
+    <p:sldId id="267" r:id="rId4"/>
     <p:sldId id="256" r:id="rId5"/>
     <p:sldId id="257" r:id="rId6"/>
     <p:sldId id="259" r:id="rId7"/>
@@ -208,7 +208,7 @@
           <a:p>
             <a:fld id="{2B504B78-1614-49D9-BD52-41DBB9B24231}" type="datetimeFigureOut">
               <a:rPr lang="en-US" smtClean="0"/>
-              <a:t>9/12/20</a:t>
+              <a:t>10/11/20</a:t>
             </a:fld>
             <a:endParaRPr lang="en-US"/>
           </a:p>
@@ -9268,7 +9268,7 @@
           <a:p>
             <a:fld id="{6AD6EE87-EBD5-4F12-A48A-63ACA297AC8F}" type="datetimeFigureOut">
               <a:rPr lang="en-US" dirty="0"/>
-              <a:t>9/12/20</a:t>
+              <a:t>10/11/20</a:t>
             </a:fld>
             <a:endParaRPr lang="en-US" dirty="0"/>
           </a:p>
@@ -9470,7 +9470,7 @@
           <a:p>
             <a:fld id="{4CD73815-2707-4475-8F1A-B873CB631BB4}" type="datetimeFigureOut">
               <a:rPr lang="en-US" dirty="0"/>
-              <a:t>9/12/20</a:t>
+              <a:t>10/11/20</a:t>
             </a:fld>
             <a:endParaRPr lang="en-US" dirty="0"/>
           </a:p>
@@ -9645,7 +9645,7 @@
           <a:p>
             <a:fld id="{2A4AFB99-0EAB-4182-AFF8-E214C82A68F6}" type="datetimeFigureOut">
               <a:rPr lang="en-US" dirty="0"/>
-              <a:t>9/12/20</a:t>
+              <a:t>10/11/20</a:t>
             </a:fld>
             <a:endParaRPr lang="en-US" dirty="0"/>
           </a:p>
@@ -9874,7 +9874,7 @@
                 </a:solidFill>
               </a:rPr>
               <a:pPr/>
-              <a:t>9/12/20</a:t>
+              <a:t>10/11/20</a:t>
             </a:fld>
             <a:endParaRPr lang="en-US">
               <a:solidFill>
@@ -10072,7 +10072,7 @@
                 </a:solidFill>
               </a:rPr>
               <a:pPr/>
-              <a:t>9/12/20</a:t>
+              <a:t>10/11/20</a:t>
             </a:fld>
             <a:endParaRPr lang="en-US">
               <a:solidFill>
@@ -10346,7 +10346,7 @@
                 </a:solidFill>
               </a:rPr>
               <a:pPr/>
-              <a:t>9/12/20</a:t>
+              <a:t>10/11/20</a:t>
             </a:fld>
             <a:endParaRPr lang="en-US">
               <a:solidFill>
@@ -10606,7 +10606,7 @@
                 </a:solidFill>
               </a:rPr>
               <a:pPr/>
-              <a:t>9/12/20</a:t>
+              <a:t>10/11/20</a:t>
             </a:fld>
             <a:endParaRPr lang="en-US">
               <a:solidFill>
@@ -11001,7 +11001,7 @@
                 </a:solidFill>
               </a:rPr>
               <a:pPr/>
-              <a:t>9/12/20</a:t>
+              <a:t>10/11/20</a:t>
             </a:fld>
             <a:endParaRPr lang="en-US">
               <a:solidFill>
@@ -11147,7 +11147,7 @@
                 </a:solidFill>
               </a:rPr>
               <a:pPr/>
-              <a:t>9/12/20</a:t>
+              <a:t>10/11/20</a:t>
             </a:fld>
             <a:endParaRPr lang="en-US">
               <a:solidFill>
@@ -11270,7 +11270,7 @@
                 </a:solidFill>
               </a:rPr>
               <a:pPr/>
-              <a:t>9/12/20</a:t>
+              <a:t>10/11/20</a:t>
             </a:fld>
             <a:endParaRPr lang="en-US">
               <a:solidFill>
@@ -11575,7 +11575,7 @@
                 </a:solidFill>
               </a:rPr>
               <a:pPr/>
-              <a:t>9/12/20</a:t>
+              <a:t>10/11/20</a:t>
             </a:fld>
             <a:endParaRPr lang="en-US">
               <a:solidFill>
@@ -11766,7 +11766,7 @@
           <a:p>
             <a:fld id="{A5D3794B-289A-4A80-97D7-111025398D45}" type="datetimeFigureOut">
               <a:rPr lang="en-US" dirty="0"/>
-              <a:t>9/12/20</a:t>
+              <a:t>10/11/20</a:t>
             </a:fld>
             <a:endParaRPr lang="en-US" dirty="0"/>
           </a:p>
@@ -12021,7 +12021,7 @@
                 </a:solidFill>
               </a:rPr>
               <a:pPr/>
-              <a:t>9/12/20</a:t>
+              <a:t>10/11/20</a:t>
             </a:fld>
             <a:endParaRPr lang="en-US">
               <a:solidFill>
@@ -12219,7 +12219,7 @@
                 </a:solidFill>
               </a:rPr>
               <a:pPr/>
-              <a:t>9/12/20</a:t>
+              <a:t>10/11/20</a:t>
             </a:fld>
             <a:endParaRPr lang="en-US">
               <a:solidFill>
@@ -12427,7 +12427,7 @@
                 </a:solidFill>
               </a:rPr>
               <a:pPr/>
-              <a:t>9/12/20</a:t>
+              <a:t>10/11/20</a:t>
             </a:fld>
             <a:endParaRPr lang="en-US">
               <a:solidFill>
@@ -21346,7 +21346,7 @@
           <a:p>
             <a:fld id="{5A61015F-7CC6-4D0A-9D87-873EA4C304CC}" type="datetimeFigureOut">
               <a:rPr lang="en-US" dirty="0"/>
-              <a:t>9/12/20</a:t>
+              <a:t>10/11/20</a:t>
             </a:fld>
             <a:endParaRPr lang="en-US" dirty="0"/>
           </a:p>
@@ -21615,7 +21615,7 @@
           <a:p>
             <a:fld id="{93C6A301-0538-44EC-B09D-202E1042A48B}" type="datetimeFigureOut">
               <a:rPr lang="en-US" dirty="0"/>
-              <a:t>9/12/20</a:t>
+              <a:t>10/11/20</a:t>
             </a:fld>
             <a:endParaRPr lang="en-US" dirty="0"/>
           </a:p>
@@ -22008,7 +22008,7 @@
           <a:p>
             <a:fld id="{D789574A-8875-45EF-8EA2-3CAA0F7ABC4C}" type="datetimeFigureOut">
               <a:rPr lang="en-US" dirty="0"/>
-              <a:t>9/12/20</a:t>
+              <a:t>10/11/20</a:t>
             </a:fld>
             <a:endParaRPr lang="en-US" dirty="0"/>
           </a:p>
@@ -22121,7 +22121,7 @@
           <a:p>
             <a:fld id="{67EF4D4C-5367-4C26-9E2B-D8088D7FCA81}" type="datetimeFigureOut">
               <a:rPr lang="en-US" dirty="0"/>
-              <a:t>9/12/20</a:t>
+              <a:t>10/11/20</a:t>
             </a:fld>
             <a:endParaRPr lang="en-US" dirty="0"/>
           </a:p>
@@ -22211,7 +22211,7 @@
           <a:p>
             <a:fld id="{56E91E96-98B0-4413-9547-46F3504108EF}" type="datetimeFigureOut">
               <a:rPr lang="en-US" dirty="0"/>
-              <a:t>9/12/20</a:t>
+              <a:t>10/11/20</a:t>
             </a:fld>
             <a:endParaRPr lang="en-US" dirty="0"/>
           </a:p>
@@ -22496,7 +22496,7 @@
           <a:p>
             <a:fld id="{05C68B11-C5A8-448C-8CE9-B1A273C79CFC}" type="datetimeFigureOut">
               <a:rPr lang="en-US" dirty="0"/>
-              <a:t>9/12/20</a:t>
+              <a:t>10/11/20</a:t>
             </a:fld>
             <a:endParaRPr lang="en-US" dirty="0"/>
           </a:p>
@@ -22771,7 +22771,7 @@
           <a:p>
             <a:fld id="{C7616CA0-919D-4A49-9C8A-62FDFB3A5183}" type="datetimeFigureOut">
               <a:rPr lang="en-US" dirty="0"/>
-              <a:t>9/12/20</a:t>
+              <a:t>10/11/20</a:t>
             </a:fld>
             <a:endParaRPr lang="en-US" dirty="0"/>
           </a:p>
@@ -23017,7 +23017,7 @@
             <a:fld id="{90298CD5-6C1E-4009-B41F-6DF62E31D3BE}" type="datetimeFigureOut">
               <a:rPr lang="en-US" dirty="0"/>
               <a:pPr/>
-              <a:t>9/12/20</a:t>
+              <a:t>10/11/20</a:t>
             </a:fld>
             <a:endParaRPr lang="en-US" dirty="0"/>
           </a:p>
@@ -23658,7 +23658,7 @@
                 </a:solidFill>
               </a:rPr>
               <a:pPr defTabSz="914400"/>
-              <a:t>9/12/20</a:t>
+              <a:t>10/11/20</a:t>
             </a:fld>
             <a:endParaRPr lang="en-US">
               <a:solidFill>
@@ -24177,15 +24177,7 @@
                 <a:ea typeface="Times New Roman" charset="0"/>
                 <a:cs typeface="Times New Roman" charset="0"/>
               </a:rPr>
-              <a:t>Lesson </a:t>
-            </a:r>
-            <a:r>
-              <a:rPr lang="en-US" sz="3600" b="1" dirty="0" smtClean="0">
-                <a:latin typeface="Times New Roman" charset="0"/>
-                <a:ea typeface="Times New Roman" charset="0"/>
-                <a:cs typeface="Times New Roman" charset="0"/>
-              </a:rPr>
-              <a:t>3</a:t>
+              <a:t>Lesson 3</a:t>
             </a:r>
             <a:r>
               <a:rPr lang="en-US" sz="3600" b="1" dirty="0">
@@ -24202,14 +24194,6 @@
                 <a:cs typeface="Times New Roman" charset="0"/>
               </a:rPr>
               <a:t>Programs</a:t>
-            </a:r>
-            <a:r>
-              <a:rPr lang="en-US" sz="3600" b="1" dirty="0" smtClean="0">
-                <a:latin typeface="Times New Roman" charset="0"/>
-                <a:ea typeface="Times New Roman" charset="0"/>
-                <a:cs typeface="Times New Roman" charset="0"/>
-              </a:rPr>
-              <a:t/>
             </a:r>
             <a:br>
               <a:rPr lang="en-US" sz="3600" b="1" dirty="0" smtClean="0">
@@ -24308,7 +24292,7 @@
           <p:cNvPr id="2" name="Title 1">
             <a:extLst>
               <a:ext uri="{FF2B5EF4-FFF2-40B4-BE49-F238E27FC236}">
-                <a16:creationId xmlns:a16="http://schemas.microsoft.com/office/drawing/2014/main" xmlns="" id="{2AB034E0-008F-43F5-8BAB-A81D72627EF6}"/>
+                <a16:creationId xmlns="" xmlns:a16="http://schemas.microsoft.com/office/drawing/2014/main" id="{2AB034E0-008F-43F5-8BAB-A81D72627EF6}"/>
               </a:ext>
             </a:extLst>
           </p:cNvPr>
@@ -24336,7 +24320,7 @@
           <p:cNvPr id="3" name="Graphic 2" descr="Computer">
             <a:extLst>
               <a:ext uri="{FF2B5EF4-FFF2-40B4-BE49-F238E27FC236}">
-                <a16:creationId xmlns:a16="http://schemas.microsoft.com/office/drawing/2014/main" xmlns="" id="{23974D4D-04B4-4BB3-A6AD-05B84EFB64BD}"/>
+                <a16:creationId xmlns="" xmlns:a16="http://schemas.microsoft.com/office/drawing/2014/main" id="{23974D4D-04B4-4BB3-A6AD-05B84EFB64BD}"/>
               </a:ext>
             </a:extLst>
           </p:cNvPr>
@@ -24349,7 +24333,7 @@
           <a:blip r:embed="rId2">
             <a:extLst>
               <a:ext uri="{96DAC541-7B7A-43D3-8B79-37D633B846F1}">
-                <asvg:svgBlip xmlns:asvg="http://schemas.microsoft.com/office/drawing/2016/SVG/main" xmlns="" r:embed="rId3"/>
+                <asvg:svgBlip xmlns="" xmlns:asvg="http://schemas.microsoft.com/office/drawing/2016/SVG/main" r:embed="rId3"/>
               </a:ext>
             </a:extLst>
           </a:blip>
@@ -24372,7 +24356,7 @@
           <p:cNvPr id="4" name="Graphic 3" descr="Server">
             <a:extLst>
               <a:ext uri="{FF2B5EF4-FFF2-40B4-BE49-F238E27FC236}">
-                <a16:creationId xmlns:a16="http://schemas.microsoft.com/office/drawing/2014/main" xmlns="" id="{1FDFC814-4A84-44C6-A12A-172B1F8BEF85}"/>
+                <a16:creationId xmlns="" xmlns:a16="http://schemas.microsoft.com/office/drawing/2014/main" id="{1FDFC814-4A84-44C6-A12A-172B1F8BEF85}"/>
               </a:ext>
             </a:extLst>
           </p:cNvPr>
@@ -24385,7 +24369,7 @@
           <a:blip r:embed="rId4">
             <a:extLst>
               <a:ext uri="{96DAC541-7B7A-43D3-8B79-37D633B846F1}">
-                <asvg:svgBlip xmlns:asvg="http://schemas.microsoft.com/office/drawing/2016/SVG/main" xmlns="" r:embed="rId5"/>
+                <asvg:svgBlip xmlns="" xmlns:asvg="http://schemas.microsoft.com/office/drawing/2016/SVG/main" r:embed="rId5"/>
               </a:ext>
             </a:extLst>
           </a:blip>
@@ -24408,7 +24392,7 @@
           <p:cNvPr id="9" name="Graphic 8" descr="Server">
             <a:extLst>
               <a:ext uri="{FF2B5EF4-FFF2-40B4-BE49-F238E27FC236}">
-                <a16:creationId xmlns:a16="http://schemas.microsoft.com/office/drawing/2014/main" xmlns="" id="{9D329C38-0021-4158-A073-553E44F02ECB}"/>
+                <a16:creationId xmlns="" xmlns:a16="http://schemas.microsoft.com/office/drawing/2014/main" id="{9D329C38-0021-4158-A073-553E44F02ECB}"/>
               </a:ext>
             </a:extLst>
           </p:cNvPr>
@@ -24421,7 +24405,7 @@
           <a:blip r:embed="rId6">
             <a:extLst>
               <a:ext uri="{96DAC541-7B7A-43D3-8B79-37D633B846F1}">
-                <asvg:svgBlip xmlns:asvg="http://schemas.microsoft.com/office/drawing/2016/SVG/main" xmlns="" r:embed="rId7"/>
+                <asvg:svgBlip xmlns="" xmlns:asvg="http://schemas.microsoft.com/office/drawing/2016/SVG/main" r:embed="rId7"/>
               </a:ext>
             </a:extLst>
           </a:blip>
@@ -24444,7 +24428,7 @@
           <p:cNvPr id="17" name="Graphic 16" descr="Server">
             <a:extLst>
               <a:ext uri="{FF2B5EF4-FFF2-40B4-BE49-F238E27FC236}">
-                <a16:creationId xmlns:a16="http://schemas.microsoft.com/office/drawing/2014/main" xmlns="" id="{82B78643-627A-4B27-B82B-4DFFB81462F4}"/>
+                <a16:creationId xmlns="" xmlns:a16="http://schemas.microsoft.com/office/drawing/2014/main" id="{82B78643-627A-4B27-B82B-4DFFB81462F4}"/>
               </a:ext>
             </a:extLst>
           </p:cNvPr>
@@ -24457,7 +24441,7 @@
           <a:blip r:embed="rId6">
             <a:extLst>
               <a:ext uri="{96DAC541-7B7A-43D3-8B79-37D633B846F1}">
-                <asvg:svgBlip xmlns:asvg="http://schemas.microsoft.com/office/drawing/2016/SVG/main" xmlns="" r:embed="rId7"/>
+                <asvg:svgBlip xmlns="" xmlns:asvg="http://schemas.microsoft.com/office/drawing/2016/SVG/main" r:embed="rId7"/>
               </a:ext>
             </a:extLst>
           </a:blip>
@@ -24480,7 +24464,7 @@
           <p:cNvPr id="19" name="Graphic 18" descr="Server">
             <a:extLst>
               <a:ext uri="{FF2B5EF4-FFF2-40B4-BE49-F238E27FC236}">
-                <a16:creationId xmlns:a16="http://schemas.microsoft.com/office/drawing/2014/main" xmlns="" id="{DB5AEF96-932A-4024-85E8-20825E817DD7}"/>
+                <a16:creationId xmlns="" xmlns:a16="http://schemas.microsoft.com/office/drawing/2014/main" id="{DB5AEF96-932A-4024-85E8-20825E817DD7}"/>
               </a:ext>
             </a:extLst>
           </p:cNvPr>
@@ -24493,7 +24477,7 @@
           <a:blip r:embed="rId6">
             <a:extLst>
               <a:ext uri="{96DAC541-7B7A-43D3-8B79-37D633B846F1}">
-                <asvg:svgBlip xmlns:asvg="http://schemas.microsoft.com/office/drawing/2016/SVG/main" xmlns="" r:embed="rId7"/>
+                <asvg:svgBlip xmlns="" xmlns:asvg="http://schemas.microsoft.com/office/drawing/2016/SVG/main" r:embed="rId7"/>
               </a:ext>
             </a:extLst>
           </a:blip>
@@ -24516,7 +24500,7 @@
           <p:cNvPr id="21" name="Straight Arrow Connector 20">
             <a:extLst>
               <a:ext uri="{FF2B5EF4-FFF2-40B4-BE49-F238E27FC236}">
-                <a16:creationId xmlns:a16="http://schemas.microsoft.com/office/drawing/2014/main" xmlns="" id="{77B5BEE7-4921-43C3-9884-9B6EC42B05EE}"/>
+                <a16:creationId xmlns="" xmlns:a16="http://schemas.microsoft.com/office/drawing/2014/main" id="{77B5BEE7-4921-43C3-9884-9B6EC42B05EE}"/>
               </a:ext>
             </a:extLst>
           </p:cNvPr>
@@ -24558,7 +24542,7 @@
           <p:cNvPr id="25" name="Straight Connector 24">
             <a:extLst>
               <a:ext uri="{FF2B5EF4-FFF2-40B4-BE49-F238E27FC236}">
-                <a16:creationId xmlns:a16="http://schemas.microsoft.com/office/drawing/2014/main" xmlns="" id="{73DE03B1-CC3F-4E26-81F0-81BE00F34104}"/>
+                <a16:creationId xmlns="" xmlns:a16="http://schemas.microsoft.com/office/drawing/2014/main" id="{73DE03B1-CC3F-4E26-81F0-81BE00F34104}"/>
               </a:ext>
             </a:extLst>
           </p:cNvPr>
@@ -24597,7 +24581,7 @@
           <p:cNvPr id="26" name="TextBox 25">
             <a:extLst>
               <a:ext uri="{FF2B5EF4-FFF2-40B4-BE49-F238E27FC236}">
-                <a16:creationId xmlns:a16="http://schemas.microsoft.com/office/drawing/2014/main" xmlns="" id="{16CE1363-D2AE-4275-A9D2-2FB0D1EB317F}"/>
+                <a16:creationId xmlns="" xmlns:a16="http://schemas.microsoft.com/office/drawing/2014/main" id="{16CE1363-D2AE-4275-A9D2-2FB0D1EB317F}"/>
               </a:ext>
             </a:extLst>
           </p:cNvPr>
@@ -24632,7 +24616,7 @@
           <p:cNvPr id="28" name="TextBox 27">
             <a:extLst>
               <a:ext uri="{FF2B5EF4-FFF2-40B4-BE49-F238E27FC236}">
-                <a16:creationId xmlns:a16="http://schemas.microsoft.com/office/drawing/2014/main" xmlns="" id="{4E106387-801B-4B84-8DE2-D5D0C9E2D146}"/>
+                <a16:creationId xmlns="" xmlns:a16="http://schemas.microsoft.com/office/drawing/2014/main" id="{4E106387-801B-4B84-8DE2-D5D0C9E2D146}"/>
               </a:ext>
             </a:extLst>
           </p:cNvPr>
@@ -24667,7 +24651,7 @@
           <p:cNvPr id="30" name="TextBox 29">
             <a:extLst>
               <a:ext uri="{FF2B5EF4-FFF2-40B4-BE49-F238E27FC236}">
-                <a16:creationId xmlns:a16="http://schemas.microsoft.com/office/drawing/2014/main" xmlns="" id="{D70ADCC6-62AE-4E66-B896-686588015D67}"/>
+                <a16:creationId xmlns="" xmlns:a16="http://schemas.microsoft.com/office/drawing/2014/main" id="{D70ADCC6-62AE-4E66-B896-686588015D67}"/>
               </a:ext>
             </a:extLst>
           </p:cNvPr>
@@ -24702,7 +24686,7 @@
           <p:cNvPr id="31" name="TextBox 30">
             <a:extLst>
               <a:ext uri="{FF2B5EF4-FFF2-40B4-BE49-F238E27FC236}">
-                <a16:creationId xmlns:a16="http://schemas.microsoft.com/office/drawing/2014/main" xmlns="" id="{6D43CEEC-3E75-4A50-B80E-6721D5B99DEC}"/>
+                <a16:creationId xmlns="" xmlns:a16="http://schemas.microsoft.com/office/drawing/2014/main" id="{6D43CEEC-3E75-4A50-B80E-6721D5B99DEC}"/>
               </a:ext>
             </a:extLst>
           </p:cNvPr>
@@ -24745,7 +24729,7 @@
           <p:cNvPr id="32" name="Picture 31">
             <a:extLst>
               <a:ext uri="{FF2B5EF4-FFF2-40B4-BE49-F238E27FC236}">
-                <a16:creationId xmlns:a16="http://schemas.microsoft.com/office/drawing/2014/main" xmlns="" id="{0A28CED3-D298-463D-8A0A-1BD9FCBC3B28}"/>
+                <a16:creationId xmlns="" xmlns:a16="http://schemas.microsoft.com/office/drawing/2014/main" id="{0A28CED3-D298-463D-8A0A-1BD9FCBC3B28}"/>
               </a:ext>
             </a:extLst>
           </p:cNvPr>
@@ -24775,7 +24759,7 @@
           <p:cNvPr id="34" name="Rectangle 33">
             <a:extLst>
               <a:ext uri="{FF2B5EF4-FFF2-40B4-BE49-F238E27FC236}">
-                <a16:creationId xmlns:a16="http://schemas.microsoft.com/office/drawing/2014/main" xmlns="" id="{1F2DC80C-67E9-49A0-9E9D-7911B38F35CC}"/>
+                <a16:creationId xmlns="" xmlns:a16="http://schemas.microsoft.com/office/drawing/2014/main" id="{1F2DC80C-67E9-49A0-9E9D-7911B38F35CC}"/>
               </a:ext>
             </a:extLst>
           </p:cNvPr>
@@ -24869,10 +24853,10 @@
           <p:cNvPr id="8" name="Rectangle 7">
             <a:extLst>
               <a:ext uri="{FF2B5EF4-FFF2-40B4-BE49-F238E27FC236}">
-                <a16:creationId xmlns:a16="http://schemas.microsoft.com/office/drawing/2014/main" xmlns="" id="{F9B8E572-2CE6-4185-BC38-989024BC010D}"/>
+                <a16:creationId xmlns="" xmlns:a16="http://schemas.microsoft.com/office/drawing/2014/main" id="{F9B8E572-2CE6-4185-BC38-989024BC010D}"/>
               </a:ext>
               <a:ext uri="{C183D7F6-B498-43B3-948B-1728B52AA6E4}">
-                <adec:decorative xmlns:adec="http://schemas.microsoft.com/office/drawing/2017/decorative" xmlns="" val="1"/>
+                <adec:decorative xmlns="" xmlns:adec="http://schemas.microsoft.com/office/drawing/2017/decorative" val="1"/>
               </a:ext>
             </a:extLst>
           </p:cNvPr>
@@ -24929,7 +24913,7 @@
           <p:cNvPr id="2" name="Title 1">
             <a:extLst>
               <a:ext uri="{FF2B5EF4-FFF2-40B4-BE49-F238E27FC236}">
-                <a16:creationId xmlns:a16="http://schemas.microsoft.com/office/drawing/2014/main" xmlns="" id="{883D1961-8703-4143-A50A-A9D891D8FC52}"/>
+                <a16:creationId xmlns="" xmlns:a16="http://schemas.microsoft.com/office/drawing/2014/main" id="{883D1961-8703-4143-A50A-A9D891D8FC52}"/>
               </a:ext>
             </a:extLst>
           </p:cNvPr>
@@ -24964,10 +24948,10 @@
           <p:cNvPr id="10" name="Straight Connector 9">
             <a:extLst>
               <a:ext uri="{FF2B5EF4-FFF2-40B4-BE49-F238E27FC236}">
-                <a16:creationId xmlns:a16="http://schemas.microsoft.com/office/drawing/2014/main" xmlns="" id="{75415567-45D9-4FB5-B020-6FAD77889407}"/>
+                <a16:creationId xmlns="" xmlns:a16="http://schemas.microsoft.com/office/drawing/2014/main" id="{75415567-45D9-4FB5-B020-6FAD77889407}"/>
               </a:ext>
               <a:ext uri="{C183D7F6-B498-43B3-948B-1728B52AA6E4}">
-                <adec:decorative xmlns:adec="http://schemas.microsoft.com/office/drawing/2017/decorative" xmlns="" val="1"/>
+                <adec:decorative xmlns="" xmlns:adec="http://schemas.microsoft.com/office/drawing/2017/decorative" val="1"/>
               </a:ext>
             </a:extLst>
           </p:cNvPr>
@@ -25016,7 +25000,7 @@
           <p:cNvPr id="3" name="Content Placeholder 2">
             <a:extLst>
               <a:ext uri="{FF2B5EF4-FFF2-40B4-BE49-F238E27FC236}">
-                <a16:creationId xmlns:a16="http://schemas.microsoft.com/office/drawing/2014/main" xmlns="" id="{CFF4E226-9212-4F40-9BBF-9B120E901A18}"/>
+                <a16:creationId xmlns="" xmlns:a16="http://schemas.microsoft.com/office/drawing/2014/main" id="{CFF4E226-9212-4F40-9BBF-9B120E901A18}"/>
               </a:ext>
             </a:extLst>
           </p:cNvPr>
@@ -25257,7 +25241,7 @@
         <p:spPr>
           <a:xfrm>
             <a:off x="754743" y="0"/>
-            <a:ext cx="10682514" cy="6858000"/>
+            <a:ext cx="10682515" cy="6858000"/>
           </a:xfrm>
         </p:spPr>
         <p:txBody>
@@ -25268,7 +25252,7 @@
           <a:p>
             <a:pPr algn="l" fontAlgn="ctr"/>
             <a:r>
-              <a:rPr lang="en-US" sz="2800" dirty="0" smtClean="0">
+              <a:rPr lang="en-US" sz="2800" dirty="0">
                 <a:latin typeface="Times New Roman" charset="0"/>
                 <a:ea typeface="Times New Roman" charset="0"/>
                 <a:cs typeface="Times New Roman" charset="0"/>
@@ -25276,14 +25260,14 @@
               <a:t>Except where otherwise noted, this work by</a:t>
             </a:r>
             <a:br>
-              <a:rPr lang="en-US" sz="2800" dirty="0" smtClean="0">
+              <a:rPr lang="en-US" sz="2800" dirty="0">
                 <a:latin typeface="Times New Roman" charset="0"/>
                 <a:ea typeface="Times New Roman" charset="0"/>
                 <a:cs typeface="Times New Roman" charset="0"/>
               </a:rPr>
             </a:br>
             <a:r>
-              <a:rPr lang="en-US" sz="2800" dirty="0" smtClean="0">
+              <a:rPr lang="en-US" sz="2800" dirty="0">
                 <a:latin typeface="Times New Roman" charset="0"/>
                 <a:ea typeface="Times New Roman" charset="0"/>
                 <a:cs typeface="Times New Roman" charset="0"/>
@@ -25291,31 +25275,56 @@
               <a:t>The Shodor Education Foundation, Inc. is licensed under</a:t>
             </a:r>
             <a:br>
-              <a:rPr lang="en-US" sz="2800" dirty="0" smtClean="0">
+              <a:rPr lang="en-US" sz="2800" dirty="0">
                 <a:latin typeface="Times New Roman" charset="0"/>
                 <a:ea typeface="Times New Roman" charset="0"/>
                 <a:cs typeface="Times New Roman" charset="0"/>
               </a:rPr>
             </a:br>
             <a:r>
-              <a:rPr lang="en-US" sz="2800" dirty="0" smtClean="0">
+              <a:rPr lang="en-US" sz="2800" dirty="0">
                 <a:latin typeface="Times New Roman" charset="0"/>
                 <a:ea typeface="Times New Roman" charset="0"/>
                 <a:cs typeface="Times New Roman" charset="0"/>
               </a:rPr>
-              <a:t>CC BY-NC 4.0. To view a copy of this license, visit </a:t>
+              <a:t>CC </a:t>
             </a:r>
             <a:r>
-              <a:rPr lang="en-US" sz="2800" dirty="0" smtClean="0">
+              <a:rPr lang="en-US" sz="2800" dirty="0">
+                <a:latin typeface="Times New Roman" charset="0"/>
+                <a:ea typeface="Times New Roman" charset="0"/>
+                <a:cs typeface="Times New Roman" charset="0"/>
+              </a:rPr>
+              <a:t>BY-SA </a:t>
+            </a:r>
+            <a:r>
+              <a:rPr lang="en-US" sz="2800" dirty="0">
+                <a:latin typeface="Times New Roman" charset="0"/>
+                <a:ea typeface="Times New Roman" charset="0"/>
+                <a:cs typeface="Times New Roman" charset="0"/>
+              </a:rPr>
+              <a:t>4.0. To view a copy of this license, visit </a:t>
+            </a:r>
+            <a:r>
+              <a:rPr lang="en-US" sz="2800" dirty="0">
                 <a:latin typeface="Times New Roman" charset="0"/>
                 <a:ea typeface="Times New Roman" charset="0"/>
                 <a:cs typeface="Times New Roman" charset="0"/>
                 <a:hlinkClick r:id="rId2"/>
               </a:rPr>
-              <a:t>https://creativecommons.org/licenses/by-nc/4.0</a:t>
+              <a:t>https://</a:t>
             </a:r>
             <a:r>
-              <a:rPr lang="en-US" sz="2800" dirty="0" smtClean="0">
+              <a:rPr lang="en-US" sz="2800" dirty="0">
+                <a:latin typeface="Times New Roman" charset="0"/>
+                <a:ea typeface="Times New Roman" charset="0"/>
+                <a:cs typeface="Times New Roman" charset="0"/>
+                <a:hlinkClick r:id="rId2"/>
+              </a:rPr>
+              <a:t>creativecommons.org/licenses/by-sa/4.0</a:t>
+            </a:r>
+            <a:r>
+              <a:rPr lang="en-US" sz="2800" dirty="0">
                 <a:latin typeface="Times New Roman" charset="0"/>
                 <a:ea typeface="Times New Roman" charset="0"/>
                 <a:cs typeface="Times New Roman" charset="0"/>
@@ -25323,14 +25332,14 @@
               <a:t/>
             </a:r>
             <a:br>
-              <a:rPr lang="en-US" sz="2800" dirty="0" smtClean="0">
+              <a:rPr lang="en-US" sz="2800" dirty="0">
                 <a:latin typeface="Times New Roman" charset="0"/>
                 <a:ea typeface="Times New Roman" charset="0"/>
                 <a:cs typeface="Times New Roman" charset="0"/>
               </a:rPr>
             </a:br>
             <a:r>
-              <a:rPr lang="en-US" sz="2800" dirty="0" smtClean="0">
+              <a:rPr lang="en-US" sz="2800" dirty="0">
                 <a:latin typeface="Times New Roman" charset="0"/>
                 <a:ea typeface="Times New Roman" charset="0"/>
                 <a:cs typeface="Times New Roman" charset="0"/>
@@ -25338,14 +25347,14 @@
               <a:t/>
             </a:r>
             <a:br>
-              <a:rPr lang="en-US" sz="2800" dirty="0" smtClean="0">
+              <a:rPr lang="en-US" sz="2800" dirty="0">
                 <a:latin typeface="Times New Roman" charset="0"/>
                 <a:ea typeface="Times New Roman" charset="0"/>
                 <a:cs typeface="Times New Roman" charset="0"/>
               </a:rPr>
             </a:br>
             <a:r>
-              <a:rPr lang="en-US" sz="2800" dirty="0" smtClean="0">
+              <a:rPr lang="en-US" sz="2800" dirty="0">
                 <a:latin typeface="Times New Roman" charset="0"/>
                 <a:ea typeface="Times New Roman" charset="0"/>
                 <a:cs typeface="Times New Roman" charset="0"/>
@@ -25353,7 +25362,7 @@
               <a:t>Browse and search the full curriculum at </a:t>
             </a:r>
             <a:r>
-              <a:rPr lang="en-US" sz="2800" dirty="0" smtClean="0">
+              <a:rPr lang="en-US" sz="2800" dirty="0">
                 <a:latin typeface="Times New Roman" charset="0"/>
                 <a:ea typeface="Times New Roman" charset="0"/>
                 <a:cs typeface="Times New Roman" charset="0"/>
@@ -25362,7 +25371,7 @@
               <a:t>http://shodor.org/petascale/materials/semester-curriculum</a:t>
             </a:r>
             <a:r>
-              <a:rPr lang="en-US" sz="2800" dirty="0" smtClean="0">
+              <a:rPr lang="en-US" sz="2800" dirty="0">
                 <a:latin typeface="Times New Roman" charset="0"/>
                 <a:ea typeface="Times New Roman" charset="0"/>
                 <a:cs typeface="Times New Roman" charset="0"/>
@@ -25370,14 +25379,14 @@
               <a:t/>
             </a:r>
             <a:br>
-              <a:rPr lang="en-US" sz="2800" dirty="0" smtClean="0">
+              <a:rPr lang="en-US" sz="2800" dirty="0">
                 <a:latin typeface="Times New Roman" charset="0"/>
                 <a:ea typeface="Times New Roman" charset="0"/>
                 <a:cs typeface="Times New Roman" charset="0"/>
               </a:rPr>
             </a:br>
             <a:r>
-              <a:rPr lang="en-US" sz="2800" dirty="0" smtClean="0">
+              <a:rPr lang="en-US" sz="2800" dirty="0">
                 <a:latin typeface="Times New Roman" charset="0"/>
                 <a:ea typeface="Times New Roman" charset="0"/>
                 <a:cs typeface="Times New Roman" charset="0"/>
@@ -25385,14 +25394,14 @@
               <a:t/>
             </a:r>
             <a:br>
-              <a:rPr lang="en-US" sz="2800" dirty="0" smtClean="0">
+              <a:rPr lang="en-US" sz="2800" dirty="0">
                 <a:latin typeface="Times New Roman" charset="0"/>
                 <a:ea typeface="Times New Roman" charset="0"/>
                 <a:cs typeface="Times New Roman" charset="0"/>
               </a:rPr>
             </a:br>
             <a:r>
-              <a:rPr lang="en-US" sz="2800" dirty="0" smtClean="0">
+              <a:rPr lang="en-US" sz="2800" dirty="0">
                 <a:latin typeface="Times New Roman" charset="0"/>
                 <a:ea typeface="Times New Roman" charset="0"/>
                 <a:cs typeface="Times New Roman" charset="0"/>
@@ -25400,7 +25409,7 @@
               <a:t>We welcome your improvements! You can submit your proposed changes to this material and the rest of the curriculum in our GitHub repository at </a:t>
             </a:r>
             <a:r>
-              <a:rPr lang="en-US" sz="2800" dirty="0" smtClean="0">
+              <a:rPr lang="en-US" sz="2800" dirty="0">
                 <a:latin typeface="Times New Roman" charset="0"/>
                 <a:ea typeface="Times New Roman" charset="0"/>
                 <a:cs typeface="Times New Roman" charset="0"/>
@@ -25409,7 +25418,7 @@
               <a:t>https://github.com/shodor-education/petascale-semester-curriculum</a:t>
             </a:r>
             <a:r>
-              <a:rPr lang="en-US" sz="2800" dirty="0" smtClean="0">
+              <a:rPr lang="en-US" sz="2800" dirty="0">
                 <a:latin typeface="Times New Roman" charset="0"/>
                 <a:ea typeface="Times New Roman" charset="0"/>
                 <a:cs typeface="Times New Roman" charset="0"/>
@@ -25417,14 +25426,14 @@
               <a:t/>
             </a:r>
             <a:br>
-              <a:rPr lang="en-US" sz="2800" dirty="0" smtClean="0">
+              <a:rPr lang="en-US" sz="2800" dirty="0">
                 <a:latin typeface="Times New Roman" charset="0"/>
                 <a:ea typeface="Times New Roman" charset="0"/>
                 <a:cs typeface="Times New Roman" charset="0"/>
               </a:rPr>
             </a:br>
             <a:r>
-              <a:rPr lang="en-US" sz="2800" dirty="0" smtClean="0">
+              <a:rPr lang="en-US" sz="2800" dirty="0">
                 <a:latin typeface="Times New Roman" charset="0"/>
                 <a:ea typeface="Times New Roman" charset="0"/>
                 <a:cs typeface="Times New Roman" charset="0"/>
@@ -25432,14 +25441,14 @@
               <a:t/>
             </a:r>
             <a:br>
-              <a:rPr lang="en-US" sz="2800" dirty="0" smtClean="0">
+              <a:rPr lang="en-US" sz="2800" dirty="0">
                 <a:latin typeface="Times New Roman" charset="0"/>
                 <a:ea typeface="Times New Roman" charset="0"/>
                 <a:cs typeface="Times New Roman" charset="0"/>
               </a:rPr>
             </a:br>
             <a:r>
-              <a:rPr lang="en-US" sz="2800" dirty="0" smtClean="0">
+              <a:rPr lang="en-US" sz="2800" dirty="0">
                 <a:latin typeface="Times New Roman" charset="0"/>
                 <a:ea typeface="Times New Roman" charset="0"/>
                 <a:cs typeface="Times New Roman" charset="0"/>
@@ -25447,7 +25456,7 @@
               <a:t>We want to hear from you! Please let us know your experiences using this material by sending email to </a:t>
             </a:r>
             <a:r>
-              <a:rPr lang="en-US" sz="2800" dirty="0" smtClean="0">
+              <a:rPr lang="en-US" sz="2800" dirty="0">
                 <a:latin typeface="Times New Roman" charset="0"/>
                 <a:ea typeface="Times New Roman" charset="0"/>
                 <a:cs typeface="Times New Roman" charset="0"/>
@@ -25466,7 +25475,7 @@
     </p:spTree>
     <p:extLst>
       <p:ext uri="{BB962C8B-B14F-4D97-AF65-F5344CB8AC3E}">
-        <p14:creationId xmlns:p14="http://schemas.microsoft.com/office/powerpoint/2010/main" val="1198126930"/>
+        <p14:creationId xmlns:p14="http://schemas.microsoft.com/office/powerpoint/2010/main" val="243746534"/>
       </p:ext>
     </p:extLst>
   </p:cSld>
@@ -25506,10 +25515,10 @@
           <p:cNvPr id="9" name="Rectangle 8">
             <a:extLst>
               <a:ext uri="{FF2B5EF4-FFF2-40B4-BE49-F238E27FC236}">
-                <a16:creationId xmlns:a16="http://schemas.microsoft.com/office/drawing/2014/main" xmlns="" id="{2FDF0794-1B86-42B2-B8C7-F60123E638ED}"/>
+                <a16:creationId xmlns="" xmlns:a16="http://schemas.microsoft.com/office/drawing/2014/main" id="{2FDF0794-1B86-42B2-B8C7-F60123E638ED}"/>
               </a:ext>
               <a:ext uri="{C183D7F6-B498-43B3-948B-1728B52AA6E4}">
-                <adec:decorative xmlns:adec="http://schemas.microsoft.com/office/drawing/2017/decorative" xmlns="" val="1"/>
+                <adec:decorative xmlns="" xmlns:adec="http://schemas.microsoft.com/office/drawing/2017/decorative" val="1"/>
               </a:ext>
             </a:extLst>
           </p:cNvPr>
@@ -25569,7 +25578,7 @@
           <p:cNvPr id="5" name="Picture 4">
             <a:extLst>
               <a:ext uri="{FF2B5EF4-FFF2-40B4-BE49-F238E27FC236}">
-                <a16:creationId xmlns:a16="http://schemas.microsoft.com/office/drawing/2014/main" xmlns="" id="{48C73C07-776C-43B1-9929-546A3147FC8C}"/>
+                <a16:creationId xmlns="" xmlns:a16="http://schemas.microsoft.com/office/drawing/2014/main" id="{48C73C07-776C-43B1-9929-546A3147FC8C}"/>
               </a:ext>
             </a:extLst>
           </p:cNvPr>
@@ -25598,10 +25607,10 @@
           <p:cNvPr id="11" name="Rectangle 10">
             <a:extLst>
               <a:ext uri="{FF2B5EF4-FFF2-40B4-BE49-F238E27FC236}">
-                <a16:creationId xmlns:a16="http://schemas.microsoft.com/office/drawing/2014/main" xmlns="" id="{C5373426-E26E-431D-959C-5DB96C0B6208}"/>
+                <a16:creationId xmlns="" xmlns:a16="http://schemas.microsoft.com/office/drawing/2014/main" id="{C5373426-E26E-431D-959C-5DB96C0B6208}"/>
               </a:ext>
               <a:ext uri="{C183D7F6-B498-43B3-948B-1728B52AA6E4}">
-                <adec:decorative xmlns:adec="http://schemas.microsoft.com/office/drawing/2017/decorative" xmlns="" val="1"/>
+                <adec:decorative xmlns="" xmlns:adec="http://schemas.microsoft.com/office/drawing/2017/decorative" val="1"/>
               </a:ext>
             </a:extLst>
           </p:cNvPr>
@@ -25663,7 +25672,7 @@
           <p:cNvPr id="2" name="Title 1">
             <a:extLst>
               <a:ext uri="{FF2B5EF4-FFF2-40B4-BE49-F238E27FC236}">
-                <a16:creationId xmlns:a16="http://schemas.microsoft.com/office/drawing/2014/main" xmlns="" id="{D33DE194-0A7D-421E-8C55-B97B2C35B93D}"/>
+                <a16:creationId xmlns="" xmlns:a16="http://schemas.microsoft.com/office/drawing/2014/main" id="{D33DE194-0A7D-421E-8C55-B97B2C35B93D}"/>
               </a:ext>
             </a:extLst>
           </p:cNvPr>
@@ -25702,10 +25711,10 @@
           <p:cNvPr id="13" name="Straight Connector 12">
             <a:extLst>
               <a:ext uri="{FF2B5EF4-FFF2-40B4-BE49-F238E27FC236}">
-                <a16:creationId xmlns:a16="http://schemas.microsoft.com/office/drawing/2014/main" xmlns="" id="{96D07482-83A3-4451-943C-B46961082957}"/>
+                <a16:creationId xmlns="" xmlns:a16="http://schemas.microsoft.com/office/drawing/2014/main" id="{96D07482-83A3-4451-943C-B46961082957}"/>
               </a:ext>
               <a:ext uri="{C183D7F6-B498-43B3-948B-1728B52AA6E4}">
-                <adec:decorative xmlns:adec="http://schemas.microsoft.com/office/drawing/2017/decorative" xmlns="" val="1"/>
+                <adec:decorative xmlns="" xmlns:adec="http://schemas.microsoft.com/office/drawing/2017/decorative" val="1"/>
               </a:ext>
             </a:extLst>
           </p:cNvPr>
@@ -25799,10 +25808,10 @@
           <p:cNvPr id="10" name="Rectangle 9">
             <a:extLst>
               <a:ext uri="{FF2B5EF4-FFF2-40B4-BE49-F238E27FC236}">
-                <a16:creationId xmlns:a16="http://schemas.microsoft.com/office/drawing/2014/main" xmlns="" id="{6109556B-EAE9-4435-B409-0519F2CBDB14}"/>
+                <a16:creationId xmlns="" xmlns:a16="http://schemas.microsoft.com/office/drawing/2014/main" id="{6109556B-EAE9-4435-B409-0519F2CBDB14}"/>
               </a:ext>
               <a:ext uri="{C183D7F6-B498-43B3-948B-1728B52AA6E4}">
-                <adec:decorative xmlns:adec="http://schemas.microsoft.com/office/drawing/2017/decorative" xmlns="" val="1"/>
+                <adec:decorative xmlns="" xmlns:adec="http://schemas.microsoft.com/office/drawing/2017/decorative" val="1"/>
               </a:ext>
             </a:extLst>
           </p:cNvPr>
@@ -25862,7 +25871,7 @@
           <p:cNvPr id="2" name="Title 1">
             <a:extLst>
               <a:ext uri="{FF2B5EF4-FFF2-40B4-BE49-F238E27FC236}">
-                <a16:creationId xmlns:a16="http://schemas.microsoft.com/office/drawing/2014/main" xmlns="" id="{29A9E6A4-AE7A-42E2-977F-3BFFE98CA697}"/>
+                <a16:creationId xmlns="" xmlns:a16="http://schemas.microsoft.com/office/drawing/2014/main" id="{29A9E6A4-AE7A-42E2-977F-3BFFE98CA697}"/>
               </a:ext>
             </a:extLst>
           </p:cNvPr>
@@ -25901,10 +25910,10 @@
           <p:cNvPr id="12" name="Straight Connector 11">
             <a:extLst>
               <a:ext uri="{FF2B5EF4-FFF2-40B4-BE49-F238E27FC236}">
-                <a16:creationId xmlns:a16="http://schemas.microsoft.com/office/drawing/2014/main" xmlns="" id="{5814CCBE-423E-41B2-A9F3-82679F490EF4}"/>
+                <a16:creationId xmlns="" xmlns:a16="http://schemas.microsoft.com/office/drawing/2014/main" id="{5814CCBE-423E-41B2-A9F3-82679F490EF4}"/>
               </a:ext>
               <a:ext uri="{C183D7F6-B498-43B3-948B-1728B52AA6E4}">
-                <adec:decorative xmlns:adec="http://schemas.microsoft.com/office/drawing/2017/decorative" xmlns="" val="1"/>
+                <adec:decorative xmlns="" xmlns:adec="http://schemas.microsoft.com/office/drawing/2017/decorative" val="1"/>
               </a:ext>
             </a:extLst>
           </p:cNvPr>
@@ -25953,7 +25962,7 @@
           <p:cNvPr id="3" name="Content Placeholder 2">
             <a:extLst>
               <a:ext uri="{FF2B5EF4-FFF2-40B4-BE49-F238E27FC236}">
-                <a16:creationId xmlns:a16="http://schemas.microsoft.com/office/drawing/2014/main" xmlns="" id="{080E24F3-1822-4BFF-BF7D-17E2E759AE7C}"/>
+                <a16:creationId xmlns="" xmlns:a16="http://schemas.microsoft.com/office/drawing/2014/main" id="{080E24F3-1822-4BFF-BF7D-17E2E759AE7C}"/>
               </a:ext>
             </a:extLst>
           </p:cNvPr>
@@ -26045,7 +26054,7 @@
           <p:cNvPr id="5" name="Picture 4">
             <a:extLst>
               <a:ext uri="{FF2B5EF4-FFF2-40B4-BE49-F238E27FC236}">
-                <a16:creationId xmlns:a16="http://schemas.microsoft.com/office/drawing/2014/main" xmlns="" id="{696BA665-054F-45E2-B5CF-5041261CA538}"/>
+                <a16:creationId xmlns="" xmlns:a16="http://schemas.microsoft.com/office/drawing/2014/main" id="{696BA665-054F-45E2-B5CF-5041261CA538}"/>
               </a:ext>
             </a:extLst>
           </p:cNvPr>
@@ -26111,7 +26120,7 @@
           <p:cNvPr id="2" name="Title 1">
             <a:extLst>
               <a:ext uri="{FF2B5EF4-FFF2-40B4-BE49-F238E27FC236}">
-                <a16:creationId xmlns:a16="http://schemas.microsoft.com/office/drawing/2014/main" xmlns="" id="{F24F037D-7D22-479A-ADC3-040CAFCF50C2}"/>
+                <a16:creationId xmlns="" xmlns:a16="http://schemas.microsoft.com/office/drawing/2014/main" id="{F24F037D-7D22-479A-ADC3-040CAFCF50C2}"/>
               </a:ext>
             </a:extLst>
           </p:cNvPr>
@@ -26139,7 +26148,7 @@
           <p:cNvPr id="5" name="Content Placeholder 4" descr="Database">
             <a:extLst>
               <a:ext uri="{FF2B5EF4-FFF2-40B4-BE49-F238E27FC236}">
-                <a16:creationId xmlns:a16="http://schemas.microsoft.com/office/drawing/2014/main" xmlns="" id="{810DE54E-2F01-46FB-BF78-FF8BC87969CC}"/>
+                <a16:creationId xmlns="" xmlns:a16="http://schemas.microsoft.com/office/drawing/2014/main" id="{810DE54E-2F01-46FB-BF78-FF8BC87969CC}"/>
               </a:ext>
             </a:extLst>
           </p:cNvPr>
@@ -26154,7 +26163,7 @@
           <a:blip r:embed="rId2">
             <a:extLst>
               <a:ext uri="{96DAC541-7B7A-43D3-8B79-37D633B846F1}">
-                <asvg:svgBlip xmlns:asvg="http://schemas.microsoft.com/office/drawing/2016/SVG/main" xmlns="" r:embed="rId3"/>
+                <asvg:svgBlip xmlns="" xmlns:asvg="http://schemas.microsoft.com/office/drawing/2016/SVG/main" r:embed="rId3"/>
               </a:ext>
             </a:extLst>
           </a:blip>
@@ -26174,7 +26183,7 @@
           <p:cNvPr id="7" name="Graphic 6" descr="Computer">
             <a:extLst>
               <a:ext uri="{FF2B5EF4-FFF2-40B4-BE49-F238E27FC236}">
-                <a16:creationId xmlns:a16="http://schemas.microsoft.com/office/drawing/2014/main" xmlns="" id="{CB146379-DE3A-4F99-8E8B-F6A9E3E4FF51}"/>
+                <a16:creationId xmlns="" xmlns:a16="http://schemas.microsoft.com/office/drawing/2014/main" id="{CB146379-DE3A-4F99-8E8B-F6A9E3E4FF51}"/>
               </a:ext>
             </a:extLst>
           </p:cNvPr>
@@ -26187,7 +26196,7 @@
           <a:blip r:embed="rId4">
             <a:extLst>
               <a:ext uri="{96DAC541-7B7A-43D3-8B79-37D633B846F1}">
-                <asvg:svgBlip xmlns:asvg="http://schemas.microsoft.com/office/drawing/2016/SVG/main" xmlns="" r:embed="rId5"/>
+                <asvg:svgBlip xmlns="" xmlns:asvg="http://schemas.microsoft.com/office/drawing/2016/SVG/main" r:embed="rId5"/>
               </a:ext>
             </a:extLst>
           </a:blip>
@@ -26210,7 +26219,7 @@
           <p:cNvPr id="12" name="Straight Connector 11">
             <a:extLst>
               <a:ext uri="{FF2B5EF4-FFF2-40B4-BE49-F238E27FC236}">
-                <a16:creationId xmlns:a16="http://schemas.microsoft.com/office/drawing/2014/main" xmlns="" id="{B5C721F4-50D6-4534-AAD2-0AC59B3B5810}"/>
+                <a16:creationId xmlns="" xmlns:a16="http://schemas.microsoft.com/office/drawing/2014/main" id="{B5C721F4-50D6-4534-AAD2-0AC59B3B5810}"/>
               </a:ext>
             </a:extLst>
           </p:cNvPr>
@@ -26250,7 +26259,7 @@
           <p:cNvPr id="6" name="TextBox 5">
             <a:extLst>
               <a:ext uri="{FF2B5EF4-FFF2-40B4-BE49-F238E27FC236}">
-                <a16:creationId xmlns:a16="http://schemas.microsoft.com/office/drawing/2014/main" xmlns="" id="{5762F2C4-2945-4B30-BFB6-1CD70DEF121E}"/>
+                <a16:creationId xmlns="" xmlns:a16="http://schemas.microsoft.com/office/drawing/2014/main" id="{5762F2C4-2945-4B30-BFB6-1CD70DEF121E}"/>
               </a:ext>
             </a:extLst>
           </p:cNvPr>
@@ -26285,7 +26294,7 @@
           <p:cNvPr id="8" name="TextBox 7">
             <a:extLst>
               <a:ext uri="{FF2B5EF4-FFF2-40B4-BE49-F238E27FC236}">
-                <a16:creationId xmlns:a16="http://schemas.microsoft.com/office/drawing/2014/main" xmlns="" id="{EFA66816-B728-455C-85A2-90B5FD142459}"/>
+                <a16:creationId xmlns="" xmlns:a16="http://schemas.microsoft.com/office/drawing/2014/main" id="{EFA66816-B728-455C-85A2-90B5FD142459}"/>
               </a:ext>
             </a:extLst>
           </p:cNvPr>
@@ -26320,7 +26329,7 @@
           <p:cNvPr id="11" name="TextBox 10">
             <a:extLst>
               <a:ext uri="{FF2B5EF4-FFF2-40B4-BE49-F238E27FC236}">
-                <a16:creationId xmlns:a16="http://schemas.microsoft.com/office/drawing/2014/main" xmlns="" id="{7924B171-AB20-4FAA-B977-76CF66B33BC3}"/>
+                <a16:creationId xmlns="" xmlns:a16="http://schemas.microsoft.com/office/drawing/2014/main" id="{7924B171-AB20-4FAA-B977-76CF66B33BC3}"/>
               </a:ext>
             </a:extLst>
           </p:cNvPr>
@@ -26355,7 +26364,7 @@
           <p:cNvPr id="18" name="Graphic 17" descr="Good Idea">
             <a:extLst>
               <a:ext uri="{FF2B5EF4-FFF2-40B4-BE49-F238E27FC236}">
-                <a16:creationId xmlns:a16="http://schemas.microsoft.com/office/drawing/2014/main" xmlns="" id="{C26062CD-B2C9-4754-97DC-16F9AD0B4C22}"/>
+                <a16:creationId xmlns="" xmlns:a16="http://schemas.microsoft.com/office/drawing/2014/main" id="{C26062CD-B2C9-4754-97DC-16F9AD0B4C22}"/>
               </a:ext>
             </a:extLst>
           </p:cNvPr>
@@ -26368,7 +26377,7 @@
           <a:blip r:embed="rId6">
             <a:extLst>
               <a:ext uri="{96DAC541-7B7A-43D3-8B79-37D633B846F1}">
-                <asvg:svgBlip xmlns:asvg="http://schemas.microsoft.com/office/drawing/2016/SVG/main" xmlns="" r:embed="rId7"/>
+                <asvg:svgBlip xmlns="" xmlns:asvg="http://schemas.microsoft.com/office/drawing/2016/SVG/main" r:embed="rId7"/>
               </a:ext>
             </a:extLst>
           </a:blip>
@@ -26391,7 +26400,7 @@
           <p:cNvPr id="20" name="TextBox 19">
             <a:extLst>
               <a:ext uri="{FF2B5EF4-FFF2-40B4-BE49-F238E27FC236}">
-                <a16:creationId xmlns:a16="http://schemas.microsoft.com/office/drawing/2014/main" xmlns="" id="{5497ACD7-E79E-4961-B74A-A182584235D2}"/>
+                <a16:creationId xmlns="" xmlns:a16="http://schemas.microsoft.com/office/drawing/2014/main" id="{5497ACD7-E79E-4961-B74A-A182584235D2}"/>
               </a:ext>
             </a:extLst>
           </p:cNvPr>
@@ -26479,7 +26488,7 @@
           <p:cNvPr id="2" name="Title 1">
             <a:extLst>
               <a:ext uri="{FF2B5EF4-FFF2-40B4-BE49-F238E27FC236}">
-                <a16:creationId xmlns:a16="http://schemas.microsoft.com/office/drawing/2014/main" xmlns="" id="{F24F037D-7D22-479A-ADC3-040CAFCF50C2}"/>
+                <a16:creationId xmlns="" xmlns:a16="http://schemas.microsoft.com/office/drawing/2014/main" id="{F24F037D-7D22-479A-ADC3-040CAFCF50C2}"/>
               </a:ext>
             </a:extLst>
           </p:cNvPr>
@@ -26507,7 +26516,7 @@
           <p:cNvPr id="5" name="Content Placeholder 4" descr="Database">
             <a:extLst>
               <a:ext uri="{FF2B5EF4-FFF2-40B4-BE49-F238E27FC236}">
-                <a16:creationId xmlns:a16="http://schemas.microsoft.com/office/drawing/2014/main" xmlns="" id="{810DE54E-2F01-46FB-BF78-FF8BC87969CC}"/>
+                <a16:creationId xmlns="" xmlns:a16="http://schemas.microsoft.com/office/drawing/2014/main" id="{810DE54E-2F01-46FB-BF78-FF8BC87969CC}"/>
               </a:ext>
             </a:extLst>
           </p:cNvPr>
@@ -26522,7 +26531,7 @@
           <a:blip r:embed="rId2">
             <a:extLst>
               <a:ext uri="{96DAC541-7B7A-43D3-8B79-37D633B846F1}">
-                <asvg:svgBlip xmlns:asvg="http://schemas.microsoft.com/office/drawing/2016/SVG/main" xmlns="" r:embed="rId3"/>
+                <asvg:svgBlip xmlns="" xmlns:asvg="http://schemas.microsoft.com/office/drawing/2016/SVG/main" r:embed="rId3"/>
               </a:ext>
             </a:extLst>
           </a:blip>
@@ -26542,7 +26551,7 @@
           <p:cNvPr id="7" name="Graphic 6" descr="Computer">
             <a:extLst>
               <a:ext uri="{FF2B5EF4-FFF2-40B4-BE49-F238E27FC236}">
-                <a16:creationId xmlns:a16="http://schemas.microsoft.com/office/drawing/2014/main" xmlns="" id="{CB146379-DE3A-4F99-8E8B-F6A9E3E4FF51}"/>
+                <a16:creationId xmlns="" xmlns:a16="http://schemas.microsoft.com/office/drawing/2014/main" id="{CB146379-DE3A-4F99-8E8B-F6A9E3E4FF51}"/>
               </a:ext>
             </a:extLst>
           </p:cNvPr>
@@ -26555,7 +26564,7 @@
           <a:blip r:embed="rId4">
             <a:extLst>
               <a:ext uri="{96DAC541-7B7A-43D3-8B79-37D633B846F1}">
-                <asvg:svgBlip xmlns:asvg="http://schemas.microsoft.com/office/drawing/2016/SVG/main" xmlns="" r:embed="rId5"/>
+                <asvg:svgBlip xmlns="" xmlns:asvg="http://schemas.microsoft.com/office/drawing/2016/SVG/main" r:embed="rId5"/>
               </a:ext>
             </a:extLst>
           </a:blip>
@@ -26578,7 +26587,7 @@
           <p:cNvPr id="9" name="Graphic 8" descr="Server">
             <a:extLst>
               <a:ext uri="{FF2B5EF4-FFF2-40B4-BE49-F238E27FC236}">
-                <a16:creationId xmlns:a16="http://schemas.microsoft.com/office/drawing/2014/main" xmlns="" id="{35A58F10-B4CB-4D45-8EC0-AF26BE8C304C}"/>
+                <a16:creationId xmlns="" xmlns:a16="http://schemas.microsoft.com/office/drawing/2014/main" id="{35A58F10-B4CB-4D45-8EC0-AF26BE8C304C}"/>
               </a:ext>
             </a:extLst>
           </p:cNvPr>
@@ -26591,7 +26600,7 @@
           <a:blip r:embed="rId6">
             <a:extLst>
               <a:ext uri="{96DAC541-7B7A-43D3-8B79-37D633B846F1}">
-                <asvg:svgBlip xmlns:asvg="http://schemas.microsoft.com/office/drawing/2016/SVG/main" xmlns="" r:embed="rId7"/>
+                <asvg:svgBlip xmlns="" xmlns:asvg="http://schemas.microsoft.com/office/drawing/2016/SVG/main" r:embed="rId7"/>
               </a:ext>
             </a:extLst>
           </a:blip>
@@ -26614,7 +26623,7 @@
           <p:cNvPr id="10" name="Content Placeholder 4" descr="Database">
             <a:extLst>
               <a:ext uri="{FF2B5EF4-FFF2-40B4-BE49-F238E27FC236}">
-                <a16:creationId xmlns:a16="http://schemas.microsoft.com/office/drawing/2014/main" xmlns="" id="{87830537-D818-426E-BB07-CE058CC1D029}"/>
+                <a16:creationId xmlns="" xmlns:a16="http://schemas.microsoft.com/office/drawing/2014/main" id="{87830537-D818-426E-BB07-CE058CC1D029}"/>
               </a:ext>
             </a:extLst>
           </p:cNvPr>
@@ -26627,7 +26636,7 @@
           <a:blip r:embed="rId2">
             <a:extLst>
               <a:ext uri="{96DAC541-7B7A-43D3-8B79-37D633B846F1}">
-                <asvg:svgBlip xmlns:asvg="http://schemas.microsoft.com/office/drawing/2016/SVG/main" xmlns="" r:embed="rId3"/>
+                <asvg:svgBlip xmlns="" xmlns:asvg="http://schemas.microsoft.com/office/drawing/2016/SVG/main" r:embed="rId3"/>
               </a:ext>
             </a:extLst>
           </a:blip>
@@ -26650,7 +26659,7 @@
           <p:cNvPr id="12" name="Straight Connector 11">
             <a:extLst>
               <a:ext uri="{FF2B5EF4-FFF2-40B4-BE49-F238E27FC236}">
-                <a16:creationId xmlns:a16="http://schemas.microsoft.com/office/drawing/2014/main" xmlns="" id="{B5C721F4-50D6-4534-AAD2-0AC59B3B5810}"/>
+                <a16:creationId xmlns="" xmlns:a16="http://schemas.microsoft.com/office/drawing/2014/main" id="{B5C721F4-50D6-4534-AAD2-0AC59B3B5810}"/>
               </a:ext>
             </a:extLst>
           </p:cNvPr>
@@ -26690,7 +26699,7 @@
           <p:cNvPr id="16" name="Straight Connector 15">
             <a:extLst>
               <a:ext uri="{FF2B5EF4-FFF2-40B4-BE49-F238E27FC236}">
-                <a16:creationId xmlns:a16="http://schemas.microsoft.com/office/drawing/2014/main" xmlns="" id="{E980ADB6-24F0-4DEF-9800-876AD2BCB20C}"/>
+                <a16:creationId xmlns="" xmlns:a16="http://schemas.microsoft.com/office/drawing/2014/main" id="{E980ADB6-24F0-4DEF-9800-876AD2BCB20C}"/>
               </a:ext>
             </a:extLst>
           </p:cNvPr>
@@ -26730,7 +26739,7 @@
           <p:cNvPr id="22" name="Graphic 21" descr="Transfer">
             <a:extLst>
               <a:ext uri="{FF2B5EF4-FFF2-40B4-BE49-F238E27FC236}">
-                <a16:creationId xmlns:a16="http://schemas.microsoft.com/office/drawing/2014/main" xmlns="" id="{5E3356BC-FA11-44C9-AA1D-6BF4CC97EA09}"/>
+                <a16:creationId xmlns="" xmlns:a16="http://schemas.microsoft.com/office/drawing/2014/main" id="{5E3356BC-FA11-44C9-AA1D-6BF4CC97EA09}"/>
               </a:ext>
             </a:extLst>
           </p:cNvPr>
@@ -26743,7 +26752,7 @@
           <a:blip r:embed="rId8">
             <a:extLst>
               <a:ext uri="{96DAC541-7B7A-43D3-8B79-37D633B846F1}">
-                <asvg:svgBlip xmlns:asvg="http://schemas.microsoft.com/office/drawing/2016/SVG/main" xmlns="" r:embed="rId9"/>
+                <asvg:svgBlip xmlns="" xmlns:asvg="http://schemas.microsoft.com/office/drawing/2016/SVG/main" r:embed="rId9"/>
               </a:ext>
             </a:extLst>
           </a:blip>
@@ -26766,7 +26775,7 @@
           <p:cNvPr id="23" name="TextBox 22">
             <a:extLst>
               <a:ext uri="{FF2B5EF4-FFF2-40B4-BE49-F238E27FC236}">
-                <a16:creationId xmlns:a16="http://schemas.microsoft.com/office/drawing/2014/main" xmlns="" id="{DCB0E2E8-C877-4CFD-82C6-4F784D4DBF21}"/>
+                <a16:creationId xmlns="" xmlns:a16="http://schemas.microsoft.com/office/drawing/2014/main" id="{DCB0E2E8-C877-4CFD-82C6-4F784D4DBF21}"/>
               </a:ext>
             </a:extLst>
           </p:cNvPr>
@@ -26868,7 +26877,7 @@
           <p:cNvPr id="24" name="TextBox 23">
             <a:extLst>
               <a:ext uri="{FF2B5EF4-FFF2-40B4-BE49-F238E27FC236}">
-                <a16:creationId xmlns:a16="http://schemas.microsoft.com/office/drawing/2014/main" xmlns="" id="{9818DE52-DD04-47F7-BCC1-B097FBD31411}"/>
+                <a16:creationId xmlns="" xmlns:a16="http://schemas.microsoft.com/office/drawing/2014/main" id="{9818DE52-DD04-47F7-BCC1-B097FBD31411}"/>
               </a:ext>
             </a:extLst>
           </p:cNvPr>
@@ -26903,7 +26912,7 @@
           <p:cNvPr id="25" name="TextBox 24">
             <a:extLst>
               <a:ext uri="{FF2B5EF4-FFF2-40B4-BE49-F238E27FC236}">
-                <a16:creationId xmlns:a16="http://schemas.microsoft.com/office/drawing/2014/main" xmlns="" id="{7268F622-250C-4DD2-97E9-E0586D10C92D}"/>
+                <a16:creationId xmlns="" xmlns:a16="http://schemas.microsoft.com/office/drawing/2014/main" id="{7268F622-250C-4DD2-97E9-E0586D10C92D}"/>
               </a:ext>
             </a:extLst>
           </p:cNvPr>
@@ -26968,7 +26977,7 @@
           <p:cNvPr id="2" name="Title 1">
             <a:extLst>
               <a:ext uri="{FF2B5EF4-FFF2-40B4-BE49-F238E27FC236}">
-                <a16:creationId xmlns:a16="http://schemas.microsoft.com/office/drawing/2014/main" xmlns="" id="{F24F037D-7D22-479A-ADC3-040CAFCF50C2}"/>
+                <a16:creationId xmlns="" xmlns:a16="http://schemas.microsoft.com/office/drawing/2014/main" id="{F24F037D-7D22-479A-ADC3-040CAFCF50C2}"/>
               </a:ext>
             </a:extLst>
           </p:cNvPr>
@@ -26996,7 +27005,7 @@
           <p:cNvPr id="5" name="Content Placeholder 4" descr="Database">
             <a:extLst>
               <a:ext uri="{FF2B5EF4-FFF2-40B4-BE49-F238E27FC236}">
-                <a16:creationId xmlns:a16="http://schemas.microsoft.com/office/drawing/2014/main" xmlns="" id="{810DE54E-2F01-46FB-BF78-FF8BC87969CC}"/>
+                <a16:creationId xmlns="" xmlns:a16="http://schemas.microsoft.com/office/drawing/2014/main" id="{810DE54E-2F01-46FB-BF78-FF8BC87969CC}"/>
               </a:ext>
             </a:extLst>
           </p:cNvPr>
@@ -27011,7 +27020,7 @@
           <a:blip r:embed="rId2">
             <a:extLst>
               <a:ext uri="{96DAC541-7B7A-43D3-8B79-37D633B846F1}">
-                <asvg:svgBlip xmlns:asvg="http://schemas.microsoft.com/office/drawing/2016/SVG/main" xmlns="" r:embed="rId3"/>
+                <asvg:svgBlip xmlns="" xmlns:asvg="http://schemas.microsoft.com/office/drawing/2016/SVG/main" r:embed="rId3"/>
               </a:ext>
             </a:extLst>
           </a:blip>
@@ -27031,7 +27040,7 @@
           <p:cNvPr id="7" name="Graphic 6" descr="Computer">
             <a:extLst>
               <a:ext uri="{FF2B5EF4-FFF2-40B4-BE49-F238E27FC236}">
-                <a16:creationId xmlns:a16="http://schemas.microsoft.com/office/drawing/2014/main" xmlns="" id="{CB146379-DE3A-4F99-8E8B-F6A9E3E4FF51}"/>
+                <a16:creationId xmlns="" xmlns:a16="http://schemas.microsoft.com/office/drawing/2014/main" id="{CB146379-DE3A-4F99-8E8B-F6A9E3E4FF51}"/>
               </a:ext>
             </a:extLst>
           </p:cNvPr>
@@ -27044,7 +27053,7 @@
           <a:blip r:embed="rId4">
             <a:extLst>
               <a:ext uri="{96DAC541-7B7A-43D3-8B79-37D633B846F1}">
-                <asvg:svgBlip xmlns:asvg="http://schemas.microsoft.com/office/drawing/2016/SVG/main" xmlns="" r:embed="rId5"/>
+                <asvg:svgBlip xmlns="" xmlns:asvg="http://schemas.microsoft.com/office/drawing/2016/SVG/main" r:embed="rId5"/>
               </a:ext>
             </a:extLst>
           </a:blip>
@@ -27067,7 +27076,7 @@
           <p:cNvPr id="9" name="Graphic 8" descr="Server">
             <a:extLst>
               <a:ext uri="{FF2B5EF4-FFF2-40B4-BE49-F238E27FC236}">
-                <a16:creationId xmlns:a16="http://schemas.microsoft.com/office/drawing/2014/main" xmlns="" id="{35A58F10-B4CB-4D45-8EC0-AF26BE8C304C}"/>
+                <a16:creationId xmlns="" xmlns:a16="http://schemas.microsoft.com/office/drawing/2014/main" id="{35A58F10-B4CB-4D45-8EC0-AF26BE8C304C}"/>
               </a:ext>
             </a:extLst>
           </p:cNvPr>
@@ -27080,7 +27089,7 @@
           <a:blip r:embed="rId6">
             <a:extLst>
               <a:ext uri="{96DAC541-7B7A-43D3-8B79-37D633B846F1}">
-                <asvg:svgBlip xmlns:asvg="http://schemas.microsoft.com/office/drawing/2016/SVG/main" xmlns="" r:embed="rId7"/>
+                <asvg:svgBlip xmlns="" xmlns:asvg="http://schemas.microsoft.com/office/drawing/2016/SVG/main" r:embed="rId7"/>
               </a:ext>
             </a:extLst>
           </a:blip>
@@ -27103,7 +27112,7 @@
           <p:cNvPr id="10" name="Content Placeholder 4" descr="Database">
             <a:extLst>
               <a:ext uri="{FF2B5EF4-FFF2-40B4-BE49-F238E27FC236}">
-                <a16:creationId xmlns:a16="http://schemas.microsoft.com/office/drawing/2014/main" xmlns="" id="{87830537-D818-426E-BB07-CE058CC1D029}"/>
+                <a16:creationId xmlns="" xmlns:a16="http://schemas.microsoft.com/office/drawing/2014/main" id="{87830537-D818-426E-BB07-CE058CC1D029}"/>
               </a:ext>
             </a:extLst>
           </p:cNvPr>
@@ -27116,7 +27125,7 @@
           <a:blip r:embed="rId2">
             <a:extLst>
               <a:ext uri="{96DAC541-7B7A-43D3-8B79-37D633B846F1}">
-                <asvg:svgBlip xmlns:asvg="http://schemas.microsoft.com/office/drawing/2016/SVG/main" xmlns="" r:embed="rId3"/>
+                <asvg:svgBlip xmlns="" xmlns:asvg="http://schemas.microsoft.com/office/drawing/2016/SVG/main" r:embed="rId3"/>
               </a:ext>
             </a:extLst>
           </a:blip>
@@ -27139,7 +27148,7 @@
           <p:cNvPr id="12" name="Straight Connector 11">
             <a:extLst>
               <a:ext uri="{FF2B5EF4-FFF2-40B4-BE49-F238E27FC236}">
-                <a16:creationId xmlns:a16="http://schemas.microsoft.com/office/drawing/2014/main" xmlns="" id="{B5C721F4-50D6-4534-AAD2-0AC59B3B5810}"/>
+                <a16:creationId xmlns="" xmlns:a16="http://schemas.microsoft.com/office/drawing/2014/main" id="{B5C721F4-50D6-4534-AAD2-0AC59B3B5810}"/>
               </a:ext>
             </a:extLst>
           </p:cNvPr>
@@ -27179,7 +27188,7 @@
           <p:cNvPr id="16" name="Straight Connector 15">
             <a:extLst>
               <a:ext uri="{FF2B5EF4-FFF2-40B4-BE49-F238E27FC236}">
-                <a16:creationId xmlns:a16="http://schemas.microsoft.com/office/drawing/2014/main" xmlns="" id="{E980ADB6-24F0-4DEF-9800-876AD2BCB20C}"/>
+                <a16:creationId xmlns="" xmlns:a16="http://schemas.microsoft.com/office/drawing/2014/main" id="{E980ADB6-24F0-4DEF-9800-876AD2BCB20C}"/>
               </a:ext>
             </a:extLst>
           </p:cNvPr>
@@ -27219,7 +27228,7 @@
           <p:cNvPr id="22" name="Graphic 21" descr="Transfer">
             <a:extLst>
               <a:ext uri="{FF2B5EF4-FFF2-40B4-BE49-F238E27FC236}">
-                <a16:creationId xmlns:a16="http://schemas.microsoft.com/office/drawing/2014/main" xmlns="" id="{5E3356BC-FA11-44C9-AA1D-6BF4CC97EA09}"/>
+                <a16:creationId xmlns="" xmlns:a16="http://schemas.microsoft.com/office/drawing/2014/main" id="{5E3356BC-FA11-44C9-AA1D-6BF4CC97EA09}"/>
               </a:ext>
             </a:extLst>
           </p:cNvPr>
@@ -27232,7 +27241,7 @@
           <a:blip r:embed="rId8">
             <a:extLst>
               <a:ext uri="{96DAC541-7B7A-43D3-8B79-37D633B846F1}">
-                <asvg:svgBlip xmlns:asvg="http://schemas.microsoft.com/office/drawing/2016/SVG/main" xmlns="" r:embed="rId9"/>
+                <asvg:svgBlip xmlns="" xmlns:asvg="http://schemas.microsoft.com/office/drawing/2016/SVG/main" r:embed="rId9"/>
               </a:ext>
             </a:extLst>
           </a:blip>
@@ -27255,7 +27264,7 @@
           <p:cNvPr id="23" name="TextBox 22">
             <a:extLst>
               <a:ext uri="{FF2B5EF4-FFF2-40B4-BE49-F238E27FC236}">
-                <a16:creationId xmlns:a16="http://schemas.microsoft.com/office/drawing/2014/main" xmlns="" id="{DCB0E2E8-C877-4CFD-82C6-4F784D4DBF21}"/>
+                <a16:creationId xmlns="" xmlns:a16="http://schemas.microsoft.com/office/drawing/2014/main" id="{DCB0E2E8-C877-4CFD-82C6-4F784D4DBF21}"/>
               </a:ext>
             </a:extLst>
           </p:cNvPr>
@@ -27357,7 +27366,7 @@
           <p:cNvPr id="24" name="TextBox 23">
             <a:extLst>
               <a:ext uri="{FF2B5EF4-FFF2-40B4-BE49-F238E27FC236}">
-                <a16:creationId xmlns:a16="http://schemas.microsoft.com/office/drawing/2014/main" xmlns="" id="{9818DE52-DD04-47F7-BCC1-B097FBD31411}"/>
+                <a16:creationId xmlns="" xmlns:a16="http://schemas.microsoft.com/office/drawing/2014/main" id="{9818DE52-DD04-47F7-BCC1-B097FBD31411}"/>
               </a:ext>
             </a:extLst>
           </p:cNvPr>
@@ -27392,7 +27401,7 @@
           <p:cNvPr id="25" name="TextBox 24">
             <a:extLst>
               <a:ext uri="{FF2B5EF4-FFF2-40B4-BE49-F238E27FC236}">
-                <a16:creationId xmlns:a16="http://schemas.microsoft.com/office/drawing/2014/main" xmlns="" id="{7268F622-250C-4DD2-97E9-E0586D10C92D}"/>
+                <a16:creationId xmlns="" xmlns:a16="http://schemas.microsoft.com/office/drawing/2014/main" id="{7268F622-250C-4DD2-97E9-E0586D10C92D}"/>
               </a:ext>
             </a:extLst>
           </p:cNvPr>
@@ -27427,7 +27436,7 @@
           <p:cNvPr id="3" name="TextBox 2">
             <a:extLst>
               <a:ext uri="{FF2B5EF4-FFF2-40B4-BE49-F238E27FC236}">
-                <a16:creationId xmlns:a16="http://schemas.microsoft.com/office/drawing/2014/main" xmlns="" id="{B01756E5-E8CE-4951-A481-5CDBB9408229}"/>
+                <a16:creationId xmlns="" xmlns:a16="http://schemas.microsoft.com/office/drawing/2014/main" id="{B01756E5-E8CE-4951-A481-5CDBB9408229}"/>
               </a:ext>
             </a:extLst>
           </p:cNvPr>
@@ -27492,7 +27501,7 @@
           <p:cNvPr id="2" name="Title 1">
             <a:extLst>
               <a:ext uri="{FF2B5EF4-FFF2-40B4-BE49-F238E27FC236}">
-                <a16:creationId xmlns:a16="http://schemas.microsoft.com/office/drawing/2014/main" xmlns="" id="{F24F037D-7D22-479A-ADC3-040CAFCF50C2}"/>
+                <a16:creationId xmlns="" xmlns:a16="http://schemas.microsoft.com/office/drawing/2014/main" id="{F24F037D-7D22-479A-ADC3-040CAFCF50C2}"/>
               </a:ext>
             </a:extLst>
           </p:cNvPr>
@@ -27520,7 +27529,7 @@
           <p:cNvPr id="7" name="Graphic 6" descr="Computer">
             <a:extLst>
               <a:ext uri="{FF2B5EF4-FFF2-40B4-BE49-F238E27FC236}">
-                <a16:creationId xmlns:a16="http://schemas.microsoft.com/office/drawing/2014/main" xmlns="" id="{CB146379-DE3A-4F99-8E8B-F6A9E3E4FF51}"/>
+                <a16:creationId xmlns="" xmlns:a16="http://schemas.microsoft.com/office/drawing/2014/main" id="{CB146379-DE3A-4F99-8E8B-F6A9E3E4FF51}"/>
               </a:ext>
             </a:extLst>
           </p:cNvPr>
@@ -27533,7 +27542,7 @@
           <a:blip r:embed="rId2">
             <a:extLst>
               <a:ext uri="{96DAC541-7B7A-43D3-8B79-37D633B846F1}">
-                <asvg:svgBlip xmlns:asvg="http://schemas.microsoft.com/office/drawing/2016/SVG/main" xmlns="" r:embed="rId3"/>
+                <asvg:svgBlip xmlns="" xmlns:asvg="http://schemas.microsoft.com/office/drawing/2016/SVG/main" r:embed="rId3"/>
               </a:ext>
             </a:extLst>
           </a:blip>
@@ -27556,7 +27565,7 @@
           <p:cNvPr id="9" name="Graphic 8" descr="Server">
             <a:extLst>
               <a:ext uri="{FF2B5EF4-FFF2-40B4-BE49-F238E27FC236}">
-                <a16:creationId xmlns:a16="http://schemas.microsoft.com/office/drawing/2014/main" xmlns="" id="{35A58F10-B4CB-4D45-8EC0-AF26BE8C304C}"/>
+                <a16:creationId xmlns="" xmlns:a16="http://schemas.microsoft.com/office/drawing/2014/main" id="{35A58F10-B4CB-4D45-8EC0-AF26BE8C304C}"/>
               </a:ext>
             </a:extLst>
           </p:cNvPr>
@@ -27569,7 +27578,7 @@
           <a:blip r:embed="rId4">
             <a:extLst>
               <a:ext uri="{96DAC541-7B7A-43D3-8B79-37D633B846F1}">
-                <asvg:svgBlip xmlns:asvg="http://schemas.microsoft.com/office/drawing/2016/SVG/main" xmlns="" r:embed="rId5"/>
+                <asvg:svgBlip xmlns="" xmlns:asvg="http://schemas.microsoft.com/office/drawing/2016/SVG/main" r:embed="rId5"/>
               </a:ext>
             </a:extLst>
           </a:blip>
@@ -27592,7 +27601,7 @@
           <p:cNvPr id="22" name="Graphic 21" descr="Transfer">
             <a:extLst>
               <a:ext uri="{FF2B5EF4-FFF2-40B4-BE49-F238E27FC236}">
-                <a16:creationId xmlns:a16="http://schemas.microsoft.com/office/drawing/2014/main" xmlns="" id="{5E3356BC-FA11-44C9-AA1D-6BF4CC97EA09}"/>
+                <a16:creationId xmlns="" xmlns:a16="http://schemas.microsoft.com/office/drawing/2014/main" id="{5E3356BC-FA11-44C9-AA1D-6BF4CC97EA09}"/>
               </a:ext>
             </a:extLst>
           </p:cNvPr>
@@ -27605,7 +27614,7 @@
           <a:blip r:embed="rId6">
             <a:extLst>
               <a:ext uri="{96DAC541-7B7A-43D3-8B79-37D633B846F1}">
-                <asvg:svgBlip xmlns:asvg="http://schemas.microsoft.com/office/drawing/2016/SVG/main" xmlns="" r:embed="rId7"/>
+                <asvg:svgBlip xmlns="" xmlns:asvg="http://schemas.microsoft.com/office/drawing/2016/SVG/main" r:embed="rId7"/>
               </a:ext>
             </a:extLst>
           </a:blip>
@@ -27628,7 +27637,7 @@
           <p:cNvPr id="24" name="TextBox 23">
             <a:extLst>
               <a:ext uri="{FF2B5EF4-FFF2-40B4-BE49-F238E27FC236}">
-                <a16:creationId xmlns:a16="http://schemas.microsoft.com/office/drawing/2014/main" xmlns="" id="{9818DE52-DD04-47F7-BCC1-B097FBD31411}"/>
+                <a16:creationId xmlns="" xmlns:a16="http://schemas.microsoft.com/office/drawing/2014/main" id="{9818DE52-DD04-47F7-BCC1-B097FBD31411}"/>
               </a:ext>
             </a:extLst>
           </p:cNvPr>
@@ -27663,7 +27672,7 @@
           <p:cNvPr id="25" name="TextBox 24">
             <a:extLst>
               <a:ext uri="{FF2B5EF4-FFF2-40B4-BE49-F238E27FC236}">
-                <a16:creationId xmlns:a16="http://schemas.microsoft.com/office/drawing/2014/main" xmlns="" id="{7268F622-250C-4DD2-97E9-E0586D10C92D}"/>
+                <a16:creationId xmlns="" xmlns:a16="http://schemas.microsoft.com/office/drawing/2014/main" id="{7268F622-250C-4DD2-97E9-E0586D10C92D}"/>
               </a:ext>
             </a:extLst>
           </p:cNvPr>
@@ -27698,7 +27707,7 @@
           <p:cNvPr id="8" name="TextBox 7">
             <a:extLst>
               <a:ext uri="{FF2B5EF4-FFF2-40B4-BE49-F238E27FC236}">
-                <a16:creationId xmlns:a16="http://schemas.microsoft.com/office/drawing/2014/main" xmlns="" id="{3F94FB85-0477-4DDC-8412-EBA83FF67868}"/>
+                <a16:creationId xmlns="" xmlns:a16="http://schemas.microsoft.com/office/drawing/2014/main" id="{3F94FB85-0477-4DDC-8412-EBA83FF67868}"/>
               </a:ext>
             </a:extLst>
           </p:cNvPr>
@@ -27765,7 +27774,7 @@
           <p:cNvPr id="11" name="TextBox 10">
             <a:extLst>
               <a:ext uri="{FF2B5EF4-FFF2-40B4-BE49-F238E27FC236}">
-                <a16:creationId xmlns:a16="http://schemas.microsoft.com/office/drawing/2014/main" xmlns="" id="{A83B449A-0BC2-46C8-9539-02644646732E}"/>
+                <a16:creationId xmlns="" xmlns:a16="http://schemas.microsoft.com/office/drawing/2014/main" id="{A83B449A-0BC2-46C8-9539-02644646732E}"/>
               </a:ext>
             </a:extLst>
           </p:cNvPr>
@@ -27800,7 +27809,7 @@
           <p:cNvPr id="14" name="Graphic 13" descr="Key">
             <a:extLst>
               <a:ext uri="{FF2B5EF4-FFF2-40B4-BE49-F238E27FC236}">
-                <a16:creationId xmlns:a16="http://schemas.microsoft.com/office/drawing/2014/main" xmlns="" id="{3BC8A0B3-2799-40B6-B1F5-C80F1FB98878}"/>
+                <a16:creationId xmlns="" xmlns:a16="http://schemas.microsoft.com/office/drawing/2014/main" id="{3BC8A0B3-2799-40B6-B1F5-C80F1FB98878}"/>
               </a:ext>
             </a:extLst>
           </p:cNvPr>
@@ -27813,7 +27822,7 @@
           <a:blip r:embed="rId8">
             <a:extLst>
               <a:ext uri="{96DAC541-7B7A-43D3-8B79-37D633B846F1}">
-                <asvg:svgBlip xmlns:asvg="http://schemas.microsoft.com/office/drawing/2016/SVG/main" xmlns="" r:embed="rId9"/>
+                <asvg:svgBlip xmlns="" xmlns:asvg="http://schemas.microsoft.com/office/drawing/2016/SVG/main" r:embed="rId9"/>
               </a:ext>
             </a:extLst>
           </a:blip>
@@ -27836,7 +27845,7 @@
           <p:cNvPr id="17" name="Graphic 16" descr="Spinning Plates">
             <a:extLst>
               <a:ext uri="{FF2B5EF4-FFF2-40B4-BE49-F238E27FC236}">
-                <a16:creationId xmlns:a16="http://schemas.microsoft.com/office/drawing/2014/main" xmlns="" id="{12B8C1DC-26A6-422C-A6DA-F936A560842C}"/>
+                <a16:creationId xmlns="" xmlns:a16="http://schemas.microsoft.com/office/drawing/2014/main" id="{12B8C1DC-26A6-422C-A6DA-F936A560842C}"/>
               </a:ext>
             </a:extLst>
           </p:cNvPr>
@@ -27849,7 +27858,7 @@
           <a:blip r:embed="rId10">
             <a:extLst>
               <a:ext uri="{96DAC541-7B7A-43D3-8B79-37D633B846F1}">
-                <asvg:svgBlip xmlns:asvg="http://schemas.microsoft.com/office/drawing/2016/SVG/main" xmlns="" r:embed="rId11"/>
+                <asvg:svgBlip xmlns="" xmlns:asvg="http://schemas.microsoft.com/office/drawing/2016/SVG/main" r:embed="rId11"/>
               </a:ext>
             </a:extLst>
           </a:blip>
@@ -27872,7 +27881,7 @@
           <p:cNvPr id="18" name="TextBox 17">
             <a:extLst>
               <a:ext uri="{FF2B5EF4-FFF2-40B4-BE49-F238E27FC236}">
-                <a16:creationId xmlns:a16="http://schemas.microsoft.com/office/drawing/2014/main" xmlns="" id="{60A4B2F5-3749-4CA3-80A4-7C044C553A6D}"/>
+                <a16:creationId xmlns="" xmlns:a16="http://schemas.microsoft.com/office/drawing/2014/main" id="{60A4B2F5-3749-4CA3-80A4-7C044C553A6D}"/>
               </a:ext>
             </a:extLst>
           </p:cNvPr>
@@ -27923,7 +27932,7 @@
           <p:cNvPr id="26" name="Picture 25" descr="RSA one time password keyfob&#10;">
             <a:extLst>
               <a:ext uri="{FF2B5EF4-FFF2-40B4-BE49-F238E27FC236}">
-                <a16:creationId xmlns:a16="http://schemas.microsoft.com/office/drawing/2014/main" xmlns="" id="{5DCF78AA-1897-45DA-BC6C-3241A29B580F}"/>
+                <a16:creationId xmlns="" xmlns:a16="http://schemas.microsoft.com/office/drawing/2014/main" id="{5DCF78AA-1897-45DA-BC6C-3241A29B580F}"/>
               </a:ext>
             </a:extLst>
           </p:cNvPr>
@@ -27953,7 +27962,7 @@
           <p:cNvPr id="27" name="TextBox 26">
             <a:extLst>
               <a:ext uri="{FF2B5EF4-FFF2-40B4-BE49-F238E27FC236}">
-                <a16:creationId xmlns:a16="http://schemas.microsoft.com/office/drawing/2014/main" xmlns="" id="{74E9DB62-6506-4F72-B74A-18DC6F84A403}"/>
+                <a16:creationId xmlns="" xmlns:a16="http://schemas.microsoft.com/office/drawing/2014/main" id="{74E9DB62-6506-4F72-B74A-18DC6F84A403}"/>
               </a:ext>
             </a:extLst>
           </p:cNvPr>
@@ -28018,7 +28027,7 @@
           <p:cNvPr id="2" name="Title 1">
             <a:extLst>
               <a:ext uri="{FF2B5EF4-FFF2-40B4-BE49-F238E27FC236}">
-                <a16:creationId xmlns:a16="http://schemas.microsoft.com/office/drawing/2014/main" xmlns="" id="{2AB034E0-008F-43F5-8BAB-A81D72627EF6}"/>
+                <a16:creationId xmlns="" xmlns:a16="http://schemas.microsoft.com/office/drawing/2014/main" id="{2AB034E0-008F-43F5-8BAB-A81D72627EF6}"/>
               </a:ext>
             </a:extLst>
           </p:cNvPr>
@@ -28046,7 +28055,7 @@
           <p:cNvPr id="5" name="Graphic 4" descr="Server">
             <a:extLst>
               <a:ext uri="{FF2B5EF4-FFF2-40B4-BE49-F238E27FC236}">
-                <a16:creationId xmlns:a16="http://schemas.microsoft.com/office/drawing/2014/main" xmlns="" id="{A32AAC74-25F2-4434-9FCF-DCFC62730DBA}"/>
+                <a16:creationId xmlns="" xmlns:a16="http://schemas.microsoft.com/office/drawing/2014/main" id="{A32AAC74-25F2-4434-9FCF-DCFC62730DBA}"/>
               </a:ext>
             </a:extLst>
           </p:cNvPr>
@@ -28059,7 +28068,7 @@
           <a:blip r:embed="rId2">
             <a:extLst>
               <a:ext uri="{96DAC541-7B7A-43D3-8B79-37D633B846F1}">
-                <asvg:svgBlip xmlns:asvg="http://schemas.microsoft.com/office/drawing/2016/SVG/main" xmlns="" r:embed="rId3"/>
+                <asvg:svgBlip xmlns="" xmlns:asvg="http://schemas.microsoft.com/office/drawing/2016/SVG/main" r:embed="rId3"/>
               </a:ext>
             </a:extLst>
           </a:blip>
@@ -28082,7 +28091,7 @@
           <p:cNvPr id="7" name="TextBox 6">
             <a:extLst>
               <a:ext uri="{FF2B5EF4-FFF2-40B4-BE49-F238E27FC236}">
-                <a16:creationId xmlns:a16="http://schemas.microsoft.com/office/drawing/2014/main" xmlns="" id="{B289FAAC-F250-4A5E-9920-20720CB2295B}"/>
+                <a16:creationId xmlns="" xmlns:a16="http://schemas.microsoft.com/office/drawing/2014/main" id="{B289FAAC-F250-4A5E-9920-20720CB2295B}"/>
               </a:ext>
             </a:extLst>
           </p:cNvPr>
@@ -28117,7 +28126,7 @@
           <p:cNvPr id="8" name="TextBox 7">
             <a:extLst>
               <a:ext uri="{FF2B5EF4-FFF2-40B4-BE49-F238E27FC236}">
-                <a16:creationId xmlns:a16="http://schemas.microsoft.com/office/drawing/2014/main" xmlns="" id="{0AABBF9C-6084-469B-8960-30BA35207122}"/>
+                <a16:creationId xmlns="" xmlns:a16="http://schemas.microsoft.com/office/drawing/2014/main" id="{0AABBF9C-6084-469B-8960-30BA35207122}"/>
               </a:ext>
             </a:extLst>
           </p:cNvPr>
@@ -28152,7 +28161,7 @@
           <p:cNvPr id="10" name="Graphic 9" descr="Group of people">
             <a:extLst>
               <a:ext uri="{FF2B5EF4-FFF2-40B4-BE49-F238E27FC236}">
-                <a16:creationId xmlns:a16="http://schemas.microsoft.com/office/drawing/2014/main" xmlns="" id="{E8D320BA-F6AD-456B-A3F0-884F4952F413}"/>
+                <a16:creationId xmlns="" xmlns:a16="http://schemas.microsoft.com/office/drawing/2014/main" id="{E8D320BA-F6AD-456B-A3F0-884F4952F413}"/>
               </a:ext>
             </a:extLst>
           </p:cNvPr>
@@ -28165,7 +28174,7 @@
           <a:blip r:embed="rId4">
             <a:extLst>
               <a:ext uri="{96DAC541-7B7A-43D3-8B79-37D633B846F1}">
-                <asvg:svgBlip xmlns:asvg="http://schemas.microsoft.com/office/drawing/2016/SVG/main" xmlns="" r:embed="rId5"/>
+                <asvg:svgBlip xmlns="" xmlns:asvg="http://schemas.microsoft.com/office/drawing/2016/SVG/main" r:embed="rId5"/>
               </a:ext>
             </a:extLst>
           </a:blip>
@@ -28188,7 +28197,7 @@
           <p:cNvPr id="11" name="TextBox 10">
             <a:extLst>
               <a:ext uri="{FF2B5EF4-FFF2-40B4-BE49-F238E27FC236}">
-                <a16:creationId xmlns:a16="http://schemas.microsoft.com/office/drawing/2014/main" xmlns="" id="{633CD682-1973-4AEE-8062-378385BE6AB4}"/>
+                <a16:creationId xmlns="" xmlns:a16="http://schemas.microsoft.com/office/drawing/2014/main" id="{633CD682-1973-4AEE-8062-378385BE6AB4}"/>
               </a:ext>
             </a:extLst>
           </p:cNvPr>
@@ -28239,7 +28248,7 @@
           <p:cNvPr id="12" name="TextBox 11">
             <a:extLst>
               <a:ext uri="{FF2B5EF4-FFF2-40B4-BE49-F238E27FC236}">
-                <a16:creationId xmlns:a16="http://schemas.microsoft.com/office/drawing/2014/main" xmlns="" id="{970761D1-05D5-465D-994E-61A2C6C68A42}"/>
+                <a16:creationId xmlns="" xmlns:a16="http://schemas.microsoft.com/office/drawing/2014/main" id="{970761D1-05D5-465D-994E-61A2C6C68A42}"/>
               </a:ext>
             </a:extLst>
           </p:cNvPr>
@@ -28274,7 +28283,7 @@
           <p:cNvPr id="15" name="Picture 14">
             <a:extLst>
               <a:ext uri="{FF2B5EF4-FFF2-40B4-BE49-F238E27FC236}">
-                <a16:creationId xmlns:a16="http://schemas.microsoft.com/office/drawing/2014/main" xmlns="" id="{291427C6-B6A8-424E-98FE-F3D9F5BAA9FB}"/>
+                <a16:creationId xmlns="" xmlns:a16="http://schemas.microsoft.com/office/drawing/2014/main" id="{291427C6-B6A8-424E-98FE-F3D9F5BAA9FB}"/>
               </a:ext>
             </a:extLst>
           </p:cNvPr>

--- a/units/1/lessons/3/resources/petascale-lesson-1.3-slides.pptx
+++ b/units/1/lessons/3/resources/petascale-lesson-1.3-slides.pptx
@@ -208,7 +208,7 @@
           <a:p>
             <a:fld id="{2B504B78-1614-49D9-BD52-41DBB9B24231}" type="datetimeFigureOut">
               <a:rPr lang="en-US" smtClean="0"/>
-              <a:t>10/11/20</a:t>
+              <a:t>11/16/20</a:t>
             </a:fld>
             <a:endParaRPr lang="en-US"/>
           </a:p>
@@ -9268,7 +9268,7 @@
           <a:p>
             <a:fld id="{6AD6EE87-EBD5-4F12-A48A-63ACA297AC8F}" type="datetimeFigureOut">
               <a:rPr lang="en-US" dirty="0"/>
-              <a:t>10/11/20</a:t>
+              <a:t>11/16/20</a:t>
             </a:fld>
             <a:endParaRPr lang="en-US" dirty="0"/>
           </a:p>
@@ -9470,7 +9470,7 @@
           <a:p>
             <a:fld id="{4CD73815-2707-4475-8F1A-B873CB631BB4}" type="datetimeFigureOut">
               <a:rPr lang="en-US" dirty="0"/>
-              <a:t>10/11/20</a:t>
+              <a:t>11/16/20</a:t>
             </a:fld>
             <a:endParaRPr lang="en-US" dirty="0"/>
           </a:p>
@@ -9645,7 +9645,7 @@
           <a:p>
             <a:fld id="{2A4AFB99-0EAB-4182-AFF8-E214C82A68F6}" type="datetimeFigureOut">
               <a:rPr lang="en-US" dirty="0"/>
-              <a:t>10/11/20</a:t>
+              <a:t>11/16/20</a:t>
             </a:fld>
             <a:endParaRPr lang="en-US" dirty="0"/>
           </a:p>
@@ -9874,7 +9874,7 @@
                 </a:solidFill>
               </a:rPr>
               <a:pPr/>
-              <a:t>10/11/20</a:t>
+              <a:t>11/16/20</a:t>
             </a:fld>
             <a:endParaRPr lang="en-US">
               <a:solidFill>
@@ -10072,7 +10072,7 @@
                 </a:solidFill>
               </a:rPr>
               <a:pPr/>
-              <a:t>10/11/20</a:t>
+              <a:t>11/16/20</a:t>
             </a:fld>
             <a:endParaRPr lang="en-US">
               <a:solidFill>
@@ -10346,7 +10346,7 @@
                 </a:solidFill>
               </a:rPr>
               <a:pPr/>
-              <a:t>10/11/20</a:t>
+              <a:t>11/16/20</a:t>
             </a:fld>
             <a:endParaRPr lang="en-US">
               <a:solidFill>
@@ -10606,7 +10606,7 @@
                 </a:solidFill>
               </a:rPr>
               <a:pPr/>
-              <a:t>10/11/20</a:t>
+              <a:t>11/16/20</a:t>
             </a:fld>
             <a:endParaRPr lang="en-US">
               <a:solidFill>
@@ -11001,7 +11001,7 @@
                 </a:solidFill>
               </a:rPr>
               <a:pPr/>
-              <a:t>10/11/20</a:t>
+              <a:t>11/16/20</a:t>
             </a:fld>
             <a:endParaRPr lang="en-US">
               <a:solidFill>
@@ -11147,7 +11147,7 @@
                 </a:solidFill>
               </a:rPr>
               <a:pPr/>
-              <a:t>10/11/20</a:t>
+              <a:t>11/16/20</a:t>
             </a:fld>
             <a:endParaRPr lang="en-US">
               <a:solidFill>
@@ -11270,7 +11270,7 @@
                 </a:solidFill>
               </a:rPr>
               <a:pPr/>
-              <a:t>10/11/20</a:t>
+              <a:t>11/16/20</a:t>
             </a:fld>
             <a:endParaRPr lang="en-US">
               <a:solidFill>
@@ -11575,7 +11575,7 @@
                 </a:solidFill>
               </a:rPr>
               <a:pPr/>
-              <a:t>10/11/20</a:t>
+              <a:t>11/16/20</a:t>
             </a:fld>
             <a:endParaRPr lang="en-US">
               <a:solidFill>
@@ -11766,7 +11766,7 @@
           <a:p>
             <a:fld id="{A5D3794B-289A-4A80-97D7-111025398D45}" type="datetimeFigureOut">
               <a:rPr lang="en-US" dirty="0"/>
-              <a:t>10/11/20</a:t>
+              <a:t>11/16/20</a:t>
             </a:fld>
             <a:endParaRPr lang="en-US" dirty="0"/>
           </a:p>
@@ -12021,7 +12021,7 @@
                 </a:solidFill>
               </a:rPr>
               <a:pPr/>
-              <a:t>10/11/20</a:t>
+              <a:t>11/16/20</a:t>
             </a:fld>
             <a:endParaRPr lang="en-US">
               <a:solidFill>
@@ -12219,7 +12219,7 @@
                 </a:solidFill>
               </a:rPr>
               <a:pPr/>
-              <a:t>10/11/20</a:t>
+              <a:t>11/16/20</a:t>
             </a:fld>
             <a:endParaRPr lang="en-US">
               <a:solidFill>
@@ -12427,7 +12427,7 @@
                 </a:solidFill>
               </a:rPr>
               <a:pPr/>
-              <a:t>10/11/20</a:t>
+              <a:t>11/16/20</a:t>
             </a:fld>
             <a:endParaRPr lang="en-US">
               <a:solidFill>
@@ -21346,7 +21346,7 @@
           <a:p>
             <a:fld id="{5A61015F-7CC6-4D0A-9D87-873EA4C304CC}" type="datetimeFigureOut">
               <a:rPr lang="en-US" dirty="0"/>
-              <a:t>10/11/20</a:t>
+              <a:t>11/16/20</a:t>
             </a:fld>
             <a:endParaRPr lang="en-US" dirty="0"/>
           </a:p>
@@ -21615,7 +21615,7 @@
           <a:p>
             <a:fld id="{93C6A301-0538-44EC-B09D-202E1042A48B}" type="datetimeFigureOut">
               <a:rPr lang="en-US" dirty="0"/>
-              <a:t>10/11/20</a:t>
+              <a:t>11/16/20</a:t>
             </a:fld>
             <a:endParaRPr lang="en-US" dirty="0"/>
           </a:p>
@@ -22008,7 +22008,7 @@
           <a:p>
             <a:fld id="{D789574A-8875-45EF-8EA2-3CAA0F7ABC4C}" type="datetimeFigureOut">
               <a:rPr lang="en-US" dirty="0"/>
-              <a:t>10/11/20</a:t>
+              <a:t>11/16/20</a:t>
             </a:fld>
             <a:endParaRPr lang="en-US" dirty="0"/>
           </a:p>
@@ -22121,7 +22121,7 @@
           <a:p>
             <a:fld id="{67EF4D4C-5367-4C26-9E2B-D8088D7FCA81}" type="datetimeFigureOut">
               <a:rPr lang="en-US" dirty="0"/>
-              <a:t>10/11/20</a:t>
+              <a:t>11/16/20</a:t>
             </a:fld>
             <a:endParaRPr lang="en-US" dirty="0"/>
           </a:p>
@@ -22211,7 +22211,7 @@
           <a:p>
             <a:fld id="{56E91E96-98B0-4413-9547-46F3504108EF}" type="datetimeFigureOut">
               <a:rPr lang="en-US" dirty="0"/>
-              <a:t>10/11/20</a:t>
+              <a:t>11/16/20</a:t>
             </a:fld>
             <a:endParaRPr lang="en-US" dirty="0"/>
           </a:p>
@@ -22496,7 +22496,7 @@
           <a:p>
             <a:fld id="{05C68B11-C5A8-448C-8CE9-B1A273C79CFC}" type="datetimeFigureOut">
               <a:rPr lang="en-US" dirty="0"/>
-              <a:t>10/11/20</a:t>
+              <a:t>11/16/20</a:t>
             </a:fld>
             <a:endParaRPr lang="en-US" dirty="0"/>
           </a:p>
@@ -22771,7 +22771,7 @@
           <a:p>
             <a:fld id="{C7616CA0-919D-4A49-9C8A-62FDFB3A5183}" type="datetimeFigureOut">
               <a:rPr lang="en-US" dirty="0"/>
-              <a:t>10/11/20</a:t>
+              <a:t>11/16/20</a:t>
             </a:fld>
             <a:endParaRPr lang="en-US" dirty="0"/>
           </a:p>
@@ -23017,7 +23017,7 @@
             <a:fld id="{90298CD5-6C1E-4009-B41F-6DF62E31D3BE}" type="datetimeFigureOut">
               <a:rPr lang="en-US" dirty="0"/>
               <a:pPr/>
-              <a:t>10/11/20</a:t>
+              <a:t>11/16/20</a:t>
             </a:fld>
             <a:endParaRPr lang="en-US" dirty="0"/>
           </a:p>
@@ -23658,7 +23658,7 @@
                 </a:solidFill>
               </a:rPr>
               <a:pPr defTabSz="914400"/>
-              <a:t>10/11/20</a:t>
+              <a:t>11/16/20</a:t>
             </a:fld>
             <a:endParaRPr lang="en-US">
               <a:solidFill>
@@ -24292,7 +24292,7 @@
           <p:cNvPr id="2" name="Title 1">
             <a:extLst>
               <a:ext uri="{FF2B5EF4-FFF2-40B4-BE49-F238E27FC236}">
-                <a16:creationId xmlns="" xmlns:a16="http://schemas.microsoft.com/office/drawing/2014/main" id="{2AB034E0-008F-43F5-8BAB-A81D72627EF6}"/>
+                <a16:creationId xmlns:a16="http://schemas.microsoft.com/office/drawing/2014/main" xmlns="" id="{2AB034E0-008F-43F5-8BAB-A81D72627EF6}"/>
               </a:ext>
             </a:extLst>
           </p:cNvPr>
@@ -24320,7 +24320,7 @@
           <p:cNvPr id="3" name="Graphic 2" descr="Computer">
             <a:extLst>
               <a:ext uri="{FF2B5EF4-FFF2-40B4-BE49-F238E27FC236}">
-                <a16:creationId xmlns="" xmlns:a16="http://schemas.microsoft.com/office/drawing/2014/main" id="{23974D4D-04B4-4BB3-A6AD-05B84EFB64BD}"/>
+                <a16:creationId xmlns:a16="http://schemas.microsoft.com/office/drawing/2014/main" xmlns="" id="{23974D4D-04B4-4BB3-A6AD-05B84EFB64BD}"/>
               </a:ext>
             </a:extLst>
           </p:cNvPr>
@@ -24333,7 +24333,7 @@
           <a:blip r:embed="rId2">
             <a:extLst>
               <a:ext uri="{96DAC541-7B7A-43D3-8B79-37D633B846F1}">
-                <asvg:svgBlip xmlns="" xmlns:asvg="http://schemas.microsoft.com/office/drawing/2016/SVG/main" r:embed="rId3"/>
+                <asvg:svgBlip xmlns:asvg="http://schemas.microsoft.com/office/drawing/2016/SVG/main" xmlns="" r:embed="rId3"/>
               </a:ext>
             </a:extLst>
           </a:blip>
@@ -24356,7 +24356,7 @@
           <p:cNvPr id="4" name="Graphic 3" descr="Server">
             <a:extLst>
               <a:ext uri="{FF2B5EF4-FFF2-40B4-BE49-F238E27FC236}">
-                <a16:creationId xmlns="" xmlns:a16="http://schemas.microsoft.com/office/drawing/2014/main" id="{1FDFC814-4A84-44C6-A12A-172B1F8BEF85}"/>
+                <a16:creationId xmlns:a16="http://schemas.microsoft.com/office/drawing/2014/main" xmlns="" id="{1FDFC814-4A84-44C6-A12A-172B1F8BEF85}"/>
               </a:ext>
             </a:extLst>
           </p:cNvPr>
@@ -24369,7 +24369,7 @@
           <a:blip r:embed="rId4">
             <a:extLst>
               <a:ext uri="{96DAC541-7B7A-43D3-8B79-37D633B846F1}">
-                <asvg:svgBlip xmlns="" xmlns:asvg="http://schemas.microsoft.com/office/drawing/2016/SVG/main" r:embed="rId5"/>
+                <asvg:svgBlip xmlns:asvg="http://schemas.microsoft.com/office/drawing/2016/SVG/main" xmlns="" r:embed="rId5"/>
               </a:ext>
             </a:extLst>
           </a:blip>
@@ -24392,7 +24392,7 @@
           <p:cNvPr id="9" name="Graphic 8" descr="Server">
             <a:extLst>
               <a:ext uri="{FF2B5EF4-FFF2-40B4-BE49-F238E27FC236}">
-                <a16:creationId xmlns="" xmlns:a16="http://schemas.microsoft.com/office/drawing/2014/main" id="{9D329C38-0021-4158-A073-553E44F02ECB}"/>
+                <a16:creationId xmlns:a16="http://schemas.microsoft.com/office/drawing/2014/main" xmlns="" id="{9D329C38-0021-4158-A073-553E44F02ECB}"/>
               </a:ext>
             </a:extLst>
           </p:cNvPr>
@@ -24405,7 +24405,7 @@
           <a:blip r:embed="rId6">
             <a:extLst>
               <a:ext uri="{96DAC541-7B7A-43D3-8B79-37D633B846F1}">
-                <asvg:svgBlip xmlns="" xmlns:asvg="http://schemas.microsoft.com/office/drawing/2016/SVG/main" r:embed="rId7"/>
+                <asvg:svgBlip xmlns:asvg="http://schemas.microsoft.com/office/drawing/2016/SVG/main" xmlns="" r:embed="rId7"/>
               </a:ext>
             </a:extLst>
           </a:blip>
@@ -24428,7 +24428,7 @@
           <p:cNvPr id="17" name="Graphic 16" descr="Server">
             <a:extLst>
               <a:ext uri="{FF2B5EF4-FFF2-40B4-BE49-F238E27FC236}">
-                <a16:creationId xmlns="" xmlns:a16="http://schemas.microsoft.com/office/drawing/2014/main" id="{82B78643-627A-4B27-B82B-4DFFB81462F4}"/>
+                <a16:creationId xmlns:a16="http://schemas.microsoft.com/office/drawing/2014/main" xmlns="" id="{82B78643-627A-4B27-B82B-4DFFB81462F4}"/>
               </a:ext>
             </a:extLst>
           </p:cNvPr>
@@ -24441,7 +24441,7 @@
           <a:blip r:embed="rId6">
             <a:extLst>
               <a:ext uri="{96DAC541-7B7A-43D3-8B79-37D633B846F1}">
-                <asvg:svgBlip xmlns="" xmlns:asvg="http://schemas.microsoft.com/office/drawing/2016/SVG/main" r:embed="rId7"/>
+                <asvg:svgBlip xmlns:asvg="http://schemas.microsoft.com/office/drawing/2016/SVG/main" xmlns="" r:embed="rId7"/>
               </a:ext>
             </a:extLst>
           </a:blip>
@@ -24464,7 +24464,7 @@
           <p:cNvPr id="19" name="Graphic 18" descr="Server">
             <a:extLst>
               <a:ext uri="{FF2B5EF4-FFF2-40B4-BE49-F238E27FC236}">
-                <a16:creationId xmlns="" xmlns:a16="http://schemas.microsoft.com/office/drawing/2014/main" id="{DB5AEF96-932A-4024-85E8-20825E817DD7}"/>
+                <a16:creationId xmlns:a16="http://schemas.microsoft.com/office/drawing/2014/main" xmlns="" id="{DB5AEF96-932A-4024-85E8-20825E817DD7}"/>
               </a:ext>
             </a:extLst>
           </p:cNvPr>
@@ -24477,7 +24477,7 @@
           <a:blip r:embed="rId6">
             <a:extLst>
               <a:ext uri="{96DAC541-7B7A-43D3-8B79-37D633B846F1}">
-                <asvg:svgBlip xmlns="" xmlns:asvg="http://schemas.microsoft.com/office/drawing/2016/SVG/main" r:embed="rId7"/>
+                <asvg:svgBlip xmlns:asvg="http://schemas.microsoft.com/office/drawing/2016/SVG/main" xmlns="" r:embed="rId7"/>
               </a:ext>
             </a:extLst>
           </a:blip>
@@ -24500,7 +24500,7 @@
           <p:cNvPr id="21" name="Straight Arrow Connector 20">
             <a:extLst>
               <a:ext uri="{FF2B5EF4-FFF2-40B4-BE49-F238E27FC236}">
-                <a16:creationId xmlns="" xmlns:a16="http://schemas.microsoft.com/office/drawing/2014/main" id="{77B5BEE7-4921-43C3-9884-9B6EC42B05EE}"/>
+                <a16:creationId xmlns:a16="http://schemas.microsoft.com/office/drawing/2014/main" xmlns="" id="{77B5BEE7-4921-43C3-9884-9B6EC42B05EE}"/>
               </a:ext>
             </a:extLst>
           </p:cNvPr>
@@ -24542,7 +24542,7 @@
           <p:cNvPr id="25" name="Straight Connector 24">
             <a:extLst>
               <a:ext uri="{FF2B5EF4-FFF2-40B4-BE49-F238E27FC236}">
-                <a16:creationId xmlns="" xmlns:a16="http://schemas.microsoft.com/office/drawing/2014/main" id="{73DE03B1-CC3F-4E26-81F0-81BE00F34104}"/>
+                <a16:creationId xmlns:a16="http://schemas.microsoft.com/office/drawing/2014/main" xmlns="" id="{73DE03B1-CC3F-4E26-81F0-81BE00F34104}"/>
               </a:ext>
             </a:extLst>
           </p:cNvPr>
@@ -24581,7 +24581,7 @@
           <p:cNvPr id="26" name="TextBox 25">
             <a:extLst>
               <a:ext uri="{FF2B5EF4-FFF2-40B4-BE49-F238E27FC236}">
-                <a16:creationId xmlns="" xmlns:a16="http://schemas.microsoft.com/office/drawing/2014/main" id="{16CE1363-D2AE-4275-A9D2-2FB0D1EB317F}"/>
+                <a16:creationId xmlns:a16="http://schemas.microsoft.com/office/drawing/2014/main" xmlns="" id="{16CE1363-D2AE-4275-A9D2-2FB0D1EB317F}"/>
               </a:ext>
             </a:extLst>
           </p:cNvPr>
@@ -24616,7 +24616,7 @@
           <p:cNvPr id="28" name="TextBox 27">
             <a:extLst>
               <a:ext uri="{FF2B5EF4-FFF2-40B4-BE49-F238E27FC236}">
-                <a16:creationId xmlns="" xmlns:a16="http://schemas.microsoft.com/office/drawing/2014/main" id="{4E106387-801B-4B84-8DE2-D5D0C9E2D146}"/>
+                <a16:creationId xmlns:a16="http://schemas.microsoft.com/office/drawing/2014/main" xmlns="" id="{4E106387-801B-4B84-8DE2-D5D0C9E2D146}"/>
               </a:ext>
             </a:extLst>
           </p:cNvPr>
@@ -24651,7 +24651,7 @@
           <p:cNvPr id="30" name="TextBox 29">
             <a:extLst>
               <a:ext uri="{FF2B5EF4-FFF2-40B4-BE49-F238E27FC236}">
-                <a16:creationId xmlns="" xmlns:a16="http://schemas.microsoft.com/office/drawing/2014/main" id="{D70ADCC6-62AE-4E66-B896-686588015D67}"/>
+                <a16:creationId xmlns:a16="http://schemas.microsoft.com/office/drawing/2014/main" xmlns="" id="{D70ADCC6-62AE-4E66-B896-686588015D67}"/>
               </a:ext>
             </a:extLst>
           </p:cNvPr>
@@ -24686,7 +24686,7 @@
           <p:cNvPr id="31" name="TextBox 30">
             <a:extLst>
               <a:ext uri="{FF2B5EF4-FFF2-40B4-BE49-F238E27FC236}">
-                <a16:creationId xmlns="" xmlns:a16="http://schemas.microsoft.com/office/drawing/2014/main" id="{6D43CEEC-3E75-4A50-B80E-6721D5B99DEC}"/>
+                <a16:creationId xmlns:a16="http://schemas.microsoft.com/office/drawing/2014/main" xmlns="" id="{6D43CEEC-3E75-4A50-B80E-6721D5B99DEC}"/>
               </a:ext>
             </a:extLst>
           </p:cNvPr>
@@ -24729,7 +24729,7 @@
           <p:cNvPr id="32" name="Picture 31">
             <a:extLst>
               <a:ext uri="{FF2B5EF4-FFF2-40B4-BE49-F238E27FC236}">
-                <a16:creationId xmlns="" xmlns:a16="http://schemas.microsoft.com/office/drawing/2014/main" id="{0A28CED3-D298-463D-8A0A-1BD9FCBC3B28}"/>
+                <a16:creationId xmlns:a16="http://schemas.microsoft.com/office/drawing/2014/main" xmlns="" id="{0A28CED3-D298-463D-8A0A-1BD9FCBC3B28}"/>
               </a:ext>
             </a:extLst>
           </p:cNvPr>
@@ -24759,7 +24759,7 @@
           <p:cNvPr id="34" name="Rectangle 33">
             <a:extLst>
               <a:ext uri="{FF2B5EF4-FFF2-40B4-BE49-F238E27FC236}">
-                <a16:creationId xmlns="" xmlns:a16="http://schemas.microsoft.com/office/drawing/2014/main" id="{1F2DC80C-67E9-49A0-9E9D-7911B38F35CC}"/>
+                <a16:creationId xmlns:a16="http://schemas.microsoft.com/office/drawing/2014/main" xmlns="" id="{1F2DC80C-67E9-49A0-9E9D-7911B38F35CC}"/>
               </a:ext>
             </a:extLst>
           </p:cNvPr>
@@ -24853,10 +24853,10 @@
           <p:cNvPr id="8" name="Rectangle 7">
             <a:extLst>
               <a:ext uri="{FF2B5EF4-FFF2-40B4-BE49-F238E27FC236}">
-                <a16:creationId xmlns="" xmlns:a16="http://schemas.microsoft.com/office/drawing/2014/main" id="{F9B8E572-2CE6-4185-BC38-989024BC010D}"/>
+                <a16:creationId xmlns:a16="http://schemas.microsoft.com/office/drawing/2014/main" xmlns="" id="{F9B8E572-2CE6-4185-BC38-989024BC010D}"/>
               </a:ext>
               <a:ext uri="{C183D7F6-B498-43B3-948B-1728B52AA6E4}">
-                <adec:decorative xmlns="" xmlns:adec="http://schemas.microsoft.com/office/drawing/2017/decorative" val="1"/>
+                <adec:decorative xmlns:adec="http://schemas.microsoft.com/office/drawing/2017/decorative" xmlns="" val="1"/>
               </a:ext>
             </a:extLst>
           </p:cNvPr>
@@ -24913,7 +24913,7 @@
           <p:cNvPr id="2" name="Title 1">
             <a:extLst>
               <a:ext uri="{FF2B5EF4-FFF2-40B4-BE49-F238E27FC236}">
-                <a16:creationId xmlns="" xmlns:a16="http://schemas.microsoft.com/office/drawing/2014/main" id="{883D1961-8703-4143-A50A-A9D891D8FC52}"/>
+                <a16:creationId xmlns:a16="http://schemas.microsoft.com/office/drawing/2014/main" xmlns="" id="{883D1961-8703-4143-A50A-A9D891D8FC52}"/>
               </a:ext>
             </a:extLst>
           </p:cNvPr>
@@ -24948,10 +24948,10 @@
           <p:cNvPr id="10" name="Straight Connector 9">
             <a:extLst>
               <a:ext uri="{FF2B5EF4-FFF2-40B4-BE49-F238E27FC236}">
-                <a16:creationId xmlns="" xmlns:a16="http://schemas.microsoft.com/office/drawing/2014/main" id="{75415567-45D9-4FB5-B020-6FAD77889407}"/>
+                <a16:creationId xmlns:a16="http://schemas.microsoft.com/office/drawing/2014/main" xmlns="" id="{75415567-45D9-4FB5-B020-6FAD77889407}"/>
               </a:ext>
               <a:ext uri="{C183D7F6-B498-43B3-948B-1728B52AA6E4}">
-                <adec:decorative xmlns="" xmlns:adec="http://schemas.microsoft.com/office/drawing/2017/decorative" val="1"/>
+                <adec:decorative xmlns:adec="http://schemas.microsoft.com/office/drawing/2017/decorative" xmlns="" val="1"/>
               </a:ext>
             </a:extLst>
           </p:cNvPr>
@@ -25000,7 +25000,7 @@
           <p:cNvPr id="3" name="Content Placeholder 2">
             <a:extLst>
               <a:ext uri="{FF2B5EF4-FFF2-40B4-BE49-F238E27FC236}">
-                <a16:creationId xmlns="" xmlns:a16="http://schemas.microsoft.com/office/drawing/2014/main" id="{CFF4E226-9212-4F40-9BBF-9B120E901A18}"/>
+                <a16:creationId xmlns:a16="http://schemas.microsoft.com/office/drawing/2014/main" xmlns="" id="{CFF4E226-9212-4F40-9BBF-9B120E901A18}"/>
               </a:ext>
             </a:extLst>
           </p:cNvPr>
@@ -25025,22 +25025,28 @@
           <a:p>
             <a:pPr lvl="1"/>
             <a:r>
-              <a:rPr lang="en-US" dirty="0">
-                <a:hlinkClick r:id="rId2"/>
-              </a:rPr>
+              <a:rPr lang="en-US" dirty="0"/>
               <a:t>man </a:t>
             </a:r>
             <a:r>
-              <a:rPr lang="en-US" dirty="0" err="1">
+              <a:rPr lang="en-US" dirty="0" err="1" smtClean="0"/>
+              <a:t>scp</a:t>
+            </a:r>
+            <a:r>
+              <a:rPr lang="en-US" dirty="0" smtClean="0"/>
+              <a:t>: </a:t>
+            </a:r>
+            <a:r>
+              <a:rPr lang="en-US" dirty="0" smtClean="0">
                 <a:hlinkClick r:id="rId2"/>
               </a:rPr>
-              <a:t>scp</a:t>
+              <a:t>https</a:t>
             </a:r>
             <a:r>
               <a:rPr lang="en-US" dirty="0">
                 <a:hlinkClick r:id="rId2"/>
               </a:rPr>
-              <a:t>: https://man7.org/linux/man-pages/man1/scp.1.html</a:t>
+              <a:t>://man7.org/linux/man-pages/man1/scp.1.html</a:t>
             </a:r>
             <a:endParaRPr lang="en-US" dirty="0"/>
           </a:p>
@@ -25287,23 +25293,7 @@
                 <a:ea typeface="Times New Roman" charset="0"/>
                 <a:cs typeface="Times New Roman" charset="0"/>
               </a:rPr>
-              <a:t>CC </a:t>
-            </a:r>
-            <a:r>
-              <a:rPr lang="en-US" sz="2800" dirty="0">
-                <a:latin typeface="Times New Roman" charset="0"/>
-                <a:ea typeface="Times New Roman" charset="0"/>
-                <a:cs typeface="Times New Roman" charset="0"/>
-              </a:rPr>
-              <a:t>BY-SA </a:t>
-            </a:r>
-            <a:r>
-              <a:rPr lang="en-US" sz="2800" dirty="0">
-                <a:latin typeface="Times New Roman" charset="0"/>
-                <a:ea typeface="Times New Roman" charset="0"/>
-                <a:cs typeface="Times New Roman" charset="0"/>
-              </a:rPr>
-              <a:t>4.0. To view a copy of this license, visit </a:t>
+              <a:t>CC BY-SA 4.0. To view a copy of this license, visit </a:t>
             </a:r>
             <a:r>
               <a:rPr lang="en-US" sz="2800" dirty="0">
@@ -25312,16 +25302,7 @@
                 <a:cs typeface="Times New Roman" charset="0"/>
                 <a:hlinkClick r:id="rId2"/>
               </a:rPr>
-              <a:t>https://</a:t>
-            </a:r>
-            <a:r>
-              <a:rPr lang="en-US" sz="2800" dirty="0">
-                <a:latin typeface="Times New Roman" charset="0"/>
-                <a:ea typeface="Times New Roman" charset="0"/>
-                <a:cs typeface="Times New Roman" charset="0"/>
-                <a:hlinkClick r:id="rId2"/>
-              </a:rPr>
-              <a:t>creativecommons.org/licenses/by-sa/4.0</a:t>
+              <a:t>https://creativecommons.org/licenses/by-sa/4.0</a:t>
             </a:r>
             <a:r>
               <a:rPr lang="en-US" sz="2800" dirty="0">
@@ -25515,10 +25496,10 @@
           <p:cNvPr id="9" name="Rectangle 8">
             <a:extLst>
               <a:ext uri="{FF2B5EF4-FFF2-40B4-BE49-F238E27FC236}">
-                <a16:creationId xmlns="" xmlns:a16="http://schemas.microsoft.com/office/drawing/2014/main" id="{2FDF0794-1B86-42B2-B8C7-F60123E638ED}"/>
+                <a16:creationId xmlns:a16="http://schemas.microsoft.com/office/drawing/2014/main" xmlns="" id="{2FDF0794-1B86-42B2-B8C7-F60123E638ED}"/>
               </a:ext>
               <a:ext uri="{C183D7F6-B498-43B3-948B-1728B52AA6E4}">
-                <adec:decorative xmlns="" xmlns:adec="http://schemas.microsoft.com/office/drawing/2017/decorative" val="1"/>
+                <adec:decorative xmlns:adec="http://schemas.microsoft.com/office/drawing/2017/decorative" xmlns="" val="1"/>
               </a:ext>
             </a:extLst>
           </p:cNvPr>
@@ -25578,7 +25559,7 @@
           <p:cNvPr id="5" name="Picture 4">
             <a:extLst>
               <a:ext uri="{FF2B5EF4-FFF2-40B4-BE49-F238E27FC236}">
-                <a16:creationId xmlns="" xmlns:a16="http://schemas.microsoft.com/office/drawing/2014/main" id="{48C73C07-776C-43B1-9929-546A3147FC8C}"/>
+                <a16:creationId xmlns:a16="http://schemas.microsoft.com/office/drawing/2014/main" xmlns="" id="{48C73C07-776C-43B1-9929-546A3147FC8C}"/>
               </a:ext>
             </a:extLst>
           </p:cNvPr>
@@ -25607,10 +25588,10 @@
           <p:cNvPr id="11" name="Rectangle 10">
             <a:extLst>
               <a:ext uri="{FF2B5EF4-FFF2-40B4-BE49-F238E27FC236}">
-                <a16:creationId xmlns="" xmlns:a16="http://schemas.microsoft.com/office/drawing/2014/main" id="{C5373426-E26E-431D-959C-5DB96C0B6208}"/>
+                <a16:creationId xmlns:a16="http://schemas.microsoft.com/office/drawing/2014/main" xmlns="" id="{C5373426-E26E-431D-959C-5DB96C0B6208}"/>
               </a:ext>
               <a:ext uri="{C183D7F6-B498-43B3-948B-1728B52AA6E4}">
-                <adec:decorative xmlns="" xmlns:adec="http://schemas.microsoft.com/office/drawing/2017/decorative" val="1"/>
+                <adec:decorative xmlns:adec="http://schemas.microsoft.com/office/drawing/2017/decorative" xmlns="" val="1"/>
               </a:ext>
             </a:extLst>
           </p:cNvPr>
@@ -25672,7 +25653,7 @@
           <p:cNvPr id="2" name="Title 1">
             <a:extLst>
               <a:ext uri="{FF2B5EF4-FFF2-40B4-BE49-F238E27FC236}">
-                <a16:creationId xmlns="" xmlns:a16="http://schemas.microsoft.com/office/drawing/2014/main" id="{D33DE194-0A7D-421E-8C55-B97B2C35B93D}"/>
+                <a16:creationId xmlns:a16="http://schemas.microsoft.com/office/drawing/2014/main" xmlns="" id="{D33DE194-0A7D-421E-8C55-B97B2C35B93D}"/>
               </a:ext>
             </a:extLst>
           </p:cNvPr>
@@ -25711,10 +25692,10 @@
           <p:cNvPr id="13" name="Straight Connector 12">
             <a:extLst>
               <a:ext uri="{FF2B5EF4-FFF2-40B4-BE49-F238E27FC236}">
-                <a16:creationId xmlns="" xmlns:a16="http://schemas.microsoft.com/office/drawing/2014/main" id="{96D07482-83A3-4451-943C-B46961082957}"/>
+                <a16:creationId xmlns:a16="http://schemas.microsoft.com/office/drawing/2014/main" xmlns="" id="{96D07482-83A3-4451-943C-B46961082957}"/>
               </a:ext>
               <a:ext uri="{C183D7F6-B498-43B3-948B-1728B52AA6E4}">
-                <adec:decorative xmlns="" xmlns:adec="http://schemas.microsoft.com/office/drawing/2017/decorative" val="1"/>
+                <adec:decorative xmlns:adec="http://schemas.microsoft.com/office/drawing/2017/decorative" xmlns="" val="1"/>
               </a:ext>
             </a:extLst>
           </p:cNvPr>
@@ -25808,10 +25789,10 @@
           <p:cNvPr id="10" name="Rectangle 9">
             <a:extLst>
               <a:ext uri="{FF2B5EF4-FFF2-40B4-BE49-F238E27FC236}">
-                <a16:creationId xmlns="" xmlns:a16="http://schemas.microsoft.com/office/drawing/2014/main" id="{6109556B-EAE9-4435-B409-0519F2CBDB14}"/>
+                <a16:creationId xmlns:a16="http://schemas.microsoft.com/office/drawing/2014/main" xmlns="" id="{6109556B-EAE9-4435-B409-0519F2CBDB14}"/>
               </a:ext>
               <a:ext uri="{C183D7F6-B498-43B3-948B-1728B52AA6E4}">
-                <adec:decorative xmlns="" xmlns:adec="http://schemas.microsoft.com/office/drawing/2017/decorative" val="1"/>
+                <adec:decorative xmlns:adec="http://schemas.microsoft.com/office/drawing/2017/decorative" xmlns="" val="1"/>
               </a:ext>
             </a:extLst>
           </p:cNvPr>
@@ -25871,7 +25852,7 @@
           <p:cNvPr id="2" name="Title 1">
             <a:extLst>
               <a:ext uri="{FF2B5EF4-FFF2-40B4-BE49-F238E27FC236}">
-                <a16:creationId xmlns="" xmlns:a16="http://schemas.microsoft.com/office/drawing/2014/main" id="{29A9E6A4-AE7A-42E2-977F-3BFFE98CA697}"/>
+                <a16:creationId xmlns:a16="http://schemas.microsoft.com/office/drawing/2014/main" xmlns="" id="{29A9E6A4-AE7A-42E2-977F-3BFFE98CA697}"/>
               </a:ext>
             </a:extLst>
           </p:cNvPr>
@@ -25910,10 +25891,10 @@
           <p:cNvPr id="12" name="Straight Connector 11">
             <a:extLst>
               <a:ext uri="{FF2B5EF4-FFF2-40B4-BE49-F238E27FC236}">
-                <a16:creationId xmlns="" xmlns:a16="http://schemas.microsoft.com/office/drawing/2014/main" id="{5814CCBE-423E-41B2-A9F3-82679F490EF4}"/>
+                <a16:creationId xmlns:a16="http://schemas.microsoft.com/office/drawing/2014/main" xmlns="" id="{5814CCBE-423E-41B2-A9F3-82679F490EF4}"/>
               </a:ext>
               <a:ext uri="{C183D7F6-B498-43B3-948B-1728B52AA6E4}">
-                <adec:decorative xmlns="" xmlns:adec="http://schemas.microsoft.com/office/drawing/2017/decorative" val="1"/>
+                <adec:decorative xmlns:adec="http://schemas.microsoft.com/office/drawing/2017/decorative" xmlns="" val="1"/>
               </a:ext>
             </a:extLst>
           </p:cNvPr>
@@ -25962,7 +25943,7 @@
           <p:cNvPr id="3" name="Content Placeholder 2">
             <a:extLst>
               <a:ext uri="{FF2B5EF4-FFF2-40B4-BE49-F238E27FC236}">
-                <a16:creationId xmlns="" xmlns:a16="http://schemas.microsoft.com/office/drawing/2014/main" id="{080E24F3-1822-4BFF-BF7D-17E2E759AE7C}"/>
+                <a16:creationId xmlns:a16="http://schemas.microsoft.com/office/drawing/2014/main" xmlns="" id="{080E24F3-1822-4BFF-BF7D-17E2E759AE7C}"/>
               </a:ext>
             </a:extLst>
           </p:cNvPr>
@@ -26054,7 +26035,7 @@
           <p:cNvPr id="5" name="Picture 4">
             <a:extLst>
               <a:ext uri="{FF2B5EF4-FFF2-40B4-BE49-F238E27FC236}">
-                <a16:creationId xmlns="" xmlns:a16="http://schemas.microsoft.com/office/drawing/2014/main" id="{696BA665-054F-45E2-B5CF-5041261CA538}"/>
+                <a16:creationId xmlns:a16="http://schemas.microsoft.com/office/drawing/2014/main" xmlns="" id="{696BA665-054F-45E2-B5CF-5041261CA538}"/>
               </a:ext>
             </a:extLst>
           </p:cNvPr>
@@ -26120,7 +26101,7 @@
           <p:cNvPr id="2" name="Title 1">
             <a:extLst>
               <a:ext uri="{FF2B5EF4-FFF2-40B4-BE49-F238E27FC236}">
-                <a16:creationId xmlns="" xmlns:a16="http://schemas.microsoft.com/office/drawing/2014/main" id="{F24F037D-7D22-479A-ADC3-040CAFCF50C2}"/>
+                <a16:creationId xmlns:a16="http://schemas.microsoft.com/office/drawing/2014/main" xmlns="" id="{F24F037D-7D22-479A-ADC3-040CAFCF50C2}"/>
               </a:ext>
             </a:extLst>
           </p:cNvPr>
@@ -26148,7 +26129,7 @@
           <p:cNvPr id="5" name="Content Placeholder 4" descr="Database">
             <a:extLst>
               <a:ext uri="{FF2B5EF4-FFF2-40B4-BE49-F238E27FC236}">
-                <a16:creationId xmlns="" xmlns:a16="http://schemas.microsoft.com/office/drawing/2014/main" id="{810DE54E-2F01-46FB-BF78-FF8BC87969CC}"/>
+                <a16:creationId xmlns:a16="http://schemas.microsoft.com/office/drawing/2014/main" xmlns="" id="{810DE54E-2F01-46FB-BF78-FF8BC87969CC}"/>
               </a:ext>
             </a:extLst>
           </p:cNvPr>
@@ -26163,7 +26144,7 @@
           <a:blip r:embed="rId2">
             <a:extLst>
               <a:ext uri="{96DAC541-7B7A-43D3-8B79-37D633B846F1}">
-                <asvg:svgBlip xmlns="" xmlns:asvg="http://schemas.microsoft.com/office/drawing/2016/SVG/main" r:embed="rId3"/>
+                <asvg:svgBlip xmlns:asvg="http://schemas.microsoft.com/office/drawing/2016/SVG/main" xmlns="" r:embed="rId3"/>
               </a:ext>
             </a:extLst>
           </a:blip>
@@ -26183,7 +26164,7 @@
           <p:cNvPr id="7" name="Graphic 6" descr="Computer">
             <a:extLst>
               <a:ext uri="{FF2B5EF4-FFF2-40B4-BE49-F238E27FC236}">
-                <a16:creationId xmlns="" xmlns:a16="http://schemas.microsoft.com/office/drawing/2014/main" id="{CB146379-DE3A-4F99-8E8B-F6A9E3E4FF51}"/>
+                <a16:creationId xmlns:a16="http://schemas.microsoft.com/office/drawing/2014/main" xmlns="" id="{CB146379-DE3A-4F99-8E8B-F6A9E3E4FF51}"/>
               </a:ext>
             </a:extLst>
           </p:cNvPr>
@@ -26196,7 +26177,7 @@
           <a:blip r:embed="rId4">
             <a:extLst>
               <a:ext uri="{96DAC541-7B7A-43D3-8B79-37D633B846F1}">
-                <asvg:svgBlip xmlns="" xmlns:asvg="http://schemas.microsoft.com/office/drawing/2016/SVG/main" r:embed="rId5"/>
+                <asvg:svgBlip xmlns:asvg="http://schemas.microsoft.com/office/drawing/2016/SVG/main" xmlns="" r:embed="rId5"/>
               </a:ext>
             </a:extLst>
           </a:blip>
@@ -26219,7 +26200,7 @@
           <p:cNvPr id="12" name="Straight Connector 11">
             <a:extLst>
               <a:ext uri="{FF2B5EF4-FFF2-40B4-BE49-F238E27FC236}">
-                <a16:creationId xmlns="" xmlns:a16="http://schemas.microsoft.com/office/drawing/2014/main" id="{B5C721F4-50D6-4534-AAD2-0AC59B3B5810}"/>
+                <a16:creationId xmlns:a16="http://schemas.microsoft.com/office/drawing/2014/main" xmlns="" id="{B5C721F4-50D6-4534-AAD2-0AC59B3B5810}"/>
               </a:ext>
             </a:extLst>
           </p:cNvPr>
@@ -26259,7 +26240,7 @@
           <p:cNvPr id="6" name="TextBox 5">
             <a:extLst>
               <a:ext uri="{FF2B5EF4-FFF2-40B4-BE49-F238E27FC236}">
-                <a16:creationId xmlns="" xmlns:a16="http://schemas.microsoft.com/office/drawing/2014/main" id="{5762F2C4-2945-4B30-BFB6-1CD70DEF121E}"/>
+                <a16:creationId xmlns:a16="http://schemas.microsoft.com/office/drawing/2014/main" xmlns="" id="{5762F2C4-2945-4B30-BFB6-1CD70DEF121E}"/>
               </a:ext>
             </a:extLst>
           </p:cNvPr>
@@ -26294,7 +26275,7 @@
           <p:cNvPr id="8" name="TextBox 7">
             <a:extLst>
               <a:ext uri="{FF2B5EF4-FFF2-40B4-BE49-F238E27FC236}">
-                <a16:creationId xmlns="" xmlns:a16="http://schemas.microsoft.com/office/drawing/2014/main" id="{EFA66816-B728-455C-85A2-90B5FD142459}"/>
+                <a16:creationId xmlns:a16="http://schemas.microsoft.com/office/drawing/2014/main" xmlns="" id="{EFA66816-B728-455C-85A2-90B5FD142459}"/>
               </a:ext>
             </a:extLst>
           </p:cNvPr>
@@ -26329,7 +26310,7 @@
           <p:cNvPr id="11" name="TextBox 10">
             <a:extLst>
               <a:ext uri="{FF2B5EF4-FFF2-40B4-BE49-F238E27FC236}">
-                <a16:creationId xmlns="" xmlns:a16="http://schemas.microsoft.com/office/drawing/2014/main" id="{7924B171-AB20-4FAA-B977-76CF66B33BC3}"/>
+                <a16:creationId xmlns:a16="http://schemas.microsoft.com/office/drawing/2014/main" xmlns="" id="{7924B171-AB20-4FAA-B977-76CF66B33BC3}"/>
               </a:ext>
             </a:extLst>
           </p:cNvPr>
@@ -26364,7 +26345,7 @@
           <p:cNvPr id="18" name="Graphic 17" descr="Good Idea">
             <a:extLst>
               <a:ext uri="{FF2B5EF4-FFF2-40B4-BE49-F238E27FC236}">
-                <a16:creationId xmlns="" xmlns:a16="http://schemas.microsoft.com/office/drawing/2014/main" id="{C26062CD-B2C9-4754-97DC-16F9AD0B4C22}"/>
+                <a16:creationId xmlns:a16="http://schemas.microsoft.com/office/drawing/2014/main" xmlns="" id="{C26062CD-B2C9-4754-97DC-16F9AD0B4C22}"/>
               </a:ext>
             </a:extLst>
           </p:cNvPr>
@@ -26377,7 +26358,7 @@
           <a:blip r:embed="rId6">
             <a:extLst>
               <a:ext uri="{96DAC541-7B7A-43D3-8B79-37D633B846F1}">
-                <asvg:svgBlip xmlns="" xmlns:asvg="http://schemas.microsoft.com/office/drawing/2016/SVG/main" r:embed="rId7"/>
+                <asvg:svgBlip xmlns:asvg="http://schemas.microsoft.com/office/drawing/2016/SVG/main" xmlns="" r:embed="rId7"/>
               </a:ext>
             </a:extLst>
           </a:blip>
@@ -26400,7 +26381,7 @@
           <p:cNvPr id="20" name="TextBox 19">
             <a:extLst>
               <a:ext uri="{FF2B5EF4-FFF2-40B4-BE49-F238E27FC236}">
-                <a16:creationId xmlns="" xmlns:a16="http://schemas.microsoft.com/office/drawing/2014/main" id="{5497ACD7-E79E-4961-B74A-A182584235D2}"/>
+                <a16:creationId xmlns:a16="http://schemas.microsoft.com/office/drawing/2014/main" xmlns="" id="{5497ACD7-E79E-4961-B74A-A182584235D2}"/>
               </a:ext>
             </a:extLst>
           </p:cNvPr>
@@ -26488,7 +26469,7 @@
           <p:cNvPr id="2" name="Title 1">
             <a:extLst>
               <a:ext uri="{FF2B5EF4-FFF2-40B4-BE49-F238E27FC236}">
-                <a16:creationId xmlns="" xmlns:a16="http://schemas.microsoft.com/office/drawing/2014/main" id="{F24F037D-7D22-479A-ADC3-040CAFCF50C2}"/>
+                <a16:creationId xmlns:a16="http://schemas.microsoft.com/office/drawing/2014/main" xmlns="" id="{F24F037D-7D22-479A-ADC3-040CAFCF50C2}"/>
               </a:ext>
             </a:extLst>
           </p:cNvPr>
@@ -26516,7 +26497,7 @@
           <p:cNvPr id="5" name="Content Placeholder 4" descr="Database">
             <a:extLst>
               <a:ext uri="{FF2B5EF4-FFF2-40B4-BE49-F238E27FC236}">
-                <a16:creationId xmlns="" xmlns:a16="http://schemas.microsoft.com/office/drawing/2014/main" id="{810DE54E-2F01-46FB-BF78-FF8BC87969CC}"/>
+                <a16:creationId xmlns:a16="http://schemas.microsoft.com/office/drawing/2014/main" xmlns="" id="{810DE54E-2F01-46FB-BF78-FF8BC87969CC}"/>
               </a:ext>
             </a:extLst>
           </p:cNvPr>
@@ -26531,7 +26512,7 @@
           <a:blip r:embed="rId2">
             <a:extLst>
               <a:ext uri="{96DAC541-7B7A-43D3-8B79-37D633B846F1}">
-                <asvg:svgBlip xmlns="" xmlns:asvg="http://schemas.microsoft.com/office/drawing/2016/SVG/main" r:embed="rId3"/>
+                <asvg:svgBlip xmlns:asvg="http://schemas.microsoft.com/office/drawing/2016/SVG/main" xmlns="" r:embed="rId3"/>
               </a:ext>
             </a:extLst>
           </a:blip>
@@ -26551,7 +26532,7 @@
           <p:cNvPr id="7" name="Graphic 6" descr="Computer">
             <a:extLst>
               <a:ext uri="{FF2B5EF4-FFF2-40B4-BE49-F238E27FC236}">
-                <a16:creationId xmlns="" xmlns:a16="http://schemas.microsoft.com/office/drawing/2014/main" id="{CB146379-DE3A-4F99-8E8B-F6A9E3E4FF51}"/>
+                <a16:creationId xmlns:a16="http://schemas.microsoft.com/office/drawing/2014/main" xmlns="" id="{CB146379-DE3A-4F99-8E8B-F6A9E3E4FF51}"/>
               </a:ext>
             </a:extLst>
           </p:cNvPr>
@@ -26564,7 +26545,7 @@
           <a:blip r:embed="rId4">
             <a:extLst>
               <a:ext uri="{96DAC541-7B7A-43D3-8B79-37D633B846F1}">
-                <asvg:svgBlip xmlns="" xmlns:asvg="http://schemas.microsoft.com/office/drawing/2016/SVG/main" r:embed="rId5"/>
+                <asvg:svgBlip xmlns:asvg="http://schemas.microsoft.com/office/drawing/2016/SVG/main" xmlns="" r:embed="rId5"/>
               </a:ext>
             </a:extLst>
           </a:blip>
@@ -26587,7 +26568,7 @@
           <p:cNvPr id="9" name="Graphic 8" descr="Server">
             <a:extLst>
               <a:ext uri="{FF2B5EF4-FFF2-40B4-BE49-F238E27FC236}">
-                <a16:creationId xmlns="" xmlns:a16="http://schemas.microsoft.com/office/drawing/2014/main" id="{35A58F10-B4CB-4D45-8EC0-AF26BE8C304C}"/>
+                <a16:creationId xmlns:a16="http://schemas.microsoft.com/office/drawing/2014/main" xmlns="" id="{35A58F10-B4CB-4D45-8EC0-AF26BE8C304C}"/>
               </a:ext>
             </a:extLst>
           </p:cNvPr>
@@ -26600,7 +26581,7 @@
           <a:blip r:embed="rId6">
             <a:extLst>
               <a:ext uri="{96DAC541-7B7A-43D3-8B79-37D633B846F1}">
-                <asvg:svgBlip xmlns="" xmlns:asvg="http://schemas.microsoft.com/office/drawing/2016/SVG/main" r:embed="rId7"/>
+                <asvg:svgBlip xmlns:asvg="http://schemas.microsoft.com/office/drawing/2016/SVG/main" xmlns="" r:embed="rId7"/>
               </a:ext>
             </a:extLst>
           </a:blip>
@@ -26623,7 +26604,7 @@
           <p:cNvPr id="10" name="Content Placeholder 4" descr="Database">
             <a:extLst>
               <a:ext uri="{FF2B5EF4-FFF2-40B4-BE49-F238E27FC236}">
-                <a16:creationId xmlns="" xmlns:a16="http://schemas.microsoft.com/office/drawing/2014/main" id="{87830537-D818-426E-BB07-CE058CC1D029}"/>
+                <a16:creationId xmlns:a16="http://schemas.microsoft.com/office/drawing/2014/main" xmlns="" id="{87830537-D818-426E-BB07-CE058CC1D029}"/>
               </a:ext>
             </a:extLst>
           </p:cNvPr>
@@ -26636,7 +26617,7 @@
           <a:blip r:embed="rId2">
             <a:extLst>
               <a:ext uri="{96DAC541-7B7A-43D3-8B79-37D633B846F1}">
-                <asvg:svgBlip xmlns="" xmlns:asvg="http://schemas.microsoft.com/office/drawing/2016/SVG/main" r:embed="rId3"/>
+                <asvg:svgBlip xmlns:asvg="http://schemas.microsoft.com/office/drawing/2016/SVG/main" xmlns="" r:embed="rId3"/>
               </a:ext>
             </a:extLst>
           </a:blip>
@@ -26659,7 +26640,7 @@
           <p:cNvPr id="12" name="Straight Connector 11">
             <a:extLst>
               <a:ext uri="{FF2B5EF4-FFF2-40B4-BE49-F238E27FC236}">
-                <a16:creationId xmlns="" xmlns:a16="http://schemas.microsoft.com/office/drawing/2014/main" id="{B5C721F4-50D6-4534-AAD2-0AC59B3B5810}"/>
+                <a16:creationId xmlns:a16="http://schemas.microsoft.com/office/drawing/2014/main" xmlns="" id="{B5C721F4-50D6-4534-AAD2-0AC59B3B5810}"/>
               </a:ext>
             </a:extLst>
           </p:cNvPr>
@@ -26699,7 +26680,7 @@
           <p:cNvPr id="16" name="Straight Connector 15">
             <a:extLst>
               <a:ext uri="{FF2B5EF4-FFF2-40B4-BE49-F238E27FC236}">
-                <a16:creationId xmlns="" xmlns:a16="http://schemas.microsoft.com/office/drawing/2014/main" id="{E980ADB6-24F0-4DEF-9800-876AD2BCB20C}"/>
+                <a16:creationId xmlns:a16="http://schemas.microsoft.com/office/drawing/2014/main" xmlns="" id="{E980ADB6-24F0-4DEF-9800-876AD2BCB20C}"/>
               </a:ext>
             </a:extLst>
           </p:cNvPr>
@@ -26739,7 +26720,7 @@
           <p:cNvPr id="22" name="Graphic 21" descr="Transfer">
             <a:extLst>
               <a:ext uri="{FF2B5EF4-FFF2-40B4-BE49-F238E27FC236}">
-                <a16:creationId xmlns="" xmlns:a16="http://schemas.microsoft.com/office/drawing/2014/main" id="{5E3356BC-FA11-44C9-AA1D-6BF4CC97EA09}"/>
+                <a16:creationId xmlns:a16="http://schemas.microsoft.com/office/drawing/2014/main" xmlns="" id="{5E3356BC-FA11-44C9-AA1D-6BF4CC97EA09}"/>
               </a:ext>
             </a:extLst>
           </p:cNvPr>
@@ -26752,7 +26733,7 @@
           <a:blip r:embed="rId8">
             <a:extLst>
               <a:ext uri="{96DAC541-7B7A-43D3-8B79-37D633B846F1}">
-                <asvg:svgBlip xmlns="" xmlns:asvg="http://schemas.microsoft.com/office/drawing/2016/SVG/main" r:embed="rId9"/>
+                <asvg:svgBlip xmlns:asvg="http://schemas.microsoft.com/office/drawing/2016/SVG/main" xmlns="" r:embed="rId9"/>
               </a:ext>
             </a:extLst>
           </a:blip>
@@ -26775,7 +26756,7 @@
           <p:cNvPr id="23" name="TextBox 22">
             <a:extLst>
               <a:ext uri="{FF2B5EF4-FFF2-40B4-BE49-F238E27FC236}">
-                <a16:creationId xmlns="" xmlns:a16="http://schemas.microsoft.com/office/drawing/2014/main" id="{DCB0E2E8-C877-4CFD-82C6-4F784D4DBF21}"/>
+                <a16:creationId xmlns:a16="http://schemas.microsoft.com/office/drawing/2014/main" xmlns="" id="{DCB0E2E8-C877-4CFD-82C6-4F784D4DBF21}"/>
               </a:ext>
             </a:extLst>
           </p:cNvPr>
@@ -26877,7 +26858,7 @@
           <p:cNvPr id="24" name="TextBox 23">
             <a:extLst>
               <a:ext uri="{FF2B5EF4-FFF2-40B4-BE49-F238E27FC236}">
-                <a16:creationId xmlns="" xmlns:a16="http://schemas.microsoft.com/office/drawing/2014/main" id="{9818DE52-DD04-47F7-BCC1-B097FBD31411}"/>
+                <a16:creationId xmlns:a16="http://schemas.microsoft.com/office/drawing/2014/main" xmlns="" id="{9818DE52-DD04-47F7-BCC1-B097FBD31411}"/>
               </a:ext>
             </a:extLst>
           </p:cNvPr>
@@ -26912,7 +26893,7 @@
           <p:cNvPr id="25" name="TextBox 24">
             <a:extLst>
               <a:ext uri="{FF2B5EF4-FFF2-40B4-BE49-F238E27FC236}">
-                <a16:creationId xmlns="" xmlns:a16="http://schemas.microsoft.com/office/drawing/2014/main" id="{7268F622-250C-4DD2-97E9-E0586D10C92D}"/>
+                <a16:creationId xmlns:a16="http://schemas.microsoft.com/office/drawing/2014/main" xmlns="" id="{7268F622-250C-4DD2-97E9-E0586D10C92D}"/>
               </a:ext>
             </a:extLst>
           </p:cNvPr>
@@ -26977,7 +26958,7 @@
           <p:cNvPr id="2" name="Title 1">
             <a:extLst>
               <a:ext uri="{FF2B5EF4-FFF2-40B4-BE49-F238E27FC236}">
-                <a16:creationId xmlns="" xmlns:a16="http://schemas.microsoft.com/office/drawing/2014/main" id="{F24F037D-7D22-479A-ADC3-040CAFCF50C2}"/>
+                <a16:creationId xmlns:a16="http://schemas.microsoft.com/office/drawing/2014/main" xmlns="" id="{F24F037D-7D22-479A-ADC3-040CAFCF50C2}"/>
               </a:ext>
             </a:extLst>
           </p:cNvPr>
@@ -27005,7 +26986,7 @@
           <p:cNvPr id="5" name="Content Placeholder 4" descr="Database">
             <a:extLst>
               <a:ext uri="{FF2B5EF4-FFF2-40B4-BE49-F238E27FC236}">
-                <a16:creationId xmlns="" xmlns:a16="http://schemas.microsoft.com/office/drawing/2014/main" id="{810DE54E-2F01-46FB-BF78-FF8BC87969CC}"/>
+                <a16:creationId xmlns:a16="http://schemas.microsoft.com/office/drawing/2014/main" xmlns="" id="{810DE54E-2F01-46FB-BF78-FF8BC87969CC}"/>
               </a:ext>
             </a:extLst>
           </p:cNvPr>
@@ -27020,7 +27001,7 @@
           <a:blip r:embed="rId2">
             <a:extLst>
               <a:ext uri="{96DAC541-7B7A-43D3-8B79-37D633B846F1}">
-                <asvg:svgBlip xmlns="" xmlns:asvg="http://schemas.microsoft.com/office/drawing/2016/SVG/main" r:embed="rId3"/>
+                <asvg:svgBlip xmlns:asvg="http://schemas.microsoft.com/office/drawing/2016/SVG/main" xmlns="" r:embed="rId3"/>
               </a:ext>
             </a:extLst>
           </a:blip>
@@ -27040,7 +27021,7 @@
           <p:cNvPr id="7" name="Graphic 6" descr="Computer">
             <a:extLst>
               <a:ext uri="{FF2B5EF4-FFF2-40B4-BE49-F238E27FC236}">
-                <a16:creationId xmlns="" xmlns:a16="http://schemas.microsoft.com/office/drawing/2014/main" id="{CB146379-DE3A-4F99-8E8B-F6A9E3E4FF51}"/>
+                <a16:creationId xmlns:a16="http://schemas.microsoft.com/office/drawing/2014/main" xmlns="" id="{CB146379-DE3A-4F99-8E8B-F6A9E3E4FF51}"/>
               </a:ext>
             </a:extLst>
           </p:cNvPr>
@@ -27053,7 +27034,7 @@
           <a:blip r:embed="rId4">
             <a:extLst>
               <a:ext uri="{96DAC541-7B7A-43D3-8B79-37D633B846F1}">
-                <asvg:svgBlip xmlns="" xmlns:asvg="http://schemas.microsoft.com/office/drawing/2016/SVG/main" r:embed="rId5"/>
+                <asvg:svgBlip xmlns:asvg="http://schemas.microsoft.com/office/drawing/2016/SVG/main" xmlns="" r:embed="rId5"/>
               </a:ext>
             </a:extLst>
           </a:blip>
@@ -27076,7 +27057,7 @@
           <p:cNvPr id="9" name="Graphic 8" descr="Server">
             <a:extLst>
               <a:ext uri="{FF2B5EF4-FFF2-40B4-BE49-F238E27FC236}">
-                <a16:creationId xmlns="" xmlns:a16="http://schemas.microsoft.com/office/drawing/2014/main" id="{35A58F10-B4CB-4D45-8EC0-AF26BE8C304C}"/>
+                <a16:creationId xmlns:a16="http://schemas.microsoft.com/office/drawing/2014/main" xmlns="" id="{35A58F10-B4CB-4D45-8EC0-AF26BE8C304C}"/>
               </a:ext>
             </a:extLst>
           </p:cNvPr>
@@ -27089,7 +27070,7 @@
           <a:blip r:embed="rId6">
             <a:extLst>
               <a:ext uri="{96DAC541-7B7A-43D3-8B79-37D633B846F1}">
-                <asvg:svgBlip xmlns="" xmlns:asvg="http://schemas.microsoft.com/office/drawing/2016/SVG/main" r:embed="rId7"/>
+                <asvg:svgBlip xmlns:asvg="http://schemas.microsoft.com/office/drawing/2016/SVG/main" xmlns="" r:embed="rId7"/>
               </a:ext>
             </a:extLst>
           </a:blip>
@@ -27112,7 +27093,7 @@
           <p:cNvPr id="10" name="Content Placeholder 4" descr="Database">
             <a:extLst>
               <a:ext uri="{FF2B5EF4-FFF2-40B4-BE49-F238E27FC236}">
-                <a16:creationId xmlns="" xmlns:a16="http://schemas.microsoft.com/office/drawing/2014/main" id="{87830537-D818-426E-BB07-CE058CC1D029}"/>
+                <a16:creationId xmlns:a16="http://schemas.microsoft.com/office/drawing/2014/main" xmlns="" id="{87830537-D818-426E-BB07-CE058CC1D029}"/>
               </a:ext>
             </a:extLst>
           </p:cNvPr>
@@ -27125,7 +27106,7 @@
           <a:blip r:embed="rId2">
             <a:extLst>
               <a:ext uri="{96DAC541-7B7A-43D3-8B79-37D633B846F1}">
-                <asvg:svgBlip xmlns="" xmlns:asvg="http://schemas.microsoft.com/office/drawing/2016/SVG/main" r:embed="rId3"/>
+                <asvg:svgBlip xmlns:asvg="http://schemas.microsoft.com/office/drawing/2016/SVG/main" xmlns="" r:embed="rId3"/>
               </a:ext>
             </a:extLst>
           </a:blip>
@@ -27148,7 +27129,7 @@
           <p:cNvPr id="12" name="Straight Connector 11">
             <a:extLst>
               <a:ext uri="{FF2B5EF4-FFF2-40B4-BE49-F238E27FC236}">
-                <a16:creationId xmlns="" xmlns:a16="http://schemas.microsoft.com/office/drawing/2014/main" id="{B5C721F4-50D6-4534-AAD2-0AC59B3B5810}"/>
+                <a16:creationId xmlns:a16="http://schemas.microsoft.com/office/drawing/2014/main" xmlns="" id="{B5C721F4-50D6-4534-AAD2-0AC59B3B5810}"/>
               </a:ext>
             </a:extLst>
           </p:cNvPr>
@@ -27188,7 +27169,7 @@
           <p:cNvPr id="16" name="Straight Connector 15">
             <a:extLst>
               <a:ext uri="{FF2B5EF4-FFF2-40B4-BE49-F238E27FC236}">
-                <a16:creationId xmlns="" xmlns:a16="http://schemas.microsoft.com/office/drawing/2014/main" id="{E980ADB6-24F0-4DEF-9800-876AD2BCB20C}"/>
+                <a16:creationId xmlns:a16="http://schemas.microsoft.com/office/drawing/2014/main" xmlns="" id="{E980ADB6-24F0-4DEF-9800-876AD2BCB20C}"/>
               </a:ext>
             </a:extLst>
           </p:cNvPr>
@@ -27228,7 +27209,7 @@
           <p:cNvPr id="22" name="Graphic 21" descr="Transfer">
             <a:extLst>
               <a:ext uri="{FF2B5EF4-FFF2-40B4-BE49-F238E27FC236}">
-                <a16:creationId xmlns="" xmlns:a16="http://schemas.microsoft.com/office/drawing/2014/main" id="{5E3356BC-FA11-44C9-AA1D-6BF4CC97EA09}"/>
+                <a16:creationId xmlns:a16="http://schemas.microsoft.com/office/drawing/2014/main" xmlns="" id="{5E3356BC-FA11-44C9-AA1D-6BF4CC97EA09}"/>
               </a:ext>
             </a:extLst>
           </p:cNvPr>
@@ -27241,7 +27222,7 @@
           <a:blip r:embed="rId8">
             <a:extLst>
               <a:ext uri="{96DAC541-7B7A-43D3-8B79-37D633B846F1}">
-                <asvg:svgBlip xmlns="" xmlns:asvg="http://schemas.microsoft.com/office/drawing/2016/SVG/main" r:embed="rId9"/>
+                <asvg:svgBlip xmlns:asvg="http://schemas.microsoft.com/office/drawing/2016/SVG/main" xmlns="" r:embed="rId9"/>
               </a:ext>
             </a:extLst>
           </a:blip>
@@ -27264,7 +27245,7 @@
           <p:cNvPr id="23" name="TextBox 22">
             <a:extLst>
               <a:ext uri="{FF2B5EF4-FFF2-40B4-BE49-F238E27FC236}">
-                <a16:creationId xmlns="" xmlns:a16="http://schemas.microsoft.com/office/drawing/2014/main" id="{DCB0E2E8-C877-4CFD-82C6-4F784D4DBF21}"/>
+                <a16:creationId xmlns:a16="http://schemas.microsoft.com/office/drawing/2014/main" xmlns="" id="{DCB0E2E8-C877-4CFD-82C6-4F784D4DBF21}"/>
               </a:ext>
             </a:extLst>
           </p:cNvPr>
@@ -27366,7 +27347,7 @@
           <p:cNvPr id="24" name="TextBox 23">
             <a:extLst>
               <a:ext uri="{FF2B5EF4-FFF2-40B4-BE49-F238E27FC236}">
-                <a16:creationId xmlns="" xmlns:a16="http://schemas.microsoft.com/office/drawing/2014/main" id="{9818DE52-DD04-47F7-BCC1-B097FBD31411}"/>
+                <a16:creationId xmlns:a16="http://schemas.microsoft.com/office/drawing/2014/main" xmlns="" id="{9818DE52-DD04-47F7-BCC1-B097FBD31411}"/>
               </a:ext>
             </a:extLst>
           </p:cNvPr>
@@ -27401,7 +27382,7 @@
           <p:cNvPr id="25" name="TextBox 24">
             <a:extLst>
               <a:ext uri="{FF2B5EF4-FFF2-40B4-BE49-F238E27FC236}">
-                <a16:creationId xmlns="" xmlns:a16="http://schemas.microsoft.com/office/drawing/2014/main" id="{7268F622-250C-4DD2-97E9-E0586D10C92D}"/>
+                <a16:creationId xmlns:a16="http://schemas.microsoft.com/office/drawing/2014/main" xmlns="" id="{7268F622-250C-4DD2-97E9-E0586D10C92D}"/>
               </a:ext>
             </a:extLst>
           </p:cNvPr>
@@ -27436,7 +27417,7 @@
           <p:cNvPr id="3" name="TextBox 2">
             <a:extLst>
               <a:ext uri="{FF2B5EF4-FFF2-40B4-BE49-F238E27FC236}">
-                <a16:creationId xmlns="" xmlns:a16="http://schemas.microsoft.com/office/drawing/2014/main" id="{B01756E5-E8CE-4951-A481-5CDBB9408229}"/>
+                <a16:creationId xmlns:a16="http://schemas.microsoft.com/office/drawing/2014/main" xmlns="" id="{B01756E5-E8CE-4951-A481-5CDBB9408229}"/>
               </a:ext>
             </a:extLst>
           </p:cNvPr>
@@ -27501,7 +27482,7 @@
           <p:cNvPr id="2" name="Title 1">
             <a:extLst>
               <a:ext uri="{FF2B5EF4-FFF2-40B4-BE49-F238E27FC236}">
-                <a16:creationId xmlns="" xmlns:a16="http://schemas.microsoft.com/office/drawing/2014/main" id="{F24F037D-7D22-479A-ADC3-040CAFCF50C2}"/>
+                <a16:creationId xmlns:a16="http://schemas.microsoft.com/office/drawing/2014/main" xmlns="" id="{F24F037D-7D22-479A-ADC3-040CAFCF50C2}"/>
               </a:ext>
             </a:extLst>
           </p:cNvPr>
@@ -27529,7 +27510,7 @@
           <p:cNvPr id="7" name="Graphic 6" descr="Computer">
             <a:extLst>
               <a:ext uri="{FF2B5EF4-FFF2-40B4-BE49-F238E27FC236}">
-                <a16:creationId xmlns="" xmlns:a16="http://schemas.microsoft.com/office/drawing/2014/main" id="{CB146379-DE3A-4F99-8E8B-F6A9E3E4FF51}"/>
+                <a16:creationId xmlns:a16="http://schemas.microsoft.com/office/drawing/2014/main" xmlns="" id="{CB146379-DE3A-4F99-8E8B-F6A9E3E4FF51}"/>
               </a:ext>
             </a:extLst>
           </p:cNvPr>
@@ -27542,7 +27523,7 @@
           <a:blip r:embed="rId2">
             <a:extLst>
               <a:ext uri="{96DAC541-7B7A-43D3-8B79-37D633B846F1}">
-                <asvg:svgBlip xmlns="" xmlns:asvg="http://schemas.microsoft.com/office/drawing/2016/SVG/main" r:embed="rId3"/>
+                <asvg:svgBlip xmlns:asvg="http://schemas.microsoft.com/office/drawing/2016/SVG/main" xmlns="" r:embed="rId3"/>
               </a:ext>
             </a:extLst>
           </a:blip>
@@ -27565,7 +27546,7 @@
           <p:cNvPr id="9" name="Graphic 8" descr="Server">
             <a:extLst>
               <a:ext uri="{FF2B5EF4-FFF2-40B4-BE49-F238E27FC236}">
-                <a16:creationId xmlns="" xmlns:a16="http://schemas.microsoft.com/office/drawing/2014/main" id="{35A58F10-B4CB-4D45-8EC0-AF26BE8C304C}"/>
+                <a16:creationId xmlns:a16="http://schemas.microsoft.com/office/drawing/2014/main" xmlns="" id="{35A58F10-B4CB-4D45-8EC0-AF26BE8C304C}"/>
               </a:ext>
             </a:extLst>
           </p:cNvPr>
@@ -27578,7 +27559,7 @@
           <a:blip r:embed="rId4">
             <a:extLst>
               <a:ext uri="{96DAC541-7B7A-43D3-8B79-37D633B846F1}">
-                <asvg:svgBlip xmlns="" xmlns:asvg="http://schemas.microsoft.com/office/drawing/2016/SVG/main" r:embed="rId5"/>
+                <asvg:svgBlip xmlns:asvg="http://schemas.microsoft.com/office/drawing/2016/SVG/main" xmlns="" r:embed="rId5"/>
               </a:ext>
             </a:extLst>
           </a:blip>
@@ -27601,7 +27582,7 @@
           <p:cNvPr id="22" name="Graphic 21" descr="Transfer">
             <a:extLst>
               <a:ext uri="{FF2B5EF4-FFF2-40B4-BE49-F238E27FC236}">
-                <a16:creationId xmlns="" xmlns:a16="http://schemas.microsoft.com/office/drawing/2014/main" id="{5E3356BC-FA11-44C9-AA1D-6BF4CC97EA09}"/>
+                <a16:creationId xmlns:a16="http://schemas.microsoft.com/office/drawing/2014/main" xmlns="" id="{5E3356BC-FA11-44C9-AA1D-6BF4CC97EA09}"/>
               </a:ext>
             </a:extLst>
           </p:cNvPr>
@@ -27614,7 +27595,7 @@
           <a:blip r:embed="rId6">
             <a:extLst>
               <a:ext uri="{96DAC541-7B7A-43D3-8B79-37D633B846F1}">
-                <asvg:svgBlip xmlns="" xmlns:asvg="http://schemas.microsoft.com/office/drawing/2016/SVG/main" r:embed="rId7"/>
+                <asvg:svgBlip xmlns:asvg="http://schemas.microsoft.com/office/drawing/2016/SVG/main" xmlns="" r:embed="rId7"/>
               </a:ext>
             </a:extLst>
           </a:blip>
@@ -27637,7 +27618,7 @@
           <p:cNvPr id="24" name="TextBox 23">
             <a:extLst>
               <a:ext uri="{FF2B5EF4-FFF2-40B4-BE49-F238E27FC236}">
-                <a16:creationId xmlns="" xmlns:a16="http://schemas.microsoft.com/office/drawing/2014/main" id="{9818DE52-DD04-47F7-BCC1-B097FBD31411}"/>
+                <a16:creationId xmlns:a16="http://schemas.microsoft.com/office/drawing/2014/main" xmlns="" id="{9818DE52-DD04-47F7-BCC1-B097FBD31411}"/>
               </a:ext>
             </a:extLst>
           </p:cNvPr>
@@ -27672,7 +27653,7 @@
           <p:cNvPr id="25" name="TextBox 24">
             <a:extLst>
               <a:ext uri="{FF2B5EF4-FFF2-40B4-BE49-F238E27FC236}">
-                <a16:creationId xmlns="" xmlns:a16="http://schemas.microsoft.com/office/drawing/2014/main" id="{7268F622-250C-4DD2-97E9-E0586D10C92D}"/>
+                <a16:creationId xmlns:a16="http://schemas.microsoft.com/office/drawing/2014/main" xmlns="" id="{7268F622-250C-4DD2-97E9-E0586D10C92D}"/>
               </a:ext>
             </a:extLst>
           </p:cNvPr>
@@ -27707,7 +27688,7 @@
           <p:cNvPr id="8" name="TextBox 7">
             <a:extLst>
               <a:ext uri="{FF2B5EF4-FFF2-40B4-BE49-F238E27FC236}">
-                <a16:creationId xmlns="" xmlns:a16="http://schemas.microsoft.com/office/drawing/2014/main" id="{3F94FB85-0477-4DDC-8412-EBA83FF67868}"/>
+                <a16:creationId xmlns:a16="http://schemas.microsoft.com/office/drawing/2014/main" xmlns="" id="{3F94FB85-0477-4DDC-8412-EBA83FF67868}"/>
               </a:ext>
             </a:extLst>
           </p:cNvPr>
@@ -27774,7 +27755,7 @@
           <p:cNvPr id="11" name="TextBox 10">
             <a:extLst>
               <a:ext uri="{FF2B5EF4-FFF2-40B4-BE49-F238E27FC236}">
-                <a16:creationId xmlns="" xmlns:a16="http://schemas.microsoft.com/office/drawing/2014/main" id="{A83B449A-0BC2-46C8-9539-02644646732E}"/>
+                <a16:creationId xmlns:a16="http://schemas.microsoft.com/office/drawing/2014/main" xmlns="" id="{A83B449A-0BC2-46C8-9539-02644646732E}"/>
               </a:ext>
             </a:extLst>
           </p:cNvPr>
@@ -27809,7 +27790,7 @@
           <p:cNvPr id="14" name="Graphic 13" descr="Key">
             <a:extLst>
               <a:ext uri="{FF2B5EF4-FFF2-40B4-BE49-F238E27FC236}">
-                <a16:creationId xmlns="" xmlns:a16="http://schemas.microsoft.com/office/drawing/2014/main" id="{3BC8A0B3-2799-40B6-B1F5-C80F1FB98878}"/>
+                <a16:creationId xmlns:a16="http://schemas.microsoft.com/office/drawing/2014/main" xmlns="" id="{3BC8A0B3-2799-40B6-B1F5-C80F1FB98878}"/>
               </a:ext>
             </a:extLst>
           </p:cNvPr>
@@ -27822,7 +27803,7 @@
           <a:blip r:embed="rId8">
             <a:extLst>
               <a:ext uri="{96DAC541-7B7A-43D3-8B79-37D633B846F1}">
-                <asvg:svgBlip xmlns="" xmlns:asvg="http://schemas.microsoft.com/office/drawing/2016/SVG/main" r:embed="rId9"/>
+                <asvg:svgBlip xmlns:asvg="http://schemas.microsoft.com/office/drawing/2016/SVG/main" xmlns="" r:embed="rId9"/>
               </a:ext>
             </a:extLst>
           </a:blip>
@@ -27845,7 +27826,7 @@
           <p:cNvPr id="17" name="Graphic 16" descr="Spinning Plates">
             <a:extLst>
               <a:ext uri="{FF2B5EF4-FFF2-40B4-BE49-F238E27FC236}">
-                <a16:creationId xmlns="" xmlns:a16="http://schemas.microsoft.com/office/drawing/2014/main" id="{12B8C1DC-26A6-422C-A6DA-F936A560842C}"/>
+                <a16:creationId xmlns:a16="http://schemas.microsoft.com/office/drawing/2014/main" xmlns="" id="{12B8C1DC-26A6-422C-A6DA-F936A560842C}"/>
               </a:ext>
             </a:extLst>
           </p:cNvPr>
@@ -27858,7 +27839,7 @@
           <a:blip r:embed="rId10">
             <a:extLst>
               <a:ext uri="{96DAC541-7B7A-43D3-8B79-37D633B846F1}">
-                <asvg:svgBlip xmlns="" xmlns:asvg="http://schemas.microsoft.com/office/drawing/2016/SVG/main" r:embed="rId11"/>
+                <asvg:svgBlip xmlns:asvg="http://schemas.microsoft.com/office/drawing/2016/SVG/main" xmlns="" r:embed="rId11"/>
               </a:ext>
             </a:extLst>
           </a:blip>
@@ -27881,7 +27862,7 @@
           <p:cNvPr id="18" name="TextBox 17">
             <a:extLst>
               <a:ext uri="{FF2B5EF4-FFF2-40B4-BE49-F238E27FC236}">
-                <a16:creationId xmlns="" xmlns:a16="http://schemas.microsoft.com/office/drawing/2014/main" id="{60A4B2F5-3749-4CA3-80A4-7C044C553A6D}"/>
+                <a16:creationId xmlns:a16="http://schemas.microsoft.com/office/drawing/2014/main" xmlns="" id="{60A4B2F5-3749-4CA3-80A4-7C044C553A6D}"/>
               </a:ext>
             </a:extLst>
           </p:cNvPr>
@@ -27932,7 +27913,7 @@
           <p:cNvPr id="26" name="Picture 25" descr="RSA one time password keyfob&#10;">
             <a:extLst>
               <a:ext uri="{FF2B5EF4-FFF2-40B4-BE49-F238E27FC236}">
-                <a16:creationId xmlns="" xmlns:a16="http://schemas.microsoft.com/office/drawing/2014/main" id="{5DCF78AA-1897-45DA-BC6C-3241A29B580F}"/>
+                <a16:creationId xmlns:a16="http://schemas.microsoft.com/office/drawing/2014/main" xmlns="" id="{5DCF78AA-1897-45DA-BC6C-3241A29B580F}"/>
               </a:ext>
             </a:extLst>
           </p:cNvPr>
@@ -27962,7 +27943,7 @@
           <p:cNvPr id="27" name="TextBox 26">
             <a:extLst>
               <a:ext uri="{FF2B5EF4-FFF2-40B4-BE49-F238E27FC236}">
-                <a16:creationId xmlns="" xmlns:a16="http://schemas.microsoft.com/office/drawing/2014/main" id="{74E9DB62-6506-4F72-B74A-18DC6F84A403}"/>
+                <a16:creationId xmlns:a16="http://schemas.microsoft.com/office/drawing/2014/main" xmlns="" id="{74E9DB62-6506-4F72-B74A-18DC6F84A403}"/>
               </a:ext>
             </a:extLst>
           </p:cNvPr>
@@ -28027,7 +28008,7 @@
           <p:cNvPr id="2" name="Title 1">
             <a:extLst>
               <a:ext uri="{FF2B5EF4-FFF2-40B4-BE49-F238E27FC236}">
-                <a16:creationId xmlns="" xmlns:a16="http://schemas.microsoft.com/office/drawing/2014/main" id="{2AB034E0-008F-43F5-8BAB-A81D72627EF6}"/>
+                <a16:creationId xmlns:a16="http://schemas.microsoft.com/office/drawing/2014/main" xmlns="" id="{2AB034E0-008F-43F5-8BAB-A81D72627EF6}"/>
               </a:ext>
             </a:extLst>
           </p:cNvPr>
@@ -28055,7 +28036,7 @@
           <p:cNvPr id="5" name="Graphic 4" descr="Server">
             <a:extLst>
               <a:ext uri="{FF2B5EF4-FFF2-40B4-BE49-F238E27FC236}">
-                <a16:creationId xmlns="" xmlns:a16="http://schemas.microsoft.com/office/drawing/2014/main" id="{A32AAC74-25F2-4434-9FCF-DCFC62730DBA}"/>
+                <a16:creationId xmlns:a16="http://schemas.microsoft.com/office/drawing/2014/main" xmlns="" id="{A32AAC74-25F2-4434-9FCF-DCFC62730DBA}"/>
               </a:ext>
             </a:extLst>
           </p:cNvPr>
@@ -28068,7 +28049,7 @@
           <a:blip r:embed="rId2">
             <a:extLst>
               <a:ext uri="{96DAC541-7B7A-43D3-8B79-37D633B846F1}">
-                <asvg:svgBlip xmlns="" xmlns:asvg="http://schemas.microsoft.com/office/drawing/2016/SVG/main" r:embed="rId3"/>
+                <asvg:svgBlip xmlns:asvg="http://schemas.microsoft.com/office/drawing/2016/SVG/main" xmlns="" r:embed="rId3"/>
               </a:ext>
             </a:extLst>
           </a:blip>
@@ -28091,7 +28072,7 @@
           <p:cNvPr id="7" name="TextBox 6">
             <a:extLst>
               <a:ext uri="{FF2B5EF4-FFF2-40B4-BE49-F238E27FC236}">
-                <a16:creationId xmlns="" xmlns:a16="http://schemas.microsoft.com/office/drawing/2014/main" id="{B289FAAC-F250-4A5E-9920-20720CB2295B}"/>
+                <a16:creationId xmlns:a16="http://schemas.microsoft.com/office/drawing/2014/main" xmlns="" id="{B289FAAC-F250-4A5E-9920-20720CB2295B}"/>
               </a:ext>
             </a:extLst>
           </p:cNvPr>
@@ -28126,7 +28107,7 @@
           <p:cNvPr id="8" name="TextBox 7">
             <a:extLst>
               <a:ext uri="{FF2B5EF4-FFF2-40B4-BE49-F238E27FC236}">
-                <a16:creationId xmlns="" xmlns:a16="http://schemas.microsoft.com/office/drawing/2014/main" id="{0AABBF9C-6084-469B-8960-30BA35207122}"/>
+                <a16:creationId xmlns:a16="http://schemas.microsoft.com/office/drawing/2014/main" xmlns="" id="{0AABBF9C-6084-469B-8960-30BA35207122}"/>
               </a:ext>
             </a:extLst>
           </p:cNvPr>
@@ -28161,7 +28142,7 @@
           <p:cNvPr id="10" name="Graphic 9" descr="Group of people">
             <a:extLst>
               <a:ext uri="{FF2B5EF4-FFF2-40B4-BE49-F238E27FC236}">
-                <a16:creationId xmlns="" xmlns:a16="http://schemas.microsoft.com/office/drawing/2014/main" id="{E8D320BA-F6AD-456B-A3F0-884F4952F413}"/>
+                <a16:creationId xmlns:a16="http://schemas.microsoft.com/office/drawing/2014/main" xmlns="" id="{E8D320BA-F6AD-456B-A3F0-884F4952F413}"/>
               </a:ext>
             </a:extLst>
           </p:cNvPr>
@@ -28174,7 +28155,7 @@
           <a:blip r:embed="rId4">
             <a:extLst>
               <a:ext uri="{96DAC541-7B7A-43D3-8B79-37D633B846F1}">
-                <asvg:svgBlip xmlns="" xmlns:asvg="http://schemas.microsoft.com/office/drawing/2016/SVG/main" r:embed="rId5"/>
+                <asvg:svgBlip xmlns:asvg="http://schemas.microsoft.com/office/drawing/2016/SVG/main" xmlns="" r:embed="rId5"/>
               </a:ext>
             </a:extLst>
           </a:blip>
@@ -28197,7 +28178,7 @@
           <p:cNvPr id="11" name="TextBox 10">
             <a:extLst>
               <a:ext uri="{FF2B5EF4-FFF2-40B4-BE49-F238E27FC236}">
-                <a16:creationId xmlns="" xmlns:a16="http://schemas.microsoft.com/office/drawing/2014/main" id="{633CD682-1973-4AEE-8062-378385BE6AB4}"/>
+                <a16:creationId xmlns:a16="http://schemas.microsoft.com/office/drawing/2014/main" xmlns="" id="{633CD682-1973-4AEE-8062-378385BE6AB4}"/>
               </a:ext>
             </a:extLst>
           </p:cNvPr>
@@ -28248,7 +28229,7 @@
           <p:cNvPr id="12" name="TextBox 11">
             <a:extLst>
               <a:ext uri="{FF2B5EF4-FFF2-40B4-BE49-F238E27FC236}">
-                <a16:creationId xmlns="" xmlns:a16="http://schemas.microsoft.com/office/drawing/2014/main" id="{970761D1-05D5-465D-994E-61A2C6C68A42}"/>
+                <a16:creationId xmlns:a16="http://schemas.microsoft.com/office/drawing/2014/main" xmlns="" id="{970761D1-05D5-465D-994E-61A2C6C68A42}"/>
               </a:ext>
             </a:extLst>
           </p:cNvPr>
@@ -28283,7 +28264,7 @@
           <p:cNvPr id="15" name="Picture 14">
             <a:extLst>
               <a:ext uri="{FF2B5EF4-FFF2-40B4-BE49-F238E27FC236}">
-                <a16:creationId xmlns="" xmlns:a16="http://schemas.microsoft.com/office/drawing/2014/main" id="{291427C6-B6A8-424E-98FE-F3D9F5BAA9FB}"/>
+                <a16:creationId xmlns:a16="http://schemas.microsoft.com/office/drawing/2014/main" xmlns="" id="{291427C6-B6A8-424E-98FE-F3D9F5BAA9FB}"/>
               </a:ext>
             </a:extLst>
           </p:cNvPr>
